--- a/Präsi_Konzept.pptx
+++ b/Präsi_Konzept.pptx
@@ -183,10 +183,6 @@
     </p:ext>
   </p:extLst>
 </p:presentation>
-</file>
-
-<file path=ppt/revisionInfo.xml><?xml version="1.0" encoding="utf-8"?>
-<p1510:revInfo xmlns:a="http://schemas.openxmlformats.org/drawingml/2006/main" xmlns:r="http://schemas.openxmlformats.org/officeDocument/2006/relationships" xmlns:p1510="http://schemas.microsoft.com/office/powerpoint/2015/10/main"/>
 </file>
 
 <file path=ppt/handoutMasters/handoutMaster1.xml><?xml version="1.0" encoding="utf-8"?>

--- a/Präsi_Konzept.pptx
+++ b/Präsi_Konzept.pptx
@@ -5,10 +5,10 @@
     <p:sldMasterId id="2147483656" r:id="rId1"/>
   </p:sldMasterIdLst>
   <p:notesMasterIdLst>
-    <p:notesMasterId r:id="rId12"/>
+    <p:notesMasterId r:id="rId11"/>
   </p:notesMasterIdLst>
   <p:handoutMasterIdLst>
-    <p:handoutMasterId r:id="rId13"/>
+    <p:handoutMasterId r:id="rId12"/>
   </p:handoutMasterIdLst>
   <p:sldIdLst>
     <p:sldId id="334" r:id="rId2"/>
@@ -17,15 +17,14 @@
     <p:sldId id="425" r:id="rId5"/>
     <p:sldId id="424" r:id="rId6"/>
     <p:sldId id="418" r:id="rId7"/>
-    <p:sldId id="423" r:id="rId8"/>
-    <p:sldId id="419" r:id="rId9"/>
-    <p:sldId id="422" r:id="rId10"/>
-    <p:sldId id="420" r:id="rId11"/>
+    <p:sldId id="419" r:id="rId8"/>
+    <p:sldId id="422" r:id="rId9"/>
+    <p:sldId id="420" r:id="rId10"/>
   </p:sldIdLst>
   <p:sldSz cx="9906000" cy="6858000" type="A4"/>
   <p:notesSz cx="6854825" cy="9750425"/>
   <p:custDataLst>
-    <p:tags r:id="rId14"/>
+    <p:tags r:id="rId13"/>
   </p:custDataLst>
   <p:defaultTextStyle>
     <a:defPPr>
@@ -183,6 +182,10 @@
     </p:ext>
   </p:extLst>
 </p:presentation>
+</file>
+
+<file path=ppt/revisionInfo.xml><?xml version="1.0" encoding="utf-8"?>
+<p1510:revInfo xmlns:a="http://schemas.openxmlformats.org/drawingml/2006/main" xmlns:r="http://schemas.openxmlformats.org/officeDocument/2006/relationships" xmlns:p1510="http://schemas.microsoft.com/office/powerpoint/2015/10/main"/>
 </file>
 
 <file path=ppt/handoutMasters/handoutMaster1.xml><?xml version="1.0" encoding="utf-8"?>
@@ -2120,7 +2123,7 @@
     </p:spTree>
     <p:extLst>
       <p:ext uri="{BB962C8B-B14F-4D97-AF65-F5344CB8AC3E}">
-        <p14:creationId xmlns:p14="http://schemas.microsoft.com/office/powerpoint/2010/main" val="3728346469"/>
+        <p14:creationId xmlns:p14="http://schemas.microsoft.com/office/powerpoint/2010/main" val="2900138578"/>
       </p:ext>
     </p:extLst>
   </p:cSld>
@@ -2359,7 +2362,7 @@
     </p:spTree>
     <p:extLst>
       <p:ext uri="{BB962C8B-B14F-4D97-AF65-F5344CB8AC3E}">
-        <p14:creationId xmlns:p14="http://schemas.microsoft.com/office/powerpoint/2010/main" val="2900138578"/>
+        <p14:creationId xmlns:p14="http://schemas.microsoft.com/office/powerpoint/2010/main" val="3976234203"/>
       </p:ext>
     </p:extLst>
   </p:cSld>
@@ -2544,245 +2547,6 @@
                 </a:spcBef>
               </a:pPr>
               <a:t>9</a:t>
-            </a:fld>
-            <a:endParaRPr lang="de-DE" altLang="de-DE" sz="900"/>
-          </a:p>
-        </p:txBody>
-      </p:sp>
-      <p:sp>
-        <p:nvSpPr>
-          <p:cNvPr id="10243" name="Rectangle 2"/>
-          <p:cNvSpPr>
-            <a:spLocks noGrp="1" noRot="1" noChangeAspect="1" noChangeArrowheads="1" noTextEdit="1"/>
-          </p:cNvSpPr>
-          <p:nvPr>
-            <p:ph type="sldImg"/>
-          </p:nvPr>
-        </p:nvSpPr>
-        <p:spPr>
-          <a:xfrm>
-            <a:off x="792163" y="749300"/>
-            <a:ext cx="5305425" cy="3673475"/>
-          </a:xfrm>
-          <a:ln/>
-        </p:spPr>
-      </p:sp>
-      <p:sp>
-        <p:nvSpPr>
-          <p:cNvPr id="10244" name="Rectangle 3"/>
-          <p:cNvSpPr>
-            <a:spLocks noGrp="1" noChangeArrowheads="1"/>
-          </p:cNvSpPr>
-          <p:nvPr>
-            <p:ph type="body" idx="1"/>
-          </p:nvPr>
-        </p:nvSpPr>
-        <p:spPr>
-          <a:xfrm>
-            <a:off x="928688" y="4646613"/>
-            <a:ext cx="5032375" cy="4346575"/>
-          </a:xfrm>
-          <a:noFill/>
-        </p:spPr>
-        <p:txBody>
-          <a:bodyPr/>
-          <a:lstStyle/>
-          <a:p>
-            <a:pPr eaLnBrk="1" hangingPunct="1"/>
-            <a:endParaRPr lang="en-US" altLang="de-DE">
-              <a:latin typeface="Arial" panose="020B0604020202020204" pitchFamily="34" charset="0"/>
-            </a:endParaRPr>
-          </a:p>
-        </p:txBody>
-      </p:sp>
-    </p:spTree>
-    <p:extLst>
-      <p:ext uri="{BB962C8B-B14F-4D97-AF65-F5344CB8AC3E}">
-        <p14:creationId xmlns:p14="http://schemas.microsoft.com/office/powerpoint/2010/main" val="3976234203"/>
-      </p:ext>
-    </p:extLst>
-  </p:cSld>
-  <p:clrMapOvr>
-    <a:masterClrMapping/>
-  </p:clrMapOvr>
-</p:notes>
-</file>
-
-<file path=ppt/notesSlides/notesSlide8.xml><?xml version="1.0" encoding="utf-8"?>
-<p:notes xmlns:a="http://schemas.openxmlformats.org/drawingml/2006/main" xmlns:r="http://schemas.openxmlformats.org/officeDocument/2006/relationships" xmlns:p="http://schemas.openxmlformats.org/presentationml/2006/main">
-  <p:cSld>
-    <p:spTree>
-      <p:nvGrpSpPr>
-        <p:cNvPr id="1" name=""/>
-        <p:cNvGrpSpPr/>
-        <p:nvPr/>
-      </p:nvGrpSpPr>
-      <p:grpSpPr>
-        <a:xfrm>
-          <a:off x="0" y="0"/>
-          <a:ext cx="0" cy="0"/>
-          <a:chOff x="0" y="0"/>
-          <a:chExt cx="0" cy="0"/>
-        </a:xfrm>
-      </p:grpSpPr>
-      <p:sp>
-        <p:nvSpPr>
-          <p:cNvPr id="10242" name="Rectangle 7"/>
-          <p:cNvSpPr>
-            <a:spLocks noGrp="1" noChangeArrowheads="1"/>
-          </p:cNvSpPr>
-          <p:nvPr>
-            <p:ph type="sldNum" sz="quarter" idx="5"/>
-          </p:nvPr>
-        </p:nvSpPr>
-        <p:spPr>
-          <a:noFill/>
-        </p:spPr>
-        <p:txBody>
-          <a:bodyPr/>
-          <a:lstStyle>
-            <a:lvl1pPr eaLnBrk="0" hangingPunct="0">
-              <a:spcBef>
-                <a:spcPct val="30000"/>
-              </a:spcBef>
-              <a:defRPr sz="1200">
-                <a:solidFill>
-                  <a:schemeClr val="tx1"/>
-                </a:solidFill>
-                <a:latin typeface="Arial" panose="020B0604020202020204" pitchFamily="34" charset="0"/>
-              </a:defRPr>
-            </a:lvl1pPr>
-            <a:lvl2pPr marL="742950" indent="-285750" eaLnBrk="0" hangingPunct="0">
-              <a:spcBef>
-                <a:spcPct val="30000"/>
-              </a:spcBef>
-              <a:buFont typeface="Wingdings" panose="05000000000000000000" pitchFamily="2" charset="2"/>
-              <a:buChar char="§"/>
-              <a:defRPr sz="1200">
-                <a:solidFill>
-                  <a:schemeClr val="tx1"/>
-                </a:solidFill>
-                <a:latin typeface="Arial" panose="020B0604020202020204" pitchFamily="34" charset="0"/>
-              </a:defRPr>
-            </a:lvl2pPr>
-            <a:lvl3pPr marL="1143000" indent="-228600" eaLnBrk="0" hangingPunct="0">
-              <a:spcBef>
-                <a:spcPct val="30000"/>
-              </a:spcBef>
-              <a:buFont typeface="Arial" panose="020B0604020202020204" pitchFamily="34" charset="0"/>
-              <a:buChar char="­"/>
-              <a:defRPr sz="1200">
-                <a:solidFill>
-                  <a:schemeClr val="tx1"/>
-                </a:solidFill>
-                <a:latin typeface="Arial" panose="020B0604020202020204" pitchFamily="34" charset="0"/>
-              </a:defRPr>
-            </a:lvl3pPr>
-            <a:lvl4pPr marL="1600200" indent="-228600" eaLnBrk="0" hangingPunct="0">
-              <a:spcBef>
-                <a:spcPct val="30000"/>
-              </a:spcBef>
-              <a:buFont typeface="Wingdings" panose="05000000000000000000" pitchFamily="2" charset="2"/>
-              <a:buChar char="§"/>
-              <a:defRPr sz="1200">
-                <a:solidFill>
-                  <a:schemeClr val="tx1"/>
-                </a:solidFill>
-                <a:latin typeface="Arial" panose="020B0604020202020204" pitchFamily="34" charset="0"/>
-              </a:defRPr>
-            </a:lvl4pPr>
-            <a:lvl5pPr marL="2057400" indent="-228600" eaLnBrk="0" hangingPunct="0">
-              <a:spcBef>
-                <a:spcPct val="30000"/>
-              </a:spcBef>
-              <a:buFont typeface="Arial" panose="020B0604020202020204" pitchFamily="34" charset="0"/>
-              <a:buChar char="­"/>
-              <a:defRPr sz="1200">
-                <a:solidFill>
-                  <a:schemeClr val="tx1"/>
-                </a:solidFill>
-                <a:latin typeface="Arial" panose="020B0604020202020204" pitchFamily="34" charset="0"/>
-              </a:defRPr>
-            </a:lvl5pPr>
-            <a:lvl6pPr marL="2514600" indent="-228600" eaLnBrk="0" fontAlgn="base" hangingPunct="0">
-              <a:spcBef>
-                <a:spcPct val="30000"/>
-              </a:spcBef>
-              <a:spcAft>
-                <a:spcPct val="0"/>
-              </a:spcAft>
-              <a:buFont typeface="Arial" panose="020B0604020202020204" pitchFamily="34" charset="0"/>
-              <a:buChar char="­"/>
-              <a:defRPr sz="1200">
-                <a:solidFill>
-                  <a:schemeClr val="tx1"/>
-                </a:solidFill>
-                <a:latin typeface="Arial" panose="020B0604020202020204" pitchFamily="34" charset="0"/>
-              </a:defRPr>
-            </a:lvl6pPr>
-            <a:lvl7pPr marL="2971800" indent="-228600" eaLnBrk="0" fontAlgn="base" hangingPunct="0">
-              <a:spcBef>
-                <a:spcPct val="30000"/>
-              </a:spcBef>
-              <a:spcAft>
-                <a:spcPct val="0"/>
-              </a:spcAft>
-              <a:buFont typeface="Arial" panose="020B0604020202020204" pitchFamily="34" charset="0"/>
-              <a:buChar char="­"/>
-              <a:defRPr sz="1200">
-                <a:solidFill>
-                  <a:schemeClr val="tx1"/>
-                </a:solidFill>
-                <a:latin typeface="Arial" panose="020B0604020202020204" pitchFamily="34" charset="0"/>
-              </a:defRPr>
-            </a:lvl7pPr>
-            <a:lvl8pPr marL="3429000" indent="-228600" eaLnBrk="0" fontAlgn="base" hangingPunct="0">
-              <a:spcBef>
-                <a:spcPct val="30000"/>
-              </a:spcBef>
-              <a:spcAft>
-                <a:spcPct val="0"/>
-              </a:spcAft>
-              <a:buFont typeface="Arial" panose="020B0604020202020204" pitchFamily="34" charset="0"/>
-              <a:buChar char="­"/>
-              <a:defRPr sz="1200">
-                <a:solidFill>
-                  <a:schemeClr val="tx1"/>
-                </a:solidFill>
-                <a:latin typeface="Arial" panose="020B0604020202020204" pitchFamily="34" charset="0"/>
-              </a:defRPr>
-            </a:lvl8pPr>
-            <a:lvl9pPr marL="3886200" indent="-228600" eaLnBrk="0" fontAlgn="base" hangingPunct="0">
-              <a:spcBef>
-                <a:spcPct val="30000"/>
-              </a:spcBef>
-              <a:spcAft>
-                <a:spcPct val="0"/>
-              </a:spcAft>
-              <a:buFont typeface="Arial" panose="020B0604020202020204" pitchFamily="34" charset="0"/>
-              <a:buChar char="­"/>
-              <a:defRPr sz="1200">
-                <a:solidFill>
-                  <a:schemeClr val="tx1"/>
-                </a:solidFill>
-                <a:latin typeface="Arial" panose="020B0604020202020204" pitchFamily="34" charset="0"/>
-              </a:defRPr>
-            </a:lvl9pPr>
-          </a:lstStyle>
-          <a:p>
-            <a:pPr eaLnBrk="1" hangingPunct="1">
-              <a:spcBef>
-                <a:spcPct val="0"/>
-              </a:spcBef>
-            </a:pPr>
-            <a:fld id="{B2B890D8-3A8E-4708-AE76-66CE9D2F01A3}" type="slidenum">
-              <a:rPr lang="de-DE" altLang="de-DE" sz="900"/>
-              <a:pPr eaLnBrk="1" hangingPunct="1">
-                <a:spcBef>
-                  <a:spcPct val="0"/>
-                </a:spcBef>
-              </a:pPr>
-              <a:t>10</a:t>
             </a:fld>
             <a:endParaRPr lang="de-DE" altLang="de-DE" sz="900"/>
           </a:p>
@@ -3223,35 +2987,35 @@
           <a:p>
             <a:pPr lvl="0"/>
             <a:r>
-              <a:rPr lang="de-DE"/>
+              <a:rPr lang="de-DE" dirty="0"/>
               <a:t>Textmasterformat bearbeiten</a:t>
             </a:r>
           </a:p>
           <a:p>
             <a:pPr lvl="1"/>
             <a:r>
-              <a:rPr lang="de-DE"/>
+              <a:rPr lang="de-DE" dirty="0"/>
               <a:t>Zweite Ebene</a:t>
             </a:r>
           </a:p>
           <a:p>
             <a:pPr lvl="2"/>
             <a:r>
-              <a:rPr lang="de-DE"/>
+              <a:rPr lang="de-DE" dirty="0"/>
               <a:t>Dritte Ebene</a:t>
             </a:r>
           </a:p>
           <a:p>
             <a:pPr lvl="3"/>
             <a:r>
-              <a:rPr lang="de-DE"/>
+              <a:rPr lang="de-DE" dirty="0"/>
               <a:t>Vierte Ebene</a:t>
             </a:r>
           </a:p>
           <a:p>
             <a:pPr lvl="4"/>
             <a:r>
-              <a:rPr lang="de-DE"/>
+              <a:rPr lang="de-DE" dirty="0"/>
               <a:t>Fünfte Ebene</a:t>
             </a:r>
           </a:p>
@@ -3282,23 +3046,32 @@
               <a:defRPr/>
             </a:pPr>
             <a:r>
-              <a:rPr lang="de-DE"/>
-              <a:t>Seminar Autonome Systeme  |  THEMA  |  </a:t>
-            </a:r>
-            <a:r>
-              <a:rPr lang="de-DE" err="1"/>
-              <a:t>SoSe</a:t>
-            </a:r>
-            <a:r>
-              <a:rPr lang="de-DE"/>
+              <a:rPr lang="de-DE" dirty="0"/>
+              <a:t>VPJ Gewerk 2 |  Bahnplanung  |  </a:t>
+            </a:r>
+            <a:r>
+              <a:rPr lang="de-DE" dirty="0" err="1"/>
+              <a:t>WiSe</a:t>
+            </a:r>
+            <a:r>
+              <a:rPr lang="de-DE" dirty="0"/>
               <a:t> 2017  </a:t>
             </a:r>
             <a:r>
-              <a:rPr lang="de-DE">
+              <a:rPr lang="de-DE" dirty="0">
                 <a:cs typeface="Arial" charset="0"/>
               </a:rPr>
-              <a:t>|  Vorname  Nachname</a:t>
-            </a:r>
+              <a:t>|  Robin Möller, Inke Heynen, Jan </a:t>
+            </a:r>
+            <a:r>
+              <a:rPr lang="de-DE" dirty="0" err="1">
+                <a:cs typeface="Arial" charset="0"/>
+              </a:rPr>
+              <a:t>Gellermann</a:t>
+            </a:r>
+            <a:endParaRPr lang="de-DE" dirty="0">
+              <a:cs typeface="Arial" charset="0"/>
+            </a:endParaRPr>
           </a:p>
         </p:txBody>
       </p:sp>
@@ -3354,7 +3127,7 @@
 </file>
 
 <file path=ppt/slideMasters/slideMaster1.xml><?xml version="1.0" encoding="utf-8"?>
-<p:sldMaster xmlns:a="http://schemas.openxmlformats.org/drawingml/2006/main" xmlns:r="http://schemas.openxmlformats.org/officeDocument/2006/relationships" xmlns:p="http://schemas.openxmlformats.org/presentationml/2006/main" preserve="1">
+<p:sldMaster xmlns:a="http://schemas.openxmlformats.org/drawingml/2006/main" xmlns:r="http://schemas.openxmlformats.org/officeDocument/2006/relationships" xmlns:p="http://schemas.openxmlformats.org/presentationml/2006/main">
   <p:cSld>
     <p:bg>
       <p:bgPr>
@@ -3512,35 +3285,35 @@
           <a:p>
             <a:pPr lvl="0"/>
             <a:r>
-              <a:rPr lang="de-DE" altLang="de-DE"/>
+              <a:rPr lang="de-DE" altLang="de-DE" dirty="0"/>
               <a:t>Mastertextformat bearbeiten</a:t>
             </a:r>
           </a:p>
           <a:p>
             <a:pPr lvl="1"/>
             <a:r>
-              <a:rPr lang="de-DE" altLang="de-DE"/>
+              <a:rPr lang="de-DE" altLang="de-DE" dirty="0"/>
               <a:t>Zweite Ebene</a:t>
             </a:r>
           </a:p>
           <a:p>
             <a:pPr lvl="2"/>
             <a:r>
-              <a:rPr lang="de-DE" altLang="de-DE"/>
+              <a:rPr lang="de-DE" altLang="de-DE" dirty="0"/>
               <a:t>Dritte Ebene</a:t>
             </a:r>
           </a:p>
           <a:p>
             <a:pPr lvl="3"/>
             <a:r>
-              <a:rPr lang="de-DE" altLang="de-DE"/>
+              <a:rPr lang="de-DE" altLang="de-DE" dirty="0"/>
               <a:t>Vierte Ebene</a:t>
             </a:r>
           </a:p>
           <a:p>
             <a:pPr lvl="4"/>
             <a:r>
-              <a:rPr lang="de-DE" altLang="de-DE"/>
+              <a:rPr lang="de-DE" altLang="de-DE" dirty="0"/>
               <a:t>Fünfte Ebene</a:t>
             </a:r>
           </a:p>
@@ -3619,23 +3392,32 @@
               <a:defRPr/>
             </a:pPr>
             <a:r>
-              <a:rPr lang="de-DE"/>
-              <a:t>Seminar Autonome Systeme  |  THEMA  |  </a:t>
-            </a:r>
-            <a:r>
-              <a:rPr lang="de-DE" err="1"/>
-              <a:t>SoSe</a:t>
-            </a:r>
-            <a:r>
-              <a:rPr lang="de-DE"/>
+              <a:rPr lang="de-DE" dirty="0"/>
+              <a:t>VPJ Gewerk 2 |  Bahnplanung  |  </a:t>
+            </a:r>
+            <a:r>
+              <a:rPr lang="de-DE" dirty="0" err="1"/>
+              <a:t>WiSe</a:t>
+            </a:r>
+            <a:r>
+              <a:rPr lang="de-DE" dirty="0"/>
               <a:t> 2017  </a:t>
             </a:r>
             <a:r>
-              <a:rPr lang="de-DE">
+              <a:rPr lang="de-DE" dirty="0">
                 <a:cs typeface="Arial" charset="0"/>
               </a:rPr>
-              <a:t>|  Vorname  Nachname</a:t>
-            </a:r>
+              <a:t>|  Robin Möller, Inke Heynen, Jan </a:t>
+            </a:r>
+            <a:r>
+              <a:rPr lang="de-DE" dirty="0" err="1">
+                <a:cs typeface="Arial" charset="0"/>
+              </a:rPr>
+              <a:t>Gellermann</a:t>
+            </a:r>
+            <a:endParaRPr lang="de-DE" dirty="0">
+              <a:cs typeface="Arial" charset="0"/>
+            </a:endParaRPr>
           </a:p>
         </p:txBody>
       </p:sp>
@@ -4800,499 +4582,6 @@
 </p:sld>
 </file>
 
-<file path=ppt/slides/slide10.xml><?xml version="1.0" encoding="utf-8"?>
-<p:sld xmlns:a="http://schemas.openxmlformats.org/drawingml/2006/main" xmlns:r="http://schemas.openxmlformats.org/officeDocument/2006/relationships" xmlns:p="http://schemas.openxmlformats.org/presentationml/2006/main">
-  <p:cSld>
-    <p:spTree>
-      <p:nvGrpSpPr>
-        <p:cNvPr id="1" name=""/>
-        <p:cNvGrpSpPr/>
-        <p:nvPr/>
-      </p:nvGrpSpPr>
-      <p:grpSpPr>
-        <a:xfrm>
-          <a:off x="0" y="0"/>
-          <a:ext cx="0" cy="0"/>
-          <a:chOff x="0" y="0"/>
-          <a:chExt cx="0" cy="0"/>
-        </a:xfrm>
-      </p:grpSpPr>
-      <p:sp>
-        <p:nvSpPr>
-          <p:cNvPr id="5" name="Foliennummernplatzhalter 4"/>
-          <p:cNvSpPr>
-            <a:spLocks noGrp="1"/>
-          </p:cNvSpPr>
-          <p:nvPr>
-            <p:ph type="sldNum" sz="quarter" idx="11"/>
-          </p:nvPr>
-        </p:nvSpPr>
-        <p:spPr/>
-        <p:txBody>
-          <a:bodyPr/>
-          <a:lstStyle>
-            <a:lvl1pPr eaLnBrk="0" hangingPunct="0">
-              <a:defRPr>
-                <a:solidFill>
-                  <a:schemeClr val="tx1"/>
-                </a:solidFill>
-                <a:latin typeface="Berlin Sans FB" panose="020E0602020502020306" pitchFamily="34" charset="0"/>
-              </a:defRPr>
-            </a:lvl1pPr>
-            <a:lvl2pPr marL="742950" indent="-285750" eaLnBrk="0" hangingPunct="0">
-              <a:defRPr>
-                <a:solidFill>
-                  <a:schemeClr val="tx1"/>
-                </a:solidFill>
-                <a:latin typeface="Berlin Sans FB" panose="020E0602020502020306" pitchFamily="34" charset="0"/>
-              </a:defRPr>
-            </a:lvl2pPr>
-            <a:lvl3pPr marL="1143000" indent="-228600" eaLnBrk="0" hangingPunct="0">
-              <a:defRPr>
-                <a:solidFill>
-                  <a:schemeClr val="tx1"/>
-                </a:solidFill>
-                <a:latin typeface="Berlin Sans FB" panose="020E0602020502020306" pitchFamily="34" charset="0"/>
-              </a:defRPr>
-            </a:lvl3pPr>
-            <a:lvl4pPr marL="1600200" indent="-228600" eaLnBrk="0" hangingPunct="0">
-              <a:defRPr>
-                <a:solidFill>
-                  <a:schemeClr val="tx1"/>
-                </a:solidFill>
-                <a:latin typeface="Berlin Sans FB" panose="020E0602020502020306" pitchFamily="34" charset="0"/>
-              </a:defRPr>
-            </a:lvl4pPr>
-            <a:lvl5pPr marL="2057400" indent="-228600" eaLnBrk="0" hangingPunct="0">
-              <a:defRPr>
-                <a:solidFill>
-                  <a:schemeClr val="tx1"/>
-                </a:solidFill>
-                <a:latin typeface="Berlin Sans FB" panose="020E0602020502020306" pitchFamily="34" charset="0"/>
-              </a:defRPr>
-            </a:lvl5pPr>
-            <a:lvl6pPr marL="2514600" indent="-228600" eaLnBrk="0" fontAlgn="base" hangingPunct="0">
-              <a:spcBef>
-                <a:spcPct val="0"/>
-              </a:spcBef>
-              <a:spcAft>
-                <a:spcPct val="0"/>
-              </a:spcAft>
-              <a:defRPr>
-                <a:solidFill>
-                  <a:schemeClr val="tx1"/>
-                </a:solidFill>
-                <a:latin typeface="Berlin Sans FB" panose="020E0602020502020306" pitchFamily="34" charset="0"/>
-              </a:defRPr>
-            </a:lvl6pPr>
-            <a:lvl7pPr marL="2971800" indent="-228600" eaLnBrk="0" fontAlgn="base" hangingPunct="0">
-              <a:spcBef>
-                <a:spcPct val="0"/>
-              </a:spcBef>
-              <a:spcAft>
-                <a:spcPct val="0"/>
-              </a:spcAft>
-              <a:defRPr>
-                <a:solidFill>
-                  <a:schemeClr val="tx1"/>
-                </a:solidFill>
-                <a:latin typeface="Berlin Sans FB" panose="020E0602020502020306" pitchFamily="34" charset="0"/>
-              </a:defRPr>
-            </a:lvl7pPr>
-            <a:lvl8pPr marL="3429000" indent="-228600" eaLnBrk="0" fontAlgn="base" hangingPunct="0">
-              <a:spcBef>
-                <a:spcPct val="0"/>
-              </a:spcBef>
-              <a:spcAft>
-                <a:spcPct val="0"/>
-              </a:spcAft>
-              <a:defRPr>
-                <a:solidFill>
-                  <a:schemeClr val="tx1"/>
-                </a:solidFill>
-                <a:latin typeface="Berlin Sans FB" panose="020E0602020502020306" pitchFamily="34" charset="0"/>
-              </a:defRPr>
-            </a:lvl8pPr>
-            <a:lvl9pPr marL="3886200" indent="-228600" eaLnBrk="0" fontAlgn="base" hangingPunct="0">
-              <a:spcBef>
-                <a:spcPct val="0"/>
-              </a:spcBef>
-              <a:spcAft>
-                <a:spcPct val="0"/>
-              </a:spcAft>
-              <a:defRPr>
-                <a:solidFill>
-                  <a:schemeClr val="tx1"/>
-                </a:solidFill>
-                <a:latin typeface="Berlin Sans FB" panose="020E0602020502020306" pitchFamily="34" charset="0"/>
-              </a:defRPr>
-            </a:lvl9pPr>
-          </a:lstStyle>
-          <a:p>
-            <a:pPr eaLnBrk="1" hangingPunct="1"/>
-            <a:fld id="{9597214E-587E-4BB5-8E63-037A1AC23691}" type="slidenum">
-              <a:rPr lang="de-DE" altLang="es-ES">
-                <a:solidFill>
-                  <a:srgbClr val="3366CC"/>
-                </a:solidFill>
-                <a:latin typeface="Arial" panose="020B0604020202020204" pitchFamily="34" charset="0"/>
-              </a:rPr>
-              <a:pPr eaLnBrk="1" hangingPunct="1"/>
-              <a:t>10</a:t>
-            </a:fld>
-            <a:r>
-              <a:rPr lang="de-DE" altLang="es-ES">
-                <a:solidFill>
-                  <a:schemeClr val="accent2"/>
-                </a:solidFill>
-                <a:latin typeface="Arial" panose="020B0604020202020204" pitchFamily="34" charset="0"/>
-              </a:rPr>
-              <a:t> </a:t>
-            </a:r>
-          </a:p>
-        </p:txBody>
-      </p:sp>
-      <p:sp>
-        <p:nvSpPr>
-          <p:cNvPr id="5123" name="Rectangle 2"/>
-          <p:cNvSpPr>
-            <a:spLocks noGrp="1" noChangeArrowheads="1"/>
-          </p:cNvSpPr>
-          <p:nvPr>
-            <p:ph type="title"/>
-          </p:nvPr>
-        </p:nvSpPr>
-        <p:spPr>
-          <a:xfrm>
-            <a:off x="319088" y="333375"/>
-            <a:ext cx="7620000" cy="719138"/>
-          </a:xfrm>
-          <a:noFill/>
-        </p:spPr>
-        <p:txBody>
-          <a:bodyPr tIns="36000"/>
-          <a:lstStyle/>
-          <a:p>
-            <a:pPr eaLnBrk="1" hangingPunct="1"/>
-            <a:r>
-              <a:rPr lang="de-DE" altLang="de-DE" dirty="0"/>
-              <a:t>4.</a:t>
-            </a:r>
-            <a:r>
-              <a:rPr lang="de-DE" altLang="de-DE" dirty="0">
-                <a:latin typeface="Arial"/>
-                <a:cs typeface="Arial"/>
-              </a:rPr>
-              <a:t> Terminplan</a:t>
-            </a:r>
-            <a:br>
-              <a:rPr lang="en-US" dirty="0">
-                <a:solidFill>
-                  <a:schemeClr val="tx1"/>
-                </a:solidFill>
-                <a:latin typeface="+mj-ea"/>
-                <a:cs typeface="+mj-ea"/>
-              </a:rPr>
-            </a:br>
-            <a:br>
-              <a:rPr lang="en-US" dirty="0">
-                <a:solidFill>
-                  <a:schemeClr val="tx1"/>
-                </a:solidFill>
-                <a:latin typeface="+mj-ea"/>
-                <a:cs typeface="+mj-ea"/>
-              </a:rPr>
-            </a:br>
-            <a:endParaRPr lang="de-DE" altLang="de-DE" b="0"/>
-          </a:p>
-        </p:txBody>
-      </p:sp>
-      <p:sp>
-        <p:nvSpPr>
-          <p:cNvPr id="5124" name="Rectangle 3"/>
-          <p:cNvSpPr>
-            <a:spLocks noGrp="1" noChangeArrowheads="1"/>
-          </p:cNvSpPr>
-          <p:nvPr>
-            <p:ph type="body" idx="1"/>
-          </p:nvPr>
-        </p:nvSpPr>
-        <p:spPr>
-          <a:noFill/>
-        </p:spPr>
-        <p:txBody>
-          <a:bodyPr/>
-          <a:lstStyle/>
-          <a:p>
-            <a:pPr marL="344170" lvl="1" indent="-342900" eaLnBrk="1" hangingPunct="1">
-              <a:lnSpc>
-                <a:spcPct val="90000"/>
-              </a:lnSpc>
-            </a:pPr>
-            <a:endParaRPr lang="de-DE" altLang="de-DE" sz="1800" dirty="0">
-              <a:cs typeface="Arial"/>
-            </a:endParaRPr>
-          </a:p>
-          <a:p>
-            <a:pPr marL="344170" lvl="1" indent="-342900" eaLnBrk="1" hangingPunct="1">
-              <a:lnSpc>
-                <a:spcPct val="90000"/>
-              </a:lnSpc>
-            </a:pPr>
-            <a:endParaRPr lang="de-DE" altLang="de-DE" sz="1800">
-              <a:cs typeface="Arial"/>
-            </a:endParaRPr>
-          </a:p>
-          <a:p>
-            <a:pPr marL="344170" lvl="1" indent="-342900" eaLnBrk="1" hangingPunct="1">
-              <a:lnSpc>
-                <a:spcPct val="90000"/>
-              </a:lnSpc>
-            </a:pPr>
-            <a:endParaRPr lang="de-DE" altLang="de-DE" sz="1800">
-              <a:cs typeface="Arial"/>
-            </a:endParaRPr>
-          </a:p>
-        </p:txBody>
-      </p:sp>
-      <p:sp>
-        <p:nvSpPr>
-          <p:cNvPr id="5125" name="Rectangle 10"/>
-          <p:cNvSpPr>
-            <a:spLocks noGrp="1" noChangeArrowheads="1"/>
-          </p:cNvSpPr>
-          <p:nvPr>
-            <p:ph type="ftr" sz="quarter" idx="10"/>
-          </p:nvPr>
-        </p:nvSpPr>
-        <p:spPr>
-          <a:noFill/>
-        </p:spPr>
-        <p:txBody>
-          <a:bodyPr/>
-          <a:lstStyle>
-            <a:lvl1pPr eaLnBrk="0" hangingPunct="0">
-              <a:spcBef>
-                <a:spcPct val="30000"/>
-              </a:spcBef>
-              <a:spcAft>
-                <a:spcPct val="30000"/>
-              </a:spcAft>
-              <a:defRPr sz="1400">
-                <a:solidFill>
-                  <a:schemeClr val="tx1"/>
-                </a:solidFill>
-                <a:latin typeface="Arial" panose="020B0604020202020204" pitchFamily="34" charset="0"/>
-              </a:defRPr>
-            </a:lvl1pPr>
-            <a:lvl2pPr marL="742950" indent="-285750" eaLnBrk="0" hangingPunct="0">
-              <a:spcBef>
-                <a:spcPct val="30000"/>
-              </a:spcBef>
-              <a:spcAft>
-                <a:spcPct val="30000"/>
-              </a:spcAft>
-              <a:buFont typeface="Wingdings" panose="05000000000000000000" pitchFamily="2" charset="2"/>
-              <a:buChar char="§"/>
-              <a:defRPr sz="1400">
-                <a:solidFill>
-                  <a:schemeClr val="tx1"/>
-                </a:solidFill>
-                <a:latin typeface="Arial" panose="020B0604020202020204" pitchFamily="34" charset="0"/>
-              </a:defRPr>
-            </a:lvl2pPr>
-            <a:lvl3pPr marL="1143000" indent="-228600" eaLnBrk="0" hangingPunct="0">
-              <a:spcBef>
-                <a:spcPct val="10000"/>
-              </a:spcBef>
-              <a:spcAft>
-                <a:spcPct val="30000"/>
-              </a:spcAft>
-              <a:buFont typeface="Arial" panose="020B0604020202020204" pitchFamily="34" charset="0"/>
-              <a:buChar char="–"/>
-              <a:defRPr sz="1400">
-                <a:solidFill>
-                  <a:schemeClr val="tx1"/>
-                </a:solidFill>
-                <a:latin typeface="Arial" panose="020B0604020202020204" pitchFamily="34" charset="0"/>
-              </a:defRPr>
-            </a:lvl3pPr>
-            <a:lvl4pPr marL="1600200" indent="-228600" eaLnBrk="0" hangingPunct="0">
-              <a:spcBef>
-                <a:spcPct val="10000"/>
-              </a:spcBef>
-              <a:spcAft>
-                <a:spcPct val="30000"/>
-              </a:spcAft>
-              <a:buFont typeface="Wingdings" panose="05000000000000000000" pitchFamily="2" charset="2"/>
-              <a:buChar char="§"/>
-              <a:defRPr sz="1400">
-                <a:solidFill>
-                  <a:schemeClr val="tx1"/>
-                </a:solidFill>
-                <a:latin typeface="Arial" panose="020B0604020202020204" pitchFamily="34" charset="0"/>
-              </a:defRPr>
-            </a:lvl4pPr>
-            <a:lvl5pPr marL="2057400" indent="-228600" eaLnBrk="0" hangingPunct="0">
-              <a:spcBef>
-                <a:spcPct val="10000"/>
-              </a:spcBef>
-              <a:spcAft>
-                <a:spcPct val="30000"/>
-              </a:spcAft>
-              <a:buFont typeface="Arial" panose="020B0604020202020204" pitchFamily="34" charset="0"/>
-              <a:buChar char="–"/>
-              <a:defRPr sz="1400">
-                <a:solidFill>
-                  <a:schemeClr val="tx1"/>
-                </a:solidFill>
-                <a:latin typeface="Arial" panose="020B0604020202020204" pitchFamily="34" charset="0"/>
-              </a:defRPr>
-            </a:lvl5pPr>
-            <a:lvl6pPr marL="2514600" indent="-228600" eaLnBrk="0" fontAlgn="base" hangingPunct="0">
-              <a:spcBef>
-                <a:spcPct val="10000"/>
-              </a:spcBef>
-              <a:spcAft>
-                <a:spcPct val="30000"/>
-              </a:spcAft>
-              <a:buFont typeface="Arial" panose="020B0604020202020204" pitchFamily="34" charset="0"/>
-              <a:buChar char="–"/>
-              <a:defRPr sz="1400">
-                <a:solidFill>
-                  <a:schemeClr val="tx1"/>
-                </a:solidFill>
-                <a:latin typeface="Arial" panose="020B0604020202020204" pitchFamily="34" charset="0"/>
-              </a:defRPr>
-            </a:lvl6pPr>
-            <a:lvl7pPr marL="2971800" indent="-228600" eaLnBrk="0" fontAlgn="base" hangingPunct="0">
-              <a:spcBef>
-                <a:spcPct val="10000"/>
-              </a:spcBef>
-              <a:spcAft>
-                <a:spcPct val="30000"/>
-              </a:spcAft>
-              <a:buFont typeface="Arial" panose="020B0604020202020204" pitchFamily="34" charset="0"/>
-              <a:buChar char="–"/>
-              <a:defRPr sz="1400">
-                <a:solidFill>
-                  <a:schemeClr val="tx1"/>
-                </a:solidFill>
-                <a:latin typeface="Arial" panose="020B0604020202020204" pitchFamily="34" charset="0"/>
-              </a:defRPr>
-            </a:lvl7pPr>
-            <a:lvl8pPr marL="3429000" indent="-228600" eaLnBrk="0" fontAlgn="base" hangingPunct="0">
-              <a:spcBef>
-                <a:spcPct val="10000"/>
-              </a:spcBef>
-              <a:spcAft>
-                <a:spcPct val="30000"/>
-              </a:spcAft>
-              <a:buFont typeface="Arial" panose="020B0604020202020204" pitchFamily="34" charset="0"/>
-              <a:buChar char="–"/>
-              <a:defRPr sz="1400">
-                <a:solidFill>
-                  <a:schemeClr val="tx1"/>
-                </a:solidFill>
-                <a:latin typeface="Arial" panose="020B0604020202020204" pitchFamily="34" charset="0"/>
-              </a:defRPr>
-            </a:lvl8pPr>
-            <a:lvl9pPr marL="3886200" indent="-228600" eaLnBrk="0" fontAlgn="base" hangingPunct="0">
-              <a:spcBef>
-                <a:spcPct val="10000"/>
-              </a:spcBef>
-              <a:spcAft>
-                <a:spcPct val="30000"/>
-              </a:spcAft>
-              <a:buFont typeface="Arial" panose="020B0604020202020204" pitchFamily="34" charset="0"/>
-              <a:buChar char="–"/>
-              <a:defRPr sz="1400">
-                <a:solidFill>
-                  <a:schemeClr val="tx1"/>
-                </a:solidFill>
-                <a:latin typeface="Arial" panose="020B0604020202020204" pitchFamily="34" charset="0"/>
-              </a:defRPr>
-            </a:lvl9pPr>
-          </a:lstStyle>
-          <a:p>
-            <a:pPr eaLnBrk="1" hangingPunct="1">
-              <a:spcBef>
-                <a:spcPct val="0"/>
-              </a:spcBef>
-              <a:spcAft>
-                <a:spcPct val="0"/>
-              </a:spcAft>
-            </a:pPr>
-            <a:r>
-              <a:rPr lang="de-DE" altLang="de-DE" sz="1000">
-                <a:solidFill>
-                  <a:srgbClr val="3366CC"/>
-                </a:solidFill>
-              </a:rPr>
-              <a:t>Seminar Autonome Systeme  |  THEMA  |  SoSe 2017  </a:t>
-            </a:r>
-            <a:r>
-              <a:rPr lang="de-DE" altLang="de-DE" sz="1000">
-                <a:solidFill>
-                  <a:srgbClr val="3366CC"/>
-                </a:solidFill>
-                <a:cs typeface="Arial" panose="020B0604020202020204" pitchFamily="34" charset="0"/>
-              </a:rPr>
-              <a:t>|  Vorname  Nachname</a:t>
-            </a:r>
-          </a:p>
-        </p:txBody>
-      </p:sp>
-      <p:pic>
-        <p:nvPicPr>
-          <p:cNvPr id="6" name="Grafik 5">
-            <a:extLst>
-              <a:ext uri="{FF2B5EF4-FFF2-40B4-BE49-F238E27FC236}">
-                <a16:creationId xmlns:a16="http://schemas.microsoft.com/office/drawing/2014/main" id="{1ABF3FFE-6C4D-4EB6-8EBA-2F04D11AC1DE}"/>
-              </a:ext>
-            </a:extLst>
-          </p:cNvPr>
-          <p:cNvPicPr>
-            <a:picLocks noChangeAspect="1"/>
-          </p:cNvPicPr>
-          <p:nvPr/>
-        </p:nvPicPr>
-        <p:blipFill>
-          <a:blip r:embed="rId3">
-            <a:extLst>
-              <a:ext uri="{28A0092B-C50C-407E-A947-70E740481C1C}">
-                <a14:useLocalDpi xmlns:a14="http://schemas.microsoft.com/office/drawing/2010/main" val="0"/>
-              </a:ext>
-            </a:extLst>
-          </a:blip>
-          <a:stretch>
-            <a:fillRect/>
-          </a:stretch>
-        </p:blipFill>
-        <p:spPr>
-          <a:xfrm>
-            <a:off x="0" y="1555422"/>
-            <a:ext cx="9906000" cy="2755535"/>
-          </a:xfrm>
-          <a:prstGeom prst="rect">
-            <a:avLst/>
-          </a:prstGeom>
-        </p:spPr>
-      </p:pic>
-    </p:spTree>
-    <p:extLst>
-      <p:ext uri="{BB962C8B-B14F-4D97-AF65-F5344CB8AC3E}">
-        <p14:creationId xmlns:p14="http://schemas.microsoft.com/office/powerpoint/2010/main" val="3493361881"/>
-      </p:ext>
-    </p:extLst>
-  </p:cSld>
-  <p:clrMapOvr>
-    <a:masterClrMapping/>
-  </p:clrMapOvr>
-  <p:transition/>
-</p:sld>
-</file>
-
 <file path=ppt/slides/slide2.xml><?xml version="1.0" encoding="utf-8"?>
 <p:sld xmlns:a="http://schemas.openxmlformats.org/drawingml/2006/main" xmlns:r="http://schemas.openxmlformats.org/officeDocument/2006/relationships" xmlns:p="http://schemas.openxmlformats.org/presentationml/2006/main">
   <p:cSld>
@@ -5996,8 +5285,8 @@
           </a:p>
         </p:txBody>
       </p:sp>
-      <mc:AlternateContent xmlns:mc="http://schemas.openxmlformats.org/markup-compatibility/2006">
-        <mc:Choice xmlns:a14="http://schemas.microsoft.com/office/drawing/2010/main" Requires="a14">
+      <mc:AlternateContent xmlns:mc="http://schemas.openxmlformats.org/markup-compatibility/2006" xmlns:a14="http://schemas.microsoft.com/office/drawing/2010/main">
+        <mc:Choice Requires="a14">
           <p:sp>
             <p:nvSpPr>
               <p:cNvPr id="5124" name="Rectangle 3"/>
@@ -6753,7 +6042,7 @@
                       <m:f>
                         <m:fPr>
                           <m:ctrlPr>
-                            <a:rPr lang="de-DE" altLang="de-DE" sz="1800" b="0" i="0" smtClean="0">
+                            <a:rPr lang="de-DE" altLang="de-DE" sz="1800" b="0" i="1" smtClean="0">
                               <a:latin typeface="Cambria Math" panose="02040503050406030204" pitchFamily="18" charset="0"/>
                               <a:ea typeface="Cambria Math" panose="02040503050406030204" pitchFamily="18" charset="0"/>
                               <a:cs typeface="Arial"/>
@@ -6880,7 +6169,7 @@
             </p:txBody>
           </p:sp>
         </mc:Choice>
-        <mc:Fallback>
+        <mc:Fallback xmlns="">
           <p:sp>
             <p:nvSpPr>
               <p:cNvPr id="5124" name="Rectangle 3"/>
@@ -7083,15 +6372,31 @@
               </a:spcAft>
             </a:pPr>
             <a:r>
-              <a:rPr lang="de-DE" altLang="de-DE" sz="1000">
+              <a:rPr lang="de-DE" altLang="de-DE" sz="1000" dirty="0">
                 <a:solidFill>
                   <a:srgbClr val="3366CC"/>
                 </a:solidFill>
               </a:rPr>
-              <a:t>Seminar Autonome Systeme  |  THEMA  |  SoSe 2017  </a:t>
-            </a:r>
-            <a:r>
-              <a:rPr lang="de-DE" altLang="de-DE" sz="1000">
+              <a:t>Seminar Autonome Systeme  |  THEMA  |  </a:t>
+            </a:r>
+            <a:r>
+              <a:rPr lang="de-DE" altLang="de-DE" sz="1000" dirty="0" err="1">
+                <a:solidFill>
+                  <a:srgbClr val="3366CC"/>
+                </a:solidFill>
+              </a:rPr>
+              <a:t>SoSe</a:t>
+            </a:r>
+            <a:r>
+              <a:rPr lang="de-DE" altLang="de-DE" sz="1000" dirty="0">
+                <a:solidFill>
+                  <a:srgbClr val="3366CC"/>
+                </a:solidFill>
+              </a:rPr>
+              <a:t> 2017  </a:t>
+            </a:r>
+            <a:r>
+              <a:rPr lang="de-DE" altLang="de-DE" sz="1000" dirty="0">
                 <a:solidFill>
                   <a:srgbClr val="3366CC"/>
                 </a:solidFill>
@@ -7496,141 +6801,6 @@
       </p:grpSpPr>
       <p:sp>
         <p:nvSpPr>
-          <p:cNvPr id="5" name="Foliennummernplatzhalter 4"/>
-          <p:cNvSpPr>
-            <a:spLocks noGrp="1"/>
-          </p:cNvSpPr>
-          <p:nvPr>
-            <p:ph type="sldNum" sz="quarter" idx="11"/>
-          </p:nvPr>
-        </p:nvSpPr>
-        <p:spPr/>
-        <p:txBody>
-          <a:bodyPr/>
-          <a:lstStyle>
-            <a:lvl1pPr eaLnBrk="0" hangingPunct="0">
-              <a:defRPr>
-                <a:solidFill>
-                  <a:schemeClr val="tx1"/>
-                </a:solidFill>
-                <a:latin typeface="Berlin Sans FB" panose="020E0602020502020306" pitchFamily="34" charset="0"/>
-              </a:defRPr>
-            </a:lvl1pPr>
-            <a:lvl2pPr marL="742950" indent="-285750" eaLnBrk="0" hangingPunct="0">
-              <a:defRPr>
-                <a:solidFill>
-                  <a:schemeClr val="tx1"/>
-                </a:solidFill>
-                <a:latin typeface="Berlin Sans FB" panose="020E0602020502020306" pitchFamily="34" charset="0"/>
-              </a:defRPr>
-            </a:lvl2pPr>
-            <a:lvl3pPr marL="1143000" indent="-228600" eaLnBrk="0" hangingPunct="0">
-              <a:defRPr>
-                <a:solidFill>
-                  <a:schemeClr val="tx1"/>
-                </a:solidFill>
-                <a:latin typeface="Berlin Sans FB" panose="020E0602020502020306" pitchFamily="34" charset="0"/>
-              </a:defRPr>
-            </a:lvl3pPr>
-            <a:lvl4pPr marL="1600200" indent="-228600" eaLnBrk="0" hangingPunct="0">
-              <a:defRPr>
-                <a:solidFill>
-                  <a:schemeClr val="tx1"/>
-                </a:solidFill>
-                <a:latin typeface="Berlin Sans FB" panose="020E0602020502020306" pitchFamily="34" charset="0"/>
-              </a:defRPr>
-            </a:lvl4pPr>
-            <a:lvl5pPr marL="2057400" indent="-228600" eaLnBrk="0" hangingPunct="0">
-              <a:defRPr>
-                <a:solidFill>
-                  <a:schemeClr val="tx1"/>
-                </a:solidFill>
-                <a:latin typeface="Berlin Sans FB" panose="020E0602020502020306" pitchFamily="34" charset="0"/>
-              </a:defRPr>
-            </a:lvl5pPr>
-            <a:lvl6pPr marL="2514600" indent="-228600" eaLnBrk="0" fontAlgn="base" hangingPunct="0">
-              <a:spcBef>
-                <a:spcPct val="0"/>
-              </a:spcBef>
-              <a:spcAft>
-                <a:spcPct val="0"/>
-              </a:spcAft>
-              <a:defRPr>
-                <a:solidFill>
-                  <a:schemeClr val="tx1"/>
-                </a:solidFill>
-                <a:latin typeface="Berlin Sans FB" panose="020E0602020502020306" pitchFamily="34" charset="0"/>
-              </a:defRPr>
-            </a:lvl6pPr>
-            <a:lvl7pPr marL="2971800" indent="-228600" eaLnBrk="0" fontAlgn="base" hangingPunct="0">
-              <a:spcBef>
-                <a:spcPct val="0"/>
-              </a:spcBef>
-              <a:spcAft>
-                <a:spcPct val="0"/>
-              </a:spcAft>
-              <a:defRPr>
-                <a:solidFill>
-                  <a:schemeClr val="tx1"/>
-                </a:solidFill>
-                <a:latin typeface="Berlin Sans FB" panose="020E0602020502020306" pitchFamily="34" charset="0"/>
-              </a:defRPr>
-            </a:lvl7pPr>
-            <a:lvl8pPr marL="3429000" indent="-228600" eaLnBrk="0" fontAlgn="base" hangingPunct="0">
-              <a:spcBef>
-                <a:spcPct val="0"/>
-              </a:spcBef>
-              <a:spcAft>
-                <a:spcPct val="0"/>
-              </a:spcAft>
-              <a:defRPr>
-                <a:solidFill>
-                  <a:schemeClr val="tx1"/>
-                </a:solidFill>
-                <a:latin typeface="Berlin Sans FB" panose="020E0602020502020306" pitchFamily="34" charset="0"/>
-              </a:defRPr>
-            </a:lvl8pPr>
-            <a:lvl9pPr marL="3886200" indent="-228600" eaLnBrk="0" fontAlgn="base" hangingPunct="0">
-              <a:spcBef>
-                <a:spcPct val="0"/>
-              </a:spcBef>
-              <a:spcAft>
-                <a:spcPct val="0"/>
-              </a:spcAft>
-              <a:defRPr>
-                <a:solidFill>
-                  <a:schemeClr val="tx1"/>
-                </a:solidFill>
-                <a:latin typeface="Berlin Sans FB" panose="020E0602020502020306" pitchFamily="34" charset="0"/>
-              </a:defRPr>
-            </a:lvl9pPr>
-          </a:lstStyle>
-          <a:p>
-            <a:pPr eaLnBrk="1" hangingPunct="1"/>
-            <a:fld id="{9597214E-587E-4BB5-8E63-037A1AC23691}" type="slidenum">
-              <a:rPr lang="de-DE" altLang="es-ES">
-                <a:solidFill>
-                  <a:srgbClr val="3366CC"/>
-                </a:solidFill>
-                <a:latin typeface="Arial" panose="020B0604020202020204" pitchFamily="34" charset="0"/>
-              </a:rPr>
-              <a:pPr eaLnBrk="1" hangingPunct="1"/>
-              <a:t>6</a:t>
-            </a:fld>
-            <a:r>
-              <a:rPr lang="de-DE" altLang="es-ES">
-                <a:solidFill>
-                  <a:schemeClr val="accent2"/>
-                </a:solidFill>
-                <a:latin typeface="Arial" panose="020B0604020202020204" pitchFamily="34" charset="0"/>
-              </a:rPr>
-              <a:t> </a:t>
-            </a:r>
-          </a:p>
-        </p:txBody>
-      </p:sp>
-      <p:sp>
-        <p:nvSpPr>
           <p:cNvPr id="5123" name="Rectangle 2"/>
           <p:cNvSpPr>
             <a:spLocks noGrp="1" noChangeArrowheads="1"/>
@@ -7640,10 +6810,6 @@
           </p:nvPr>
         </p:nvSpPr>
         <p:spPr>
-          <a:xfrm>
-            <a:off x="319088" y="333375"/>
-            <a:ext cx="7620000" cy="719138"/>
-          </a:xfrm>
           <a:noFill/>
         </p:spPr>
         <p:txBody>
@@ -7686,7 +6852,7 @@
                 <a:cs typeface="+mj-ea"/>
               </a:rPr>
             </a:br>
-            <a:endParaRPr lang="de-DE" altLang="de-DE" b="0"/>
+            <a:endParaRPr lang="de-DE" altLang="de-DE" b="0" dirty="0"/>
           </a:p>
         </p:txBody>
       </p:sp>
@@ -7697,7 +6863,7 @@
             <a:spLocks noGrp="1" noChangeArrowheads="1"/>
           </p:cNvSpPr>
           <p:nvPr>
-            <p:ph type="body" idx="1"/>
+            <p:ph idx="1"/>
           </p:nvPr>
         </p:nvSpPr>
         <p:spPr>
@@ -7711,7 +6877,189 @@
               <a:lnSpc>
                 <a:spcPct val="90000"/>
               </a:lnSpc>
+              <a:buFont typeface="+mj-lt"/>
+              <a:buAutoNum type="arabicPeriod"/>
             </a:pPr>
+            <a:r>
+              <a:rPr lang="de-DE" altLang="de-DE" sz="1800" dirty="0">
+                <a:cs typeface="Arial"/>
+              </a:rPr>
+              <a:t>Konkaven vermeiden</a:t>
+            </a:r>
+          </a:p>
+          <a:p>
+            <a:pPr marL="172720" lvl="2" indent="0" eaLnBrk="1" hangingPunct="1">
+              <a:lnSpc>
+                <a:spcPct val="90000"/>
+              </a:lnSpc>
+              <a:buNone/>
+            </a:pPr>
+            <a:r>
+              <a:rPr lang="de-DE" altLang="de-DE" sz="1800" dirty="0">
+                <a:cs typeface="Arial"/>
+              </a:rPr>
+              <a:t>	Lösung: Abgabe der Steuerung im Werkbereich an Gewerk 3</a:t>
+            </a:r>
+          </a:p>
+          <a:p>
+            <a:pPr marL="344170" lvl="1" indent="-342900" eaLnBrk="1" hangingPunct="1">
+              <a:lnSpc>
+                <a:spcPct val="90000"/>
+              </a:lnSpc>
+              <a:buFont typeface="+mj-lt"/>
+              <a:buAutoNum type="arabicPeriod"/>
+            </a:pPr>
+            <a:r>
+              <a:rPr lang="de-DE" altLang="de-DE" sz="1800" dirty="0">
+                <a:cs typeface="Arial"/>
+              </a:rPr>
+              <a:t>Ausweichen im Wandbereich nicht möglich</a:t>
+            </a:r>
+          </a:p>
+          <a:p>
+            <a:pPr marL="172720" lvl="2" indent="0" eaLnBrk="1" hangingPunct="1">
+              <a:lnSpc>
+                <a:spcPct val="90000"/>
+              </a:lnSpc>
+              <a:buNone/>
+            </a:pPr>
+            <a:r>
+              <a:rPr lang="de-DE" altLang="de-DE" sz="1800" dirty="0">
+                <a:cs typeface="Arial"/>
+              </a:rPr>
+              <a:t>	Lösung: Durch implementieren einer Einbahnstraße (bzw. Steigungen) </a:t>
+            </a:r>
+          </a:p>
+          <a:p>
+            <a:pPr marL="344170" lvl="1" indent="-342900" eaLnBrk="1" hangingPunct="1">
+              <a:lnSpc>
+                <a:spcPct val="90000"/>
+              </a:lnSpc>
+              <a:buFont typeface="+mj-lt"/>
+              <a:buAutoNum type="arabicPeriod"/>
+            </a:pPr>
+            <a:r>
+              <a:rPr lang="de-DE" altLang="de-DE" sz="1800" dirty="0">
+                <a:cs typeface="Arial"/>
+              </a:rPr>
+              <a:t>Immer nur ein </a:t>
+            </a:r>
+            <a:r>
+              <a:rPr lang="de-DE" altLang="de-DE" sz="1800" dirty="0" err="1">
+                <a:cs typeface="Arial"/>
+              </a:rPr>
+              <a:t>Robotino</a:t>
+            </a:r>
+            <a:r>
+              <a:rPr lang="de-DE" altLang="de-DE" sz="1800" dirty="0">
+                <a:cs typeface="Arial"/>
+              </a:rPr>
+              <a:t> pro Werkbank </a:t>
+            </a:r>
+          </a:p>
+          <a:p>
+            <a:pPr marL="172720" lvl="2" indent="0" eaLnBrk="1" hangingPunct="1">
+              <a:lnSpc>
+                <a:spcPct val="90000"/>
+              </a:lnSpc>
+              <a:buNone/>
+            </a:pPr>
+            <a:r>
+              <a:rPr lang="de-DE" altLang="de-DE" sz="1800" dirty="0">
+                <a:cs typeface="Arial"/>
+              </a:rPr>
+              <a:t>	Lösung: Warteschlange (FIFO-Prinzip) am Fahrbahnrand</a:t>
+            </a:r>
+          </a:p>
+          <a:p>
+            <a:pPr marL="344170" lvl="1" indent="-342900" eaLnBrk="1" hangingPunct="1">
+              <a:lnSpc>
+                <a:spcPct val="90000"/>
+              </a:lnSpc>
+              <a:buFont typeface="+mj-lt"/>
+              <a:buAutoNum type="arabicPeriod"/>
+            </a:pPr>
+            <a:r>
+              <a:rPr lang="de-DE" altLang="de-DE" sz="1800" dirty="0">
+                <a:cs typeface="Arial"/>
+              </a:rPr>
+              <a:t>Sicherstellen, dass FIFO eingehalten wird</a:t>
+            </a:r>
+            <a:br>
+              <a:rPr lang="de-DE" altLang="de-DE" sz="1800" dirty="0">
+                <a:cs typeface="Arial"/>
+              </a:rPr>
+            </a:br>
+            <a:r>
+              <a:rPr lang="de-DE" altLang="de-DE" sz="1800" dirty="0">
+                <a:cs typeface="Arial"/>
+              </a:rPr>
+              <a:t>	Lösung: Setzen eines Merkers</a:t>
+            </a:r>
+          </a:p>
+          <a:p>
+            <a:pPr marL="344170" lvl="1" indent="-342900" eaLnBrk="1" hangingPunct="1">
+              <a:lnSpc>
+                <a:spcPct val="90000"/>
+              </a:lnSpc>
+              <a:buFont typeface="+mj-lt"/>
+              <a:buAutoNum type="arabicPeriod"/>
+            </a:pPr>
+            <a:r>
+              <a:rPr lang="de-DE" altLang="de-DE" sz="1800" dirty="0">
+                <a:cs typeface="Arial"/>
+              </a:rPr>
+              <a:t>Aufrücken im FIFO</a:t>
+            </a:r>
+            <a:br>
+              <a:rPr lang="de-DE" altLang="de-DE" sz="1800" dirty="0">
+                <a:cs typeface="Arial"/>
+              </a:rPr>
+            </a:br>
+            <a:r>
+              <a:rPr lang="de-DE" altLang="de-DE" sz="1800" dirty="0">
+                <a:cs typeface="Arial"/>
+              </a:rPr>
+              <a:t>	Lösung: Information von Gewerk 3, dass Werkbereich verlassen wurde</a:t>
+            </a:r>
+          </a:p>
+          <a:p>
+            <a:pPr marL="344170" lvl="1" indent="-342900" eaLnBrk="1" hangingPunct="1">
+              <a:lnSpc>
+                <a:spcPct val="90000"/>
+              </a:lnSpc>
+              <a:buFont typeface="+mj-lt"/>
+              <a:buAutoNum type="arabicPeriod"/>
+            </a:pPr>
+            <a:r>
+              <a:rPr lang="de-DE" altLang="de-DE" sz="1800" dirty="0" err="1">
+                <a:cs typeface="Arial"/>
+              </a:rPr>
+              <a:t>Robotinos</a:t>
+            </a:r>
+            <a:r>
+              <a:rPr lang="de-DE" altLang="de-DE" sz="1800" dirty="0">
+                <a:cs typeface="Arial"/>
+              </a:rPr>
+              <a:t> ohne Auftrag</a:t>
+            </a:r>
+            <a:br>
+              <a:rPr lang="de-DE" altLang="de-DE" sz="1800" dirty="0">
+                <a:cs typeface="Arial"/>
+              </a:rPr>
+            </a:br>
+            <a:r>
+              <a:rPr lang="de-DE" altLang="de-DE" sz="1800" dirty="0">
+                <a:cs typeface="Arial"/>
+              </a:rPr>
+              <a:t>	Lösung: Eigener Wartebereich für jeden </a:t>
+            </a:r>
+            <a:r>
+              <a:rPr lang="de-DE" altLang="de-DE" sz="1800" dirty="0" err="1">
+                <a:cs typeface="Arial"/>
+              </a:rPr>
+              <a:t>Robotino</a:t>
+            </a:r>
             <a:endParaRPr lang="de-DE" altLang="de-DE" sz="1800" dirty="0">
               <a:cs typeface="Arial"/>
             </a:endParaRPr>
@@ -7722,17 +7070,7 @@
                 <a:spcPct val="90000"/>
               </a:lnSpc>
             </a:pPr>
-            <a:endParaRPr lang="de-DE" altLang="de-DE" sz="1800">
-              <a:cs typeface="Arial"/>
-            </a:endParaRPr>
-          </a:p>
-          <a:p>
-            <a:pPr marL="344170" lvl="1" indent="-342900" eaLnBrk="1" hangingPunct="1">
-              <a:lnSpc>
-                <a:spcPct val="90000"/>
-              </a:lnSpc>
-            </a:pPr>
-            <a:endParaRPr lang="de-DE" altLang="de-DE" sz="1800">
+            <a:endParaRPr lang="de-DE" altLang="de-DE" sz="1800" dirty="0">
               <a:cs typeface="Arial"/>
             </a:endParaRPr>
           </a:p>
@@ -7907,21 +7245,172 @@
               </a:spcAft>
             </a:pPr>
             <a:r>
-              <a:rPr lang="de-DE" altLang="de-DE" sz="1000">
+              <a:rPr lang="de-DE" altLang="de-DE" sz="1000" dirty="0">
                 <a:solidFill>
                   <a:srgbClr val="3366CC"/>
                 </a:solidFill>
               </a:rPr>
-              <a:t>Seminar Autonome Systeme  |  THEMA  |  SoSe 2017  </a:t>
-            </a:r>
-            <a:r>
-              <a:rPr lang="de-DE" altLang="de-DE" sz="1000">
+              <a:t>Seminar Autonome Systeme  |  THEMA  |  </a:t>
+            </a:r>
+            <a:r>
+              <a:rPr lang="de-DE" altLang="de-DE" sz="1000" dirty="0" err="1">
+                <a:solidFill>
+                  <a:srgbClr val="3366CC"/>
+                </a:solidFill>
+              </a:rPr>
+              <a:t>SoSe</a:t>
+            </a:r>
+            <a:r>
+              <a:rPr lang="de-DE" altLang="de-DE" sz="1000" dirty="0">
+                <a:solidFill>
+                  <a:srgbClr val="3366CC"/>
+                </a:solidFill>
+              </a:rPr>
+              <a:t> 2017  </a:t>
+            </a:r>
+            <a:r>
+              <a:rPr lang="de-DE" altLang="de-DE" sz="1000" dirty="0">
                 <a:solidFill>
                   <a:srgbClr val="3366CC"/>
                 </a:solidFill>
                 <a:cs typeface="Arial" panose="020B0604020202020204" pitchFamily="34" charset="0"/>
               </a:rPr>
-              <a:t>|  Vorname  Nachname</a:t>
+              <a:t>|</a:t>
+            </a:r>
+          </a:p>
+        </p:txBody>
+      </p:sp>
+      <p:sp>
+        <p:nvSpPr>
+          <p:cNvPr id="5" name="Foliennummernplatzhalter 4"/>
+          <p:cNvSpPr>
+            <a:spLocks noGrp="1"/>
+          </p:cNvSpPr>
+          <p:nvPr>
+            <p:ph type="sldNum" sz="quarter" idx="11"/>
+          </p:nvPr>
+        </p:nvSpPr>
+        <p:spPr/>
+        <p:txBody>
+          <a:bodyPr/>
+          <a:lstStyle>
+            <a:lvl1pPr eaLnBrk="0" hangingPunct="0">
+              <a:defRPr>
+                <a:solidFill>
+                  <a:schemeClr val="tx1"/>
+                </a:solidFill>
+                <a:latin typeface="Berlin Sans FB" panose="020E0602020502020306" pitchFamily="34" charset="0"/>
+              </a:defRPr>
+            </a:lvl1pPr>
+            <a:lvl2pPr marL="742950" indent="-285750" eaLnBrk="0" hangingPunct="0">
+              <a:defRPr>
+                <a:solidFill>
+                  <a:schemeClr val="tx1"/>
+                </a:solidFill>
+                <a:latin typeface="Berlin Sans FB" panose="020E0602020502020306" pitchFamily="34" charset="0"/>
+              </a:defRPr>
+            </a:lvl2pPr>
+            <a:lvl3pPr marL="1143000" indent="-228600" eaLnBrk="0" hangingPunct="0">
+              <a:defRPr>
+                <a:solidFill>
+                  <a:schemeClr val="tx1"/>
+                </a:solidFill>
+                <a:latin typeface="Berlin Sans FB" panose="020E0602020502020306" pitchFamily="34" charset="0"/>
+              </a:defRPr>
+            </a:lvl3pPr>
+            <a:lvl4pPr marL="1600200" indent="-228600" eaLnBrk="0" hangingPunct="0">
+              <a:defRPr>
+                <a:solidFill>
+                  <a:schemeClr val="tx1"/>
+                </a:solidFill>
+                <a:latin typeface="Berlin Sans FB" panose="020E0602020502020306" pitchFamily="34" charset="0"/>
+              </a:defRPr>
+            </a:lvl4pPr>
+            <a:lvl5pPr marL="2057400" indent="-228600" eaLnBrk="0" hangingPunct="0">
+              <a:defRPr>
+                <a:solidFill>
+                  <a:schemeClr val="tx1"/>
+                </a:solidFill>
+                <a:latin typeface="Berlin Sans FB" panose="020E0602020502020306" pitchFamily="34" charset="0"/>
+              </a:defRPr>
+            </a:lvl5pPr>
+            <a:lvl6pPr marL="2514600" indent="-228600" eaLnBrk="0" fontAlgn="base" hangingPunct="0">
+              <a:spcBef>
+                <a:spcPct val="0"/>
+              </a:spcBef>
+              <a:spcAft>
+                <a:spcPct val="0"/>
+              </a:spcAft>
+              <a:defRPr>
+                <a:solidFill>
+                  <a:schemeClr val="tx1"/>
+                </a:solidFill>
+                <a:latin typeface="Berlin Sans FB" panose="020E0602020502020306" pitchFamily="34" charset="0"/>
+              </a:defRPr>
+            </a:lvl6pPr>
+            <a:lvl7pPr marL="2971800" indent="-228600" eaLnBrk="0" fontAlgn="base" hangingPunct="0">
+              <a:spcBef>
+                <a:spcPct val="0"/>
+              </a:spcBef>
+              <a:spcAft>
+                <a:spcPct val="0"/>
+              </a:spcAft>
+              <a:defRPr>
+                <a:solidFill>
+                  <a:schemeClr val="tx1"/>
+                </a:solidFill>
+                <a:latin typeface="Berlin Sans FB" panose="020E0602020502020306" pitchFamily="34" charset="0"/>
+              </a:defRPr>
+            </a:lvl7pPr>
+            <a:lvl8pPr marL="3429000" indent="-228600" eaLnBrk="0" fontAlgn="base" hangingPunct="0">
+              <a:spcBef>
+                <a:spcPct val="0"/>
+              </a:spcBef>
+              <a:spcAft>
+                <a:spcPct val="0"/>
+              </a:spcAft>
+              <a:defRPr>
+                <a:solidFill>
+                  <a:schemeClr val="tx1"/>
+                </a:solidFill>
+                <a:latin typeface="Berlin Sans FB" panose="020E0602020502020306" pitchFamily="34" charset="0"/>
+              </a:defRPr>
+            </a:lvl8pPr>
+            <a:lvl9pPr marL="3886200" indent="-228600" eaLnBrk="0" fontAlgn="base" hangingPunct="0">
+              <a:spcBef>
+                <a:spcPct val="0"/>
+              </a:spcBef>
+              <a:spcAft>
+                <a:spcPct val="0"/>
+              </a:spcAft>
+              <a:defRPr>
+                <a:solidFill>
+                  <a:schemeClr val="tx1"/>
+                </a:solidFill>
+                <a:latin typeface="Berlin Sans FB" panose="020E0602020502020306" pitchFamily="34" charset="0"/>
+              </a:defRPr>
+            </a:lvl9pPr>
+          </a:lstStyle>
+          <a:p>
+            <a:pPr eaLnBrk="1" hangingPunct="1"/>
+            <a:fld id="{9597214E-587E-4BB5-8E63-037A1AC23691}" type="slidenum">
+              <a:rPr lang="de-DE" altLang="es-ES">
+                <a:solidFill>
+                  <a:srgbClr val="3366CC"/>
+                </a:solidFill>
+                <a:latin typeface="Arial" panose="020B0604020202020204" pitchFamily="34" charset="0"/>
+              </a:rPr>
+              <a:pPr eaLnBrk="1" hangingPunct="1"/>
+              <a:t>6</a:t>
+            </a:fld>
+            <a:r>
+              <a:rPr lang="de-DE" altLang="es-ES">
+                <a:solidFill>
+                  <a:schemeClr val="accent2"/>
+                </a:solidFill>
+                <a:latin typeface="Arial" panose="020B0604020202020204" pitchFamily="34" charset="0"/>
+              </a:rPr>
+              <a:t> </a:t>
             </a:r>
           </a:p>
         </p:txBody>
@@ -8116,13 +7605,14 @@
             <a:pPr eaLnBrk="1" hangingPunct="1"/>
             <a:r>
               <a:rPr lang="de-DE" altLang="de-DE" dirty="0"/>
-              <a:t>2. </a:t>
+              <a:t>3. </a:t>
             </a:r>
             <a:r>
               <a:rPr lang="de-DE" altLang="de-DE" dirty="0">
+                <a:latin typeface="Arial"/>
                 <a:cs typeface="Arial"/>
               </a:rPr>
-              <a:t>Konzept</a:t>
+              <a:t>Schnittstellen</a:t>
             </a:r>
             <a:br>
               <a:rPr lang="en-US" dirty="0">
@@ -8133,13 +7623,6 @@
                 <a:cs typeface="+mj-ea"/>
               </a:rPr>
             </a:br>
-            <a:r>
-              <a:rPr lang="de-DE" altLang="de-DE" dirty="0">
-                <a:latin typeface="Arial"/>
-                <a:cs typeface="Arial"/>
-              </a:rPr>
-              <a:t>Problemstellung</a:t>
-            </a:r>
             <a:br>
               <a:rPr lang="en-US" dirty="0">
                 <a:solidFill>
@@ -8185,9 +7668,12 @@
                 <a:spcPct val="90000"/>
               </a:lnSpc>
             </a:pPr>
-            <a:endParaRPr lang="de-DE" altLang="de-DE" sz="1800">
-              <a:cs typeface="Arial"/>
-            </a:endParaRPr>
+            <a:r>
+              <a:rPr lang="de-DE" altLang="de-DE" sz="1800" dirty="0">
+                <a:cs typeface="Arial"/>
+              </a:rPr>
+              <a:t>Bild von Gewerk 1</a:t>
+            </a:r>
           </a:p>
           <a:p>
             <a:pPr marL="344170" lvl="1" indent="-342900" eaLnBrk="1" hangingPunct="1">
@@ -8195,7 +7681,7 @@
                 <a:spcPct val="90000"/>
               </a:lnSpc>
             </a:pPr>
-            <a:endParaRPr lang="de-DE" altLang="de-DE" sz="1800">
+            <a:endParaRPr lang="de-DE" altLang="de-DE" sz="1800" dirty="0">
               <a:cs typeface="Arial"/>
             </a:endParaRPr>
           </a:p>
@@ -8392,7 +7878,7 @@
     </p:spTree>
     <p:extLst>
       <p:ext uri="{BB962C8B-B14F-4D97-AF65-F5344CB8AC3E}">
-        <p14:creationId xmlns:p14="http://schemas.microsoft.com/office/powerpoint/2010/main" val="3377342118"/>
+        <p14:creationId xmlns:p14="http://schemas.microsoft.com/office/powerpoint/2010/main" val="708531967"/>
       </p:ext>
     </p:extLst>
   </p:cSld>
@@ -8646,7 +8132,7 @@
               <a:rPr lang="de-DE" altLang="de-DE" sz="1800" dirty="0">
                 <a:cs typeface="Arial"/>
               </a:rPr>
-              <a:t>Bild von Gewerk 1</a:t>
+              <a:t>Bild von Gewerk 3</a:t>
             </a:r>
           </a:p>
           <a:p>
@@ -8852,7 +8338,7 @@
     </p:spTree>
     <p:extLst>
       <p:ext uri="{BB962C8B-B14F-4D97-AF65-F5344CB8AC3E}">
-        <p14:creationId xmlns:p14="http://schemas.microsoft.com/office/powerpoint/2010/main" val="708531967"/>
+        <p14:creationId xmlns:p14="http://schemas.microsoft.com/office/powerpoint/2010/main" val="332435406"/>
       </p:ext>
     </p:extLst>
   </p:cSld>
@@ -9039,14 +8525,14 @@
             <a:pPr eaLnBrk="1" hangingPunct="1"/>
             <a:r>
               <a:rPr lang="de-DE" altLang="de-DE" dirty="0"/>
-              <a:t>3. </a:t>
+              <a:t>4.</a:t>
             </a:r>
             <a:r>
               <a:rPr lang="de-DE" altLang="de-DE" dirty="0">
                 <a:latin typeface="Arial"/>
                 <a:cs typeface="Arial"/>
               </a:rPr>
-              <a:t>Schnittstellen</a:t>
+              <a:t> Terminplan</a:t>
             </a:r>
             <a:br>
               <a:rPr lang="en-US" dirty="0">
@@ -9102,12 +8588,9 @@
                 <a:spcPct val="90000"/>
               </a:lnSpc>
             </a:pPr>
-            <a:r>
-              <a:rPr lang="de-DE" altLang="de-DE" sz="1800" dirty="0">
-                <a:cs typeface="Arial"/>
-              </a:rPr>
-              <a:t>Bild von Gewerk 3</a:t>
-            </a:r>
+            <a:endParaRPr lang="de-DE" altLang="de-DE" sz="1800">
+              <a:cs typeface="Arial"/>
+            </a:endParaRPr>
           </a:p>
           <a:p>
             <a:pPr marL="344170" lvl="1" indent="-342900" eaLnBrk="1" hangingPunct="1">
@@ -9309,10 +8792,46 @@
           </a:p>
         </p:txBody>
       </p:sp>
+      <p:pic>
+        <p:nvPicPr>
+          <p:cNvPr id="6" name="Grafik 5">
+            <a:extLst>
+              <a:ext uri="{FF2B5EF4-FFF2-40B4-BE49-F238E27FC236}">
+                <a16:creationId xmlns:a16="http://schemas.microsoft.com/office/drawing/2014/main" id="{1ABF3FFE-6C4D-4EB6-8EBA-2F04D11AC1DE}"/>
+              </a:ext>
+            </a:extLst>
+          </p:cNvPr>
+          <p:cNvPicPr>
+            <a:picLocks noChangeAspect="1"/>
+          </p:cNvPicPr>
+          <p:nvPr/>
+        </p:nvPicPr>
+        <p:blipFill>
+          <a:blip r:embed="rId3">
+            <a:extLst>
+              <a:ext uri="{28A0092B-C50C-407E-A947-70E740481C1C}">
+                <a14:useLocalDpi xmlns:a14="http://schemas.microsoft.com/office/drawing/2010/main" val="0"/>
+              </a:ext>
+            </a:extLst>
+          </a:blip>
+          <a:stretch>
+            <a:fillRect/>
+          </a:stretch>
+        </p:blipFill>
+        <p:spPr>
+          <a:xfrm>
+            <a:off x="0" y="1555422"/>
+            <a:ext cx="9906000" cy="2755535"/>
+          </a:xfrm>
+          <a:prstGeom prst="rect">
+            <a:avLst/>
+          </a:prstGeom>
+        </p:spPr>
+      </p:pic>
     </p:spTree>
     <p:extLst>
       <p:ext uri="{BB962C8B-B14F-4D97-AF65-F5344CB8AC3E}">
-        <p14:creationId xmlns:p14="http://schemas.microsoft.com/office/powerpoint/2010/main" val="332435406"/>
+        <p14:creationId xmlns:p14="http://schemas.microsoft.com/office/powerpoint/2010/main" val="3493361881"/>
       </p:ext>
     </p:extLst>
   </p:cSld>

--- a/Präsi_Konzept.pptx
+++ b/Präsi_Konzept.pptx
@@ -5,26 +5,27 @@
     <p:sldMasterId id="2147483656" r:id="rId1"/>
   </p:sldMasterIdLst>
   <p:notesMasterIdLst>
-    <p:notesMasterId r:id="rId11"/>
+    <p:notesMasterId r:id="rId12"/>
   </p:notesMasterIdLst>
   <p:handoutMasterIdLst>
-    <p:handoutMasterId r:id="rId12"/>
+    <p:handoutMasterId r:id="rId13"/>
   </p:handoutMasterIdLst>
   <p:sldIdLst>
     <p:sldId id="334" r:id="rId2"/>
-    <p:sldId id="416" r:id="rId3"/>
-    <p:sldId id="417" r:id="rId4"/>
-    <p:sldId id="425" r:id="rId5"/>
-    <p:sldId id="424" r:id="rId6"/>
-    <p:sldId id="418" r:id="rId7"/>
-    <p:sldId id="419" r:id="rId8"/>
-    <p:sldId id="422" r:id="rId9"/>
-    <p:sldId id="420" r:id="rId10"/>
+    <p:sldId id="427" r:id="rId3"/>
+    <p:sldId id="428" r:id="rId4"/>
+    <p:sldId id="429" r:id="rId5"/>
+    <p:sldId id="430" r:id="rId6"/>
+    <p:sldId id="431" r:id="rId7"/>
+    <p:sldId id="426" r:id="rId8"/>
+    <p:sldId id="432" r:id="rId9"/>
+    <p:sldId id="433" r:id="rId10"/>
+    <p:sldId id="434" r:id="rId11"/>
   </p:sldIdLst>
   <p:sldSz cx="9906000" cy="6858000" type="A4"/>
   <p:notesSz cx="6854825" cy="9750425"/>
   <p:custDataLst>
-    <p:tags r:id="rId13"/>
+    <p:tags r:id="rId14"/>
   </p:custDataLst>
   <p:defaultTextStyle>
     <a:defPPr>
@@ -1188,1422 +1189,6 @@
         </p:txBody>
       </p:sp>
     </p:spTree>
-  </p:cSld>
-  <p:clrMapOvr>
-    <a:masterClrMapping/>
-  </p:clrMapOvr>
-</p:notes>
-</file>
-
-<file path=ppt/notesSlides/notesSlide2.xml><?xml version="1.0" encoding="utf-8"?>
-<p:notes xmlns:a="http://schemas.openxmlformats.org/drawingml/2006/main" xmlns:r="http://schemas.openxmlformats.org/officeDocument/2006/relationships" xmlns:p="http://schemas.openxmlformats.org/presentationml/2006/main">
-  <p:cSld>
-    <p:spTree>
-      <p:nvGrpSpPr>
-        <p:cNvPr id="1" name=""/>
-        <p:cNvGrpSpPr/>
-        <p:nvPr/>
-      </p:nvGrpSpPr>
-      <p:grpSpPr>
-        <a:xfrm>
-          <a:off x="0" y="0"/>
-          <a:ext cx="0" cy="0"/>
-          <a:chOff x="0" y="0"/>
-          <a:chExt cx="0" cy="0"/>
-        </a:xfrm>
-      </p:grpSpPr>
-      <p:sp>
-        <p:nvSpPr>
-          <p:cNvPr id="9218" name="Rectangle 7"/>
-          <p:cNvSpPr>
-            <a:spLocks noGrp="1" noChangeArrowheads="1"/>
-          </p:cNvSpPr>
-          <p:nvPr>
-            <p:ph type="sldNum" sz="quarter" idx="5"/>
-          </p:nvPr>
-        </p:nvSpPr>
-        <p:spPr>
-          <a:noFill/>
-        </p:spPr>
-        <p:txBody>
-          <a:bodyPr/>
-          <a:lstStyle>
-            <a:lvl1pPr eaLnBrk="0" hangingPunct="0">
-              <a:spcBef>
-                <a:spcPct val="30000"/>
-              </a:spcBef>
-              <a:defRPr sz="1200">
-                <a:solidFill>
-                  <a:schemeClr val="tx1"/>
-                </a:solidFill>
-                <a:latin typeface="Arial" panose="020B0604020202020204" pitchFamily="34" charset="0"/>
-              </a:defRPr>
-            </a:lvl1pPr>
-            <a:lvl2pPr marL="742950" indent="-285750" eaLnBrk="0" hangingPunct="0">
-              <a:spcBef>
-                <a:spcPct val="30000"/>
-              </a:spcBef>
-              <a:buFont typeface="Wingdings" panose="05000000000000000000" pitchFamily="2" charset="2"/>
-              <a:buChar char="§"/>
-              <a:defRPr sz="1200">
-                <a:solidFill>
-                  <a:schemeClr val="tx1"/>
-                </a:solidFill>
-                <a:latin typeface="Arial" panose="020B0604020202020204" pitchFamily="34" charset="0"/>
-              </a:defRPr>
-            </a:lvl2pPr>
-            <a:lvl3pPr marL="1143000" indent="-228600" eaLnBrk="0" hangingPunct="0">
-              <a:spcBef>
-                <a:spcPct val="30000"/>
-              </a:spcBef>
-              <a:buFont typeface="Arial" panose="020B0604020202020204" pitchFamily="34" charset="0"/>
-              <a:buChar char="­"/>
-              <a:defRPr sz="1200">
-                <a:solidFill>
-                  <a:schemeClr val="tx1"/>
-                </a:solidFill>
-                <a:latin typeface="Arial" panose="020B0604020202020204" pitchFamily="34" charset="0"/>
-              </a:defRPr>
-            </a:lvl3pPr>
-            <a:lvl4pPr marL="1600200" indent="-228600" eaLnBrk="0" hangingPunct="0">
-              <a:spcBef>
-                <a:spcPct val="30000"/>
-              </a:spcBef>
-              <a:buFont typeface="Wingdings" panose="05000000000000000000" pitchFamily="2" charset="2"/>
-              <a:buChar char="§"/>
-              <a:defRPr sz="1200">
-                <a:solidFill>
-                  <a:schemeClr val="tx1"/>
-                </a:solidFill>
-                <a:latin typeface="Arial" panose="020B0604020202020204" pitchFamily="34" charset="0"/>
-              </a:defRPr>
-            </a:lvl4pPr>
-            <a:lvl5pPr marL="2057400" indent="-228600" eaLnBrk="0" hangingPunct="0">
-              <a:spcBef>
-                <a:spcPct val="30000"/>
-              </a:spcBef>
-              <a:buFont typeface="Arial" panose="020B0604020202020204" pitchFamily="34" charset="0"/>
-              <a:buChar char="­"/>
-              <a:defRPr sz="1200">
-                <a:solidFill>
-                  <a:schemeClr val="tx1"/>
-                </a:solidFill>
-                <a:latin typeface="Arial" panose="020B0604020202020204" pitchFamily="34" charset="0"/>
-              </a:defRPr>
-            </a:lvl5pPr>
-            <a:lvl6pPr marL="2514600" indent="-228600" eaLnBrk="0" fontAlgn="base" hangingPunct="0">
-              <a:spcBef>
-                <a:spcPct val="30000"/>
-              </a:spcBef>
-              <a:spcAft>
-                <a:spcPct val="0"/>
-              </a:spcAft>
-              <a:buFont typeface="Arial" panose="020B0604020202020204" pitchFamily="34" charset="0"/>
-              <a:buChar char="­"/>
-              <a:defRPr sz="1200">
-                <a:solidFill>
-                  <a:schemeClr val="tx1"/>
-                </a:solidFill>
-                <a:latin typeface="Arial" panose="020B0604020202020204" pitchFamily="34" charset="0"/>
-              </a:defRPr>
-            </a:lvl6pPr>
-            <a:lvl7pPr marL="2971800" indent="-228600" eaLnBrk="0" fontAlgn="base" hangingPunct="0">
-              <a:spcBef>
-                <a:spcPct val="30000"/>
-              </a:spcBef>
-              <a:spcAft>
-                <a:spcPct val="0"/>
-              </a:spcAft>
-              <a:buFont typeface="Arial" panose="020B0604020202020204" pitchFamily="34" charset="0"/>
-              <a:buChar char="­"/>
-              <a:defRPr sz="1200">
-                <a:solidFill>
-                  <a:schemeClr val="tx1"/>
-                </a:solidFill>
-                <a:latin typeface="Arial" panose="020B0604020202020204" pitchFamily="34" charset="0"/>
-              </a:defRPr>
-            </a:lvl7pPr>
-            <a:lvl8pPr marL="3429000" indent="-228600" eaLnBrk="0" fontAlgn="base" hangingPunct="0">
-              <a:spcBef>
-                <a:spcPct val="30000"/>
-              </a:spcBef>
-              <a:spcAft>
-                <a:spcPct val="0"/>
-              </a:spcAft>
-              <a:buFont typeface="Arial" panose="020B0604020202020204" pitchFamily="34" charset="0"/>
-              <a:buChar char="­"/>
-              <a:defRPr sz="1200">
-                <a:solidFill>
-                  <a:schemeClr val="tx1"/>
-                </a:solidFill>
-                <a:latin typeface="Arial" panose="020B0604020202020204" pitchFamily="34" charset="0"/>
-              </a:defRPr>
-            </a:lvl8pPr>
-            <a:lvl9pPr marL="3886200" indent="-228600" eaLnBrk="0" fontAlgn="base" hangingPunct="0">
-              <a:spcBef>
-                <a:spcPct val="30000"/>
-              </a:spcBef>
-              <a:spcAft>
-                <a:spcPct val="0"/>
-              </a:spcAft>
-              <a:buFont typeface="Arial" panose="020B0604020202020204" pitchFamily="34" charset="0"/>
-              <a:buChar char="­"/>
-              <a:defRPr sz="1200">
-                <a:solidFill>
-                  <a:schemeClr val="tx1"/>
-                </a:solidFill>
-                <a:latin typeface="Arial" panose="020B0604020202020204" pitchFamily="34" charset="0"/>
-              </a:defRPr>
-            </a:lvl9pPr>
-          </a:lstStyle>
-          <a:p>
-            <a:pPr eaLnBrk="1" hangingPunct="1">
-              <a:spcBef>
-                <a:spcPct val="0"/>
-              </a:spcBef>
-            </a:pPr>
-            <a:fld id="{D1D7CDF5-8853-47F7-94CF-430CCB52569E}" type="slidenum">
-              <a:rPr lang="de-DE" altLang="de-DE" sz="900"/>
-              <a:pPr eaLnBrk="1" hangingPunct="1">
-                <a:spcBef>
-                  <a:spcPct val="0"/>
-                </a:spcBef>
-              </a:pPr>
-              <a:t>2</a:t>
-            </a:fld>
-            <a:endParaRPr lang="de-DE" altLang="de-DE" sz="900"/>
-          </a:p>
-        </p:txBody>
-      </p:sp>
-      <p:sp>
-        <p:nvSpPr>
-          <p:cNvPr id="9219" name="Rectangle 2"/>
-          <p:cNvSpPr>
-            <a:spLocks noGrp="1" noRot="1" noChangeAspect="1" noChangeArrowheads="1" noTextEdit="1"/>
-          </p:cNvSpPr>
-          <p:nvPr>
-            <p:ph type="sldImg"/>
-          </p:nvPr>
-        </p:nvSpPr>
-        <p:spPr>
-          <a:ln/>
-        </p:spPr>
-      </p:sp>
-      <p:sp>
-        <p:nvSpPr>
-          <p:cNvPr id="9220" name="Rectangle 3"/>
-          <p:cNvSpPr>
-            <a:spLocks noGrp="1" noChangeArrowheads="1"/>
-          </p:cNvSpPr>
-          <p:nvPr>
-            <p:ph type="body" idx="1"/>
-          </p:nvPr>
-        </p:nvSpPr>
-        <p:spPr>
-          <a:noFill/>
-        </p:spPr>
-        <p:txBody>
-          <a:bodyPr/>
-          <a:lstStyle/>
-          <a:p>
-            <a:pPr eaLnBrk="1" hangingPunct="1"/>
-            <a:endParaRPr lang="en-US" altLang="de-DE">
-              <a:latin typeface="Arial" panose="020B0604020202020204" pitchFamily="34" charset="0"/>
-            </a:endParaRPr>
-          </a:p>
-        </p:txBody>
-      </p:sp>
-    </p:spTree>
-  </p:cSld>
-  <p:clrMapOvr>
-    <a:masterClrMapping/>
-  </p:clrMapOvr>
-</p:notes>
-</file>
-
-<file path=ppt/notesSlides/notesSlide3.xml><?xml version="1.0" encoding="utf-8"?>
-<p:notes xmlns:a="http://schemas.openxmlformats.org/drawingml/2006/main" xmlns:r="http://schemas.openxmlformats.org/officeDocument/2006/relationships" xmlns:p="http://schemas.openxmlformats.org/presentationml/2006/main">
-  <p:cSld>
-    <p:spTree>
-      <p:nvGrpSpPr>
-        <p:cNvPr id="1" name=""/>
-        <p:cNvGrpSpPr/>
-        <p:nvPr/>
-      </p:nvGrpSpPr>
-      <p:grpSpPr>
-        <a:xfrm>
-          <a:off x="0" y="0"/>
-          <a:ext cx="0" cy="0"/>
-          <a:chOff x="0" y="0"/>
-          <a:chExt cx="0" cy="0"/>
-        </a:xfrm>
-      </p:grpSpPr>
-      <p:sp>
-        <p:nvSpPr>
-          <p:cNvPr id="10242" name="Rectangle 7"/>
-          <p:cNvSpPr>
-            <a:spLocks noGrp="1" noChangeArrowheads="1"/>
-          </p:cNvSpPr>
-          <p:nvPr>
-            <p:ph type="sldNum" sz="quarter" idx="5"/>
-          </p:nvPr>
-        </p:nvSpPr>
-        <p:spPr>
-          <a:noFill/>
-        </p:spPr>
-        <p:txBody>
-          <a:bodyPr/>
-          <a:lstStyle>
-            <a:lvl1pPr eaLnBrk="0" hangingPunct="0">
-              <a:spcBef>
-                <a:spcPct val="30000"/>
-              </a:spcBef>
-              <a:defRPr sz="1200">
-                <a:solidFill>
-                  <a:schemeClr val="tx1"/>
-                </a:solidFill>
-                <a:latin typeface="Arial" panose="020B0604020202020204" pitchFamily="34" charset="0"/>
-              </a:defRPr>
-            </a:lvl1pPr>
-            <a:lvl2pPr marL="742950" indent="-285750" eaLnBrk="0" hangingPunct="0">
-              <a:spcBef>
-                <a:spcPct val="30000"/>
-              </a:spcBef>
-              <a:buFont typeface="Wingdings" panose="05000000000000000000" pitchFamily="2" charset="2"/>
-              <a:buChar char="§"/>
-              <a:defRPr sz="1200">
-                <a:solidFill>
-                  <a:schemeClr val="tx1"/>
-                </a:solidFill>
-                <a:latin typeface="Arial" panose="020B0604020202020204" pitchFamily="34" charset="0"/>
-              </a:defRPr>
-            </a:lvl2pPr>
-            <a:lvl3pPr marL="1143000" indent="-228600" eaLnBrk="0" hangingPunct="0">
-              <a:spcBef>
-                <a:spcPct val="30000"/>
-              </a:spcBef>
-              <a:buFont typeface="Arial" panose="020B0604020202020204" pitchFamily="34" charset="0"/>
-              <a:buChar char="­"/>
-              <a:defRPr sz="1200">
-                <a:solidFill>
-                  <a:schemeClr val="tx1"/>
-                </a:solidFill>
-                <a:latin typeface="Arial" panose="020B0604020202020204" pitchFamily="34" charset="0"/>
-              </a:defRPr>
-            </a:lvl3pPr>
-            <a:lvl4pPr marL="1600200" indent="-228600" eaLnBrk="0" hangingPunct="0">
-              <a:spcBef>
-                <a:spcPct val="30000"/>
-              </a:spcBef>
-              <a:buFont typeface="Wingdings" panose="05000000000000000000" pitchFamily="2" charset="2"/>
-              <a:buChar char="§"/>
-              <a:defRPr sz="1200">
-                <a:solidFill>
-                  <a:schemeClr val="tx1"/>
-                </a:solidFill>
-                <a:latin typeface="Arial" panose="020B0604020202020204" pitchFamily="34" charset="0"/>
-              </a:defRPr>
-            </a:lvl4pPr>
-            <a:lvl5pPr marL="2057400" indent="-228600" eaLnBrk="0" hangingPunct="0">
-              <a:spcBef>
-                <a:spcPct val="30000"/>
-              </a:spcBef>
-              <a:buFont typeface="Arial" panose="020B0604020202020204" pitchFamily="34" charset="0"/>
-              <a:buChar char="­"/>
-              <a:defRPr sz="1200">
-                <a:solidFill>
-                  <a:schemeClr val="tx1"/>
-                </a:solidFill>
-                <a:latin typeface="Arial" panose="020B0604020202020204" pitchFamily="34" charset="0"/>
-              </a:defRPr>
-            </a:lvl5pPr>
-            <a:lvl6pPr marL="2514600" indent="-228600" eaLnBrk="0" fontAlgn="base" hangingPunct="0">
-              <a:spcBef>
-                <a:spcPct val="30000"/>
-              </a:spcBef>
-              <a:spcAft>
-                <a:spcPct val="0"/>
-              </a:spcAft>
-              <a:buFont typeface="Arial" panose="020B0604020202020204" pitchFamily="34" charset="0"/>
-              <a:buChar char="­"/>
-              <a:defRPr sz="1200">
-                <a:solidFill>
-                  <a:schemeClr val="tx1"/>
-                </a:solidFill>
-                <a:latin typeface="Arial" panose="020B0604020202020204" pitchFamily="34" charset="0"/>
-              </a:defRPr>
-            </a:lvl6pPr>
-            <a:lvl7pPr marL="2971800" indent="-228600" eaLnBrk="0" fontAlgn="base" hangingPunct="0">
-              <a:spcBef>
-                <a:spcPct val="30000"/>
-              </a:spcBef>
-              <a:spcAft>
-                <a:spcPct val="0"/>
-              </a:spcAft>
-              <a:buFont typeface="Arial" panose="020B0604020202020204" pitchFamily="34" charset="0"/>
-              <a:buChar char="­"/>
-              <a:defRPr sz="1200">
-                <a:solidFill>
-                  <a:schemeClr val="tx1"/>
-                </a:solidFill>
-                <a:latin typeface="Arial" panose="020B0604020202020204" pitchFamily="34" charset="0"/>
-              </a:defRPr>
-            </a:lvl7pPr>
-            <a:lvl8pPr marL="3429000" indent="-228600" eaLnBrk="0" fontAlgn="base" hangingPunct="0">
-              <a:spcBef>
-                <a:spcPct val="30000"/>
-              </a:spcBef>
-              <a:spcAft>
-                <a:spcPct val="0"/>
-              </a:spcAft>
-              <a:buFont typeface="Arial" panose="020B0604020202020204" pitchFamily="34" charset="0"/>
-              <a:buChar char="­"/>
-              <a:defRPr sz="1200">
-                <a:solidFill>
-                  <a:schemeClr val="tx1"/>
-                </a:solidFill>
-                <a:latin typeface="Arial" panose="020B0604020202020204" pitchFamily="34" charset="0"/>
-              </a:defRPr>
-            </a:lvl8pPr>
-            <a:lvl9pPr marL="3886200" indent="-228600" eaLnBrk="0" fontAlgn="base" hangingPunct="0">
-              <a:spcBef>
-                <a:spcPct val="30000"/>
-              </a:spcBef>
-              <a:spcAft>
-                <a:spcPct val="0"/>
-              </a:spcAft>
-              <a:buFont typeface="Arial" panose="020B0604020202020204" pitchFamily="34" charset="0"/>
-              <a:buChar char="­"/>
-              <a:defRPr sz="1200">
-                <a:solidFill>
-                  <a:schemeClr val="tx1"/>
-                </a:solidFill>
-                <a:latin typeface="Arial" panose="020B0604020202020204" pitchFamily="34" charset="0"/>
-              </a:defRPr>
-            </a:lvl9pPr>
-          </a:lstStyle>
-          <a:p>
-            <a:pPr eaLnBrk="1" hangingPunct="1">
-              <a:spcBef>
-                <a:spcPct val="0"/>
-              </a:spcBef>
-            </a:pPr>
-            <a:fld id="{B2B890D8-3A8E-4708-AE76-66CE9D2F01A3}" type="slidenum">
-              <a:rPr lang="de-DE" altLang="de-DE" sz="900"/>
-              <a:pPr eaLnBrk="1" hangingPunct="1">
-                <a:spcBef>
-                  <a:spcPct val="0"/>
-                </a:spcBef>
-              </a:pPr>
-              <a:t>3</a:t>
-            </a:fld>
-            <a:endParaRPr lang="de-DE" altLang="de-DE" sz="900"/>
-          </a:p>
-        </p:txBody>
-      </p:sp>
-      <p:sp>
-        <p:nvSpPr>
-          <p:cNvPr id="10243" name="Rectangle 2"/>
-          <p:cNvSpPr>
-            <a:spLocks noGrp="1" noRot="1" noChangeAspect="1" noChangeArrowheads="1" noTextEdit="1"/>
-          </p:cNvSpPr>
-          <p:nvPr>
-            <p:ph type="sldImg"/>
-          </p:nvPr>
-        </p:nvSpPr>
-        <p:spPr>
-          <a:xfrm>
-            <a:off x="792163" y="749300"/>
-            <a:ext cx="5305425" cy="3673475"/>
-          </a:xfrm>
-          <a:ln/>
-        </p:spPr>
-      </p:sp>
-      <p:sp>
-        <p:nvSpPr>
-          <p:cNvPr id="10244" name="Rectangle 3"/>
-          <p:cNvSpPr>
-            <a:spLocks noGrp="1" noChangeArrowheads="1"/>
-          </p:cNvSpPr>
-          <p:nvPr>
-            <p:ph type="body" idx="1"/>
-          </p:nvPr>
-        </p:nvSpPr>
-        <p:spPr>
-          <a:xfrm>
-            <a:off x="928688" y="4646613"/>
-            <a:ext cx="5032375" cy="4346575"/>
-          </a:xfrm>
-          <a:noFill/>
-        </p:spPr>
-        <p:txBody>
-          <a:bodyPr/>
-          <a:lstStyle/>
-          <a:p>
-            <a:pPr eaLnBrk="1" hangingPunct="1"/>
-            <a:endParaRPr lang="en-US" altLang="de-DE">
-              <a:latin typeface="Arial" panose="020B0604020202020204" pitchFamily="34" charset="0"/>
-            </a:endParaRPr>
-          </a:p>
-        </p:txBody>
-      </p:sp>
-    </p:spTree>
-  </p:cSld>
-  <p:clrMapOvr>
-    <a:masterClrMapping/>
-  </p:clrMapOvr>
-</p:notes>
-</file>
-
-<file path=ppt/notesSlides/notesSlide4.xml><?xml version="1.0" encoding="utf-8"?>
-<p:notes xmlns:a="http://schemas.openxmlformats.org/drawingml/2006/main" xmlns:r="http://schemas.openxmlformats.org/officeDocument/2006/relationships" xmlns:p="http://schemas.openxmlformats.org/presentationml/2006/main">
-  <p:cSld>
-    <p:spTree>
-      <p:nvGrpSpPr>
-        <p:cNvPr id="1" name=""/>
-        <p:cNvGrpSpPr/>
-        <p:nvPr/>
-      </p:nvGrpSpPr>
-      <p:grpSpPr>
-        <a:xfrm>
-          <a:off x="0" y="0"/>
-          <a:ext cx="0" cy="0"/>
-          <a:chOff x="0" y="0"/>
-          <a:chExt cx="0" cy="0"/>
-        </a:xfrm>
-      </p:grpSpPr>
-      <p:sp>
-        <p:nvSpPr>
-          <p:cNvPr id="10242" name="Rectangle 7"/>
-          <p:cNvSpPr>
-            <a:spLocks noGrp="1" noChangeArrowheads="1"/>
-          </p:cNvSpPr>
-          <p:nvPr>
-            <p:ph type="sldNum" sz="quarter" idx="5"/>
-          </p:nvPr>
-        </p:nvSpPr>
-        <p:spPr>
-          <a:noFill/>
-        </p:spPr>
-        <p:txBody>
-          <a:bodyPr/>
-          <a:lstStyle>
-            <a:lvl1pPr eaLnBrk="0" hangingPunct="0">
-              <a:spcBef>
-                <a:spcPct val="30000"/>
-              </a:spcBef>
-              <a:defRPr sz="1200">
-                <a:solidFill>
-                  <a:schemeClr val="tx1"/>
-                </a:solidFill>
-                <a:latin typeface="Arial" panose="020B0604020202020204" pitchFamily="34" charset="0"/>
-              </a:defRPr>
-            </a:lvl1pPr>
-            <a:lvl2pPr marL="742950" indent="-285750" eaLnBrk="0" hangingPunct="0">
-              <a:spcBef>
-                <a:spcPct val="30000"/>
-              </a:spcBef>
-              <a:buFont typeface="Wingdings" panose="05000000000000000000" pitchFamily="2" charset="2"/>
-              <a:buChar char="§"/>
-              <a:defRPr sz="1200">
-                <a:solidFill>
-                  <a:schemeClr val="tx1"/>
-                </a:solidFill>
-                <a:latin typeface="Arial" panose="020B0604020202020204" pitchFamily="34" charset="0"/>
-              </a:defRPr>
-            </a:lvl2pPr>
-            <a:lvl3pPr marL="1143000" indent="-228600" eaLnBrk="0" hangingPunct="0">
-              <a:spcBef>
-                <a:spcPct val="30000"/>
-              </a:spcBef>
-              <a:buFont typeface="Arial" panose="020B0604020202020204" pitchFamily="34" charset="0"/>
-              <a:buChar char="­"/>
-              <a:defRPr sz="1200">
-                <a:solidFill>
-                  <a:schemeClr val="tx1"/>
-                </a:solidFill>
-                <a:latin typeface="Arial" panose="020B0604020202020204" pitchFamily="34" charset="0"/>
-              </a:defRPr>
-            </a:lvl3pPr>
-            <a:lvl4pPr marL="1600200" indent="-228600" eaLnBrk="0" hangingPunct="0">
-              <a:spcBef>
-                <a:spcPct val="30000"/>
-              </a:spcBef>
-              <a:buFont typeface="Wingdings" panose="05000000000000000000" pitchFamily="2" charset="2"/>
-              <a:buChar char="§"/>
-              <a:defRPr sz="1200">
-                <a:solidFill>
-                  <a:schemeClr val="tx1"/>
-                </a:solidFill>
-                <a:latin typeface="Arial" panose="020B0604020202020204" pitchFamily="34" charset="0"/>
-              </a:defRPr>
-            </a:lvl4pPr>
-            <a:lvl5pPr marL="2057400" indent="-228600" eaLnBrk="0" hangingPunct="0">
-              <a:spcBef>
-                <a:spcPct val="30000"/>
-              </a:spcBef>
-              <a:buFont typeface="Arial" panose="020B0604020202020204" pitchFamily="34" charset="0"/>
-              <a:buChar char="­"/>
-              <a:defRPr sz="1200">
-                <a:solidFill>
-                  <a:schemeClr val="tx1"/>
-                </a:solidFill>
-                <a:latin typeface="Arial" panose="020B0604020202020204" pitchFamily="34" charset="0"/>
-              </a:defRPr>
-            </a:lvl5pPr>
-            <a:lvl6pPr marL="2514600" indent="-228600" eaLnBrk="0" fontAlgn="base" hangingPunct="0">
-              <a:spcBef>
-                <a:spcPct val="30000"/>
-              </a:spcBef>
-              <a:spcAft>
-                <a:spcPct val="0"/>
-              </a:spcAft>
-              <a:buFont typeface="Arial" panose="020B0604020202020204" pitchFamily="34" charset="0"/>
-              <a:buChar char="­"/>
-              <a:defRPr sz="1200">
-                <a:solidFill>
-                  <a:schemeClr val="tx1"/>
-                </a:solidFill>
-                <a:latin typeface="Arial" panose="020B0604020202020204" pitchFamily="34" charset="0"/>
-              </a:defRPr>
-            </a:lvl6pPr>
-            <a:lvl7pPr marL="2971800" indent="-228600" eaLnBrk="0" fontAlgn="base" hangingPunct="0">
-              <a:spcBef>
-                <a:spcPct val="30000"/>
-              </a:spcBef>
-              <a:spcAft>
-                <a:spcPct val="0"/>
-              </a:spcAft>
-              <a:buFont typeface="Arial" panose="020B0604020202020204" pitchFamily="34" charset="0"/>
-              <a:buChar char="­"/>
-              <a:defRPr sz="1200">
-                <a:solidFill>
-                  <a:schemeClr val="tx1"/>
-                </a:solidFill>
-                <a:latin typeface="Arial" panose="020B0604020202020204" pitchFamily="34" charset="0"/>
-              </a:defRPr>
-            </a:lvl7pPr>
-            <a:lvl8pPr marL="3429000" indent="-228600" eaLnBrk="0" fontAlgn="base" hangingPunct="0">
-              <a:spcBef>
-                <a:spcPct val="30000"/>
-              </a:spcBef>
-              <a:spcAft>
-                <a:spcPct val="0"/>
-              </a:spcAft>
-              <a:buFont typeface="Arial" panose="020B0604020202020204" pitchFamily="34" charset="0"/>
-              <a:buChar char="­"/>
-              <a:defRPr sz="1200">
-                <a:solidFill>
-                  <a:schemeClr val="tx1"/>
-                </a:solidFill>
-                <a:latin typeface="Arial" panose="020B0604020202020204" pitchFamily="34" charset="0"/>
-              </a:defRPr>
-            </a:lvl8pPr>
-            <a:lvl9pPr marL="3886200" indent="-228600" eaLnBrk="0" fontAlgn="base" hangingPunct="0">
-              <a:spcBef>
-                <a:spcPct val="30000"/>
-              </a:spcBef>
-              <a:spcAft>
-                <a:spcPct val="0"/>
-              </a:spcAft>
-              <a:buFont typeface="Arial" panose="020B0604020202020204" pitchFamily="34" charset="0"/>
-              <a:buChar char="­"/>
-              <a:defRPr sz="1200">
-                <a:solidFill>
-                  <a:schemeClr val="tx1"/>
-                </a:solidFill>
-                <a:latin typeface="Arial" panose="020B0604020202020204" pitchFamily="34" charset="0"/>
-              </a:defRPr>
-            </a:lvl9pPr>
-          </a:lstStyle>
-          <a:p>
-            <a:pPr eaLnBrk="1" hangingPunct="1">
-              <a:spcBef>
-                <a:spcPct val="0"/>
-              </a:spcBef>
-            </a:pPr>
-            <a:fld id="{B2B890D8-3A8E-4708-AE76-66CE9D2F01A3}" type="slidenum">
-              <a:rPr lang="de-DE" altLang="de-DE" sz="900"/>
-              <a:pPr eaLnBrk="1" hangingPunct="1">
-                <a:spcBef>
-                  <a:spcPct val="0"/>
-                </a:spcBef>
-              </a:pPr>
-              <a:t>6</a:t>
-            </a:fld>
-            <a:endParaRPr lang="de-DE" altLang="de-DE" sz="900"/>
-          </a:p>
-        </p:txBody>
-      </p:sp>
-      <p:sp>
-        <p:nvSpPr>
-          <p:cNvPr id="10243" name="Rectangle 2"/>
-          <p:cNvSpPr>
-            <a:spLocks noGrp="1" noRot="1" noChangeAspect="1" noChangeArrowheads="1" noTextEdit="1"/>
-          </p:cNvSpPr>
-          <p:nvPr>
-            <p:ph type="sldImg"/>
-          </p:nvPr>
-        </p:nvSpPr>
-        <p:spPr>
-          <a:xfrm>
-            <a:off x="792163" y="749300"/>
-            <a:ext cx="5305425" cy="3673475"/>
-          </a:xfrm>
-          <a:ln/>
-        </p:spPr>
-      </p:sp>
-      <p:sp>
-        <p:nvSpPr>
-          <p:cNvPr id="10244" name="Rectangle 3"/>
-          <p:cNvSpPr>
-            <a:spLocks noGrp="1" noChangeArrowheads="1"/>
-          </p:cNvSpPr>
-          <p:nvPr>
-            <p:ph type="body" idx="1"/>
-          </p:nvPr>
-        </p:nvSpPr>
-        <p:spPr>
-          <a:xfrm>
-            <a:off x="928688" y="4646613"/>
-            <a:ext cx="5032375" cy="4346575"/>
-          </a:xfrm>
-          <a:noFill/>
-        </p:spPr>
-        <p:txBody>
-          <a:bodyPr/>
-          <a:lstStyle/>
-          <a:p>
-            <a:pPr eaLnBrk="1" hangingPunct="1"/>
-            <a:endParaRPr lang="en-US" altLang="de-DE">
-              <a:latin typeface="Arial" panose="020B0604020202020204" pitchFamily="34" charset="0"/>
-            </a:endParaRPr>
-          </a:p>
-        </p:txBody>
-      </p:sp>
-    </p:spTree>
-    <p:extLst>
-      <p:ext uri="{BB962C8B-B14F-4D97-AF65-F5344CB8AC3E}">
-        <p14:creationId xmlns:p14="http://schemas.microsoft.com/office/powerpoint/2010/main" val="224442373"/>
-      </p:ext>
-    </p:extLst>
-  </p:cSld>
-  <p:clrMapOvr>
-    <a:masterClrMapping/>
-  </p:clrMapOvr>
-</p:notes>
-</file>
-
-<file path=ppt/notesSlides/notesSlide5.xml><?xml version="1.0" encoding="utf-8"?>
-<p:notes xmlns:a="http://schemas.openxmlformats.org/drawingml/2006/main" xmlns:r="http://schemas.openxmlformats.org/officeDocument/2006/relationships" xmlns:p="http://schemas.openxmlformats.org/presentationml/2006/main">
-  <p:cSld>
-    <p:spTree>
-      <p:nvGrpSpPr>
-        <p:cNvPr id="1" name=""/>
-        <p:cNvGrpSpPr/>
-        <p:nvPr/>
-      </p:nvGrpSpPr>
-      <p:grpSpPr>
-        <a:xfrm>
-          <a:off x="0" y="0"/>
-          <a:ext cx="0" cy="0"/>
-          <a:chOff x="0" y="0"/>
-          <a:chExt cx="0" cy="0"/>
-        </a:xfrm>
-      </p:grpSpPr>
-      <p:sp>
-        <p:nvSpPr>
-          <p:cNvPr id="10242" name="Rectangle 7"/>
-          <p:cNvSpPr>
-            <a:spLocks noGrp="1" noChangeArrowheads="1"/>
-          </p:cNvSpPr>
-          <p:nvPr>
-            <p:ph type="sldNum" sz="quarter" idx="5"/>
-          </p:nvPr>
-        </p:nvSpPr>
-        <p:spPr>
-          <a:noFill/>
-        </p:spPr>
-        <p:txBody>
-          <a:bodyPr/>
-          <a:lstStyle>
-            <a:lvl1pPr eaLnBrk="0" hangingPunct="0">
-              <a:spcBef>
-                <a:spcPct val="30000"/>
-              </a:spcBef>
-              <a:defRPr sz="1200">
-                <a:solidFill>
-                  <a:schemeClr val="tx1"/>
-                </a:solidFill>
-                <a:latin typeface="Arial" panose="020B0604020202020204" pitchFamily="34" charset="0"/>
-              </a:defRPr>
-            </a:lvl1pPr>
-            <a:lvl2pPr marL="742950" indent="-285750" eaLnBrk="0" hangingPunct="0">
-              <a:spcBef>
-                <a:spcPct val="30000"/>
-              </a:spcBef>
-              <a:buFont typeface="Wingdings" panose="05000000000000000000" pitchFamily="2" charset="2"/>
-              <a:buChar char="§"/>
-              <a:defRPr sz="1200">
-                <a:solidFill>
-                  <a:schemeClr val="tx1"/>
-                </a:solidFill>
-                <a:latin typeface="Arial" panose="020B0604020202020204" pitchFamily="34" charset="0"/>
-              </a:defRPr>
-            </a:lvl2pPr>
-            <a:lvl3pPr marL="1143000" indent="-228600" eaLnBrk="0" hangingPunct="0">
-              <a:spcBef>
-                <a:spcPct val="30000"/>
-              </a:spcBef>
-              <a:buFont typeface="Arial" panose="020B0604020202020204" pitchFamily="34" charset="0"/>
-              <a:buChar char="­"/>
-              <a:defRPr sz="1200">
-                <a:solidFill>
-                  <a:schemeClr val="tx1"/>
-                </a:solidFill>
-                <a:latin typeface="Arial" panose="020B0604020202020204" pitchFamily="34" charset="0"/>
-              </a:defRPr>
-            </a:lvl3pPr>
-            <a:lvl4pPr marL="1600200" indent="-228600" eaLnBrk="0" hangingPunct="0">
-              <a:spcBef>
-                <a:spcPct val="30000"/>
-              </a:spcBef>
-              <a:buFont typeface="Wingdings" panose="05000000000000000000" pitchFamily="2" charset="2"/>
-              <a:buChar char="§"/>
-              <a:defRPr sz="1200">
-                <a:solidFill>
-                  <a:schemeClr val="tx1"/>
-                </a:solidFill>
-                <a:latin typeface="Arial" panose="020B0604020202020204" pitchFamily="34" charset="0"/>
-              </a:defRPr>
-            </a:lvl4pPr>
-            <a:lvl5pPr marL="2057400" indent="-228600" eaLnBrk="0" hangingPunct="0">
-              <a:spcBef>
-                <a:spcPct val="30000"/>
-              </a:spcBef>
-              <a:buFont typeface="Arial" panose="020B0604020202020204" pitchFamily="34" charset="0"/>
-              <a:buChar char="­"/>
-              <a:defRPr sz="1200">
-                <a:solidFill>
-                  <a:schemeClr val="tx1"/>
-                </a:solidFill>
-                <a:latin typeface="Arial" panose="020B0604020202020204" pitchFamily="34" charset="0"/>
-              </a:defRPr>
-            </a:lvl5pPr>
-            <a:lvl6pPr marL="2514600" indent="-228600" eaLnBrk="0" fontAlgn="base" hangingPunct="0">
-              <a:spcBef>
-                <a:spcPct val="30000"/>
-              </a:spcBef>
-              <a:spcAft>
-                <a:spcPct val="0"/>
-              </a:spcAft>
-              <a:buFont typeface="Arial" panose="020B0604020202020204" pitchFamily="34" charset="0"/>
-              <a:buChar char="­"/>
-              <a:defRPr sz="1200">
-                <a:solidFill>
-                  <a:schemeClr val="tx1"/>
-                </a:solidFill>
-                <a:latin typeface="Arial" panose="020B0604020202020204" pitchFamily="34" charset="0"/>
-              </a:defRPr>
-            </a:lvl6pPr>
-            <a:lvl7pPr marL="2971800" indent="-228600" eaLnBrk="0" fontAlgn="base" hangingPunct="0">
-              <a:spcBef>
-                <a:spcPct val="30000"/>
-              </a:spcBef>
-              <a:spcAft>
-                <a:spcPct val="0"/>
-              </a:spcAft>
-              <a:buFont typeface="Arial" panose="020B0604020202020204" pitchFamily="34" charset="0"/>
-              <a:buChar char="­"/>
-              <a:defRPr sz="1200">
-                <a:solidFill>
-                  <a:schemeClr val="tx1"/>
-                </a:solidFill>
-                <a:latin typeface="Arial" panose="020B0604020202020204" pitchFamily="34" charset="0"/>
-              </a:defRPr>
-            </a:lvl7pPr>
-            <a:lvl8pPr marL="3429000" indent="-228600" eaLnBrk="0" fontAlgn="base" hangingPunct="0">
-              <a:spcBef>
-                <a:spcPct val="30000"/>
-              </a:spcBef>
-              <a:spcAft>
-                <a:spcPct val="0"/>
-              </a:spcAft>
-              <a:buFont typeface="Arial" panose="020B0604020202020204" pitchFamily="34" charset="0"/>
-              <a:buChar char="­"/>
-              <a:defRPr sz="1200">
-                <a:solidFill>
-                  <a:schemeClr val="tx1"/>
-                </a:solidFill>
-                <a:latin typeface="Arial" panose="020B0604020202020204" pitchFamily="34" charset="0"/>
-              </a:defRPr>
-            </a:lvl8pPr>
-            <a:lvl9pPr marL="3886200" indent="-228600" eaLnBrk="0" fontAlgn="base" hangingPunct="0">
-              <a:spcBef>
-                <a:spcPct val="30000"/>
-              </a:spcBef>
-              <a:spcAft>
-                <a:spcPct val="0"/>
-              </a:spcAft>
-              <a:buFont typeface="Arial" panose="020B0604020202020204" pitchFamily="34" charset="0"/>
-              <a:buChar char="­"/>
-              <a:defRPr sz="1200">
-                <a:solidFill>
-                  <a:schemeClr val="tx1"/>
-                </a:solidFill>
-                <a:latin typeface="Arial" panose="020B0604020202020204" pitchFamily="34" charset="0"/>
-              </a:defRPr>
-            </a:lvl9pPr>
-          </a:lstStyle>
-          <a:p>
-            <a:pPr eaLnBrk="1" hangingPunct="1">
-              <a:spcBef>
-                <a:spcPct val="0"/>
-              </a:spcBef>
-            </a:pPr>
-            <a:fld id="{B2B890D8-3A8E-4708-AE76-66CE9D2F01A3}" type="slidenum">
-              <a:rPr lang="de-DE" altLang="de-DE" sz="900"/>
-              <a:pPr eaLnBrk="1" hangingPunct="1">
-                <a:spcBef>
-                  <a:spcPct val="0"/>
-                </a:spcBef>
-              </a:pPr>
-              <a:t>7</a:t>
-            </a:fld>
-            <a:endParaRPr lang="de-DE" altLang="de-DE" sz="900"/>
-          </a:p>
-        </p:txBody>
-      </p:sp>
-      <p:sp>
-        <p:nvSpPr>
-          <p:cNvPr id="10243" name="Rectangle 2"/>
-          <p:cNvSpPr>
-            <a:spLocks noGrp="1" noRot="1" noChangeAspect="1" noChangeArrowheads="1" noTextEdit="1"/>
-          </p:cNvSpPr>
-          <p:nvPr>
-            <p:ph type="sldImg"/>
-          </p:nvPr>
-        </p:nvSpPr>
-        <p:spPr>
-          <a:xfrm>
-            <a:off x="792163" y="749300"/>
-            <a:ext cx="5305425" cy="3673475"/>
-          </a:xfrm>
-          <a:ln/>
-        </p:spPr>
-      </p:sp>
-      <p:sp>
-        <p:nvSpPr>
-          <p:cNvPr id="10244" name="Rectangle 3"/>
-          <p:cNvSpPr>
-            <a:spLocks noGrp="1" noChangeArrowheads="1"/>
-          </p:cNvSpPr>
-          <p:nvPr>
-            <p:ph type="body" idx="1"/>
-          </p:nvPr>
-        </p:nvSpPr>
-        <p:spPr>
-          <a:xfrm>
-            <a:off x="928688" y="4646613"/>
-            <a:ext cx="5032375" cy="4346575"/>
-          </a:xfrm>
-          <a:noFill/>
-        </p:spPr>
-        <p:txBody>
-          <a:bodyPr/>
-          <a:lstStyle/>
-          <a:p>
-            <a:pPr eaLnBrk="1" hangingPunct="1"/>
-            <a:endParaRPr lang="en-US" altLang="de-DE">
-              <a:latin typeface="Arial" panose="020B0604020202020204" pitchFamily="34" charset="0"/>
-            </a:endParaRPr>
-          </a:p>
-        </p:txBody>
-      </p:sp>
-    </p:spTree>
-    <p:extLst>
-      <p:ext uri="{BB962C8B-B14F-4D97-AF65-F5344CB8AC3E}">
-        <p14:creationId xmlns:p14="http://schemas.microsoft.com/office/powerpoint/2010/main" val="2900138578"/>
-      </p:ext>
-    </p:extLst>
-  </p:cSld>
-  <p:clrMapOvr>
-    <a:masterClrMapping/>
-  </p:clrMapOvr>
-</p:notes>
-</file>
-
-<file path=ppt/notesSlides/notesSlide6.xml><?xml version="1.0" encoding="utf-8"?>
-<p:notes xmlns:a="http://schemas.openxmlformats.org/drawingml/2006/main" xmlns:r="http://schemas.openxmlformats.org/officeDocument/2006/relationships" xmlns:p="http://schemas.openxmlformats.org/presentationml/2006/main">
-  <p:cSld>
-    <p:spTree>
-      <p:nvGrpSpPr>
-        <p:cNvPr id="1" name=""/>
-        <p:cNvGrpSpPr/>
-        <p:nvPr/>
-      </p:nvGrpSpPr>
-      <p:grpSpPr>
-        <a:xfrm>
-          <a:off x="0" y="0"/>
-          <a:ext cx="0" cy="0"/>
-          <a:chOff x="0" y="0"/>
-          <a:chExt cx="0" cy="0"/>
-        </a:xfrm>
-      </p:grpSpPr>
-      <p:sp>
-        <p:nvSpPr>
-          <p:cNvPr id="10242" name="Rectangle 7"/>
-          <p:cNvSpPr>
-            <a:spLocks noGrp="1" noChangeArrowheads="1"/>
-          </p:cNvSpPr>
-          <p:nvPr>
-            <p:ph type="sldNum" sz="quarter" idx="5"/>
-          </p:nvPr>
-        </p:nvSpPr>
-        <p:spPr>
-          <a:noFill/>
-        </p:spPr>
-        <p:txBody>
-          <a:bodyPr/>
-          <a:lstStyle>
-            <a:lvl1pPr eaLnBrk="0" hangingPunct="0">
-              <a:spcBef>
-                <a:spcPct val="30000"/>
-              </a:spcBef>
-              <a:defRPr sz="1200">
-                <a:solidFill>
-                  <a:schemeClr val="tx1"/>
-                </a:solidFill>
-                <a:latin typeface="Arial" panose="020B0604020202020204" pitchFamily="34" charset="0"/>
-              </a:defRPr>
-            </a:lvl1pPr>
-            <a:lvl2pPr marL="742950" indent="-285750" eaLnBrk="0" hangingPunct="0">
-              <a:spcBef>
-                <a:spcPct val="30000"/>
-              </a:spcBef>
-              <a:buFont typeface="Wingdings" panose="05000000000000000000" pitchFamily="2" charset="2"/>
-              <a:buChar char="§"/>
-              <a:defRPr sz="1200">
-                <a:solidFill>
-                  <a:schemeClr val="tx1"/>
-                </a:solidFill>
-                <a:latin typeface="Arial" panose="020B0604020202020204" pitchFamily="34" charset="0"/>
-              </a:defRPr>
-            </a:lvl2pPr>
-            <a:lvl3pPr marL="1143000" indent="-228600" eaLnBrk="0" hangingPunct="0">
-              <a:spcBef>
-                <a:spcPct val="30000"/>
-              </a:spcBef>
-              <a:buFont typeface="Arial" panose="020B0604020202020204" pitchFamily="34" charset="0"/>
-              <a:buChar char="­"/>
-              <a:defRPr sz="1200">
-                <a:solidFill>
-                  <a:schemeClr val="tx1"/>
-                </a:solidFill>
-                <a:latin typeface="Arial" panose="020B0604020202020204" pitchFamily="34" charset="0"/>
-              </a:defRPr>
-            </a:lvl3pPr>
-            <a:lvl4pPr marL="1600200" indent="-228600" eaLnBrk="0" hangingPunct="0">
-              <a:spcBef>
-                <a:spcPct val="30000"/>
-              </a:spcBef>
-              <a:buFont typeface="Wingdings" panose="05000000000000000000" pitchFamily="2" charset="2"/>
-              <a:buChar char="§"/>
-              <a:defRPr sz="1200">
-                <a:solidFill>
-                  <a:schemeClr val="tx1"/>
-                </a:solidFill>
-                <a:latin typeface="Arial" panose="020B0604020202020204" pitchFamily="34" charset="0"/>
-              </a:defRPr>
-            </a:lvl4pPr>
-            <a:lvl5pPr marL="2057400" indent="-228600" eaLnBrk="0" hangingPunct="0">
-              <a:spcBef>
-                <a:spcPct val="30000"/>
-              </a:spcBef>
-              <a:buFont typeface="Arial" panose="020B0604020202020204" pitchFamily="34" charset="0"/>
-              <a:buChar char="­"/>
-              <a:defRPr sz="1200">
-                <a:solidFill>
-                  <a:schemeClr val="tx1"/>
-                </a:solidFill>
-                <a:latin typeface="Arial" panose="020B0604020202020204" pitchFamily="34" charset="0"/>
-              </a:defRPr>
-            </a:lvl5pPr>
-            <a:lvl6pPr marL="2514600" indent="-228600" eaLnBrk="0" fontAlgn="base" hangingPunct="0">
-              <a:spcBef>
-                <a:spcPct val="30000"/>
-              </a:spcBef>
-              <a:spcAft>
-                <a:spcPct val="0"/>
-              </a:spcAft>
-              <a:buFont typeface="Arial" panose="020B0604020202020204" pitchFamily="34" charset="0"/>
-              <a:buChar char="­"/>
-              <a:defRPr sz="1200">
-                <a:solidFill>
-                  <a:schemeClr val="tx1"/>
-                </a:solidFill>
-                <a:latin typeface="Arial" panose="020B0604020202020204" pitchFamily="34" charset="0"/>
-              </a:defRPr>
-            </a:lvl6pPr>
-            <a:lvl7pPr marL="2971800" indent="-228600" eaLnBrk="0" fontAlgn="base" hangingPunct="0">
-              <a:spcBef>
-                <a:spcPct val="30000"/>
-              </a:spcBef>
-              <a:spcAft>
-                <a:spcPct val="0"/>
-              </a:spcAft>
-              <a:buFont typeface="Arial" panose="020B0604020202020204" pitchFamily="34" charset="0"/>
-              <a:buChar char="­"/>
-              <a:defRPr sz="1200">
-                <a:solidFill>
-                  <a:schemeClr val="tx1"/>
-                </a:solidFill>
-                <a:latin typeface="Arial" panose="020B0604020202020204" pitchFamily="34" charset="0"/>
-              </a:defRPr>
-            </a:lvl7pPr>
-            <a:lvl8pPr marL="3429000" indent="-228600" eaLnBrk="0" fontAlgn="base" hangingPunct="0">
-              <a:spcBef>
-                <a:spcPct val="30000"/>
-              </a:spcBef>
-              <a:spcAft>
-                <a:spcPct val="0"/>
-              </a:spcAft>
-              <a:buFont typeface="Arial" panose="020B0604020202020204" pitchFamily="34" charset="0"/>
-              <a:buChar char="­"/>
-              <a:defRPr sz="1200">
-                <a:solidFill>
-                  <a:schemeClr val="tx1"/>
-                </a:solidFill>
-                <a:latin typeface="Arial" panose="020B0604020202020204" pitchFamily="34" charset="0"/>
-              </a:defRPr>
-            </a:lvl8pPr>
-            <a:lvl9pPr marL="3886200" indent="-228600" eaLnBrk="0" fontAlgn="base" hangingPunct="0">
-              <a:spcBef>
-                <a:spcPct val="30000"/>
-              </a:spcBef>
-              <a:spcAft>
-                <a:spcPct val="0"/>
-              </a:spcAft>
-              <a:buFont typeface="Arial" panose="020B0604020202020204" pitchFamily="34" charset="0"/>
-              <a:buChar char="­"/>
-              <a:defRPr sz="1200">
-                <a:solidFill>
-                  <a:schemeClr val="tx1"/>
-                </a:solidFill>
-                <a:latin typeface="Arial" panose="020B0604020202020204" pitchFamily="34" charset="0"/>
-              </a:defRPr>
-            </a:lvl9pPr>
-          </a:lstStyle>
-          <a:p>
-            <a:pPr eaLnBrk="1" hangingPunct="1">
-              <a:spcBef>
-                <a:spcPct val="0"/>
-              </a:spcBef>
-            </a:pPr>
-            <a:fld id="{B2B890D8-3A8E-4708-AE76-66CE9D2F01A3}" type="slidenum">
-              <a:rPr lang="de-DE" altLang="de-DE" sz="900"/>
-              <a:pPr eaLnBrk="1" hangingPunct="1">
-                <a:spcBef>
-                  <a:spcPct val="0"/>
-                </a:spcBef>
-              </a:pPr>
-              <a:t>8</a:t>
-            </a:fld>
-            <a:endParaRPr lang="de-DE" altLang="de-DE" sz="900"/>
-          </a:p>
-        </p:txBody>
-      </p:sp>
-      <p:sp>
-        <p:nvSpPr>
-          <p:cNvPr id="10243" name="Rectangle 2"/>
-          <p:cNvSpPr>
-            <a:spLocks noGrp="1" noRot="1" noChangeAspect="1" noChangeArrowheads="1" noTextEdit="1"/>
-          </p:cNvSpPr>
-          <p:nvPr>
-            <p:ph type="sldImg"/>
-          </p:nvPr>
-        </p:nvSpPr>
-        <p:spPr>
-          <a:xfrm>
-            <a:off x="792163" y="749300"/>
-            <a:ext cx="5305425" cy="3673475"/>
-          </a:xfrm>
-          <a:ln/>
-        </p:spPr>
-      </p:sp>
-      <p:sp>
-        <p:nvSpPr>
-          <p:cNvPr id="10244" name="Rectangle 3"/>
-          <p:cNvSpPr>
-            <a:spLocks noGrp="1" noChangeArrowheads="1"/>
-          </p:cNvSpPr>
-          <p:nvPr>
-            <p:ph type="body" idx="1"/>
-          </p:nvPr>
-        </p:nvSpPr>
-        <p:spPr>
-          <a:xfrm>
-            <a:off x="928688" y="4646613"/>
-            <a:ext cx="5032375" cy="4346575"/>
-          </a:xfrm>
-          <a:noFill/>
-        </p:spPr>
-        <p:txBody>
-          <a:bodyPr/>
-          <a:lstStyle/>
-          <a:p>
-            <a:pPr eaLnBrk="1" hangingPunct="1"/>
-            <a:endParaRPr lang="en-US" altLang="de-DE">
-              <a:latin typeface="Arial" panose="020B0604020202020204" pitchFamily="34" charset="0"/>
-            </a:endParaRPr>
-          </a:p>
-        </p:txBody>
-      </p:sp>
-    </p:spTree>
-    <p:extLst>
-      <p:ext uri="{BB962C8B-B14F-4D97-AF65-F5344CB8AC3E}">
-        <p14:creationId xmlns:p14="http://schemas.microsoft.com/office/powerpoint/2010/main" val="3976234203"/>
-      </p:ext>
-    </p:extLst>
-  </p:cSld>
-  <p:clrMapOvr>
-    <a:masterClrMapping/>
-  </p:clrMapOvr>
-</p:notes>
-</file>
-
-<file path=ppt/notesSlides/notesSlide7.xml><?xml version="1.0" encoding="utf-8"?>
-<p:notes xmlns:a="http://schemas.openxmlformats.org/drawingml/2006/main" xmlns:r="http://schemas.openxmlformats.org/officeDocument/2006/relationships" xmlns:p="http://schemas.openxmlformats.org/presentationml/2006/main">
-  <p:cSld>
-    <p:spTree>
-      <p:nvGrpSpPr>
-        <p:cNvPr id="1" name=""/>
-        <p:cNvGrpSpPr/>
-        <p:nvPr/>
-      </p:nvGrpSpPr>
-      <p:grpSpPr>
-        <a:xfrm>
-          <a:off x="0" y="0"/>
-          <a:ext cx="0" cy="0"/>
-          <a:chOff x="0" y="0"/>
-          <a:chExt cx="0" cy="0"/>
-        </a:xfrm>
-      </p:grpSpPr>
-      <p:sp>
-        <p:nvSpPr>
-          <p:cNvPr id="10242" name="Rectangle 7"/>
-          <p:cNvSpPr>
-            <a:spLocks noGrp="1" noChangeArrowheads="1"/>
-          </p:cNvSpPr>
-          <p:nvPr>
-            <p:ph type="sldNum" sz="quarter" idx="5"/>
-          </p:nvPr>
-        </p:nvSpPr>
-        <p:spPr>
-          <a:noFill/>
-        </p:spPr>
-        <p:txBody>
-          <a:bodyPr/>
-          <a:lstStyle>
-            <a:lvl1pPr eaLnBrk="0" hangingPunct="0">
-              <a:spcBef>
-                <a:spcPct val="30000"/>
-              </a:spcBef>
-              <a:defRPr sz="1200">
-                <a:solidFill>
-                  <a:schemeClr val="tx1"/>
-                </a:solidFill>
-                <a:latin typeface="Arial" panose="020B0604020202020204" pitchFamily="34" charset="0"/>
-              </a:defRPr>
-            </a:lvl1pPr>
-            <a:lvl2pPr marL="742950" indent="-285750" eaLnBrk="0" hangingPunct="0">
-              <a:spcBef>
-                <a:spcPct val="30000"/>
-              </a:spcBef>
-              <a:buFont typeface="Wingdings" panose="05000000000000000000" pitchFamily="2" charset="2"/>
-              <a:buChar char="§"/>
-              <a:defRPr sz="1200">
-                <a:solidFill>
-                  <a:schemeClr val="tx1"/>
-                </a:solidFill>
-                <a:latin typeface="Arial" panose="020B0604020202020204" pitchFamily="34" charset="0"/>
-              </a:defRPr>
-            </a:lvl2pPr>
-            <a:lvl3pPr marL="1143000" indent="-228600" eaLnBrk="0" hangingPunct="0">
-              <a:spcBef>
-                <a:spcPct val="30000"/>
-              </a:spcBef>
-              <a:buFont typeface="Arial" panose="020B0604020202020204" pitchFamily="34" charset="0"/>
-              <a:buChar char="­"/>
-              <a:defRPr sz="1200">
-                <a:solidFill>
-                  <a:schemeClr val="tx1"/>
-                </a:solidFill>
-                <a:latin typeface="Arial" panose="020B0604020202020204" pitchFamily="34" charset="0"/>
-              </a:defRPr>
-            </a:lvl3pPr>
-            <a:lvl4pPr marL="1600200" indent="-228600" eaLnBrk="0" hangingPunct="0">
-              <a:spcBef>
-                <a:spcPct val="30000"/>
-              </a:spcBef>
-              <a:buFont typeface="Wingdings" panose="05000000000000000000" pitchFamily="2" charset="2"/>
-              <a:buChar char="§"/>
-              <a:defRPr sz="1200">
-                <a:solidFill>
-                  <a:schemeClr val="tx1"/>
-                </a:solidFill>
-                <a:latin typeface="Arial" panose="020B0604020202020204" pitchFamily="34" charset="0"/>
-              </a:defRPr>
-            </a:lvl4pPr>
-            <a:lvl5pPr marL="2057400" indent="-228600" eaLnBrk="0" hangingPunct="0">
-              <a:spcBef>
-                <a:spcPct val="30000"/>
-              </a:spcBef>
-              <a:buFont typeface="Arial" panose="020B0604020202020204" pitchFamily="34" charset="0"/>
-              <a:buChar char="­"/>
-              <a:defRPr sz="1200">
-                <a:solidFill>
-                  <a:schemeClr val="tx1"/>
-                </a:solidFill>
-                <a:latin typeface="Arial" panose="020B0604020202020204" pitchFamily="34" charset="0"/>
-              </a:defRPr>
-            </a:lvl5pPr>
-            <a:lvl6pPr marL="2514600" indent="-228600" eaLnBrk="0" fontAlgn="base" hangingPunct="0">
-              <a:spcBef>
-                <a:spcPct val="30000"/>
-              </a:spcBef>
-              <a:spcAft>
-                <a:spcPct val="0"/>
-              </a:spcAft>
-              <a:buFont typeface="Arial" panose="020B0604020202020204" pitchFamily="34" charset="0"/>
-              <a:buChar char="­"/>
-              <a:defRPr sz="1200">
-                <a:solidFill>
-                  <a:schemeClr val="tx1"/>
-                </a:solidFill>
-                <a:latin typeface="Arial" panose="020B0604020202020204" pitchFamily="34" charset="0"/>
-              </a:defRPr>
-            </a:lvl6pPr>
-            <a:lvl7pPr marL="2971800" indent="-228600" eaLnBrk="0" fontAlgn="base" hangingPunct="0">
-              <a:spcBef>
-                <a:spcPct val="30000"/>
-              </a:spcBef>
-              <a:spcAft>
-                <a:spcPct val="0"/>
-              </a:spcAft>
-              <a:buFont typeface="Arial" panose="020B0604020202020204" pitchFamily="34" charset="0"/>
-              <a:buChar char="­"/>
-              <a:defRPr sz="1200">
-                <a:solidFill>
-                  <a:schemeClr val="tx1"/>
-                </a:solidFill>
-                <a:latin typeface="Arial" panose="020B0604020202020204" pitchFamily="34" charset="0"/>
-              </a:defRPr>
-            </a:lvl7pPr>
-            <a:lvl8pPr marL="3429000" indent="-228600" eaLnBrk="0" fontAlgn="base" hangingPunct="0">
-              <a:spcBef>
-                <a:spcPct val="30000"/>
-              </a:spcBef>
-              <a:spcAft>
-                <a:spcPct val="0"/>
-              </a:spcAft>
-              <a:buFont typeface="Arial" panose="020B0604020202020204" pitchFamily="34" charset="0"/>
-              <a:buChar char="­"/>
-              <a:defRPr sz="1200">
-                <a:solidFill>
-                  <a:schemeClr val="tx1"/>
-                </a:solidFill>
-                <a:latin typeface="Arial" panose="020B0604020202020204" pitchFamily="34" charset="0"/>
-              </a:defRPr>
-            </a:lvl8pPr>
-            <a:lvl9pPr marL="3886200" indent="-228600" eaLnBrk="0" fontAlgn="base" hangingPunct="0">
-              <a:spcBef>
-                <a:spcPct val="30000"/>
-              </a:spcBef>
-              <a:spcAft>
-                <a:spcPct val="0"/>
-              </a:spcAft>
-              <a:buFont typeface="Arial" panose="020B0604020202020204" pitchFamily="34" charset="0"/>
-              <a:buChar char="­"/>
-              <a:defRPr sz="1200">
-                <a:solidFill>
-                  <a:schemeClr val="tx1"/>
-                </a:solidFill>
-                <a:latin typeface="Arial" panose="020B0604020202020204" pitchFamily="34" charset="0"/>
-              </a:defRPr>
-            </a:lvl9pPr>
-          </a:lstStyle>
-          <a:p>
-            <a:pPr eaLnBrk="1" hangingPunct="1">
-              <a:spcBef>
-                <a:spcPct val="0"/>
-              </a:spcBef>
-            </a:pPr>
-            <a:fld id="{B2B890D8-3A8E-4708-AE76-66CE9D2F01A3}" type="slidenum">
-              <a:rPr lang="de-DE" altLang="de-DE" sz="900"/>
-              <a:pPr eaLnBrk="1" hangingPunct="1">
-                <a:spcBef>
-                  <a:spcPct val="0"/>
-                </a:spcBef>
-              </a:pPr>
-              <a:t>9</a:t>
-            </a:fld>
-            <a:endParaRPr lang="de-DE" altLang="de-DE" sz="900"/>
-          </a:p>
-        </p:txBody>
-      </p:sp>
-      <p:sp>
-        <p:nvSpPr>
-          <p:cNvPr id="10243" name="Rectangle 2"/>
-          <p:cNvSpPr>
-            <a:spLocks noGrp="1" noRot="1" noChangeAspect="1" noChangeArrowheads="1" noTextEdit="1"/>
-          </p:cNvSpPr>
-          <p:nvPr>
-            <p:ph type="sldImg"/>
-          </p:nvPr>
-        </p:nvSpPr>
-        <p:spPr>
-          <a:xfrm>
-            <a:off x="792163" y="749300"/>
-            <a:ext cx="5305425" cy="3673475"/>
-          </a:xfrm>
-          <a:ln/>
-        </p:spPr>
-      </p:sp>
-      <p:sp>
-        <p:nvSpPr>
-          <p:cNvPr id="10244" name="Rectangle 3"/>
-          <p:cNvSpPr>
-            <a:spLocks noGrp="1" noChangeArrowheads="1"/>
-          </p:cNvSpPr>
-          <p:nvPr>
-            <p:ph type="body" idx="1"/>
-          </p:nvPr>
-        </p:nvSpPr>
-        <p:spPr>
-          <a:xfrm>
-            <a:off x="928688" y="4646613"/>
-            <a:ext cx="5032375" cy="4346575"/>
-          </a:xfrm>
-          <a:noFill/>
-        </p:spPr>
-        <p:txBody>
-          <a:bodyPr/>
-          <a:lstStyle/>
-          <a:p>
-            <a:pPr eaLnBrk="1" hangingPunct="1"/>
-            <a:endParaRPr lang="en-US" altLang="de-DE">
-              <a:latin typeface="Arial" panose="020B0604020202020204" pitchFamily="34" charset="0"/>
-            </a:endParaRPr>
-          </a:p>
-        </p:txBody>
-      </p:sp>
-    </p:spTree>
-    <p:extLst>
-      <p:ext uri="{BB962C8B-B14F-4D97-AF65-F5344CB8AC3E}">
-        <p14:creationId xmlns:p14="http://schemas.microsoft.com/office/powerpoint/2010/main" val="1948898503"/>
-      </p:ext>
-    </p:extLst>
   </p:cSld>
   <p:clrMapOvr>
     <a:masterClrMapping/>
@@ -4582,6 +3167,187 @@
 </p:sld>
 </file>
 
+<file path=ppt/slides/slide10.xml><?xml version="1.0" encoding="utf-8"?>
+<p:sld xmlns:a="http://schemas.openxmlformats.org/drawingml/2006/main" xmlns:r="http://schemas.openxmlformats.org/officeDocument/2006/relationships" xmlns:p="http://schemas.openxmlformats.org/presentationml/2006/main">
+  <p:cSld>
+    <p:spTree>
+      <p:nvGrpSpPr>
+        <p:cNvPr id="1" name=""/>
+        <p:cNvGrpSpPr/>
+        <p:nvPr/>
+      </p:nvGrpSpPr>
+      <p:grpSpPr>
+        <a:xfrm>
+          <a:off x="0" y="0"/>
+          <a:ext cx="0" cy="0"/>
+          <a:chOff x="0" y="0"/>
+          <a:chExt cx="0" cy="0"/>
+        </a:xfrm>
+      </p:grpSpPr>
+      <p:sp>
+        <p:nvSpPr>
+          <p:cNvPr id="2" name="Titel 1">
+            <a:extLst>
+              <a:ext uri="{FF2B5EF4-FFF2-40B4-BE49-F238E27FC236}">
+                <a16:creationId xmlns:a16="http://schemas.microsoft.com/office/drawing/2014/main" id="{5954DD7E-3280-47A4-8C9D-6081CE36C0A6}"/>
+              </a:ext>
+            </a:extLst>
+          </p:cNvPr>
+          <p:cNvSpPr>
+            <a:spLocks noGrp="1"/>
+          </p:cNvSpPr>
+          <p:nvPr>
+            <p:ph type="title"/>
+          </p:nvPr>
+        </p:nvSpPr>
+        <p:spPr/>
+        <p:txBody>
+          <a:bodyPr/>
+          <a:lstStyle/>
+          <a:p>
+            <a:r>
+              <a:rPr lang="de-DE" altLang="de-DE" dirty="0"/>
+              <a:t>4.</a:t>
+            </a:r>
+            <a:r>
+              <a:rPr lang="de-DE" altLang="de-DE" dirty="0">
+                <a:cs typeface="Arial"/>
+              </a:rPr>
+              <a:t> Terminplan</a:t>
+            </a:r>
+            <a:endParaRPr lang="de-DE" dirty="0"/>
+          </a:p>
+        </p:txBody>
+      </p:sp>
+      <p:sp>
+        <p:nvSpPr>
+          <p:cNvPr id="4" name="Fußzeilenplatzhalter 3">
+            <a:extLst>
+              <a:ext uri="{FF2B5EF4-FFF2-40B4-BE49-F238E27FC236}">
+                <a16:creationId xmlns:a16="http://schemas.microsoft.com/office/drawing/2014/main" id="{E590B8B1-8557-49AA-B432-2531581CEE8B}"/>
+              </a:ext>
+            </a:extLst>
+          </p:cNvPr>
+          <p:cNvSpPr>
+            <a:spLocks noGrp="1"/>
+          </p:cNvSpPr>
+          <p:nvPr>
+            <p:ph type="ftr" sz="quarter" idx="10"/>
+          </p:nvPr>
+        </p:nvSpPr>
+        <p:spPr/>
+        <p:txBody>
+          <a:bodyPr/>
+          <a:lstStyle/>
+          <a:p>
+            <a:pPr>
+              <a:defRPr/>
+            </a:pPr>
+            <a:r>
+              <a:rPr lang="de-DE"/>
+              <a:t>VPJ Gewerk 2 |  Bahnplanung  |  WiSe 2017  </a:t>
+            </a:r>
+            <a:r>
+              <a:rPr lang="de-DE">
+                <a:cs typeface="Arial" charset="0"/>
+              </a:rPr>
+              <a:t>|  Robin Möller, Inke Heynen, Jan Gellermann</a:t>
+            </a:r>
+            <a:endParaRPr lang="de-DE" dirty="0">
+              <a:cs typeface="Arial" charset="0"/>
+            </a:endParaRPr>
+          </a:p>
+        </p:txBody>
+      </p:sp>
+      <p:sp>
+        <p:nvSpPr>
+          <p:cNvPr id="5" name="Foliennummernplatzhalter 4">
+            <a:extLst>
+              <a:ext uri="{FF2B5EF4-FFF2-40B4-BE49-F238E27FC236}">
+                <a16:creationId xmlns:a16="http://schemas.microsoft.com/office/drawing/2014/main" id="{E04210D6-6F3F-4AEF-9054-A77C73630F5C}"/>
+              </a:ext>
+            </a:extLst>
+          </p:cNvPr>
+          <p:cNvSpPr>
+            <a:spLocks noGrp="1"/>
+          </p:cNvSpPr>
+          <p:nvPr>
+            <p:ph type="sldNum" sz="quarter" idx="11"/>
+          </p:nvPr>
+        </p:nvSpPr>
+        <p:spPr/>
+        <p:txBody>
+          <a:bodyPr/>
+          <a:lstStyle/>
+          <a:p>
+            <a:fld id="{7FFA0C58-318F-4968-B44E-A586A02707A0}" type="slidenum">
+              <a:rPr lang="de-DE" altLang="es-ES" smtClean="0"/>
+              <a:pPr/>
+              <a:t>10</a:t>
+            </a:fld>
+            <a:r>
+              <a:rPr lang="de-DE" altLang="es-ES">
+                <a:solidFill>
+                  <a:schemeClr val="accent2"/>
+                </a:solidFill>
+              </a:rPr>
+              <a:t> </a:t>
+            </a:r>
+          </a:p>
+        </p:txBody>
+      </p:sp>
+      <p:pic>
+        <p:nvPicPr>
+          <p:cNvPr id="6" name="Inhaltsplatzhalter 5">
+            <a:extLst>
+              <a:ext uri="{FF2B5EF4-FFF2-40B4-BE49-F238E27FC236}">
+                <a16:creationId xmlns:a16="http://schemas.microsoft.com/office/drawing/2014/main" id="{E5812B95-984C-44D1-A861-D3A5496C39AA}"/>
+              </a:ext>
+            </a:extLst>
+          </p:cNvPr>
+          <p:cNvPicPr>
+            <a:picLocks noGrp="1" noChangeAspect="1"/>
+          </p:cNvPicPr>
+          <p:nvPr>
+            <p:ph idx="1"/>
+          </p:nvPr>
+        </p:nvPicPr>
+        <p:blipFill>
+          <a:blip r:embed="rId2">
+            <a:extLst>
+              <a:ext uri="{28A0092B-C50C-407E-A947-70E740481C1C}">
+                <a14:useLocalDpi xmlns:a14="http://schemas.microsoft.com/office/drawing/2010/main" val="0"/>
+              </a:ext>
+            </a:extLst>
+          </a:blip>
+          <a:stretch>
+            <a:fillRect/>
+          </a:stretch>
+        </p:blipFill>
+        <p:spPr>
+          <a:xfrm>
+            <a:off x="-17904" y="1727200"/>
+            <a:ext cx="9923904" cy="2859954"/>
+          </a:xfrm>
+          <a:prstGeom prst="rect">
+            <a:avLst/>
+          </a:prstGeom>
+        </p:spPr>
+      </p:pic>
+    </p:spTree>
+    <p:extLst>
+      <p:ext uri="{BB962C8B-B14F-4D97-AF65-F5344CB8AC3E}">
+        <p14:creationId xmlns:p14="http://schemas.microsoft.com/office/powerpoint/2010/main" val="2237720966"/>
+      </p:ext>
+    </p:extLst>
+  </p:cSld>
+  <p:clrMapOvr>
+    <a:masterClrMapping/>
+  </p:clrMapOvr>
+  <p:transition/>
+</p:sld>
+</file>
+
 <file path=ppt/slides/slide2.xml><?xml version="1.0" encoding="utf-8"?>
 <p:sld xmlns:a="http://schemas.openxmlformats.org/drawingml/2006/main" xmlns:r="http://schemas.openxmlformats.org/officeDocument/2006/relationships" xmlns:p="http://schemas.openxmlformats.org/presentationml/2006/main">
   <p:cSld>
@@ -4601,9 +3367,15 @@
       </p:grpSpPr>
       <p:sp>
         <p:nvSpPr>
-          <p:cNvPr id="4098" name="Rectangle 2"/>
+          <p:cNvPr id="2" name="Titel 1">
+            <a:extLst>
+              <a:ext uri="{FF2B5EF4-FFF2-40B4-BE49-F238E27FC236}">
+                <a16:creationId xmlns:a16="http://schemas.microsoft.com/office/drawing/2014/main" id="{199E0412-C9C1-4338-AF11-254B58531795}"/>
+              </a:ext>
+            </a:extLst>
+          </p:cNvPr>
           <p:cNvSpPr>
-            <a:spLocks noGrp="1" noChangeArrowheads="1"/>
+            <a:spLocks noGrp="1"/>
           </p:cNvSpPr>
           <p:nvPr>
             <p:ph type="title"/>
@@ -4614,19 +3386,25 @@
           <a:bodyPr/>
           <a:lstStyle/>
           <a:p>
-            <a:pPr eaLnBrk="1" hangingPunct="1"/>
-            <a:r>
-              <a:rPr lang="de-DE" altLang="de-DE"/>
+            <a:r>
+              <a:rPr lang="de-DE" altLang="de-DE" dirty="0"/>
               <a:t>Gliederung</a:t>
             </a:r>
+            <a:endParaRPr lang="de-DE" dirty="0"/>
           </a:p>
         </p:txBody>
       </p:sp>
       <p:sp>
         <p:nvSpPr>
-          <p:cNvPr id="4099" name="Rectangle 3"/>
+          <p:cNvPr id="3" name="Inhaltsplatzhalter 2">
+            <a:extLst>
+              <a:ext uri="{FF2B5EF4-FFF2-40B4-BE49-F238E27FC236}">
+                <a16:creationId xmlns:a16="http://schemas.microsoft.com/office/drawing/2014/main" id="{C398954B-85C0-425D-A3DF-8844D64D05F0}"/>
+              </a:ext>
+            </a:extLst>
+          </p:cNvPr>
           <p:cNvSpPr>
-            <a:spLocks noGrp="1" noChangeArrowheads="1"/>
+            <a:spLocks noGrp="1"/>
           </p:cNvSpPr>
           <p:nvPr>
             <p:ph idx="1"/>
@@ -4645,7 +3423,7 @@
               <a:rPr lang="de-DE" altLang="de-DE" sz="1800" dirty="0"/>
               <a:t>Einführung</a:t>
             </a:r>
-            <a:endParaRPr lang="de-DE" altLang="de-DE" sz="1200" i="1" dirty="0">
+            <a:endParaRPr lang="de-DE" altLang="de-DE" sz="1800" i="1" dirty="0">
               <a:cs typeface="Arial"/>
             </a:endParaRPr>
           </a:p>
@@ -4658,7 +3436,7 @@
               <a:rPr lang="de-DE" altLang="de-DE" sz="1800" dirty="0"/>
               <a:t>Konzept</a:t>
             </a:r>
-            <a:endParaRPr lang="de-DE" altLang="de-DE" sz="1200" i="1" dirty="0"/>
+            <a:endParaRPr lang="de-DE" altLang="de-DE" sz="1800" i="1" dirty="0"/>
           </a:p>
           <a:p>
             <a:pPr eaLnBrk="1" hangingPunct="1">
@@ -4669,7 +3447,7 @@
               <a:rPr lang="de-DE" altLang="de-DE" sz="1800" dirty="0"/>
               <a:t>Schnittstellen</a:t>
             </a:r>
-            <a:endParaRPr lang="de-DE" altLang="de-DE" sz="1200" i="1" dirty="0">
+            <a:endParaRPr lang="de-DE" altLang="de-DE" sz="1800" i="1" dirty="0">
               <a:cs typeface="Arial"/>
             </a:endParaRPr>
           </a:p>
@@ -4708,51 +3486,64 @@
               </a:rPr>
               <a:t>Diagram</a:t>
             </a:r>
-          </a:p>
-          <a:p>
-            <a:pPr eaLnBrk="1" hangingPunct="1">
-              <a:buFontTx/>
-              <a:buAutoNum type="arabicPeriod"/>
-            </a:pPr>
-            <a:endParaRPr lang="de-DE" altLang="de-DE" sz="1200" i="1" dirty="0">
-              <a:solidFill>
-                <a:srgbClr val="000000"/>
-              </a:solidFill>
+            <a:endParaRPr lang="de-DE" altLang="de-DE" sz="1800" dirty="0">
               <a:cs typeface="Arial"/>
             </a:endParaRPr>
           </a:p>
           <a:p>
-            <a:pPr eaLnBrk="1" hangingPunct="1">
-              <a:buFontTx/>
-              <a:buAutoNum type="arabicPeriod"/>
-            </a:pPr>
-            <a:endParaRPr lang="de-DE" altLang="de-DE" sz="1200" i="1" dirty="0">
-              <a:cs typeface="Arial"/>
-            </a:endParaRPr>
-          </a:p>
-          <a:p>
-            <a:pPr eaLnBrk="1" hangingPunct="1">
-              <a:buFontTx/>
-              <a:buAutoNum type="arabicPeriod"/>
-            </a:pPr>
-            <a:endParaRPr lang="de-DE" altLang="de-DE" sz="1200" i="1" dirty="0">
-              <a:cs typeface="Arial"/>
-            </a:endParaRPr>
-          </a:p>
-          <a:p>
-            <a:pPr eaLnBrk="1" hangingPunct="1">
-              <a:buFontTx/>
-              <a:buAutoNum type="arabicPeriod"/>
-            </a:pPr>
-            <a:endParaRPr lang="de-DE" altLang="de-DE" sz="1800">
-              <a:cs typeface="Arial"/>
-            </a:endParaRPr>
+            <a:endParaRPr lang="de-DE" dirty="0"/>
           </a:p>
         </p:txBody>
       </p:sp>
       <p:sp>
         <p:nvSpPr>
-          <p:cNvPr id="5" name="Foliennummernplatzhalter 4"/>
+          <p:cNvPr id="4" name="Fußzeilenplatzhalter 3">
+            <a:extLst>
+              <a:ext uri="{FF2B5EF4-FFF2-40B4-BE49-F238E27FC236}">
+                <a16:creationId xmlns:a16="http://schemas.microsoft.com/office/drawing/2014/main" id="{CF38E57F-8951-4C6C-808C-D512836D4D27}"/>
+              </a:ext>
+            </a:extLst>
+          </p:cNvPr>
+          <p:cNvSpPr>
+            <a:spLocks noGrp="1"/>
+          </p:cNvSpPr>
+          <p:nvPr>
+            <p:ph type="ftr" sz="quarter" idx="10"/>
+          </p:nvPr>
+        </p:nvSpPr>
+        <p:spPr/>
+        <p:txBody>
+          <a:bodyPr/>
+          <a:lstStyle/>
+          <a:p>
+            <a:pPr>
+              <a:defRPr/>
+            </a:pPr>
+            <a:r>
+              <a:rPr lang="de-DE"/>
+              <a:t>VPJ Gewerk 2 |  Bahnplanung  |  WiSe 2017  </a:t>
+            </a:r>
+            <a:r>
+              <a:rPr lang="de-DE">
+                <a:cs typeface="Arial" charset="0"/>
+              </a:rPr>
+              <a:t>|  Robin Möller, Inke Heynen, Jan Gellermann</a:t>
+            </a:r>
+            <a:endParaRPr lang="de-DE" dirty="0">
+              <a:cs typeface="Arial" charset="0"/>
+            </a:endParaRPr>
+          </a:p>
+        </p:txBody>
+      </p:sp>
+      <p:sp>
+        <p:nvSpPr>
+          <p:cNvPr id="5" name="Foliennummernplatzhalter 4">
+            <a:extLst>
+              <a:ext uri="{FF2B5EF4-FFF2-40B4-BE49-F238E27FC236}">
+                <a16:creationId xmlns:a16="http://schemas.microsoft.com/office/drawing/2014/main" id="{DF2B7CFB-9EDB-41B2-98FF-80F53662EB29}"/>
+              </a:ext>
+            </a:extLst>
+          </p:cNvPr>
           <p:cNvSpPr>
             <a:spLocks noGrp="1"/>
           </p:cNvSpPr>
@@ -4763,114 +3554,11 @@
         <p:spPr/>
         <p:txBody>
           <a:bodyPr/>
-          <a:lstStyle>
-            <a:lvl1pPr eaLnBrk="0" hangingPunct="0">
-              <a:defRPr>
-                <a:solidFill>
-                  <a:schemeClr val="tx1"/>
-                </a:solidFill>
-                <a:latin typeface="Berlin Sans FB" panose="020E0602020502020306" pitchFamily="34" charset="0"/>
-              </a:defRPr>
-            </a:lvl1pPr>
-            <a:lvl2pPr marL="742950" indent="-285750" eaLnBrk="0" hangingPunct="0">
-              <a:defRPr>
-                <a:solidFill>
-                  <a:schemeClr val="tx1"/>
-                </a:solidFill>
-                <a:latin typeface="Berlin Sans FB" panose="020E0602020502020306" pitchFamily="34" charset="0"/>
-              </a:defRPr>
-            </a:lvl2pPr>
-            <a:lvl3pPr marL="1143000" indent="-228600" eaLnBrk="0" hangingPunct="0">
-              <a:defRPr>
-                <a:solidFill>
-                  <a:schemeClr val="tx1"/>
-                </a:solidFill>
-                <a:latin typeface="Berlin Sans FB" panose="020E0602020502020306" pitchFamily="34" charset="0"/>
-              </a:defRPr>
-            </a:lvl3pPr>
-            <a:lvl4pPr marL="1600200" indent="-228600" eaLnBrk="0" hangingPunct="0">
-              <a:defRPr>
-                <a:solidFill>
-                  <a:schemeClr val="tx1"/>
-                </a:solidFill>
-                <a:latin typeface="Berlin Sans FB" panose="020E0602020502020306" pitchFamily="34" charset="0"/>
-              </a:defRPr>
-            </a:lvl4pPr>
-            <a:lvl5pPr marL="2057400" indent="-228600" eaLnBrk="0" hangingPunct="0">
-              <a:defRPr>
-                <a:solidFill>
-                  <a:schemeClr val="tx1"/>
-                </a:solidFill>
-                <a:latin typeface="Berlin Sans FB" panose="020E0602020502020306" pitchFamily="34" charset="0"/>
-              </a:defRPr>
-            </a:lvl5pPr>
-            <a:lvl6pPr marL="2514600" indent="-228600" eaLnBrk="0" fontAlgn="base" hangingPunct="0">
-              <a:spcBef>
-                <a:spcPct val="0"/>
-              </a:spcBef>
-              <a:spcAft>
-                <a:spcPct val="0"/>
-              </a:spcAft>
-              <a:defRPr>
-                <a:solidFill>
-                  <a:schemeClr val="tx1"/>
-                </a:solidFill>
-                <a:latin typeface="Berlin Sans FB" panose="020E0602020502020306" pitchFamily="34" charset="0"/>
-              </a:defRPr>
-            </a:lvl6pPr>
-            <a:lvl7pPr marL="2971800" indent="-228600" eaLnBrk="0" fontAlgn="base" hangingPunct="0">
-              <a:spcBef>
-                <a:spcPct val="0"/>
-              </a:spcBef>
-              <a:spcAft>
-                <a:spcPct val="0"/>
-              </a:spcAft>
-              <a:defRPr>
-                <a:solidFill>
-                  <a:schemeClr val="tx1"/>
-                </a:solidFill>
-                <a:latin typeface="Berlin Sans FB" panose="020E0602020502020306" pitchFamily="34" charset="0"/>
-              </a:defRPr>
-            </a:lvl7pPr>
-            <a:lvl8pPr marL="3429000" indent="-228600" eaLnBrk="0" fontAlgn="base" hangingPunct="0">
-              <a:spcBef>
-                <a:spcPct val="0"/>
-              </a:spcBef>
-              <a:spcAft>
-                <a:spcPct val="0"/>
-              </a:spcAft>
-              <a:defRPr>
-                <a:solidFill>
-                  <a:schemeClr val="tx1"/>
-                </a:solidFill>
-                <a:latin typeface="Berlin Sans FB" panose="020E0602020502020306" pitchFamily="34" charset="0"/>
-              </a:defRPr>
-            </a:lvl8pPr>
-            <a:lvl9pPr marL="3886200" indent="-228600" eaLnBrk="0" fontAlgn="base" hangingPunct="0">
-              <a:spcBef>
-                <a:spcPct val="0"/>
-              </a:spcBef>
-              <a:spcAft>
-                <a:spcPct val="0"/>
-              </a:spcAft>
-              <a:defRPr>
-                <a:solidFill>
-                  <a:schemeClr val="tx1"/>
-                </a:solidFill>
-                <a:latin typeface="Berlin Sans FB" panose="020E0602020502020306" pitchFamily="34" charset="0"/>
-              </a:defRPr>
-            </a:lvl9pPr>
-          </a:lstStyle>
-          <a:p>
-            <a:pPr eaLnBrk="1" hangingPunct="1"/>
-            <a:fld id="{487772C6-F369-4DB0-B4B0-9DD79F16C96D}" type="slidenum">
-              <a:rPr lang="de-DE" altLang="es-ES">
-                <a:solidFill>
-                  <a:srgbClr val="3366CC"/>
-                </a:solidFill>
-                <a:latin typeface="Arial" panose="020B0604020202020204" pitchFamily="34" charset="0"/>
-              </a:rPr>
-              <a:pPr eaLnBrk="1" hangingPunct="1"/>
+          <a:lstStyle/>
+          <a:p>
+            <a:fld id="{7FFA0C58-318F-4968-B44E-A586A02707A0}" type="slidenum">
+              <a:rPr lang="de-DE" altLang="es-ES" smtClean="0"/>
+              <a:pPr/>
               <a:t>2</a:t>
             </a:fld>
             <a:r>
@@ -4878,202 +3566,18 @@
                 <a:solidFill>
                   <a:schemeClr val="accent2"/>
                 </a:solidFill>
-                <a:latin typeface="Arial" panose="020B0604020202020204" pitchFamily="34" charset="0"/>
               </a:rPr>
               <a:t> </a:t>
-            </a:r>
-          </a:p>
-        </p:txBody>
-      </p:sp>
-      <p:sp>
-        <p:nvSpPr>
-          <p:cNvPr id="4101" name="Rectangle 10"/>
-          <p:cNvSpPr>
-            <a:spLocks noGrp="1" noChangeArrowheads="1"/>
-          </p:cNvSpPr>
-          <p:nvPr>
-            <p:ph type="ftr" sz="quarter" idx="10"/>
-          </p:nvPr>
-        </p:nvSpPr>
-        <p:spPr>
-          <a:noFill/>
-        </p:spPr>
-        <p:txBody>
-          <a:bodyPr/>
-          <a:lstStyle>
-            <a:lvl1pPr eaLnBrk="0" hangingPunct="0">
-              <a:spcBef>
-                <a:spcPct val="30000"/>
-              </a:spcBef>
-              <a:spcAft>
-                <a:spcPct val="30000"/>
-              </a:spcAft>
-              <a:defRPr sz="1400">
-                <a:solidFill>
-                  <a:schemeClr val="tx1"/>
-                </a:solidFill>
-                <a:latin typeface="Arial" panose="020B0604020202020204" pitchFamily="34" charset="0"/>
-              </a:defRPr>
-            </a:lvl1pPr>
-            <a:lvl2pPr marL="742950" indent="-285750" eaLnBrk="0" hangingPunct="0">
-              <a:spcBef>
-                <a:spcPct val="30000"/>
-              </a:spcBef>
-              <a:spcAft>
-                <a:spcPct val="30000"/>
-              </a:spcAft>
-              <a:buFont typeface="Wingdings" panose="05000000000000000000" pitchFamily="2" charset="2"/>
-              <a:buChar char="§"/>
-              <a:defRPr sz="1400">
-                <a:solidFill>
-                  <a:schemeClr val="tx1"/>
-                </a:solidFill>
-                <a:latin typeface="Arial" panose="020B0604020202020204" pitchFamily="34" charset="0"/>
-              </a:defRPr>
-            </a:lvl2pPr>
-            <a:lvl3pPr marL="1143000" indent="-228600" eaLnBrk="0" hangingPunct="0">
-              <a:spcBef>
-                <a:spcPct val="10000"/>
-              </a:spcBef>
-              <a:spcAft>
-                <a:spcPct val="30000"/>
-              </a:spcAft>
-              <a:buFont typeface="Arial" panose="020B0604020202020204" pitchFamily="34" charset="0"/>
-              <a:buChar char="–"/>
-              <a:defRPr sz="1400">
-                <a:solidFill>
-                  <a:schemeClr val="tx1"/>
-                </a:solidFill>
-                <a:latin typeface="Arial" panose="020B0604020202020204" pitchFamily="34" charset="0"/>
-              </a:defRPr>
-            </a:lvl3pPr>
-            <a:lvl4pPr marL="1600200" indent="-228600" eaLnBrk="0" hangingPunct="0">
-              <a:spcBef>
-                <a:spcPct val="10000"/>
-              </a:spcBef>
-              <a:spcAft>
-                <a:spcPct val="30000"/>
-              </a:spcAft>
-              <a:buFont typeface="Wingdings" panose="05000000000000000000" pitchFamily="2" charset="2"/>
-              <a:buChar char="§"/>
-              <a:defRPr sz="1400">
-                <a:solidFill>
-                  <a:schemeClr val="tx1"/>
-                </a:solidFill>
-                <a:latin typeface="Arial" panose="020B0604020202020204" pitchFamily="34" charset="0"/>
-              </a:defRPr>
-            </a:lvl4pPr>
-            <a:lvl5pPr marL="2057400" indent="-228600" eaLnBrk="0" hangingPunct="0">
-              <a:spcBef>
-                <a:spcPct val="10000"/>
-              </a:spcBef>
-              <a:spcAft>
-                <a:spcPct val="30000"/>
-              </a:spcAft>
-              <a:buFont typeface="Arial" panose="020B0604020202020204" pitchFamily="34" charset="0"/>
-              <a:buChar char="–"/>
-              <a:defRPr sz="1400">
-                <a:solidFill>
-                  <a:schemeClr val="tx1"/>
-                </a:solidFill>
-                <a:latin typeface="Arial" panose="020B0604020202020204" pitchFamily="34" charset="0"/>
-              </a:defRPr>
-            </a:lvl5pPr>
-            <a:lvl6pPr marL="2514600" indent="-228600" eaLnBrk="0" fontAlgn="base" hangingPunct="0">
-              <a:spcBef>
-                <a:spcPct val="10000"/>
-              </a:spcBef>
-              <a:spcAft>
-                <a:spcPct val="30000"/>
-              </a:spcAft>
-              <a:buFont typeface="Arial" panose="020B0604020202020204" pitchFamily="34" charset="0"/>
-              <a:buChar char="–"/>
-              <a:defRPr sz="1400">
-                <a:solidFill>
-                  <a:schemeClr val="tx1"/>
-                </a:solidFill>
-                <a:latin typeface="Arial" panose="020B0604020202020204" pitchFamily="34" charset="0"/>
-              </a:defRPr>
-            </a:lvl6pPr>
-            <a:lvl7pPr marL="2971800" indent="-228600" eaLnBrk="0" fontAlgn="base" hangingPunct="0">
-              <a:spcBef>
-                <a:spcPct val="10000"/>
-              </a:spcBef>
-              <a:spcAft>
-                <a:spcPct val="30000"/>
-              </a:spcAft>
-              <a:buFont typeface="Arial" panose="020B0604020202020204" pitchFamily="34" charset="0"/>
-              <a:buChar char="–"/>
-              <a:defRPr sz="1400">
-                <a:solidFill>
-                  <a:schemeClr val="tx1"/>
-                </a:solidFill>
-                <a:latin typeface="Arial" panose="020B0604020202020204" pitchFamily="34" charset="0"/>
-              </a:defRPr>
-            </a:lvl7pPr>
-            <a:lvl8pPr marL="3429000" indent="-228600" eaLnBrk="0" fontAlgn="base" hangingPunct="0">
-              <a:spcBef>
-                <a:spcPct val="10000"/>
-              </a:spcBef>
-              <a:spcAft>
-                <a:spcPct val="30000"/>
-              </a:spcAft>
-              <a:buFont typeface="Arial" panose="020B0604020202020204" pitchFamily="34" charset="0"/>
-              <a:buChar char="–"/>
-              <a:defRPr sz="1400">
-                <a:solidFill>
-                  <a:schemeClr val="tx1"/>
-                </a:solidFill>
-                <a:latin typeface="Arial" panose="020B0604020202020204" pitchFamily="34" charset="0"/>
-              </a:defRPr>
-            </a:lvl8pPr>
-            <a:lvl9pPr marL="3886200" indent="-228600" eaLnBrk="0" fontAlgn="base" hangingPunct="0">
-              <a:spcBef>
-                <a:spcPct val="10000"/>
-              </a:spcBef>
-              <a:spcAft>
-                <a:spcPct val="30000"/>
-              </a:spcAft>
-              <a:buFont typeface="Arial" panose="020B0604020202020204" pitchFamily="34" charset="0"/>
-              <a:buChar char="–"/>
-              <a:defRPr sz="1400">
-                <a:solidFill>
-                  <a:schemeClr val="tx1"/>
-                </a:solidFill>
-                <a:latin typeface="Arial" panose="020B0604020202020204" pitchFamily="34" charset="0"/>
-              </a:defRPr>
-            </a:lvl9pPr>
-          </a:lstStyle>
-          <a:p>
-            <a:pPr eaLnBrk="1" hangingPunct="1">
-              <a:spcBef>
-                <a:spcPct val="0"/>
-              </a:spcBef>
-              <a:spcAft>
-                <a:spcPct val="0"/>
-              </a:spcAft>
-            </a:pPr>
-            <a:r>
-              <a:rPr lang="de-DE" altLang="de-DE" sz="1000">
-                <a:solidFill>
-                  <a:srgbClr val="3366CC"/>
-                </a:solidFill>
-              </a:rPr>
-              <a:t>Seminar Autonome Systeme  |  THEMA  |  SoSe 2017  </a:t>
-            </a:r>
-            <a:r>
-              <a:rPr lang="de-DE" altLang="de-DE" sz="1000">
-                <a:solidFill>
-                  <a:srgbClr val="3366CC"/>
-                </a:solidFill>
-                <a:cs typeface="Arial" panose="020B0604020202020204" pitchFamily="34" charset="0"/>
-              </a:rPr>
-              <a:t>|  Vorname  Nachname</a:t>
             </a:r>
           </a:p>
         </p:txBody>
       </p:sp>
     </p:spTree>
+    <p:extLst>
+      <p:ext uri="{BB962C8B-B14F-4D97-AF65-F5344CB8AC3E}">
+        <p14:creationId xmlns:p14="http://schemas.microsoft.com/office/powerpoint/2010/main" val="2929109582"/>
+      </p:ext>
+    </p:extLst>
   </p:cSld>
   <p:clrMapOvr>
     <a:masterClrMapping/>
@@ -5101,161 +3605,25 @@
       </p:grpSpPr>
       <p:sp>
         <p:nvSpPr>
-          <p:cNvPr id="5" name="Foliennummernplatzhalter 4"/>
+          <p:cNvPr id="2" name="Titel 1">
+            <a:extLst>
+              <a:ext uri="{FF2B5EF4-FFF2-40B4-BE49-F238E27FC236}">
+                <a16:creationId xmlns:a16="http://schemas.microsoft.com/office/drawing/2014/main" id="{059E98A5-A252-4A2B-9244-F09A4570DB00}"/>
+              </a:ext>
+            </a:extLst>
+          </p:cNvPr>
           <p:cNvSpPr>
             <a:spLocks noGrp="1"/>
           </p:cNvSpPr>
           <p:nvPr>
-            <p:ph type="sldNum" sz="quarter" idx="11"/>
+            <p:ph type="title"/>
           </p:nvPr>
         </p:nvSpPr>
         <p:spPr/>
         <p:txBody>
           <a:bodyPr/>
-          <a:lstStyle>
-            <a:lvl1pPr eaLnBrk="0" hangingPunct="0">
-              <a:defRPr>
-                <a:solidFill>
-                  <a:schemeClr val="tx1"/>
-                </a:solidFill>
-                <a:latin typeface="Berlin Sans FB" panose="020E0602020502020306" pitchFamily="34" charset="0"/>
-              </a:defRPr>
-            </a:lvl1pPr>
-            <a:lvl2pPr marL="742950" indent="-285750" eaLnBrk="0" hangingPunct="0">
-              <a:defRPr>
-                <a:solidFill>
-                  <a:schemeClr val="tx1"/>
-                </a:solidFill>
-                <a:latin typeface="Berlin Sans FB" panose="020E0602020502020306" pitchFamily="34" charset="0"/>
-              </a:defRPr>
-            </a:lvl2pPr>
-            <a:lvl3pPr marL="1143000" indent="-228600" eaLnBrk="0" hangingPunct="0">
-              <a:defRPr>
-                <a:solidFill>
-                  <a:schemeClr val="tx1"/>
-                </a:solidFill>
-                <a:latin typeface="Berlin Sans FB" panose="020E0602020502020306" pitchFamily="34" charset="0"/>
-              </a:defRPr>
-            </a:lvl3pPr>
-            <a:lvl4pPr marL="1600200" indent="-228600" eaLnBrk="0" hangingPunct="0">
-              <a:defRPr>
-                <a:solidFill>
-                  <a:schemeClr val="tx1"/>
-                </a:solidFill>
-                <a:latin typeface="Berlin Sans FB" panose="020E0602020502020306" pitchFamily="34" charset="0"/>
-              </a:defRPr>
-            </a:lvl4pPr>
-            <a:lvl5pPr marL="2057400" indent="-228600" eaLnBrk="0" hangingPunct="0">
-              <a:defRPr>
-                <a:solidFill>
-                  <a:schemeClr val="tx1"/>
-                </a:solidFill>
-                <a:latin typeface="Berlin Sans FB" panose="020E0602020502020306" pitchFamily="34" charset="0"/>
-              </a:defRPr>
-            </a:lvl5pPr>
-            <a:lvl6pPr marL="2514600" indent="-228600" eaLnBrk="0" fontAlgn="base" hangingPunct="0">
-              <a:spcBef>
-                <a:spcPct val="0"/>
-              </a:spcBef>
-              <a:spcAft>
-                <a:spcPct val="0"/>
-              </a:spcAft>
-              <a:defRPr>
-                <a:solidFill>
-                  <a:schemeClr val="tx1"/>
-                </a:solidFill>
-                <a:latin typeface="Berlin Sans FB" panose="020E0602020502020306" pitchFamily="34" charset="0"/>
-              </a:defRPr>
-            </a:lvl6pPr>
-            <a:lvl7pPr marL="2971800" indent="-228600" eaLnBrk="0" fontAlgn="base" hangingPunct="0">
-              <a:spcBef>
-                <a:spcPct val="0"/>
-              </a:spcBef>
-              <a:spcAft>
-                <a:spcPct val="0"/>
-              </a:spcAft>
-              <a:defRPr>
-                <a:solidFill>
-                  <a:schemeClr val="tx1"/>
-                </a:solidFill>
-                <a:latin typeface="Berlin Sans FB" panose="020E0602020502020306" pitchFamily="34" charset="0"/>
-              </a:defRPr>
-            </a:lvl7pPr>
-            <a:lvl8pPr marL="3429000" indent="-228600" eaLnBrk="0" fontAlgn="base" hangingPunct="0">
-              <a:spcBef>
-                <a:spcPct val="0"/>
-              </a:spcBef>
-              <a:spcAft>
-                <a:spcPct val="0"/>
-              </a:spcAft>
-              <a:defRPr>
-                <a:solidFill>
-                  <a:schemeClr val="tx1"/>
-                </a:solidFill>
-                <a:latin typeface="Berlin Sans FB" panose="020E0602020502020306" pitchFamily="34" charset="0"/>
-              </a:defRPr>
-            </a:lvl8pPr>
-            <a:lvl9pPr marL="3886200" indent="-228600" eaLnBrk="0" fontAlgn="base" hangingPunct="0">
-              <a:spcBef>
-                <a:spcPct val="0"/>
-              </a:spcBef>
-              <a:spcAft>
-                <a:spcPct val="0"/>
-              </a:spcAft>
-              <a:defRPr>
-                <a:solidFill>
-                  <a:schemeClr val="tx1"/>
-                </a:solidFill>
-                <a:latin typeface="Berlin Sans FB" panose="020E0602020502020306" pitchFamily="34" charset="0"/>
-              </a:defRPr>
-            </a:lvl9pPr>
-          </a:lstStyle>
-          <a:p>
-            <a:pPr eaLnBrk="1" hangingPunct="1"/>
-            <a:fld id="{9597214E-587E-4BB5-8E63-037A1AC23691}" type="slidenum">
-              <a:rPr lang="de-DE" altLang="es-ES">
-                <a:solidFill>
-                  <a:srgbClr val="3366CC"/>
-                </a:solidFill>
-                <a:latin typeface="Arial" panose="020B0604020202020204" pitchFamily="34" charset="0"/>
-              </a:rPr>
-              <a:pPr eaLnBrk="1" hangingPunct="1"/>
-              <a:t>3</a:t>
-            </a:fld>
-            <a:r>
-              <a:rPr lang="de-DE" altLang="es-ES">
-                <a:solidFill>
-                  <a:schemeClr val="accent2"/>
-                </a:solidFill>
-                <a:latin typeface="Arial" panose="020B0604020202020204" pitchFamily="34" charset="0"/>
-              </a:rPr>
-              <a:t> </a:t>
-            </a:r>
-          </a:p>
-        </p:txBody>
-      </p:sp>
-      <p:sp>
-        <p:nvSpPr>
-          <p:cNvPr id="5123" name="Rectangle 2"/>
-          <p:cNvSpPr>
-            <a:spLocks noGrp="1" noChangeArrowheads="1"/>
-          </p:cNvSpPr>
-          <p:nvPr>
-            <p:ph type="title"/>
-          </p:nvPr>
-        </p:nvSpPr>
-        <p:spPr>
-          <a:xfrm>
-            <a:off x="319088" y="333375"/>
-            <a:ext cx="7620000" cy="719138"/>
-          </a:xfrm>
-          <a:noFill/>
-        </p:spPr>
-        <p:txBody>
-          <a:bodyPr tIns="36000"/>
           <a:lstStyle/>
           <a:p>
-            <a:pPr eaLnBrk="1" hangingPunct="1"/>
             <a:r>
               <a:rPr lang="de-DE" altLang="de-DE" dirty="0"/>
               <a:t>1. </a:t>
@@ -5281,7 +3649,7 @@
               </a:rPr>
               <a:t>Potentialfeld Methode</a:t>
             </a:r>
-            <a:endParaRPr lang="de-DE" altLang="de-DE" b="0" dirty="0"/>
+            <a:endParaRPr lang="de-DE" dirty="0"/>
           </a:p>
         </p:txBody>
       </p:sp>
@@ -5289,17 +3657,21 @@
         <mc:Choice Requires="a14">
           <p:sp>
             <p:nvSpPr>
-              <p:cNvPr id="5124" name="Rectangle 3"/>
+              <p:cNvPr id="3" name="Inhaltsplatzhalter 2">
+                <a:extLst>
+                  <a:ext uri="{FF2B5EF4-FFF2-40B4-BE49-F238E27FC236}">
+                    <a16:creationId xmlns:a16="http://schemas.microsoft.com/office/drawing/2014/main" id="{48A4D262-E3D1-4A7C-8EE6-E7A520B0C393}"/>
+                  </a:ext>
+                </a:extLst>
+              </p:cNvPr>
               <p:cNvSpPr>
-                <a:spLocks noGrp="1" noChangeArrowheads="1"/>
+                <a:spLocks noGrp="1"/>
               </p:cNvSpPr>
               <p:nvPr>
-                <p:ph type="body" idx="1"/>
+                <p:ph idx="1"/>
               </p:nvPr>
             </p:nvSpPr>
-            <p:spPr>
-              <a:noFill/>
-            </p:spPr>
+            <p:spPr/>
             <p:txBody>
               <a:bodyPr/>
               <a:lstStyle/>
@@ -5401,14 +3773,14 @@
                       <m:rPr>
                         <m:sty m:val="p"/>
                       </m:rPr>
-                      <a:rPr lang="de-DE" altLang="de-DE" sz="1800" b="0" i="0" smtClean="0">
+                      <a:rPr lang="de-DE" altLang="de-DE" sz="1800">
                         <a:latin typeface="Cambria Math" panose="02040503050406030204" pitchFamily="18" charset="0"/>
                         <a:cs typeface="Arial"/>
                       </a:rPr>
                       <m:t>H</m:t>
                     </m:r>
                     <m:r>
-                      <a:rPr lang="de-DE" altLang="de-DE" sz="1800" b="0" i="0" smtClean="0">
+                      <a:rPr lang="de-DE" altLang="de-DE" sz="1800">
                         <a:latin typeface="Cambria Math" panose="02040503050406030204" pitchFamily="18" charset="0"/>
                         <a:cs typeface="Arial"/>
                       </a:rPr>
@@ -5418,14 +3790,14 @@
                       <m:rPr>
                         <m:sty m:val="p"/>
                       </m:rPr>
-                      <a:rPr lang="de-DE" altLang="de-DE" sz="1800" b="0" i="0" smtClean="0">
+                      <a:rPr lang="de-DE" altLang="de-DE" sz="1800">
                         <a:latin typeface="Cambria Math" panose="02040503050406030204" pitchFamily="18" charset="0"/>
                         <a:cs typeface="Arial"/>
                       </a:rPr>
                       <m:t>x</m:t>
                     </m:r>
                     <m:r>
-                      <a:rPr lang="de-DE" altLang="de-DE" sz="1800" b="0" i="0" smtClean="0">
+                      <a:rPr lang="de-DE" altLang="de-DE" sz="1800">
                         <a:latin typeface="Cambria Math" panose="02040503050406030204" pitchFamily="18" charset="0"/>
                         <a:cs typeface="Arial"/>
                       </a:rPr>
@@ -5435,21 +3807,21 @@
                       <m:rPr>
                         <m:sty m:val="p"/>
                       </m:rPr>
-                      <a:rPr lang="de-DE" altLang="de-DE" sz="1800" b="0" i="0" smtClean="0">
+                      <a:rPr lang="de-DE" altLang="de-DE" sz="1800">
                         <a:latin typeface="Cambria Math" panose="02040503050406030204" pitchFamily="18" charset="0"/>
                         <a:cs typeface="Arial"/>
                       </a:rPr>
                       <m:t>y</m:t>
                     </m:r>
                     <m:r>
-                      <a:rPr lang="de-DE" altLang="de-DE" sz="1800" b="0" i="0" smtClean="0">
+                      <a:rPr lang="de-DE" altLang="de-DE" sz="1800">
                         <a:latin typeface="Cambria Math" panose="02040503050406030204" pitchFamily="18" charset="0"/>
                         <a:cs typeface="Arial"/>
                       </a:rPr>
                       <m:t>)</m:t>
                     </m:r>
                     <m:r>
-                      <a:rPr lang="de-DE" altLang="de-DE" sz="1800" i="1" smtClean="0">
+                      <a:rPr lang="de-DE" altLang="de-DE" sz="1800" i="1">
                         <a:latin typeface="Cambria Math" panose="02040503050406030204" pitchFamily="18" charset="0"/>
                         <a:cs typeface="Arial"/>
                       </a:rPr>
@@ -5728,7 +4100,7 @@
                       <m:f>
                         <m:fPr>
                           <m:ctrlPr>
-                            <a:rPr lang="de-DE" altLang="de-DE" sz="1800" b="0" i="1" smtClean="0">
+                            <a:rPr lang="de-DE" altLang="de-DE" sz="1800" i="1">
                               <a:latin typeface="Cambria Math" panose="02040503050406030204" pitchFamily="18" charset="0"/>
                               <a:ea typeface="Cambria Math" panose="02040503050406030204" pitchFamily="18" charset="0"/>
                               <a:cs typeface="Arial"/>
@@ -5737,7 +4109,7 @@
                         </m:fPr>
                         <m:num>
                           <m:r>
-                            <a:rPr lang="de-DE" altLang="de-DE" sz="1800" b="0" i="1" smtClean="0">
+                            <a:rPr lang="de-DE" altLang="de-DE" sz="1800" i="1">
                               <a:latin typeface="Cambria Math" panose="02040503050406030204" pitchFamily="18" charset="0"/>
                               <a:ea typeface="Cambria Math" panose="02040503050406030204" pitchFamily="18" charset="0"/>
                               <a:cs typeface="Arial"/>
@@ -5745,7 +4117,7 @@
                             <m:t>𝜕</m:t>
                           </m:r>
                           <m:r>
-                            <a:rPr lang="de-DE" altLang="de-DE" sz="1800" b="0" i="1" smtClean="0">
+                            <a:rPr lang="de-DE" altLang="de-DE" sz="1800" i="1">
                               <a:latin typeface="Cambria Math" panose="02040503050406030204" pitchFamily="18" charset="0"/>
                               <a:ea typeface="Cambria Math" panose="02040503050406030204" pitchFamily="18" charset="0"/>
                               <a:cs typeface="Arial"/>
@@ -5755,7 +4127,7 @@
                         </m:num>
                         <m:den>
                           <m:r>
-                            <a:rPr lang="de-DE" altLang="de-DE" sz="1800" b="0" i="1" smtClean="0">
+                            <a:rPr lang="de-DE" altLang="de-DE" sz="1800" i="1">
                               <a:latin typeface="Cambria Math" panose="02040503050406030204" pitchFamily="18" charset="0"/>
                               <a:ea typeface="Cambria Math" panose="02040503050406030204" pitchFamily="18" charset="0"/>
                               <a:cs typeface="Arial"/>
@@ -5763,7 +4135,7 @@
                             <m:t>𝜕</m:t>
                           </m:r>
                           <m:r>
-                            <a:rPr lang="de-DE" altLang="de-DE" sz="1800" b="0" i="1" smtClean="0">
+                            <a:rPr lang="de-DE" altLang="de-DE" sz="1800" i="1">
                               <a:latin typeface="Cambria Math" panose="02040503050406030204" pitchFamily="18" charset="0"/>
                               <a:ea typeface="Cambria Math" panose="02040503050406030204" pitchFamily="18" charset="0"/>
                               <a:cs typeface="Arial"/>
@@ -5773,7 +4145,7 @@
                         </m:den>
                       </m:f>
                       <m:r>
-                        <a:rPr lang="de-DE" altLang="de-DE" sz="1800" b="0" i="1" smtClean="0">
+                        <a:rPr lang="de-DE" altLang="de-DE" sz="1800" i="1">
                           <a:latin typeface="Cambria Math" panose="02040503050406030204" pitchFamily="18" charset="0"/>
                           <a:ea typeface="Cambria Math" panose="02040503050406030204" pitchFamily="18" charset="0"/>
                           <a:cs typeface="Arial"/>
@@ -6032,7 +4404,7 @@
                         </m:sup>
                       </m:sSup>
                       <m:r>
-                        <a:rPr lang="de-DE" altLang="de-DE" sz="1800" b="0" i="0" smtClean="0">
+                        <a:rPr lang="de-DE" altLang="de-DE" sz="1800">
                           <a:latin typeface="Cambria Math" panose="02040503050406030204" pitchFamily="18" charset="0"/>
                           <a:ea typeface="Cambria Math" panose="02040503050406030204" pitchFamily="18" charset="0"/>
                           <a:cs typeface="Arial"/>
@@ -6042,7 +4414,7 @@
                       <m:f>
                         <m:fPr>
                           <m:ctrlPr>
-                            <a:rPr lang="de-DE" altLang="de-DE" sz="1800" b="0" i="1" smtClean="0">
+                            <a:rPr lang="de-DE" altLang="de-DE" sz="1800" i="1">
                               <a:latin typeface="Cambria Math" panose="02040503050406030204" pitchFamily="18" charset="0"/>
                               <a:ea typeface="Cambria Math" panose="02040503050406030204" pitchFamily="18" charset="0"/>
                               <a:cs typeface="Arial"/>
@@ -6051,7 +4423,7 @@
                         </m:fPr>
                         <m:num>
                           <m:r>
-                            <a:rPr lang="de-DE" altLang="de-DE" sz="1800" b="0" i="0" smtClean="0">
+                            <a:rPr lang="de-DE" altLang="de-DE" sz="1800">
                               <a:latin typeface="Cambria Math" panose="02040503050406030204" pitchFamily="18" charset="0"/>
                               <a:ea typeface="Cambria Math" panose="02040503050406030204" pitchFamily="18" charset="0"/>
                               <a:cs typeface="Arial"/>
@@ -6063,7 +4435,7 @@
                           <m:sSup>
                             <m:sSupPr>
                               <m:ctrlPr>
-                                <a:rPr lang="de-DE" altLang="de-DE" sz="1800" b="0" i="1" smtClean="0">
+                                <a:rPr lang="de-DE" altLang="de-DE" sz="1800" i="1">
                                   <a:latin typeface="Cambria Math" panose="02040503050406030204" pitchFamily="18" charset="0"/>
                                   <a:ea typeface="Cambria Math" panose="02040503050406030204" pitchFamily="18" charset="0"/>
                                   <a:cs typeface="Arial"/>
@@ -6075,7 +4447,7 @@
                                 <m:rPr>
                                   <m:sty m:val="p"/>
                                 </m:rPr>
-                                <a:rPr lang="el-GR" altLang="de-DE" sz="1800" b="0" i="1" smtClean="0">
+                                <a:rPr lang="el-GR" altLang="de-DE" sz="1800" i="1">
                                   <a:latin typeface="Cambria Math" panose="02040503050406030204" pitchFamily="18" charset="0"/>
                                   <a:ea typeface="Cambria Math" panose="02040503050406030204" pitchFamily="18" charset="0"/>
                                   <a:cs typeface="Arial"/>
@@ -6085,7 +4457,7 @@
                             </m:e>
                             <m:sup>
                               <m:r>
-                                <a:rPr lang="de-DE" altLang="de-DE" sz="1800" b="0" i="1" smtClean="0">
+                                <a:rPr lang="de-DE" altLang="de-DE" sz="1800" i="1">
                                   <a:latin typeface="Cambria Math" panose="02040503050406030204" pitchFamily="18" charset="0"/>
                                   <a:ea typeface="Cambria Math" panose="02040503050406030204" pitchFamily="18" charset="0"/>
                                   <a:cs typeface="Arial"/>
@@ -6097,7 +4469,7 @@
                         </m:den>
                       </m:f>
                       <m:r>
-                        <a:rPr lang="de-DE" altLang="de-DE" sz="1800" b="0" i="1" smtClean="0">
+                        <a:rPr lang="de-DE" altLang="de-DE" sz="1800" i="1">
                           <a:latin typeface="Cambria Math" panose="02040503050406030204" pitchFamily="18" charset="0"/>
                           <a:ea typeface="Cambria Math" panose="02040503050406030204" pitchFamily="18" charset="0"/>
                           <a:cs typeface="Arial"/>
@@ -6105,7 +4477,7 @@
                         <m:t>∗(</m:t>
                       </m:r>
                       <m:r>
-                        <a:rPr lang="de-DE" altLang="de-DE" sz="1800" b="0" i="1" smtClean="0">
+                        <a:rPr lang="de-DE" altLang="de-DE" sz="1800" i="1">
                           <a:latin typeface="Cambria Math" panose="02040503050406030204" pitchFamily="18" charset="0"/>
                           <a:ea typeface="Cambria Math" panose="02040503050406030204" pitchFamily="18" charset="0"/>
                           <a:cs typeface="Arial"/>
@@ -6113,7 +4485,7 @@
                         <m:t>𝑥</m:t>
                       </m:r>
                       <m:r>
-                        <a:rPr lang="de-DE" altLang="de-DE" sz="1800" b="0" i="1" smtClean="0">
+                        <a:rPr lang="de-DE" altLang="de-DE" sz="1800" i="1">
                           <a:latin typeface="Cambria Math" panose="02040503050406030204" pitchFamily="18" charset="0"/>
                           <a:ea typeface="Cambria Math" panose="02040503050406030204" pitchFamily="18" charset="0"/>
                           <a:cs typeface="Arial"/>
@@ -6123,7 +4495,7 @@
                       <m:sSub>
                         <m:sSubPr>
                           <m:ctrlPr>
-                            <a:rPr lang="de-DE" altLang="de-DE" sz="1800" b="0" i="1" smtClean="0">
+                            <a:rPr lang="de-DE" altLang="de-DE" sz="1800" i="1">
                               <a:latin typeface="Cambria Math" panose="02040503050406030204" pitchFamily="18" charset="0"/>
                               <a:ea typeface="Cambria Math" panose="02040503050406030204" pitchFamily="18" charset="0"/>
                               <a:cs typeface="Arial"/>
@@ -6132,7 +4504,7 @@
                         </m:sSubPr>
                         <m:e>
                           <m:r>
-                            <a:rPr lang="de-DE" altLang="de-DE" sz="1800" b="0" i="1" smtClean="0">
+                            <a:rPr lang="de-DE" altLang="de-DE" sz="1800" i="1">
                               <a:latin typeface="Cambria Math" panose="02040503050406030204" pitchFamily="18" charset="0"/>
                               <a:ea typeface="Cambria Math" panose="02040503050406030204" pitchFamily="18" charset="0"/>
                               <a:cs typeface="Arial"/>
@@ -6142,7 +4514,7 @@
                         </m:e>
                         <m:sub>
                           <m:r>
-                            <a:rPr lang="de-DE" altLang="de-DE" sz="1800" b="0" i="1" smtClean="0">
+                            <a:rPr lang="de-DE" altLang="de-DE" sz="1800" i="1">
                               <a:latin typeface="Cambria Math" panose="02040503050406030204" pitchFamily="18" charset="0"/>
                               <a:ea typeface="Cambria Math" panose="02040503050406030204" pitchFamily="18" charset="0"/>
                               <a:cs typeface="Arial"/>
@@ -6152,7 +4524,7 @@
                         </m:sub>
                       </m:sSub>
                       <m:r>
-                        <a:rPr lang="de-DE" altLang="de-DE" sz="1800" b="0" i="1" smtClean="0">
+                        <a:rPr lang="de-DE" altLang="de-DE" sz="1800" i="1">
                           <a:latin typeface="Cambria Math" panose="02040503050406030204" pitchFamily="18" charset="0"/>
                           <a:ea typeface="Cambria Math" panose="02040503050406030204" pitchFamily="18" charset="0"/>
                           <a:cs typeface="Arial"/>
@@ -6166,23 +4538,32 @@
                   <a:cs typeface="Arial"/>
                 </a:endParaRPr>
               </a:p>
+              <a:p>
+                <a:endParaRPr lang="de-DE" dirty="0"/>
+              </a:p>
             </p:txBody>
           </p:sp>
         </mc:Choice>
         <mc:Fallback xmlns="">
           <p:sp>
             <p:nvSpPr>
-              <p:cNvPr id="5124" name="Rectangle 3"/>
+              <p:cNvPr id="3" name="Inhaltsplatzhalter 2">
+                <a:extLst>
+                  <a:ext uri="{FF2B5EF4-FFF2-40B4-BE49-F238E27FC236}">
+                    <a16:creationId xmlns:a16="http://schemas.microsoft.com/office/drawing/2014/main" id="{48A4D262-E3D1-4A7C-8EE6-E7A520B0C393}"/>
+                  </a:ext>
+                </a:extLst>
+              </p:cNvPr>
               <p:cNvSpPr>
                 <a:spLocks noGrp="1" noRot="1" noChangeAspect="1" noMove="1" noResize="1" noEditPoints="1" noAdjustHandles="1" noChangeArrowheads="1" noChangeShapeType="1" noTextEdit="1"/>
               </p:cNvSpPr>
               <p:nvPr>
-                <p:ph type="body" idx="1"/>
+                <p:ph idx="1"/>
               </p:nvPr>
             </p:nvSpPr>
             <p:spPr>
               <a:blipFill>
-                <a:blip r:embed="rId3"/>
+                <a:blip r:embed="rId2"/>
                 <a:stretch>
                   <a:fillRect l="-1436" t="-2088"/>
                 </a:stretch>
@@ -6205,209 +4586,87 @@
       </mc:AlternateContent>
       <p:sp>
         <p:nvSpPr>
-          <p:cNvPr id="5125" name="Rectangle 10"/>
+          <p:cNvPr id="4" name="Fußzeilenplatzhalter 3">
+            <a:extLst>
+              <a:ext uri="{FF2B5EF4-FFF2-40B4-BE49-F238E27FC236}">
+                <a16:creationId xmlns:a16="http://schemas.microsoft.com/office/drawing/2014/main" id="{150F77BD-78BB-49B2-BE4E-4B6DE3612D25}"/>
+              </a:ext>
+            </a:extLst>
+          </p:cNvPr>
           <p:cNvSpPr>
-            <a:spLocks noGrp="1" noChangeArrowheads="1"/>
+            <a:spLocks noGrp="1"/>
           </p:cNvSpPr>
           <p:nvPr>
             <p:ph type="ftr" sz="quarter" idx="10"/>
           </p:nvPr>
         </p:nvSpPr>
-        <p:spPr>
-          <a:noFill/>
-        </p:spPr>
+        <p:spPr/>
         <p:txBody>
           <a:bodyPr/>
-          <a:lstStyle>
-            <a:lvl1pPr eaLnBrk="0" hangingPunct="0">
-              <a:spcBef>
-                <a:spcPct val="30000"/>
-              </a:spcBef>
-              <a:spcAft>
-                <a:spcPct val="30000"/>
-              </a:spcAft>
-              <a:defRPr sz="1400">
-                <a:solidFill>
-                  <a:schemeClr val="tx1"/>
-                </a:solidFill>
-                <a:latin typeface="Arial" panose="020B0604020202020204" pitchFamily="34" charset="0"/>
-              </a:defRPr>
-            </a:lvl1pPr>
-            <a:lvl2pPr marL="742950" indent="-285750" eaLnBrk="0" hangingPunct="0">
-              <a:spcBef>
-                <a:spcPct val="30000"/>
-              </a:spcBef>
-              <a:spcAft>
-                <a:spcPct val="30000"/>
-              </a:spcAft>
-              <a:buFont typeface="Wingdings" panose="05000000000000000000" pitchFamily="2" charset="2"/>
-              <a:buChar char="§"/>
-              <a:defRPr sz="1400">
-                <a:solidFill>
-                  <a:schemeClr val="tx1"/>
-                </a:solidFill>
-                <a:latin typeface="Arial" panose="020B0604020202020204" pitchFamily="34" charset="0"/>
-              </a:defRPr>
-            </a:lvl2pPr>
-            <a:lvl3pPr marL="1143000" indent="-228600" eaLnBrk="0" hangingPunct="0">
-              <a:spcBef>
-                <a:spcPct val="10000"/>
-              </a:spcBef>
-              <a:spcAft>
-                <a:spcPct val="30000"/>
-              </a:spcAft>
-              <a:buFont typeface="Arial" panose="020B0604020202020204" pitchFamily="34" charset="0"/>
-              <a:buChar char="–"/>
-              <a:defRPr sz="1400">
-                <a:solidFill>
-                  <a:schemeClr val="tx1"/>
-                </a:solidFill>
-                <a:latin typeface="Arial" panose="020B0604020202020204" pitchFamily="34" charset="0"/>
-              </a:defRPr>
-            </a:lvl3pPr>
-            <a:lvl4pPr marL="1600200" indent="-228600" eaLnBrk="0" hangingPunct="0">
-              <a:spcBef>
-                <a:spcPct val="10000"/>
-              </a:spcBef>
-              <a:spcAft>
-                <a:spcPct val="30000"/>
-              </a:spcAft>
-              <a:buFont typeface="Wingdings" panose="05000000000000000000" pitchFamily="2" charset="2"/>
-              <a:buChar char="§"/>
-              <a:defRPr sz="1400">
-                <a:solidFill>
-                  <a:schemeClr val="tx1"/>
-                </a:solidFill>
-                <a:latin typeface="Arial" panose="020B0604020202020204" pitchFamily="34" charset="0"/>
-              </a:defRPr>
-            </a:lvl4pPr>
-            <a:lvl5pPr marL="2057400" indent="-228600" eaLnBrk="0" hangingPunct="0">
-              <a:spcBef>
-                <a:spcPct val="10000"/>
-              </a:spcBef>
-              <a:spcAft>
-                <a:spcPct val="30000"/>
-              </a:spcAft>
-              <a:buFont typeface="Arial" panose="020B0604020202020204" pitchFamily="34" charset="0"/>
-              <a:buChar char="–"/>
-              <a:defRPr sz="1400">
-                <a:solidFill>
-                  <a:schemeClr val="tx1"/>
-                </a:solidFill>
-                <a:latin typeface="Arial" panose="020B0604020202020204" pitchFamily="34" charset="0"/>
-              </a:defRPr>
-            </a:lvl5pPr>
-            <a:lvl6pPr marL="2514600" indent="-228600" eaLnBrk="0" fontAlgn="base" hangingPunct="0">
-              <a:spcBef>
-                <a:spcPct val="10000"/>
-              </a:spcBef>
-              <a:spcAft>
-                <a:spcPct val="30000"/>
-              </a:spcAft>
-              <a:buFont typeface="Arial" panose="020B0604020202020204" pitchFamily="34" charset="0"/>
-              <a:buChar char="–"/>
-              <a:defRPr sz="1400">
-                <a:solidFill>
-                  <a:schemeClr val="tx1"/>
-                </a:solidFill>
-                <a:latin typeface="Arial" panose="020B0604020202020204" pitchFamily="34" charset="0"/>
-              </a:defRPr>
-            </a:lvl6pPr>
-            <a:lvl7pPr marL="2971800" indent="-228600" eaLnBrk="0" fontAlgn="base" hangingPunct="0">
-              <a:spcBef>
-                <a:spcPct val="10000"/>
-              </a:spcBef>
-              <a:spcAft>
-                <a:spcPct val="30000"/>
-              </a:spcAft>
-              <a:buFont typeface="Arial" panose="020B0604020202020204" pitchFamily="34" charset="0"/>
-              <a:buChar char="–"/>
-              <a:defRPr sz="1400">
-                <a:solidFill>
-                  <a:schemeClr val="tx1"/>
-                </a:solidFill>
-                <a:latin typeface="Arial" panose="020B0604020202020204" pitchFamily="34" charset="0"/>
-              </a:defRPr>
-            </a:lvl7pPr>
-            <a:lvl8pPr marL="3429000" indent="-228600" eaLnBrk="0" fontAlgn="base" hangingPunct="0">
-              <a:spcBef>
-                <a:spcPct val="10000"/>
-              </a:spcBef>
-              <a:spcAft>
-                <a:spcPct val="30000"/>
-              </a:spcAft>
-              <a:buFont typeface="Arial" panose="020B0604020202020204" pitchFamily="34" charset="0"/>
-              <a:buChar char="–"/>
-              <a:defRPr sz="1400">
-                <a:solidFill>
-                  <a:schemeClr val="tx1"/>
-                </a:solidFill>
-                <a:latin typeface="Arial" panose="020B0604020202020204" pitchFamily="34" charset="0"/>
-              </a:defRPr>
-            </a:lvl8pPr>
-            <a:lvl9pPr marL="3886200" indent="-228600" eaLnBrk="0" fontAlgn="base" hangingPunct="0">
-              <a:spcBef>
-                <a:spcPct val="10000"/>
-              </a:spcBef>
-              <a:spcAft>
-                <a:spcPct val="30000"/>
-              </a:spcAft>
-              <a:buFont typeface="Arial" panose="020B0604020202020204" pitchFamily="34" charset="0"/>
-              <a:buChar char="–"/>
-              <a:defRPr sz="1400">
-                <a:solidFill>
-                  <a:schemeClr val="tx1"/>
-                </a:solidFill>
-                <a:latin typeface="Arial" panose="020B0604020202020204" pitchFamily="34" charset="0"/>
-              </a:defRPr>
-            </a:lvl9pPr>
-          </a:lstStyle>
-          <a:p>
-            <a:pPr eaLnBrk="1" hangingPunct="1">
-              <a:spcBef>
-                <a:spcPct val="0"/>
-              </a:spcBef>
-              <a:spcAft>
-                <a:spcPct val="0"/>
-              </a:spcAft>
+          <a:lstStyle/>
+          <a:p>
+            <a:pPr>
+              <a:defRPr/>
             </a:pPr>
             <a:r>
-              <a:rPr lang="de-DE" altLang="de-DE" sz="1000" dirty="0">
-                <a:solidFill>
-                  <a:srgbClr val="3366CC"/>
-                </a:solidFill>
-              </a:rPr>
-              <a:t>Seminar Autonome Systeme  |  THEMA  |  </a:t>
-            </a:r>
-            <a:r>
-              <a:rPr lang="de-DE" altLang="de-DE" sz="1000" dirty="0" err="1">
-                <a:solidFill>
-                  <a:srgbClr val="3366CC"/>
-                </a:solidFill>
-              </a:rPr>
-              <a:t>SoSe</a:t>
-            </a:r>
-            <a:r>
-              <a:rPr lang="de-DE" altLang="de-DE" sz="1000" dirty="0">
-                <a:solidFill>
-                  <a:srgbClr val="3366CC"/>
-                </a:solidFill>
-              </a:rPr>
-              <a:t> 2017  </a:t>
-            </a:r>
-            <a:r>
-              <a:rPr lang="de-DE" altLang="de-DE" sz="1000" dirty="0">
-                <a:solidFill>
-                  <a:srgbClr val="3366CC"/>
-                </a:solidFill>
-                <a:cs typeface="Arial" panose="020B0604020202020204" pitchFamily="34" charset="0"/>
-              </a:rPr>
-              <a:t>|  Vorname  Nachname</a:t>
+              <a:rPr lang="de-DE"/>
+              <a:t>VPJ Gewerk 2 |  Bahnplanung  |  WiSe 2017  </a:t>
+            </a:r>
+            <a:r>
+              <a:rPr lang="de-DE">
+                <a:cs typeface="Arial" charset="0"/>
+              </a:rPr>
+              <a:t>|  Robin Möller, Inke Heynen, Jan Gellermann</a:t>
+            </a:r>
+            <a:endParaRPr lang="de-DE" dirty="0">
+              <a:cs typeface="Arial" charset="0"/>
+            </a:endParaRPr>
+          </a:p>
+        </p:txBody>
+      </p:sp>
+      <p:sp>
+        <p:nvSpPr>
+          <p:cNvPr id="5" name="Foliennummernplatzhalter 4">
+            <a:extLst>
+              <a:ext uri="{FF2B5EF4-FFF2-40B4-BE49-F238E27FC236}">
+                <a16:creationId xmlns:a16="http://schemas.microsoft.com/office/drawing/2014/main" id="{9893842A-01CE-4CCA-B5C7-495C7783652C}"/>
+              </a:ext>
+            </a:extLst>
+          </p:cNvPr>
+          <p:cNvSpPr>
+            <a:spLocks noGrp="1"/>
+          </p:cNvSpPr>
+          <p:nvPr>
+            <p:ph type="sldNum" sz="quarter" idx="11"/>
+          </p:nvPr>
+        </p:nvSpPr>
+        <p:spPr/>
+        <p:txBody>
+          <a:bodyPr/>
+          <a:lstStyle/>
+          <a:p>
+            <a:fld id="{7FFA0C58-318F-4968-B44E-A586A02707A0}" type="slidenum">
+              <a:rPr lang="de-DE" altLang="es-ES" smtClean="0"/>
+              <a:pPr/>
+              <a:t>3</a:t>
+            </a:fld>
+            <a:r>
+              <a:rPr lang="de-DE" altLang="es-ES">
+                <a:solidFill>
+                  <a:schemeClr val="accent2"/>
+                </a:solidFill>
+              </a:rPr>
+              <a:t> </a:t>
             </a:r>
           </a:p>
         </p:txBody>
       </p:sp>
     </p:spTree>
+    <p:extLst>
+      <p:ext uri="{BB962C8B-B14F-4D97-AF65-F5344CB8AC3E}">
+        <p14:creationId xmlns:p14="http://schemas.microsoft.com/office/powerpoint/2010/main" val="2623515328"/>
+      </p:ext>
+    </p:extLst>
   </p:cSld>
   <p:clrMapOvr>
     <a:masterClrMapping/>
@@ -6438,7 +4697,7 @@
           <p:cNvPr id="2" name="Titel 1">
             <a:extLst>
               <a:ext uri="{FF2B5EF4-FFF2-40B4-BE49-F238E27FC236}">
-                <a16:creationId xmlns:a16="http://schemas.microsoft.com/office/drawing/2014/main" id="{38EF04C1-7DCE-4B76-9F58-D7742F2B932E}"/>
+                <a16:creationId xmlns:a16="http://schemas.microsoft.com/office/drawing/2014/main" id="{1002C0B3-54CE-4942-AECD-0AF05A31659B}"/>
               </a:ext>
             </a:extLst>
           </p:cNvPr>
@@ -6449,12 +4708,7 @@
             <p:ph type="title"/>
           </p:nvPr>
         </p:nvSpPr>
-        <p:spPr>
-          <a:xfrm>
-            <a:off x="320675" y="333375"/>
-            <a:ext cx="6350000" cy="719138"/>
-          </a:xfrm>
-        </p:spPr>
+        <p:spPr/>
         <p:txBody>
           <a:bodyPr/>
           <a:lstStyle/>
@@ -6469,16 +4723,93 @@
             <a:r>
               <a:rPr lang="de-DE" dirty="0"/>
               <a:t>Potenzialfelder der Hindernisse und vom Roboter</a:t>
+            </a:r>
+          </a:p>
+        </p:txBody>
+      </p:sp>
+      <p:sp>
+        <p:nvSpPr>
+          <p:cNvPr id="4" name="Fußzeilenplatzhalter 3">
+            <a:extLst>
+              <a:ext uri="{FF2B5EF4-FFF2-40B4-BE49-F238E27FC236}">
+                <a16:creationId xmlns:a16="http://schemas.microsoft.com/office/drawing/2014/main" id="{1172C0F9-7EFD-4242-97CE-2B73B45733F4}"/>
+              </a:ext>
+            </a:extLst>
+          </p:cNvPr>
+          <p:cNvSpPr>
+            <a:spLocks noGrp="1"/>
+          </p:cNvSpPr>
+          <p:nvPr>
+            <p:ph type="ftr" sz="quarter" idx="10"/>
+          </p:nvPr>
+        </p:nvSpPr>
+        <p:spPr/>
+        <p:txBody>
+          <a:bodyPr/>
+          <a:lstStyle/>
+          <a:p>
+            <a:pPr>
+              <a:defRPr/>
+            </a:pPr>
+            <a:r>
+              <a:rPr lang="de-DE"/>
+              <a:t>VPJ Gewerk 2 |  Bahnplanung  |  WiSe 2017  </a:t>
+            </a:r>
+            <a:r>
+              <a:rPr lang="de-DE">
+                <a:cs typeface="Arial" charset="0"/>
+              </a:rPr>
+              <a:t>|  Robin Möller, Inke Heynen, Jan Gellermann</a:t>
+            </a:r>
+            <a:endParaRPr lang="de-DE" dirty="0">
+              <a:cs typeface="Arial" charset="0"/>
+            </a:endParaRPr>
+          </a:p>
+        </p:txBody>
+      </p:sp>
+      <p:sp>
+        <p:nvSpPr>
+          <p:cNvPr id="5" name="Foliennummernplatzhalter 4">
+            <a:extLst>
+              <a:ext uri="{FF2B5EF4-FFF2-40B4-BE49-F238E27FC236}">
+                <a16:creationId xmlns:a16="http://schemas.microsoft.com/office/drawing/2014/main" id="{2AC17D0B-DB4B-4FF8-8B4A-D568E264BDC4}"/>
+              </a:ext>
+            </a:extLst>
+          </p:cNvPr>
+          <p:cNvSpPr>
+            <a:spLocks noGrp="1"/>
+          </p:cNvSpPr>
+          <p:nvPr>
+            <p:ph type="sldNum" sz="quarter" idx="11"/>
+          </p:nvPr>
+        </p:nvSpPr>
+        <p:spPr/>
+        <p:txBody>
+          <a:bodyPr/>
+          <a:lstStyle/>
+          <a:p>
+            <a:fld id="{7FFA0C58-318F-4968-B44E-A586A02707A0}" type="slidenum">
+              <a:rPr lang="de-DE" altLang="es-ES" smtClean="0"/>
+              <a:pPr/>
+              <a:t>4</a:t>
+            </a:fld>
+            <a:r>
+              <a:rPr lang="de-DE" altLang="es-ES">
+                <a:solidFill>
+                  <a:schemeClr val="accent2"/>
+                </a:solidFill>
+              </a:rPr>
+              <a:t> </a:t>
             </a:r>
           </a:p>
         </p:txBody>
       </p:sp>
       <p:pic>
         <p:nvPicPr>
-          <p:cNvPr id="7" name="Inhaltsplatzhalter 6">
+          <p:cNvPr id="6" name="Inhaltsplatzhalter 6">
             <a:extLst>
               <a:ext uri="{FF2B5EF4-FFF2-40B4-BE49-F238E27FC236}">
-                <a16:creationId xmlns:a16="http://schemas.microsoft.com/office/drawing/2014/main" id="{0E87D993-858C-4663-86F8-4B2A2917925F}"/>
+                <a16:creationId xmlns:a16="http://schemas.microsoft.com/office/drawing/2014/main" id="{06C85739-5674-44EE-A608-9C5F17D15B0B}"/>
               </a:ext>
             </a:extLst>
           </p:cNvPr>
@@ -6502,89 +4833,15 @@
         </p:blipFill>
         <p:spPr>
           <a:xfrm>
-            <a:off x="895775" y="1140643"/>
-            <a:ext cx="7670271" cy="5118755"/>
+            <a:off x="1066800" y="1135261"/>
+            <a:ext cx="7645118" cy="5102027"/>
           </a:xfrm>
         </p:spPr>
       </p:pic>
-      <p:sp>
-        <p:nvSpPr>
-          <p:cNvPr id="4" name="Fußzeilenplatzhalter 3">
-            <a:extLst>
-              <a:ext uri="{FF2B5EF4-FFF2-40B4-BE49-F238E27FC236}">
-                <a16:creationId xmlns:a16="http://schemas.microsoft.com/office/drawing/2014/main" id="{9EBBDBA2-1CCD-42A1-A87F-B051DC8359B5}"/>
-              </a:ext>
-            </a:extLst>
-          </p:cNvPr>
-          <p:cNvSpPr>
-            <a:spLocks noGrp="1"/>
-          </p:cNvSpPr>
-          <p:nvPr>
-            <p:ph type="ftr" sz="quarter" idx="10"/>
-          </p:nvPr>
-        </p:nvSpPr>
-        <p:spPr/>
-        <p:txBody>
-          <a:bodyPr/>
-          <a:lstStyle/>
-          <a:p>
-            <a:pPr>
-              <a:defRPr/>
-            </a:pPr>
-            <a:r>
-              <a:rPr lang="de-DE"/>
-              <a:t>Seminar Autonome Systeme  |  THEMA  |  SoSe 2017  </a:t>
-            </a:r>
-            <a:r>
-              <a:rPr lang="de-DE">
-                <a:cs typeface="Arial" charset="0"/>
-              </a:rPr>
-              <a:t>|  Vorname  Nachname</a:t>
-            </a:r>
-          </a:p>
-        </p:txBody>
-      </p:sp>
-      <p:sp>
-        <p:nvSpPr>
-          <p:cNvPr id="5" name="Foliennummernplatzhalter 4">
-            <a:extLst>
-              <a:ext uri="{FF2B5EF4-FFF2-40B4-BE49-F238E27FC236}">
-                <a16:creationId xmlns:a16="http://schemas.microsoft.com/office/drawing/2014/main" id="{B99F07B7-9947-4BE1-B94A-EB53A6F3DEC3}"/>
-              </a:ext>
-            </a:extLst>
-          </p:cNvPr>
-          <p:cNvSpPr>
-            <a:spLocks noGrp="1"/>
-          </p:cNvSpPr>
-          <p:nvPr>
-            <p:ph type="sldNum" sz="quarter" idx="11"/>
-          </p:nvPr>
-        </p:nvSpPr>
-        <p:spPr/>
-        <p:txBody>
-          <a:bodyPr/>
-          <a:lstStyle/>
-          <a:p>
-            <a:fld id="{7FFA0C58-318F-4968-B44E-A586A02707A0}" type="slidenum">
-              <a:rPr lang="de-DE" altLang="es-ES" smtClean="0"/>
-              <a:pPr/>
-              <a:t>4</a:t>
-            </a:fld>
-            <a:r>
-              <a:rPr lang="de-DE" altLang="es-ES">
-                <a:solidFill>
-                  <a:schemeClr val="accent2"/>
-                </a:solidFill>
-              </a:rPr>
-              <a:t> </a:t>
-            </a:r>
-          </a:p>
-        </p:txBody>
-      </p:sp>
     </p:spTree>
     <p:extLst>
       <p:ext uri="{BB962C8B-B14F-4D97-AF65-F5344CB8AC3E}">
-        <p14:creationId xmlns:p14="http://schemas.microsoft.com/office/powerpoint/2010/main" val="1914507599"/>
+        <p14:creationId xmlns:p14="http://schemas.microsoft.com/office/powerpoint/2010/main" val="3735440917"/>
       </p:ext>
     </p:extLst>
   </p:cSld>
@@ -6612,12 +4869,129 @@
           <a:chExt cx="0" cy="0"/>
         </a:xfrm>
       </p:grpSpPr>
+      <p:sp>
+        <p:nvSpPr>
+          <p:cNvPr id="2" name="Titel 1">
+            <a:extLst>
+              <a:ext uri="{FF2B5EF4-FFF2-40B4-BE49-F238E27FC236}">
+                <a16:creationId xmlns:a16="http://schemas.microsoft.com/office/drawing/2014/main" id="{A98656BE-B570-47D5-BDA5-7D30AEE1B8DA}"/>
+              </a:ext>
+            </a:extLst>
+          </p:cNvPr>
+          <p:cNvSpPr>
+            <a:spLocks noGrp="1"/>
+          </p:cNvSpPr>
+          <p:nvPr>
+            <p:ph type="title"/>
+          </p:nvPr>
+        </p:nvSpPr>
+        <p:spPr/>
+        <p:txBody>
+          <a:bodyPr/>
+          <a:lstStyle/>
+          <a:p>
+            <a:r>
+              <a:rPr lang="de-DE" dirty="0"/>
+              <a:t>1. Einführung</a:t>
+            </a:r>
+            <a:br>
+              <a:rPr lang="de-DE" dirty="0"/>
+            </a:br>
+            <a:r>
+              <a:rPr lang="de-DE" dirty="0"/>
+              <a:t>Potentialfelder mit anziehender </a:t>
+            </a:r>
+            <a:r>
+              <a:rPr lang="de-DE" dirty="0" err="1"/>
+              <a:t>Ziellfunktion</a:t>
+            </a:r>
+            <a:endParaRPr lang="de-DE" dirty="0"/>
+          </a:p>
+        </p:txBody>
+      </p:sp>
+      <p:sp>
+        <p:nvSpPr>
+          <p:cNvPr id="4" name="Fußzeilenplatzhalter 3">
+            <a:extLst>
+              <a:ext uri="{FF2B5EF4-FFF2-40B4-BE49-F238E27FC236}">
+                <a16:creationId xmlns:a16="http://schemas.microsoft.com/office/drawing/2014/main" id="{EB93C187-F383-4DA1-BB87-0BA5117AA5BA}"/>
+              </a:ext>
+            </a:extLst>
+          </p:cNvPr>
+          <p:cNvSpPr>
+            <a:spLocks noGrp="1"/>
+          </p:cNvSpPr>
+          <p:nvPr>
+            <p:ph type="ftr" sz="quarter" idx="10"/>
+          </p:nvPr>
+        </p:nvSpPr>
+        <p:spPr/>
+        <p:txBody>
+          <a:bodyPr/>
+          <a:lstStyle/>
+          <a:p>
+            <a:pPr>
+              <a:defRPr/>
+            </a:pPr>
+            <a:r>
+              <a:rPr lang="de-DE"/>
+              <a:t>VPJ Gewerk 2 |  Bahnplanung  |  WiSe 2017  </a:t>
+            </a:r>
+            <a:r>
+              <a:rPr lang="de-DE">
+                <a:cs typeface="Arial" charset="0"/>
+              </a:rPr>
+              <a:t>|  Robin Möller, Inke Heynen, Jan Gellermann</a:t>
+            </a:r>
+            <a:endParaRPr lang="de-DE" dirty="0">
+              <a:cs typeface="Arial" charset="0"/>
+            </a:endParaRPr>
+          </a:p>
+        </p:txBody>
+      </p:sp>
+      <p:sp>
+        <p:nvSpPr>
+          <p:cNvPr id="5" name="Foliennummernplatzhalter 4">
+            <a:extLst>
+              <a:ext uri="{FF2B5EF4-FFF2-40B4-BE49-F238E27FC236}">
+                <a16:creationId xmlns:a16="http://schemas.microsoft.com/office/drawing/2014/main" id="{391E6A47-105A-448E-84B3-EB326BF13B84}"/>
+              </a:ext>
+            </a:extLst>
+          </p:cNvPr>
+          <p:cNvSpPr>
+            <a:spLocks noGrp="1"/>
+          </p:cNvSpPr>
+          <p:nvPr>
+            <p:ph type="sldNum" sz="quarter" idx="11"/>
+          </p:nvPr>
+        </p:nvSpPr>
+        <p:spPr/>
+        <p:txBody>
+          <a:bodyPr/>
+          <a:lstStyle/>
+          <a:p>
+            <a:fld id="{7FFA0C58-318F-4968-B44E-A586A02707A0}" type="slidenum">
+              <a:rPr lang="de-DE" altLang="es-ES" smtClean="0"/>
+              <a:pPr/>
+              <a:t>5</a:t>
+            </a:fld>
+            <a:r>
+              <a:rPr lang="de-DE" altLang="es-ES">
+                <a:solidFill>
+                  <a:schemeClr val="accent2"/>
+                </a:solidFill>
+              </a:rPr>
+              <a:t> </a:t>
+            </a:r>
+          </a:p>
+        </p:txBody>
+      </p:sp>
       <p:pic>
         <p:nvPicPr>
-          <p:cNvPr id="7" name="Inhaltsplatzhalter 6">
+          <p:cNvPr id="6" name="Inhaltsplatzhalter 6">
             <a:extLst>
               <a:ext uri="{FF2B5EF4-FFF2-40B4-BE49-F238E27FC236}">
-                <a16:creationId xmlns:a16="http://schemas.microsoft.com/office/drawing/2014/main" id="{3AE72210-17E0-4A65-9016-D0399DDF2458}"/>
+                <a16:creationId xmlns:a16="http://schemas.microsoft.com/office/drawing/2014/main" id="{0EEA831B-BDEE-4233-B932-9ABEA11759E2}"/>
               </a:ext>
             </a:extLst>
           </p:cNvPr>
@@ -6641,137 +5015,15 @@
         </p:blipFill>
         <p:spPr>
           <a:xfrm>
-            <a:off x="763800" y="1216059"/>
-            <a:ext cx="7767457" cy="5043340"/>
+            <a:off x="726831" y="1173741"/>
+            <a:ext cx="7760677" cy="5063548"/>
           </a:xfrm>
         </p:spPr>
       </p:pic>
-      <p:sp>
-        <p:nvSpPr>
-          <p:cNvPr id="2" name="Titel 1">
-            <a:extLst>
-              <a:ext uri="{FF2B5EF4-FFF2-40B4-BE49-F238E27FC236}">
-                <a16:creationId xmlns:a16="http://schemas.microsoft.com/office/drawing/2014/main" id="{209CE911-B8BD-4186-B736-395FA2B0846A}"/>
-              </a:ext>
-            </a:extLst>
-          </p:cNvPr>
-          <p:cNvSpPr>
-            <a:spLocks noGrp="1"/>
-          </p:cNvSpPr>
-          <p:nvPr>
-            <p:ph type="title"/>
-          </p:nvPr>
-        </p:nvSpPr>
-        <p:spPr/>
-        <p:txBody>
-          <a:bodyPr/>
-          <a:lstStyle/>
-          <a:p>
-            <a:r>
-              <a:rPr lang="de-DE" dirty="0"/>
-              <a:t>1. Einführung</a:t>
-            </a:r>
-            <a:br>
-              <a:rPr lang="de-DE" dirty="0"/>
-            </a:br>
-            <a:r>
-              <a:rPr lang="de-DE" dirty="0"/>
-              <a:t>Potentialfelder mit anziehender </a:t>
-            </a:r>
-            <a:r>
-              <a:rPr lang="de-DE" dirty="0" err="1"/>
-              <a:t>Ziellfunktion</a:t>
-            </a:r>
-            <a:endParaRPr lang="de-DE" dirty="0"/>
-          </a:p>
-        </p:txBody>
-      </p:sp>
-      <p:sp>
-        <p:nvSpPr>
-          <p:cNvPr id="4" name="Fußzeilenplatzhalter 3">
-            <a:extLst>
-              <a:ext uri="{FF2B5EF4-FFF2-40B4-BE49-F238E27FC236}">
-                <a16:creationId xmlns:a16="http://schemas.microsoft.com/office/drawing/2014/main" id="{65406873-0928-497A-8583-D59AB4EA46A3}"/>
-              </a:ext>
-            </a:extLst>
-          </p:cNvPr>
-          <p:cNvSpPr>
-            <a:spLocks noGrp="1"/>
-          </p:cNvSpPr>
-          <p:nvPr>
-            <p:ph type="ftr" sz="quarter" idx="10"/>
-          </p:nvPr>
-        </p:nvSpPr>
-        <p:spPr/>
-        <p:txBody>
-          <a:bodyPr/>
-          <a:lstStyle/>
-          <a:p>
-            <a:pPr>
-              <a:defRPr/>
-            </a:pPr>
-            <a:r>
-              <a:rPr lang="de-DE" dirty="0"/>
-              <a:t>Seminar Autonome Systeme  |  THEMA  |  </a:t>
-            </a:r>
-            <a:r>
-              <a:rPr lang="de-DE" dirty="0" err="1"/>
-              <a:t>SoSe</a:t>
-            </a:r>
-            <a:r>
-              <a:rPr lang="de-DE" dirty="0"/>
-              <a:t> 2017  </a:t>
-            </a:r>
-            <a:r>
-              <a:rPr lang="de-DE" dirty="0">
-                <a:cs typeface="Arial" charset="0"/>
-              </a:rPr>
-              <a:t>|  Vorname  Nachname</a:t>
-            </a:r>
-          </a:p>
-        </p:txBody>
-      </p:sp>
-      <p:sp>
-        <p:nvSpPr>
-          <p:cNvPr id="5" name="Foliennummernplatzhalter 4">
-            <a:extLst>
-              <a:ext uri="{FF2B5EF4-FFF2-40B4-BE49-F238E27FC236}">
-                <a16:creationId xmlns:a16="http://schemas.microsoft.com/office/drawing/2014/main" id="{DFE459FA-53A4-4C59-8B76-E04603231612}"/>
-              </a:ext>
-            </a:extLst>
-          </p:cNvPr>
-          <p:cNvSpPr>
-            <a:spLocks noGrp="1"/>
-          </p:cNvSpPr>
-          <p:nvPr>
-            <p:ph type="sldNum" sz="quarter" idx="11"/>
-          </p:nvPr>
-        </p:nvSpPr>
-        <p:spPr/>
-        <p:txBody>
-          <a:bodyPr/>
-          <a:lstStyle/>
-          <a:p>
-            <a:fld id="{7FFA0C58-318F-4968-B44E-A586A02707A0}" type="slidenum">
-              <a:rPr lang="de-DE" altLang="es-ES" smtClean="0"/>
-              <a:pPr/>
-              <a:t>5</a:t>
-            </a:fld>
-            <a:r>
-              <a:rPr lang="de-DE" altLang="es-ES">
-                <a:solidFill>
-                  <a:schemeClr val="accent2"/>
-                </a:solidFill>
-              </a:rPr>
-              <a:t> </a:t>
-            </a:r>
-          </a:p>
-        </p:txBody>
-      </p:sp>
     </p:spTree>
     <p:extLst>
       <p:ext uri="{BB962C8B-B14F-4D97-AF65-F5344CB8AC3E}">
-        <p14:creationId xmlns:p14="http://schemas.microsoft.com/office/powerpoint/2010/main" val="98657385"/>
+        <p14:creationId xmlns:p14="http://schemas.microsoft.com/office/powerpoint/2010/main" val="2720774869"/>
       </p:ext>
     </p:extLst>
   </p:cSld>
@@ -6801,22 +5053,25 @@
       </p:grpSpPr>
       <p:sp>
         <p:nvSpPr>
-          <p:cNvPr id="5123" name="Rectangle 2"/>
+          <p:cNvPr id="2" name="Titel 1">
+            <a:extLst>
+              <a:ext uri="{FF2B5EF4-FFF2-40B4-BE49-F238E27FC236}">
+                <a16:creationId xmlns:a16="http://schemas.microsoft.com/office/drawing/2014/main" id="{E0C48783-44F0-49B1-91DF-746F77EC058D}"/>
+              </a:ext>
+            </a:extLst>
+          </p:cNvPr>
           <p:cNvSpPr>
-            <a:spLocks noGrp="1" noChangeArrowheads="1"/>
+            <a:spLocks noGrp="1"/>
           </p:cNvSpPr>
           <p:nvPr>
             <p:ph type="title"/>
           </p:nvPr>
         </p:nvSpPr>
-        <p:spPr>
-          <a:noFill/>
-        </p:spPr>
+        <p:spPr/>
         <p:txBody>
-          <a:bodyPr tIns="36000"/>
+          <a:bodyPr/>
           <a:lstStyle/>
           <a:p>
-            <a:pPr eaLnBrk="1" hangingPunct="1"/>
             <a:r>
               <a:rPr lang="de-DE" altLang="de-DE" dirty="0"/>
               <a:t>2. </a:t>
@@ -6838,37 +5093,31 @@
             </a:br>
             <a:r>
               <a:rPr lang="de-DE" altLang="de-DE" dirty="0">
-                <a:latin typeface="Arial"/>
                 <a:cs typeface="Arial"/>
               </a:rPr>
               <a:t>Problemstellung</a:t>
             </a:r>
-            <a:br>
-              <a:rPr lang="en-US" dirty="0">
-                <a:solidFill>
-                  <a:schemeClr val="tx1"/>
-                </a:solidFill>
-                <a:latin typeface="+mj-ea"/>
-                <a:cs typeface="+mj-ea"/>
-              </a:rPr>
-            </a:br>
-            <a:endParaRPr lang="de-DE" altLang="de-DE" b="0" dirty="0"/>
+            <a:endParaRPr lang="de-DE" dirty="0"/>
           </a:p>
         </p:txBody>
       </p:sp>
       <p:sp>
         <p:nvSpPr>
-          <p:cNvPr id="5124" name="Rectangle 3"/>
+          <p:cNvPr id="3" name="Inhaltsplatzhalter 2">
+            <a:extLst>
+              <a:ext uri="{FF2B5EF4-FFF2-40B4-BE49-F238E27FC236}">
+                <a16:creationId xmlns:a16="http://schemas.microsoft.com/office/drawing/2014/main" id="{30474B77-0BBF-4449-8ED8-4290E9952962}"/>
+              </a:ext>
+            </a:extLst>
+          </p:cNvPr>
           <p:cNvSpPr>
-            <a:spLocks noGrp="1" noChangeArrowheads="1"/>
+            <a:spLocks noGrp="1"/>
           </p:cNvSpPr>
           <p:nvPr>
             <p:ph idx="1"/>
           </p:nvPr>
         </p:nvSpPr>
-        <p:spPr>
-          <a:noFill/>
-        </p:spPr>
+        <p:spPr/>
         <p:txBody>
           <a:bodyPr/>
           <a:lstStyle/>
@@ -6902,6 +5151,31 @@
             </a:r>
           </a:p>
           <a:p>
+            <a:pPr marL="172720" lvl="2" indent="0" eaLnBrk="1" hangingPunct="1">
+              <a:lnSpc>
+                <a:spcPct val="90000"/>
+              </a:lnSpc>
+              <a:buNone/>
+            </a:pPr>
+            <a:r>
+              <a:rPr lang="de-DE" altLang="de-DE" sz="1800" dirty="0">
+                <a:cs typeface="Arial"/>
+              </a:rPr>
+              <a:t>		Übergabepunkte vor jeder Werkbank und Ladestation</a:t>
+            </a:r>
+          </a:p>
+          <a:p>
+            <a:pPr marL="172720" lvl="2" indent="0" eaLnBrk="1" hangingPunct="1">
+              <a:lnSpc>
+                <a:spcPct val="90000"/>
+              </a:lnSpc>
+              <a:buNone/>
+            </a:pPr>
+            <a:endParaRPr lang="de-DE" altLang="de-DE" sz="1800" dirty="0">
+              <a:cs typeface="Arial"/>
+            </a:endParaRPr>
+          </a:p>
+          <a:p>
             <a:pPr marL="344170" lvl="1" indent="-342900" eaLnBrk="1" hangingPunct="1">
               <a:lnSpc>
                 <a:spcPct val="90000"/>
@@ -6927,8 +5201,31 @@
               <a:rPr lang="de-DE" altLang="de-DE" sz="1800" dirty="0">
                 <a:cs typeface="Arial"/>
               </a:rPr>
-              <a:t>	Lösung: Durch implementieren einer Einbahnstraße (bzw. Steigungen) </a:t>
-            </a:r>
+              <a:t>	Lösung: Durch implementieren einer Einbahnstraße (bzw. Steigungen), können 			sich </a:t>
+            </a:r>
+            <a:r>
+              <a:rPr lang="de-DE" altLang="de-DE" sz="1800" dirty="0" err="1">
+                <a:cs typeface="Arial"/>
+              </a:rPr>
+              <a:t>Robotinos</a:t>
+            </a:r>
+            <a:r>
+              <a:rPr lang="de-DE" altLang="de-DE" sz="1800" dirty="0">
+                <a:cs typeface="Arial"/>
+              </a:rPr>
+              <a:t> nicht begegnen </a:t>
+            </a:r>
+          </a:p>
+          <a:p>
+            <a:pPr marL="172720" lvl="2" indent="0" eaLnBrk="1" hangingPunct="1">
+              <a:lnSpc>
+                <a:spcPct val="90000"/>
+              </a:lnSpc>
+              <a:buNone/>
+            </a:pPr>
+            <a:endParaRPr lang="de-DE" altLang="de-DE" sz="1800" dirty="0">
+              <a:cs typeface="Arial"/>
+            </a:endParaRPr>
           </a:p>
           <a:p>
             <a:pPr marL="344170" lvl="1" indent="-342900" eaLnBrk="1" hangingPunct="1">
@@ -6954,7 +5251,7 @@
               <a:rPr lang="de-DE" altLang="de-DE" sz="1800" dirty="0">
                 <a:cs typeface="Arial"/>
               </a:rPr>
-              <a:t> pro Werkbank </a:t>
+              <a:t> pro Werkbank möglich</a:t>
             </a:r>
           </a:p>
           <a:p>
@@ -6968,321 +5265,110 @@
               <a:rPr lang="de-DE" altLang="de-DE" sz="1800" dirty="0">
                 <a:cs typeface="Arial"/>
               </a:rPr>
-              <a:t>	Lösung: Warteschlange (FIFO-Prinzip) am Fahrbahnrand</a:t>
-            </a:r>
-          </a:p>
-          <a:p>
-            <a:pPr marL="344170" lvl="1" indent="-342900" eaLnBrk="1" hangingPunct="1">
+              <a:t>	Lösung: Warteschlange (FIFO-Prinzip) am Fahrbahnrand pro Werkbank</a:t>
+            </a:r>
+          </a:p>
+          <a:p>
+            <a:pPr marL="172720" lvl="2" indent="0" eaLnBrk="1" hangingPunct="1">
               <a:lnSpc>
                 <a:spcPct val="90000"/>
               </a:lnSpc>
-              <a:buFont typeface="+mj-lt"/>
-              <a:buAutoNum type="arabicPeriod"/>
+              <a:buNone/>
             </a:pPr>
             <a:r>
               <a:rPr lang="de-DE" altLang="de-DE" sz="1800" dirty="0">
                 <a:cs typeface="Arial"/>
               </a:rPr>
-              <a:t>Sicherstellen, dass FIFO eingehalten wird</a:t>
-            </a:r>
-            <a:br>
+              <a:t>		Über </a:t>
+            </a:r>
+            <a:r>
+              <a:rPr lang="de-DE" altLang="de-DE" sz="1800" dirty="0" err="1">
+                <a:cs typeface="Arial"/>
+              </a:rPr>
+              <a:t>Deckencameras</a:t>
+            </a:r>
+            <a:r>
               <a:rPr lang="de-DE" altLang="de-DE" sz="1800" dirty="0">
                 <a:cs typeface="Arial"/>
               </a:rPr>
-            </a:br>
-            <a:r>
-              <a:rPr lang="de-DE" altLang="de-DE" sz="1800" dirty="0">
-                <a:cs typeface="Arial"/>
-              </a:rPr>
-              <a:t>	Lösung: Setzen eines Merkers</a:t>
-            </a:r>
-          </a:p>
-          <a:p>
-            <a:pPr marL="344170" lvl="1" indent="-342900" eaLnBrk="1" hangingPunct="1">
+              <a:t> ermitteln ob Werkbank frei </a:t>
+            </a:r>
+          </a:p>
+          <a:p>
+            <a:pPr marL="172720" lvl="2" indent="0" eaLnBrk="1" hangingPunct="1">
               <a:lnSpc>
                 <a:spcPct val="90000"/>
               </a:lnSpc>
-              <a:buFont typeface="+mj-lt"/>
-              <a:buAutoNum type="arabicPeriod"/>
+              <a:buNone/>
             </a:pPr>
             <a:r>
               <a:rPr lang="de-DE" altLang="de-DE" sz="1800" dirty="0">
                 <a:cs typeface="Arial"/>
-              </a:rPr>
-              <a:t>Aufrücken im FIFO</a:t>
-            </a:r>
-            <a:br>
+                <a:sym typeface="Wingdings" panose="05000000000000000000" pitchFamily="2" charset="2"/>
+              </a:rPr>
+              <a:t>		w</a:t>
+            </a:r>
+            <a:r>
               <a:rPr lang="de-DE" altLang="de-DE" sz="1800" dirty="0">
                 <a:cs typeface="Arial"/>
               </a:rPr>
-            </a:br>
-            <a:r>
-              <a:rPr lang="de-DE" altLang="de-DE" sz="1800" dirty="0">
-                <a:cs typeface="Arial"/>
-              </a:rPr>
-              <a:t>	Lösung: Information von Gewerk 3, dass Werkbereich verlassen wurde</a:t>
-            </a:r>
-          </a:p>
-          <a:p>
-            <a:pPr marL="344170" lvl="1" indent="-342900" eaLnBrk="1" hangingPunct="1">
-              <a:lnSpc>
-                <a:spcPct val="90000"/>
-              </a:lnSpc>
-              <a:buFont typeface="+mj-lt"/>
-              <a:buAutoNum type="arabicPeriod"/>
-            </a:pPr>
-            <a:r>
-              <a:rPr lang="de-DE" altLang="de-DE" sz="1800" dirty="0" err="1">
-                <a:cs typeface="Arial"/>
-              </a:rPr>
-              <a:t>Robotinos</a:t>
-            </a:r>
-            <a:r>
-              <a:rPr lang="de-DE" altLang="de-DE" sz="1800" dirty="0">
-                <a:cs typeface="Arial"/>
-              </a:rPr>
-              <a:t> ohne Auftrag</a:t>
-            </a:r>
-            <a:br>
-              <a:rPr lang="de-DE" altLang="de-DE" sz="1800" dirty="0">
-                <a:cs typeface="Arial"/>
-              </a:rPr>
-            </a:br>
-            <a:r>
-              <a:rPr lang="de-DE" altLang="de-DE" sz="1800" dirty="0">
-                <a:cs typeface="Arial"/>
-              </a:rPr>
-              <a:t>	Lösung: Eigener Wartebereich für jeden </a:t>
-            </a:r>
-            <a:r>
-              <a:rPr lang="de-DE" altLang="de-DE" sz="1800" dirty="0" err="1">
-                <a:cs typeface="Arial"/>
-              </a:rPr>
-              <a:t>Robotino</a:t>
-            </a:r>
-            <a:endParaRPr lang="de-DE" altLang="de-DE" sz="1800" dirty="0">
-              <a:cs typeface="Arial"/>
-            </a:endParaRPr>
-          </a:p>
-          <a:p>
-            <a:pPr marL="344170" lvl="1" indent="-342900" eaLnBrk="1" hangingPunct="1">
-              <a:lnSpc>
-                <a:spcPct val="90000"/>
-              </a:lnSpc>
-            </a:pPr>
-            <a:endParaRPr lang="de-DE" altLang="de-DE" sz="1800" dirty="0">
-              <a:cs typeface="Arial"/>
-            </a:endParaRPr>
+              <a:t>enn nicht zum Wartebereich fahren </a:t>
+            </a:r>
+          </a:p>
+          <a:p>
+            <a:endParaRPr lang="de-DE" dirty="0"/>
           </a:p>
         </p:txBody>
       </p:sp>
       <p:sp>
         <p:nvSpPr>
-          <p:cNvPr id="5125" name="Rectangle 10"/>
+          <p:cNvPr id="4" name="Fußzeilenplatzhalter 3">
+            <a:extLst>
+              <a:ext uri="{FF2B5EF4-FFF2-40B4-BE49-F238E27FC236}">
+                <a16:creationId xmlns:a16="http://schemas.microsoft.com/office/drawing/2014/main" id="{D05208BD-8364-4FBE-98F6-FADE0698EEC8}"/>
+              </a:ext>
+            </a:extLst>
+          </p:cNvPr>
           <p:cNvSpPr>
-            <a:spLocks noGrp="1" noChangeArrowheads="1"/>
+            <a:spLocks noGrp="1"/>
           </p:cNvSpPr>
           <p:nvPr>
             <p:ph type="ftr" sz="quarter" idx="10"/>
           </p:nvPr>
         </p:nvSpPr>
-        <p:spPr>
-          <a:noFill/>
-        </p:spPr>
+        <p:spPr/>
         <p:txBody>
           <a:bodyPr/>
-          <a:lstStyle>
-            <a:lvl1pPr eaLnBrk="0" hangingPunct="0">
-              <a:spcBef>
-                <a:spcPct val="30000"/>
-              </a:spcBef>
-              <a:spcAft>
-                <a:spcPct val="30000"/>
-              </a:spcAft>
-              <a:defRPr sz="1400">
-                <a:solidFill>
-                  <a:schemeClr val="tx1"/>
-                </a:solidFill>
-                <a:latin typeface="Arial" panose="020B0604020202020204" pitchFamily="34" charset="0"/>
-              </a:defRPr>
-            </a:lvl1pPr>
-            <a:lvl2pPr marL="742950" indent="-285750" eaLnBrk="0" hangingPunct="0">
-              <a:spcBef>
-                <a:spcPct val="30000"/>
-              </a:spcBef>
-              <a:spcAft>
-                <a:spcPct val="30000"/>
-              </a:spcAft>
-              <a:buFont typeface="Wingdings" panose="05000000000000000000" pitchFamily="2" charset="2"/>
-              <a:buChar char="§"/>
-              <a:defRPr sz="1400">
-                <a:solidFill>
-                  <a:schemeClr val="tx1"/>
-                </a:solidFill>
-                <a:latin typeface="Arial" panose="020B0604020202020204" pitchFamily="34" charset="0"/>
-              </a:defRPr>
-            </a:lvl2pPr>
-            <a:lvl3pPr marL="1143000" indent="-228600" eaLnBrk="0" hangingPunct="0">
-              <a:spcBef>
-                <a:spcPct val="10000"/>
-              </a:spcBef>
-              <a:spcAft>
-                <a:spcPct val="30000"/>
-              </a:spcAft>
-              <a:buFont typeface="Arial" panose="020B0604020202020204" pitchFamily="34" charset="0"/>
-              <a:buChar char="–"/>
-              <a:defRPr sz="1400">
-                <a:solidFill>
-                  <a:schemeClr val="tx1"/>
-                </a:solidFill>
-                <a:latin typeface="Arial" panose="020B0604020202020204" pitchFamily="34" charset="0"/>
-              </a:defRPr>
-            </a:lvl3pPr>
-            <a:lvl4pPr marL="1600200" indent="-228600" eaLnBrk="0" hangingPunct="0">
-              <a:spcBef>
-                <a:spcPct val="10000"/>
-              </a:spcBef>
-              <a:spcAft>
-                <a:spcPct val="30000"/>
-              </a:spcAft>
-              <a:buFont typeface="Wingdings" panose="05000000000000000000" pitchFamily="2" charset="2"/>
-              <a:buChar char="§"/>
-              <a:defRPr sz="1400">
-                <a:solidFill>
-                  <a:schemeClr val="tx1"/>
-                </a:solidFill>
-                <a:latin typeface="Arial" panose="020B0604020202020204" pitchFamily="34" charset="0"/>
-              </a:defRPr>
-            </a:lvl4pPr>
-            <a:lvl5pPr marL="2057400" indent="-228600" eaLnBrk="0" hangingPunct="0">
-              <a:spcBef>
-                <a:spcPct val="10000"/>
-              </a:spcBef>
-              <a:spcAft>
-                <a:spcPct val="30000"/>
-              </a:spcAft>
-              <a:buFont typeface="Arial" panose="020B0604020202020204" pitchFamily="34" charset="0"/>
-              <a:buChar char="–"/>
-              <a:defRPr sz="1400">
-                <a:solidFill>
-                  <a:schemeClr val="tx1"/>
-                </a:solidFill>
-                <a:latin typeface="Arial" panose="020B0604020202020204" pitchFamily="34" charset="0"/>
-              </a:defRPr>
-            </a:lvl5pPr>
-            <a:lvl6pPr marL="2514600" indent="-228600" eaLnBrk="0" fontAlgn="base" hangingPunct="0">
-              <a:spcBef>
-                <a:spcPct val="10000"/>
-              </a:spcBef>
-              <a:spcAft>
-                <a:spcPct val="30000"/>
-              </a:spcAft>
-              <a:buFont typeface="Arial" panose="020B0604020202020204" pitchFamily="34" charset="0"/>
-              <a:buChar char="–"/>
-              <a:defRPr sz="1400">
-                <a:solidFill>
-                  <a:schemeClr val="tx1"/>
-                </a:solidFill>
-                <a:latin typeface="Arial" panose="020B0604020202020204" pitchFamily="34" charset="0"/>
-              </a:defRPr>
-            </a:lvl6pPr>
-            <a:lvl7pPr marL="2971800" indent="-228600" eaLnBrk="0" fontAlgn="base" hangingPunct="0">
-              <a:spcBef>
-                <a:spcPct val="10000"/>
-              </a:spcBef>
-              <a:spcAft>
-                <a:spcPct val="30000"/>
-              </a:spcAft>
-              <a:buFont typeface="Arial" panose="020B0604020202020204" pitchFamily="34" charset="0"/>
-              <a:buChar char="–"/>
-              <a:defRPr sz="1400">
-                <a:solidFill>
-                  <a:schemeClr val="tx1"/>
-                </a:solidFill>
-                <a:latin typeface="Arial" panose="020B0604020202020204" pitchFamily="34" charset="0"/>
-              </a:defRPr>
-            </a:lvl7pPr>
-            <a:lvl8pPr marL="3429000" indent="-228600" eaLnBrk="0" fontAlgn="base" hangingPunct="0">
-              <a:spcBef>
-                <a:spcPct val="10000"/>
-              </a:spcBef>
-              <a:spcAft>
-                <a:spcPct val="30000"/>
-              </a:spcAft>
-              <a:buFont typeface="Arial" panose="020B0604020202020204" pitchFamily="34" charset="0"/>
-              <a:buChar char="–"/>
-              <a:defRPr sz="1400">
-                <a:solidFill>
-                  <a:schemeClr val="tx1"/>
-                </a:solidFill>
-                <a:latin typeface="Arial" panose="020B0604020202020204" pitchFamily="34" charset="0"/>
-              </a:defRPr>
-            </a:lvl8pPr>
-            <a:lvl9pPr marL="3886200" indent="-228600" eaLnBrk="0" fontAlgn="base" hangingPunct="0">
-              <a:spcBef>
-                <a:spcPct val="10000"/>
-              </a:spcBef>
-              <a:spcAft>
-                <a:spcPct val="30000"/>
-              </a:spcAft>
-              <a:buFont typeface="Arial" panose="020B0604020202020204" pitchFamily="34" charset="0"/>
-              <a:buChar char="–"/>
-              <a:defRPr sz="1400">
-                <a:solidFill>
-                  <a:schemeClr val="tx1"/>
-                </a:solidFill>
-                <a:latin typeface="Arial" panose="020B0604020202020204" pitchFamily="34" charset="0"/>
-              </a:defRPr>
-            </a:lvl9pPr>
-          </a:lstStyle>
-          <a:p>
-            <a:pPr eaLnBrk="1" hangingPunct="1">
-              <a:spcBef>
-                <a:spcPct val="0"/>
-              </a:spcBef>
-              <a:spcAft>
-                <a:spcPct val="0"/>
-              </a:spcAft>
+          <a:lstStyle/>
+          <a:p>
+            <a:pPr>
+              <a:defRPr/>
             </a:pPr>
             <a:r>
-              <a:rPr lang="de-DE" altLang="de-DE" sz="1000" dirty="0">
-                <a:solidFill>
-                  <a:srgbClr val="3366CC"/>
-                </a:solidFill>
-              </a:rPr>
-              <a:t>Seminar Autonome Systeme  |  THEMA  |  </a:t>
-            </a:r>
-            <a:r>
-              <a:rPr lang="de-DE" altLang="de-DE" sz="1000" dirty="0" err="1">
-                <a:solidFill>
-                  <a:srgbClr val="3366CC"/>
-                </a:solidFill>
-              </a:rPr>
-              <a:t>SoSe</a:t>
-            </a:r>
-            <a:r>
-              <a:rPr lang="de-DE" altLang="de-DE" sz="1000" dirty="0">
-                <a:solidFill>
-                  <a:srgbClr val="3366CC"/>
-                </a:solidFill>
-              </a:rPr>
-              <a:t> 2017  </a:t>
-            </a:r>
-            <a:r>
-              <a:rPr lang="de-DE" altLang="de-DE" sz="1000" dirty="0">
-                <a:solidFill>
-                  <a:srgbClr val="3366CC"/>
-                </a:solidFill>
-                <a:cs typeface="Arial" panose="020B0604020202020204" pitchFamily="34" charset="0"/>
-              </a:rPr>
-              <a:t>|</a:t>
-            </a:r>
+              <a:rPr lang="de-DE"/>
+              <a:t>VPJ Gewerk 2 |  Bahnplanung  |  WiSe 2017  </a:t>
+            </a:r>
+            <a:r>
+              <a:rPr lang="de-DE">
+                <a:cs typeface="Arial" charset="0"/>
+              </a:rPr>
+              <a:t>|  Robin Möller, Inke Heynen, Jan Gellermann</a:t>
+            </a:r>
+            <a:endParaRPr lang="de-DE" dirty="0">
+              <a:cs typeface="Arial" charset="0"/>
+            </a:endParaRPr>
           </a:p>
         </p:txBody>
       </p:sp>
       <p:sp>
         <p:nvSpPr>
-          <p:cNvPr id="5" name="Foliennummernplatzhalter 4"/>
+          <p:cNvPr id="5" name="Foliennummernplatzhalter 4">
+            <a:extLst>
+              <a:ext uri="{FF2B5EF4-FFF2-40B4-BE49-F238E27FC236}">
+                <a16:creationId xmlns:a16="http://schemas.microsoft.com/office/drawing/2014/main" id="{3508CB09-B7DF-4961-AF99-F98497007B99}"/>
+              </a:ext>
+            </a:extLst>
+          </p:cNvPr>
           <p:cNvSpPr>
             <a:spLocks noGrp="1"/>
           </p:cNvSpPr>
@@ -7293,114 +5379,11 @@
         <p:spPr/>
         <p:txBody>
           <a:bodyPr/>
-          <a:lstStyle>
-            <a:lvl1pPr eaLnBrk="0" hangingPunct="0">
-              <a:defRPr>
-                <a:solidFill>
-                  <a:schemeClr val="tx1"/>
-                </a:solidFill>
-                <a:latin typeface="Berlin Sans FB" panose="020E0602020502020306" pitchFamily="34" charset="0"/>
-              </a:defRPr>
-            </a:lvl1pPr>
-            <a:lvl2pPr marL="742950" indent="-285750" eaLnBrk="0" hangingPunct="0">
-              <a:defRPr>
-                <a:solidFill>
-                  <a:schemeClr val="tx1"/>
-                </a:solidFill>
-                <a:latin typeface="Berlin Sans FB" panose="020E0602020502020306" pitchFamily="34" charset="0"/>
-              </a:defRPr>
-            </a:lvl2pPr>
-            <a:lvl3pPr marL="1143000" indent="-228600" eaLnBrk="0" hangingPunct="0">
-              <a:defRPr>
-                <a:solidFill>
-                  <a:schemeClr val="tx1"/>
-                </a:solidFill>
-                <a:latin typeface="Berlin Sans FB" panose="020E0602020502020306" pitchFamily="34" charset="0"/>
-              </a:defRPr>
-            </a:lvl3pPr>
-            <a:lvl4pPr marL="1600200" indent="-228600" eaLnBrk="0" hangingPunct="0">
-              <a:defRPr>
-                <a:solidFill>
-                  <a:schemeClr val="tx1"/>
-                </a:solidFill>
-                <a:latin typeface="Berlin Sans FB" panose="020E0602020502020306" pitchFamily="34" charset="0"/>
-              </a:defRPr>
-            </a:lvl4pPr>
-            <a:lvl5pPr marL="2057400" indent="-228600" eaLnBrk="0" hangingPunct="0">
-              <a:defRPr>
-                <a:solidFill>
-                  <a:schemeClr val="tx1"/>
-                </a:solidFill>
-                <a:latin typeface="Berlin Sans FB" panose="020E0602020502020306" pitchFamily="34" charset="0"/>
-              </a:defRPr>
-            </a:lvl5pPr>
-            <a:lvl6pPr marL="2514600" indent="-228600" eaLnBrk="0" fontAlgn="base" hangingPunct="0">
-              <a:spcBef>
-                <a:spcPct val="0"/>
-              </a:spcBef>
-              <a:spcAft>
-                <a:spcPct val="0"/>
-              </a:spcAft>
-              <a:defRPr>
-                <a:solidFill>
-                  <a:schemeClr val="tx1"/>
-                </a:solidFill>
-                <a:latin typeface="Berlin Sans FB" panose="020E0602020502020306" pitchFamily="34" charset="0"/>
-              </a:defRPr>
-            </a:lvl6pPr>
-            <a:lvl7pPr marL="2971800" indent="-228600" eaLnBrk="0" fontAlgn="base" hangingPunct="0">
-              <a:spcBef>
-                <a:spcPct val="0"/>
-              </a:spcBef>
-              <a:spcAft>
-                <a:spcPct val="0"/>
-              </a:spcAft>
-              <a:defRPr>
-                <a:solidFill>
-                  <a:schemeClr val="tx1"/>
-                </a:solidFill>
-                <a:latin typeface="Berlin Sans FB" panose="020E0602020502020306" pitchFamily="34" charset="0"/>
-              </a:defRPr>
-            </a:lvl7pPr>
-            <a:lvl8pPr marL="3429000" indent="-228600" eaLnBrk="0" fontAlgn="base" hangingPunct="0">
-              <a:spcBef>
-                <a:spcPct val="0"/>
-              </a:spcBef>
-              <a:spcAft>
-                <a:spcPct val="0"/>
-              </a:spcAft>
-              <a:defRPr>
-                <a:solidFill>
-                  <a:schemeClr val="tx1"/>
-                </a:solidFill>
-                <a:latin typeface="Berlin Sans FB" panose="020E0602020502020306" pitchFamily="34" charset="0"/>
-              </a:defRPr>
-            </a:lvl8pPr>
-            <a:lvl9pPr marL="3886200" indent="-228600" eaLnBrk="0" fontAlgn="base" hangingPunct="0">
-              <a:spcBef>
-                <a:spcPct val="0"/>
-              </a:spcBef>
-              <a:spcAft>
-                <a:spcPct val="0"/>
-              </a:spcAft>
-              <a:defRPr>
-                <a:solidFill>
-                  <a:schemeClr val="tx1"/>
-                </a:solidFill>
-                <a:latin typeface="Berlin Sans FB" panose="020E0602020502020306" pitchFamily="34" charset="0"/>
-              </a:defRPr>
-            </a:lvl9pPr>
-          </a:lstStyle>
-          <a:p>
-            <a:pPr eaLnBrk="1" hangingPunct="1"/>
-            <a:fld id="{9597214E-587E-4BB5-8E63-037A1AC23691}" type="slidenum">
-              <a:rPr lang="de-DE" altLang="es-ES">
-                <a:solidFill>
-                  <a:srgbClr val="3366CC"/>
-                </a:solidFill>
-                <a:latin typeface="Arial" panose="020B0604020202020204" pitchFamily="34" charset="0"/>
-              </a:rPr>
-              <a:pPr eaLnBrk="1" hangingPunct="1"/>
+          <a:lstStyle/>
+          <a:p>
+            <a:fld id="{7FFA0C58-318F-4968-B44E-A586A02707A0}" type="slidenum">
+              <a:rPr lang="de-DE" altLang="es-ES" smtClean="0"/>
+              <a:pPr/>
               <a:t>6</a:t>
             </a:fld>
             <a:r>
@@ -7408,7 +5391,6 @@
                 <a:solidFill>
                   <a:schemeClr val="accent2"/>
                 </a:solidFill>
-                <a:latin typeface="Arial" panose="020B0604020202020204" pitchFamily="34" charset="0"/>
               </a:rPr>
               <a:t> </a:t>
             </a:r>
@@ -7418,7 +5400,7 @@
     </p:spTree>
     <p:extLst>
       <p:ext uri="{BB962C8B-B14F-4D97-AF65-F5344CB8AC3E}">
-        <p14:creationId xmlns:p14="http://schemas.microsoft.com/office/powerpoint/2010/main" val="4139179848"/>
+        <p14:creationId xmlns:p14="http://schemas.microsoft.com/office/powerpoint/2010/main" val="3960970353"/>
       </p:ext>
     </p:extLst>
   </p:cSld>
@@ -7448,7 +5430,319 @@
       </p:grpSpPr>
       <p:sp>
         <p:nvSpPr>
-          <p:cNvPr id="5" name="Foliennummernplatzhalter 4"/>
+          <p:cNvPr id="2" name="Titel 1">
+            <a:extLst>
+              <a:ext uri="{FF2B5EF4-FFF2-40B4-BE49-F238E27FC236}">
+                <a16:creationId xmlns:a16="http://schemas.microsoft.com/office/drawing/2014/main" id="{27550AB3-6952-4775-833E-DC990A492641}"/>
+              </a:ext>
+            </a:extLst>
+          </p:cNvPr>
+          <p:cNvSpPr>
+            <a:spLocks noGrp="1"/>
+          </p:cNvSpPr>
+          <p:nvPr>
+            <p:ph type="title"/>
+          </p:nvPr>
+        </p:nvSpPr>
+        <p:spPr/>
+        <p:txBody>
+          <a:bodyPr/>
+          <a:lstStyle/>
+          <a:p>
+            <a:r>
+              <a:rPr lang="de-DE" altLang="de-DE" dirty="0"/>
+              <a:t>2. </a:t>
+            </a:r>
+            <a:r>
+              <a:rPr lang="de-DE" altLang="de-DE" dirty="0">
+                <a:cs typeface="Arial"/>
+              </a:rPr>
+              <a:t>Konzept</a:t>
+            </a:r>
+            <a:br>
+              <a:rPr lang="en-US" dirty="0">
+                <a:solidFill>
+                  <a:schemeClr val="tx1"/>
+                </a:solidFill>
+                <a:latin typeface="+mj-ea"/>
+                <a:cs typeface="+mj-ea"/>
+              </a:rPr>
+            </a:br>
+            <a:r>
+              <a:rPr lang="de-DE" altLang="de-DE">
+                <a:cs typeface="Arial"/>
+              </a:rPr>
+              <a:t>Problemstellung</a:t>
+            </a:r>
+            <a:endParaRPr lang="de-DE"/>
+          </a:p>
+        </p:txBody>
+      </p:sp>
+      <p:sp>
+        <p:nvSpPr>
+          <p:cNvPr id="3" name="Inhaltsplatzhalter 2">
+            <a:extLst>
+              <a:ext uri="{FF2B5EF4-FFF2-40B4-BE49-F238E27FC236}">
+                <a16:creationId xmlns:a16="http://schemas.microsoft.com/office/drawing/2014/main" id="{14596503-A67F-4B1F-B152-27CBB750E3A8}"/>
+              </a:ext>
+            </a:extLst>
+          </p:cNvPr>
+          <p:cNvSpPr>
+            <a:spLocks noGrp="1"/>
+          </p:cNvSpPr>
+          <p:nvPr>
+            <p:ph idx="1"/>
+          </p:nvPr>
+        </p:nvSpPr>
+        <p:spPr/>
+        <p:txBody>
+          <a:bodyPr/>
+          <a:lstStyle/>
+          <a:p>
+            <a:pPr marL="344170" lvl="1" indent="-342900" eaLnBrk="1" hangingPunct="1">
+              <a:lnSpc>
+                <a:spcPct val="90000"/>
+              </a:lnSpc>
+              <a:buFont typeface="+mj-lt"/>
+              <a:buAutoNum type="arabicPeriod" startAt="4"/>
+            </a:pPr>
+            <a:r>
+              <a:rPr lang="de-DE" altLang="de-DE" sz="1800" dirty="0">
+                <a:cs typeface="Arial"/>
+              </a:rPr>
+              <a:t>Sicherstellen, dass FIFO eingehalten wird</a:t>
+            </a:r>
+            <a:br>
+              <a:rPr lang="de-DE" altLang="de-DE" sz="1800" dirty="0">
+                <a:cs typeface="Arial"/>
+              </a:rPr>
+            </a:br>
+            <a:r>
+              <a:rPr lang="de-DE" altLang="de-DE" sz="1800" dirty="0">
+                <a:cs typeface="Arial"/>
+              </a:rPr>
+              <a:t>	Lösung: Setzen eines Merkers, Rücksetzen, sobald an Gewerk 3 übergeben</a:t>
+            </a:r>
+          </a:p>
+          <a:p>
+            <a:pPr marL="344170" lvl="1" indent="-342900" eaLnBrk="1" hangingPunct="1">
+              <a:lnSpc>
+                <a:spcPct val="90000"/>
+              </a:lnSpc>
+              <a:buFont typeface="+mj-lt"/>
+              <a:buAutoNum type="arabicPeriod" startAt="4"/>
+            </a:pPr>
+            <a:endParaRPr lang="de-DE" altLang="de-DE" sz="1800" dirty="0">
+              <a:cs typeface="Arial"/>
+            </a:endParaRPr>
+          </a:p>
+          <a:p>
+            <a:pPr marL="344170" lvl="1" indent="-342900" eaLnBrk="1" hangingPunct="1">
+              <a:lnSpc>
+                <a:spcPct val="90000"/>
+              </a:lnSpc>
+              <a:buFont typeface="+mj-lt"/>
+              <a:buAutoNum type="arabicPeriod" startAt="4"/>
+            </a:pPr>
+            <a:r>
+              <a:rPr lang="de-DE" altLang="de-DE" sz="1800" dirty="0">
+                <a:cs typeface="Arial"/>
+              </a:rPr>
+              <a:t>Aufrücken im FIFO</a:t>
+            </a:r>
+            <a:br>
+              <a:rPr lang="de-DE" altLang="de-DE" sz="1800" dirty="0">
+                <a:cs typeface="Arial"/>
+              </a:rPr>
+            </a:br>
+            <a:r>
+              <a:rPr lang="de-DE" altLang="de-DE" sz="1800" dirty="0">
+                <a:cs typeface="Arial"/>
+              </a:rPr>
+              <a:t>	Lösung: Information von Gewerk 3, dass Werkbereich verlassen wurde, bis erster 		</a:t>
+            </a:r>
+            <a:r>
+              <a:rPr lang="de-DE" altLang="de-DE" sz="1800" dirty="0" err="1">
+                <a:cs typeface="Arial"/>
+              </a:rPr>
+              <a:t>Robotino</a:t>
+            </a:r>
+            <a:r>
+              <a:rPr lang="de-DE" altLang="de-DE" sz="1800" dirty="0">
+                <a:cs typeface="Arial"/>
+              </a:rPr>
+              <a:t> losfahren kann, die anderen Rücken entsprechend auf </a:t>
+            </a:r>
+          </a:p>
+          <a:p>
+            <a:pPr marL="344170" lvl="1" indent="-342900" eaLnBrk="1" hangingPunct="1">
+              <a:lnSpc>
+                <a:spcPct val="90000"/>
+              </a:lnSpc>
+              <a:buFont typeface="+mj-lt"/>
+              <a:buAutoNum type="arabicPeriod" startAt="4"/>
+            </a:pPr>
+            <a:endParaRPr lang="de-DE" altLang="de-DE" sz="1800" dirty="0">
+              <a:cs typeface="Arial"/>
+            </a:endParaRPr>
+          </a:p>
+          <a:p>
+            <a:pPr marL="344170" lvl="1" indent="-342900" eaLnBrk="1" hangingPunct="1">
+              <a:lnSpc>
+                <a:spcPct val="90000"/>
+              </a:lnSpc>
+              <a:buFont typeface="+mj-lt"/>
+              <a:buAutoNum type="arabicPeriod" startAt="4"/>
+            </a:pPr>
+            <a:r>
+              <a:rPr lang="de-DE" altLang="de-DE" sz="1800" dirty="0" err="1">
+                <a:cs typeface="Arial"/>
+              </a:rPr>
+              <a:t>Robotinos</a:t>
+            </a:r>
+            <a:r>
+              <a:rPr lang="de-DE" altLang="de-DE" sz="1800" dirty="0">
+                <a:cs typeface="Arial"/>
+              </a:rPr>
+              <a:t> ohne Auftrag</a:t>
+            </a:r>
+            <a:br>
+              <a:rPr lang="de-DE" altLang="de-DE" sz="1800" dirty="0">
+                <a:cs typeface="Arial"/>
+              </a:rPr>
+            </a:br>
+            <a:r>
+              <a:rPr lang="de-DE" altLang="de-DE" sz="1800" dirty="0">
+                <a:cs typeface="Arial"/>
+              </a:rPr>
+              <a:t>	Lösung: Eigener Wartebereich für jeden </a:t>
+            </a:r>
+            <a:r>
+              <a:rPr lang="de-DE" altLang="de-DE" sz="1800" dirty="0" err="1">
+                <a:cs typeface="Arial"/>
+              </a:rPr>
+              <a:t>Robotino</a:t>
+            </a:r>
+            <a:endParaRPr lang="de-DE" altLang="de-DE" sz="1800" dirty="0">
+              <a:cs typeface="Arial"/>
+            </a:endParaRPr>
+          </a:p>
+          <a:p>
+            <a:pPr marL="344170" lvl="1" indent="-342900" eaLnBrk="1" hangingPunct="1">
+              <a:lnSpc>
+                <a:spcPct val="90000"/>
+              </a:lnSpc>
+              <a:buFont typeface="+mj-lt"/>
+              <a:buAutoNum type="arabicPeriod" startAt="4"/>
+            </a:pPr>
+            <a:endParaRPr lang="de-DE" altLang="de-DE" sz="1800" dirty="0">
+              <a:cs typeface="Arial"/>
+            </a:endParaRPr>
+          </a:p>
+          <a:p>
+            <a:pPr marL="344170" lvl="1" indent="-342900" eaLnBrk="1" hangingPunct="1">
+              <a:lnSpc>
+                <a:spcPct val="90000"/>
+              </a:lnSpc>
+              <a:buFont typeface="+mj-lt"/>
+              <a:buAutoNum type="arabicPeriod" startAt="4"/>
+            </a:pPr>
+            <a:r>
+              <a:rPr lang="de-DE" altLang="de-DE" sz="1800" dirty="0">
+                <a:cs typeface="Arial"/>
+              </a:rPr>
+              <a:t>Begegnung von zwei </a:t>
+            </a:r>
+            <a:r>
+              <a:rPr lang="de-DE" altLang="de-DE" sz="1800" dirty="0" err="1">
+                <a:cs typeface="Arial"/>
+              </a:rPr>
+              <a:t>Robotinos</a:t>
+            </a:r>
+            <a:endParaRPr lang="de-DE" altLang="de-DE" sz="1800" dirty="0">
+              <a:cs typeface="Arial"/>
+            </a:endParaRPr>
+          </a:p>
+          <a:p>
+            <a:pPr marL="363220" lvl="3" indent="0" eaLnBrk="1" hangingPunct="1">
+              <a:lnSpc>
+                <a:spcPct val="90000"/>
+              </a:lnSpc>
+              <a:buNone/>
+            </a:pPr>
+            <a:r>
+              <a:rPr lang="de-DE" altLang="de-DE" sz="1800" dirty="0">
+                <a:cs typeface="Arial"/>
+              </a:rPr>
+              <a:t>	Lösung: </a:t>
+            </a:r>
+            <a:r>
+              <a:rPr lang="de-DE" altLang="de-DE" sz="1800" dirty="0" err="1">
+                <a:cs typeface="Arial"/>
+              </a:rPr>
+              <a:t>Robotinos</a:t>
+            </a:r>
+            <a:r>
+              <a:rPr lang="de-DE" altLang="de-DE" sz="1800" dirty="0">
+                <a:cs typeface="Arial"/>
+              </a:rPr>
+              <a:t> erzeugen virtuelles Hindernis links von sich, dass in nach  			rechts drückt. </a:t>
+            </a:r>
+          </a:p>
+          <a:p>
+            <a:endParaRPr lang="de-DE" dirty="0"/>
+          </a:p>
+        </p:txBody>
+      </p:sp>
+      <p:sp>
+        <p:nvSpPr>
+          <p:cNvPr id="4" name="Fußzeilenplatzhalter 3">
+            <a:extLst>
+              <a:ext uri="{FF2B5EF4-FFF2-40B4-BE49-F238E27FC236}">
+                <a16:creationId xmlns:a16="http://schemas.microsoft.com/office/drawing/2014/main" id="{0BA4DECC-89B5-4564-B3C6-BACCCEE9E91D}"/>
+              </a:ext>
+            </a:extLst>
+          </p:cNvPr>
+          <p:cNvSpPr>
+            <a:spLocks noGrp="1"/>
+          </p:cNvSpPr>
+          <p:nvPr>
+            <p:ph type="ftr" sz="quarter" idx="10"/>
+          </p:nvPr>
+        </p:nvSpPr>
+        <p:spPr/>
+        <p:txBody>
+          <a:bodyPr/>
+          <a:lstStyle/>
+          <a:p>
+            <a:pPr>
+              <a:defRPr/>
+            </a:pPr>
+            <a:r>
+              <a:rPr lang="de-DE"/>
+              <a:t>VPJ Gewerk 2 |  Bahnplanung  |  WiSe 2017  </a:t>
+            </a:r>
+            <a:r>
+              <a:rPr lang="de-DE">
+                <a:cs typeface="Arial" charset="0"/>
+              </a:rPr>
+              <a:t>|  Robin Möller, Inke Heynen, Jan Gellermann</a:t>
+            </a:r>
+            <a:endParaRPr lang="de-DE" dirty="0">
+              <a:cs typeface="Arial" charset="0"/>
+            </a:endParaRPr>
+          </a:p>
+        </p:txBody>
+      </p:sp>
+      <p:sp>
+        <p:nvSpPr>
+          <p:cNvPr id="5" name="Foliennummernplatzhalter 4">
+            <a:extLst>
+              <a:ext uri="{FF2B5EF4-FFF2-40B4-BE49-F238E27FC236}">
+                <a16:creationId xmlns:a16="http://schemas.microsoft.com/office/drawing/2014/main" id="{04785371-51E6-40C6-B09A-2DB691D50DCE}"/>
+              </a:ext>
+            </a:extLst>
+          </p:cNvPr>
           <p:cNvSpPr>
             <a:spLocks noGrp="1"/>
           </p:cNvSpPr>
@@ -7459,114 +5753,11 @@
         <p:spPr/>
         <p:txBody>
           <a:bodyPr/>
-          <a:lstStyle>
-            <a:lvl1pPr eaLnBrk="0" hangingPunct="0">
-              <a:defRPr>
-                <a:solidFill>
-                  <a:schemeClr val="tx1"/>
-                </a:solidFill>
-                <a:latin typeface="Berlin Sans FB" panose="020E0602020502020306" pitchFamily="34" charset="0"/>
-              </a:defRPr>
-            </a:lvl1pPr>
-            <a:lvl2pPr marL="742950" indent="-285750" eaLnBrk="0" hangingPunct="0">
-              <a:defRPr>
-                <a:solidFill>
-                  <a:schemeClr val="tx1"/>
-                </a:solidFill>
-                <a:latin typeface="Berlin Sans FB" panose="020E0602020502020306" pitchFamily="34" charset="0"/>
-              </a:defRPr>
-            </a:lvl2pPr>
-            <a:lvl3pPr marL="1143000" indent="-228600" eaLnBrk="0" hangingPunct="0">
-              <a:defRPr>
-                <a:solidFill>
-                  <a:schemeClr val="tx1"/>
-                </a:solidFill>
-                <a:latin typeface="Berlin Sans FB" panose="020E0602020502020306" pitchFamily="34" charset="0"/>
-              </a:defRPr>
-            </a:lvl3pPr>
-            <a:lvl4pPr marL="1600200" indent="-228600" eaLnBrk="0" hangingPunct="0">
-              <a:defRPr>
-                <a:solidFill>
-                  <a:schemeClr val="tx1"/>
-                </a:solidFill>
-                <a:latin typeface="Berlin Sans FB" panose="020E0602020502020306" pitchFamily="34" charset="0"/>
-              </a:defRPr>
-            </a:lvl4pPr>
-            <a:lvl5pPr marL="2057400" indent="-228600" eaLnBrk="0" hangingPunct="0">
-              <a:defRPr>
-                <a:solidFill>
-                  <a:schemeClr val="tx1"/>
-                </a:solidFill>
-                <a:latin typeface="Berlin Sans FB" panose="020E0602020502020306" pitchFamily="34" charset="0"/>
-              </a:defRPr>
-            </a:lvl5pPr>
-            <a:lvl6pPr marL="2514600" indent="-228600" eaLnBrk="0" fontAlgn="base" hangingPunct="0">
-              <a:spcBef>
-                <a:spcPct val="0"/>
-              </a:spcBef>
-              <a:spcAft>
-                <a:spcPct val="0"/>
-              </a:spcAft>
-              <a:defRPr>
-                <a:solidFill>
-                  <a:schemeClr val="tx1"/>
-                </a:solidFill>
-                <a:latin typeface="Berlin Sans FB" panose="020E0602020502020306" pitchFamily="34" charset="0"/>
-              </a:defRPr>
-            </a:lvl6pPr>
-            <a:lvl7pPr marL="2971800" indent="-228600" eaLnBrk="0" fontAlgn="base" hangingPunct="0">
-              <a:spcBef>
-                <a:spcPct val="0"/>
-              </a:spcBef>
-              <a:spcAft>
-                <a:spcPct val="0"/>
-              </a:spcAft>
-              <a:defRPr>
-                <a:solidFill>
-                  <a:schemeClr val="tx1"/>
-                </a:solidFill>
-                <a:latin typeface="Berlin Sans FB" panose="020E0602020502020306" pitchFamily="34" charset="0"/>
-              </a:defRPr>
-            </a:lvl7pPr>
-            <a:lvl8pPr marL="3429000" indent="-228600" eaLnBrk="0" fontAlgn="base" hangingPunct="0">
-              <a:spcBef>
-                <a:spcPct val="0"/>
-              </a:spcBef>
-              <a:spcAft>
-                <a:spcPct val="0"/>
-              </a:spcAft>
-              <a:defRPr>
-                <a:solidFill>
-                  <a:schemeClr val="tx1"/>
-                </a:solidFill>
-                <a:latin typeface="Berlin Sans FB" panose="020E0602020502020306" pitchFamily="34" charset="0"/>
-              </a:defRPr>
-            </a:lvl8pPr>
-            <a:lvl9pPr marL="3886200" indent="-228600" eaLnBrk="0" fontAlgn="base" hangingPunct="0">
-              <a:spcBef>
-                <a:spcPct val="0"/>
-              </a:spcBef>
-              <a:spcAft>
-                <a:spcPct val="0"/>
-              </a:spcAft>
-              <a:defRPr>
-                <a:solidFill>
-                  <a:schemeClr val="tx1"/>
-                </a:solidFill>
-                <a:latin typeface="Berlin Sans FB" panose="020E0602020502020306" pitchFamily="34" charset="0"/>
-              </a:defRPr>
-            </a:lvl9pPr>
-          </a:lstStyle>
-          <a:p>
-            <a:pPr eaLnBrk="1" hangingPunct="1"/>
-            <a:fld id="{9597214E-587E-4BB5-8E63-037A1AC23691}" type="slidenum">
-              <a:rPr lang="de-DE" altLang="es-ES">
-                <a:solidFill>
-                  <a:srgbClr val="3366CC"/>
-                </a:solidFill>
-                <a:latin typeface="Arial" panose="020B0604020202020204" pitchFamily="34" charset="0"/>
-              </a:rPr>
-              <a:pPr eaLnBrk="1" hangingPunct="1"/>
+          <a:lstStyle/>
+          <a:p>
+            <a:fld id="{7FFA0C58-318F-4968-B44E-A586A02707A0}" type="slidenum">
+              <a:rPr lang="de-DE" altLang="es-ES" smtClean="0"/>
+              <a:pPr/>
               <a:t>7</a:t>
             </a:fld>
             <a:r>
@@ -7574,303 +5765,8 @@
                 <a:solidFill>
                   <a:schemeClr val="accent2"/>
                 </a:solidFill>
-                <a:latin typeface="Arial" panose="020B0604020202020204" pitchFamily="34" charset="0"/>
               </a:rPr>
               <a:t> </a:t>
-            </a:r>
-          </a:p>
-        </p:txBody>
-      </p:sp>
-      <p:sp>
-        <p:nvSpPr>
-          <p:cNvPr id="5123" name="Rectangle 2"/>
-          <p:cNvSpPr>
-            <a:spLocks noGrp="1" noChangeArrowheads="1"/>
-          </p:cNvSpPr>
-          <p:nvPr>
-            <p:ph type="title"/>
-          </p:nvPr>
-        </p:nvSpPr>
-        <p:spPr>
-          <a:xfrm>
-            <a:off x="319088" y="333375"/>
-            <a:ext cx="7620000" cy="719138"/>
-          </a:xfrm>
-          <a:noFill/>
-        </p:spPr>
-        <p:txBody>
-          <a:bodyPr tIns="36000"/>
-          <a:lstStyle/>
-          <a:p>
-            <a:pPr eaLnBrk="1" hangingPunct="1"/>
-            <a:r>
-              <a:rPr lang="de-DE" altLang="de-DE" dirty="0"/>
-              <a:t>3. </a:t>
-            </a:r>
-            <a:r>
-              <a:rPr lang="de-DE" altLang="de-DE" dirty="0">
-                <a:latin typeface="Arial"/>
-                <a:cs typeface="Arial"/>
-              </a:rPr>
-              <a:t>Schnittstellen</a:t>
-            </a:r>
-            <a:br>
-              <a:rPr lang="en-US" dirty="0">
-                <a:solidFill>
-                  <a:schemeClr val="tx1"/>
-                </a:solidFill>
-                <a:latin typeface="+mj-ea"/>
-                <a:cs typeface="+mj-ea"/>
-              </a:rPr>
-            </a:br>
-            <a:br>
-              <a:rPr lang="en-US" dirty="0">
-                <a:solidFill>
-                  <a:schemeClr val="tx1"/>
-                </a:solidFill>
-                <a:latin typeface="+mj-ea"/>
-                <a:cs typeface="+mj-ea"/>
-              </a:rPr>
-            </a:br>
-            <a:endParaRPr lang="de-DE" altLang="de-DE" b="0"/>
-          </a:p>
-        </p:txBody>
-      </p:sp>
-      <p:sp>
-        <p:nvSpPr>
-          <p:cNvPr id="5124" name="Rectangle 3"/>
-          <p:cNvSpPr>
-            <a:spLocks noGrp="1" noChangeArrowheads="1"/>
-          </p:cNvSpPr>
-          <p:nvPr>
-            <p:ph type="body" idx="1"/>
-          </p:nvPr>
-        </p:nvSpPr>
-        <p:spPr>
-          <a:noFill/>
-        </p:spPr>
-        <p:txBody>
-          <a:bodyPr/>
-          <a:lstStyle/>
-          <a:p>
-            <a:pPr marL="344170" lvl="1" indent="-342900" eaLnBrk="1" hangingPunct="1">
-              <a:lnSpc>
-                <a:spcPct val="90000"/>
-              </a:lnSpc>
-            </a:pPr>
-            <a:endParaRPr lang="de-DE" altLang="de-DE" sz="1800" dirty="0">
-              <a:cs typeface="Arial"/>
-            </a:endParaRPr>
-          </a:p>
-          <a:p>
-            <a:pPr marL="344170" lvl="1" indent="-342900" eaLnBrk="1" hangingPunct="1">
-              <a:lnSpc>
-                <a:spcPct val="90000"/>
-              </a:lnSpc>
-            </a:pPr>
-            <a:r>
-              <a:rPr lang="de-DE" altLang="de-DE" sz="1800" dirty="0">
-                <a:cs typeface="Arial"/>
-              </a:rPr>
-              <a:t>Bild von Gewerk 1</a:t>
-            </a:r>
-          </a:p>
-          <a:p>
-            <a:pPr marL="344170" lvl="1" indent="-342900" eaLnBrk="1" hangingPunct="1">
-              <a:lnSpc>
-                <a:spcPct val="90000"/>
-              </a:lnSpc>
-            </a:pPr>
-            <a:endParaRPr lang="de-DE" altLang="de-DE" sz="1800" dirty="0">
-              <a:cs typeface="Arial"/>
-            </a:endParaRPr>
-          </a:p>
-        </p:txBody>
-      </p:sp>
-      <p:sp>
-        <p:nvSpPr>
-          <p:cNvPr id="5125" name="Rectangle 10"/>
-          <p:cNvSpPr>
-            <a:spLocks noGrp="1" noChangeArrowheads="1"/>
-          </p:cNvSpPr>
-          <p:nvPr>
-            <p:ph type="ftr" sz="quarter" idx="10"/>
-          </p:nvPr>
-        </p:nvSpPr>
-        <p:spPr>
-          <a:noFill/>
-        </p:spPr>
-        <p:txBody>
-          <a:bodyPr/>
-          <a:lstStyle>
-            <a:lvl1pPr eaLnBrk="0" hangingPunct="0">
-              <a:spcBef>
-                <a:spcPct val="30000"/>
-              </a:spcBef>
-              <a:spcAft>
-                <a:spcPct val="30000"/>
-              </a:spcAft>
-              <a:defRPr sz="1400">
-                <a:solidFill>
-                  <a:schemeClr val="tx1"/>
-                </a:solidFill>
-                <a:latin typeface="Arial" panose="020B0604020202020204" pitchFamily="34" charset="0"/>
-              </a:defRPr>
-            </a:lvl1pPr>
-            <a:lvl2pPr marL="742950" indent="-285750" eaLnBrk="0" hangingPunct="0">
-              <a:spcBef>
-                <a:spcPct val="30000"/>
-              </a:spcBef>
-              <a:spcAft>
-                <a:spcPct val="30000"/>
-              </a:spcAft>
-              <a:buFont typeface="Wingdings" panose="05000000000000000000" pitchFamily="2" charset="2"/>
-              <a:buChar char="§"/>
-              <a:defRPr sz="1400">
-                <a:solidFill>
-                  <a:schemeClr val="tx1"/>
-                </a:solidFill>
-                <a:latin typeface="Arial" panose="020B0604020202020204" pitchFamily="34" charset="0"/>
-              </a:defRPr>
-            </a:lvl2pPr>
-            <a:lvl3pPr marL="1143000" indent="-228600" eaLnBrk="0" hangingPunct="0">
-              <a:spcBef>
-                <a:spcPct val="10000"/>
-              </a:spcBef>
-              <a:spcAft>
-                <a:spcPct val="30000"/>
-              </a:spcAft>
-              <a:buFont typeface="Arial" panose="020B0604020202020204" pitchFamily="34" charset="0"/>
-              <a:buChar char="–"/>
-              <a:defRPr sz="1400">
-                <a:solidFill>
-                  <a:schemeClr val="tx1"/>
-                </a:solidFill>
-                <a:latin typeface="Arial" panose="020B0604020202020204" pitchFamily="34" charset="0"/>
-              </a:defRPr>
-            </a:lvl3pPr>
-            <a:lvl4pPr marL="1600200" indent="-228600" eaLnBrk="0" hangingPunct="0">
-              <a:spcBef>
-                <a:spcPct val="10000"/>
-              </a:spcBef>
-              <a:spcAft>
-                <a:spcPct val="30000"/>
-              </a:spcAft>
-              <a:buFont typeface="Wingdings" panose="05000000000000000000" pitchFamily="2" charset="2"/>
-              <a:buChar char="§"/>
-              <a:defRPr sz="1400">
-                <a:solidFill>
-                  <a:schemeClr val="tx1"/>
-                </a:solidFill>
-                <a:latin typeface="Arial" panose="020B0604020202020204" pitchFamily="34" charset="0"/>
-              </a:defRPr>
-            </a:lvl4pPr>
-            <a:lvl5pPr marL="2057400" indent="-228600" eaLnBrk="0" hangingPunct="0">
-              <a:spcBef>
-                <a:spcPct val="10000"/>
-              </a:spcBef>
-              <a:spcAft>
-                <a:spcPct val="30000"/>
-              </a:spcAft>
-              <a:buFont typeface="Arial" panose="020B0604020202020204" pitchFamily="34" charset="0"/>
-              <a:buChar char="–"/>
-              <a:defRPr sz="1400">
-                <a:solidFill>
-                  <a:schemeClr val="tx1"/>
-                </a:solidFill>
-                <a:latin typeface="Arial" panose="020B0604020202020204" pitchFamily="34" charset="0"/>
-              </a:defRPr>
-            </a:lvl5pPr>
-            <a:lvl6pPr marL="2514600" indent="-228600" eaLnBrk="0" fontAlgn="base" hangingPunct="0">
-              <a:spcBef>
-                <a:spcPct val="10000"/>
-              </a:spcBef>
-              <a:spcAft>
-                <a:spcPct val="30000"/>
-              </a:spcAft>
-              <a:buFont typeface="Arial" panose="020B0604020202020204" pitchFamily="34" charset="0"/>
-              <a:buChar char="–"/>
-              <a:defRPr sz="1400">
-                <a:solidFill>
-                  <a:schemeClr val="tx1"/>
-                </a:solidFill>
-                <a:latin typeface="Arial" panose="020B0604020202020204" pitchFamily="34" charset="0"/>
-              </a:defRPr>
-            </a:lvl6pPr>
-            <a:lvl7pPr marL="2971800" indent="-228600" eaLnBrk="0" fontAlgn="base" hangingPunct="0">
-              <a:spcBef>
-                <a:spcPct val="10000"/>
-              </a:spcBef>
-              <a:spcAft>
-                <a:spcPct val="30000"/>
-              </a:spcAft>
-              <a:buFont typeface="Arial" panose="020B0604020202020204" pitchFamily="34" charset="0"/>
-              <a:buChar char="–"/>
-              <a:defRPr sz="1400">
-                <a:solidFill>
-                  <a:schemeClr val="tx1"/>
-                </a:solidFill>
-                <a:latin typeface="Arial" panose="020B0604020202020204" pitchFamily="34" charset="0"/>
-              </a:defRPr>
-            </a:lvl7pPr>
-            <a:lvl8pPr marL="3429000" indent="-228600" eaLnBrk="0" fontAlgn="base" hangingPunct="0">
-              <a:spcBef>
-                <a:spcPct val="10000"/>
-              </a:spcBef>
-              <a:spcAft>
-                <a:spcPct val="30000"/>
-              </a:spcAft>
-              <a:buFont typeface="Arial" panose="020B0604020202020204" pitchFamily="34" charset="0"/>
-              <a:buChar char="–"/>
-              <a:defRPr sz="1400">
-                <a:solidFill>
-                  <a:schemeClr val="tx1"/>
-                </a:solidFill>
-                <a:latin typeface="Arial" panose="020B0604020202020204" pitchFamily="34" charset="0"/>
-              </a:defRPr>
-            </a:lvl8pPr>
-            <a:lvl9pPr marL="3886200" indent="-228600" eaLnBrk="0" fontAlgn="base" hangingPunct="0">
-              <a:spcBef>
-                <a:spcPct val="10000"/>
-              </a:spcBef>
-              <a:spcAft>
-                <a:spcPct val="30000"/>
-              </a:spcAft>
-              <a:buFont typeface="Arial" panose="020B0604020202020204" pitchFamily="34" charset="0"/>
-              <a:buChar char="–"/>
-              <a:defRPr sz="1400">
-                <a:solidFill>
-                  <a:schemeClr val="tx1"/>
-                </a:solidFill>
-                <a:latin typeface="Arial" panose="020B0604020202020204" pitchFamily="34" charset="0"/>
-              </a:defRPr>
-            </a:lvl9pPr>
-          </a:lstStyle>
-          <a:p>
-            <a:pPr eaLnBrk="1" hangingPunct="1">
-              <a:spcBef>
-                <a:spcPct val="0"/>
-              </a:spcBef>
-              <a:spcAft>
-                <a:spcPct val="0"/>
-              </a:spcAft>
-            </a:pPr>
-            <a:r>
-              <a:rPr lang="de-DE" altLang="de-DE" sz="1000">
-                <a:solidFill>
-                  <a:srgbClr val="3366CC"/>
-                </a:solidFill>
-              </a:rPr>
-              <a:t>Seminar Autonome Systeme  |  THEMA  |  SoSe 2017  </a:t>
-            </a:r>
-            <a:r>
-              <a:rPr lang="de-DE" altLang="de-DE" sz="1000">
-                <a:solidFill>
-                  <a:srgbClr val="3366CC"/>
-                </a:solidFill>
-                <a:cs typeface="Arial" panose="020B0604020202020204" pitchFamily="34" charset="0"/>
-              </a:rPr>
-              <a:t>|  Vorname  Nachname</a:t>
             </a:r>
           </a:p>
         </p:txBody>
@@ -7878,7 +5774,7 @@
     </p:spTree>
     <p:extLst>
       <p:ext uri="{BB962C8B-B14F-4D97-AF65-F5344CB8AC3E}">
-        <p14:creationId xmlns:p14="http://schemas.microsoft.com/office/powerpoint/2010/main" val="708531967"/>
+        <p14:creationId xmlns:p14="http://schemas.microsoft.com/office/powerpoint/2010/main" val="145052701"/>
       </p:ext>
     </p:extLst>
   </p:cSld>
@@ -7908,7 +5804,125 @@
       </p:grpSpPr>
       <p:sp>
         <p:nvSpPr>
-          <p:cNvPr id="5" name="Foliennummernplatzhalter 4"/>
+          <p:cNvPr id="2" name="Titel 1">
+            <a:extLst>
+              <a:ext uri="{FF2B5EF4-FFF2-40B4-BE49-F238E27FC236}">
+                <a16:creationId xmlns:a16="http://schemas.microsoft.com/office/drawing/2014/main" id="{68942DE7-0CD4-4006-B961-3A46331D13B7}"/>
+              </a:ext>
+            </a:extLst>
+          </p:cNvPr>
+          <p:cNvSpPr>
+            <a:spLocks noGrp="1"/>
+          </p:cNvSpPr>
+          <p:nvPr>
+            <p:ph type="title"/>
+          </p:nvPr>
+        </p:nvSpPr>
+        <p:spPr/>
+        <p:txBody>
+          <a:bodyPr/>
+          <a:lstStyle/>
+          <a:p>
+            <a:r>
+              <a:rPr lang="de-DE" altLang="de-DE" dirty="0"/>
+              <a:t>3. </a:t>
+            </a:r>
+            <a:r>
+              <a:rPr lang="de-DE" altLang="de-DE" dirty="0">
+                <a:cs typeface="Arial"/>
+              </a:rPr>
+              <a:t>Schnittstellen</a:t>
+            </a:r>
+            <a:endParaRPr lang="de-DE" dirty="0"/>
+          </a:p>
+        </p:txBody>
+      </p:sp>
+      <p:sp>
+        <p:nvSpPr>
+          <p:cNvPr id="3" name="Inhaltsplatzhalter 2">
+            <a:extLst>
+              <a:ext uri="{FF2B5EF4-FFF2-40B4-BE49-F238E27FC236}">
+                <a16:creationId xmlns:a16="http://schemas.microsoft.com/office/drawing/2014/main" id="{2443D015-FBE5-4C25-8718-8719D6560D39}"/>
+              </a:ext>
+            </a:extLst>
+          </p:cNvPr>
+          <p:cNvSpPr>
+            <a:spLocks noGrp="1"/>
+          </p:cNvSpPr>
+          <p:nvPr>
+            <p:ph idx="1"/>
+          </p:nvPr>
+        </p:nvSpPr>
+        <p:spPr/>
+        <p:txBody>
+          <a:bodyPr/>
+          <a:lstStyle/>
+          <a:p>
+            <a:pPr>
+              <a:buFont typeface="Arial" panose="020B0604020202020204" pitchFamily="34" charset="0"/>
+              <a:buChar char="•"/>
+            </a:pPr>
+            <a:r>
+              <a:rPr lang="de-DE" altLang="de-DE" sz="1800" dirty="0">
+                <a:cs typeface="Arial"/>
+              </a:rPr>
+              <a:t>Bild von Gewerk 1</a:t>
+            </a:r>
+          </a:p>
+          <a:p>
+            <a:endParaRPr lang="de-DE" dirty="0"/>
+          </a:p>
+        </p:txBody>
+      </p:sp>
+      <p:sp>
+        <p:nvSpPr>
+          <p:cNvPr id="4" name="Fußzeilenplatzhalter 3">
+            <a:extLst>
+              <a:ext uri="{FF2B5EF4-FFF2-40B4-BE49-F238E27FC236}">
+                <a16:creationId xmlns:a16="http://schemas.microsoft.com/office/drawing/2014/main" id="{EAA1F0E0-8D52-48F0-B1B5-68B6926C079D}"/>
+              </a:ext>
+            </a:extLst>
+          </p:cNvPr>
+          <p:cNvSpPr>
+            <a:spLocks noGrp="1"/>
+          </p:cNvSpPr>
+          <p:nvPr>
+            <p:ph type="ftr" sz="quarter" idx="10"/>
+          </p:nvPr>
+        </p:nvSpPr>
+        <p:spPr/>
+        <p:txBody>
+          <a:bodyPr/>
+          <a:lstStyle/>
+          <a:p>
+            <a:pPr>
+              <a:defRPr/>
+            </a:pPr>
+            <a:r>
+              <a:rPr lang="de-DE"/>
+              <a:t>VPJ Gewerk 2 |  Bahnplanung  |  WiSe 2017  </a:t>
+            </a:r>
+            <a:r>
+              <a:rPr lang="de-DE">
+                <a:cs typeface="Arial" charset="0"/>
+              </a:rPr>
+              <a:t>|  Robin Möller, Inke Heynen, Jan Gellermann</a:t>
+            </a:r>
+            <a:endParaRPr lang="de-DE" dirty="0">
+              <a:cs typeface="Arial" charset="0"/>
+            </a:endParaRPr>
+          </a:p>
+        </p:txBody>
+      </p:sp>
+      <p:sp>
+        <p:nvSpPr>
+          <p:cNvPr id="5" name="Foliennummernplatzhalter 4">
+            <a:extLst>
+              <a:ext uri="{FF2B5EF4-FFF2-40B4-BE49-F238E27FC236}">
+                <a16:creationId xmlns:a16="http://schemas.microsoft.com/office/drawing/2014/main" id="{3247F105-89DD-4C3A-AC5F-FB6BBF6B145D}"/>
+              </a:ext>
+            </a:extLst>
+          </p:cNvPr>
           <p:cNvSpPr>
             <a:spLocks noGrp="1"/>
           </p:cNvSpPr>
@@ -7919,114 +5933,11 @@
         <p:spPr/>
         <p:txBody>
           <a:bodyPr/>
-          <a:lstStyle>
-            <a:lvl1pPr eaLnBrk="0" hangingPunct="0">
-              <a:defRPr>
-                <a:solidFill>
-                  <a:schemeClr val="tx1"/>
-                </a:solidFill>
-                <a:latin typeface="Berlin Sans FB" panose="020E0602020502020306" pitchFamily="34" charset="0"/>
-              </a:defRPr>
-            </a:lvl1pPr>
-            <a:lvl2pPr marL="742950" indent="-285750" eaLnBrk="0" hangingPunct="0">
-              <a:defRPr>
-                <a:solidFill>
-                  <a:schemeClr val="tx1"/>
-                </a:solidFill>
-                <a:latin typeface="Berlin Sans FB" panose="020E0602020502020306" pitchFamily="34" charset="0"/>
-              </a:defRPr>
-            </a:lvl2pPr>
-            <a:lvl3pPr marL="1143000" indent="-228600" eaLnBrk="0" hangingPunct="0">
-              <a:defRPr>
-                <a:solidFill>
-                  <a:schemeClr val="tx1"/>
-                </a:solidFill>
-                <a:latin typeface="Berlin Sans FB" panose="020E0602020502020306" pitchFamily="34" charset="0"/>
-              </a:defRPr>
-            </a:lvl3pPr>
-            <a:lvl4pPr marL="1600200" indent="-228600" eaLnBrk="0" hangingPunct="0">
-              <a:defRPr>
-                <a:solidFill>
-                  <a:schemeClr val="tx1"/>
-                </a:solidFill>
-                <a:latin typeface="Berlin Sans FB" panose="020E0602020502020306" pitchFamily="34" charset="0"/>
-              </a:defRPr>
-            </a:lvl4pPr>
-            <a:lvl5pPr marL="2057400" indent="-228600" eaLnBrk="0" hangingPunct="0">
-              <a:defRPr>
-                <a:solidFill>
-                  <a:schemeClr val="tx1"/>
-                </a:solidFill>
-                <a:latin typeface="Berlin Sans FB" panose="020E0602020502020306" pitchFamily="34" charset="0"/>
-              </a:defRPr>
-            </a:lvl5pPr>
-            <a:lvl6pPr marL="2514600" indent="-228600" eaLnBrk="0" fontAlgn="base" hangingPunct="0">
-              <a:spcBef>
-                <a:spcPct val="0"/>
-              </a:spcBef>
-              <a:spcAft>
-                <a:spcPct val="0"/>
-              </a:spcAft>
-              <a:defRPr>
-                <a:solidFill>
-                  <a:schemeClr val="tx1"/>
-                </a:solidFill>
-                <a:latin typeface="Berlin Sans FB" panose="020E0602020502020306" pitchFamily="34" charset="0"/>
-              </a:defRPr>
-            </a:lvl6pPr>
-            <a:lvl7pPr marL="2971800" indent="-228600" eaLnBrk="0" fontAlgn="base" hangingPunct="0">
-              <a:spcBef>
-                <a:spcPct val="0"/>
-              </a:spcBef>
-              <a:spcAft>
-                <a:spcPct val="0"/>
-              </a:spcAft>
-              <a:defRPr>
-                <a:solidFill>
-                  <a:schemeClr val="tx1"/>
-                </a:solidFill>
-                <a:latin typeface="Berlin Sans FB" panose="020E0602020502020306" pitchFamily="34" charset="0"/>
-              </a:defRPr>
-            </a:lvl7pPr>
-            <a:lvl8pPr marL="3429000" indent="-228600" eaLnBrk="0" fontAlgn="base" hangingPunct="0">
-              <a:spcBef>
-                <a:spcPct val="0"/>
-              </a:spcBef>
-              <a:spcAft>
-                <a:spcPct val="0"/>
-              </a:spcAft>
-              <a:defRPr>
-                <a:solidFill>
-                  <a:schemeClr val="tx1"/>
-                </a:solidFill>
-                <a:latin typeface="Berlin Sans FB" panose="020E0602020502020306" pitchFamily="34" charset="0"/>
-              </a:defRPr>
-            </a:lvl8pPr>
-            <a:lvl9pPr marL="3886200" indent="-228600" eaLnBrk="0" fontAlgn="base" hangingPunct="0">
-              <a:spcBef>
-                <a:spcPct val="0"/>
-              </a:spcBef>
-              <a:spcAft>
-                <a:spcPct val="0"/>
-              </a:spcAft>
-              <a:defRPr>
-                <a:solidFill>
-                  <a:schemeClr val="tx1"/>
-                </a:solidFill>
-                <a:latin typeface="Berlin Sans FB" panose="020E0602020502020306" pitchFamily="34" charset="0"/>
-              </a:defRPr>
-            </a:lvl9pPr>
-          </a:lstStyle>
-          <a:p>
-            <a:pPr eaLnBrk="1" hangingPunct="1"/>
-            <a:fld id="{9597214E-587E-4BB5-8E63-037A1AC23691}" type="slidenum">
-              <a:rPr lang="de-DE" altLang="es-ES">
-                <a:solidFill>
-                  <a:srgbClr val="3366CC"/>
-                </a:solidFill>
-                <a:latin typeface="Arial" panose="020B0604020202020204" pitchFamily="34" charset="0"/>
-              </a:rPr>
-              <a:pPr eaLnBrk="1" hangingPunct="1"/>
+          <a:lstStyle/>
+          <a:p>
+            <a:fld id="{7FFA0C58-318F-4968-B44E-A586A02707A0}" type="slidenum">
+              <a:rPr lang="de-DE" altLang="es-ES" smtClean="0"/>
+              <a:pPr/>
               <a:t>8</a:t>
             </a:fld>
             <a:r>
@@ -8034,303 +5945,8 @@
                 <a:solidFill>
                   <a:schemeClr val="accent2"/>
                 </a:solidFill>
-                <a:latin typeface="Arial" panose="020B0604020202020204" pitchFamily="34" charset="0"/>
               </a:rPr>
               <a:t> </a:t>
-            </a:r>
-          </a:p>
-        </p:txBody>
-      </p:sp>
-      <p:sp>
-        <p:nvSpPr>
-          <p:cNvPr id="5123" name="Rectangle 2"/>
-          <p:cNvSpPr>
-            <a:spLocks noGrp="1" noChangeArrowheads="1"/>
-          </p:cNvSpPr>
-          <p:nvPr>
-            <p:ph type="title"/>
-          </p:nvPr>
-        </p:nvSpPr>
-        <p:spPr>
-          <a:xfrm>
-            <a:off x="319088" y="333375"/>
-            <a:ext cx="7620000" cy="719138"/>
-          </a:xfrm>
-          <a:noFill/>
-        </p:spPr>
-        <p:txBody>
-          <a:bodyPr tIns="36000"/>
-          <a:lstStyle/>
-          <a:p>
-            <a:pPr eaLnBrk="1" hangingPunct="1"/>
-            <a:r>
-              <a:rPr lang="de-DE" altLang="de-DE" dirty="0"/>
-              <a:t>3. </a:t>
-            </a:r>
-            <a:r>
-              <a:rPr lang="de-DE" altLang="de-DE" dirty="0">
-                <a:latin typeface="Arial"/>
-                <a:cs typeface="Arial"/>
-              </a:rPr>
-              <a:t>Schnittstellen</a:t>
-            </a:r>
-            <a:br>
-              <a:rPr lang="en-US" dirty="0">
-                <a:solidFill>
-                  <a:schemeClr val="tx1"/>
-                </a:solidFill>
-                <a:latin typeface="+mj-ea"/>
-                <a:cs typeface="+mj-ea"/>
-              </a:rPr>
-            </a:br>
-            <a:br>
-              <a:rPr lang="en-US" dirty="0">
-                <a:solidFill>
-                  <a:schemeClr val="tx1"/>
-                </a:solidFill>
-                <a:latin typeface="+mj-ea"/>
-                <a:cs typeface="+mj-ea"/>
-              </a:rPr>
-            </a:br>
-            <a:endParaRPr lang="de-DE" altLang="de-DE" b="0"/>
-          </a:p>
-        </p:txBody>
-      </p:sp>
-      <p:sp>
-        <p:nvSpPr>
-          <p:cNvPr id="5124" name="Rectangle 3"/>
-          <p:cNvSpPr>
-            <a:spLocks noGrp="1" noChangeArrowheads="1"/>
-          </p:cNvSpPr>
-          <p:nvPr>
-            <p:ph type="body" idx="1"/>
-          </p:nvPr>
-        </p:nvSpPr>
-        <p:spPr>
-          <a:noFill/>
-        </p:spPr>
-        <p:txBody>
-          <a:bodyPr/>
-          <a:lstStyle/>
-          <a:p>
-            <a:pPr marL="344170" lvl="1" indent="-342900" eaLnBrk="1" hangingPunct="1">
-              <a:lnSpc>
-                <a:spcPct val="90000"/>
-              </a:lnSpc>
-            </a:pPr>
-            <a:endParaRPr lang="de-DE" altLang="de-DE" sz="1800" dirty="0">
-              <a:cs typeface="Arial"/>
-            </a:endParaRPr>
-          </a:p>
-          <a:p>
-            <a:pPr marL="344170" lvl="1" indent="-342900" eaLnBrk="1" hangingPunct="1">
-              <a:lnSpc>
-                <a:spcPct val="90000"/>
-              </a:lnSpc>
-            </a:pPr>
-            <a:r>
-              <a:rPr lang="de-DE" altLang="de-DE" sz="1800" dirty="0">
-                <a:cs typeface="Arial"/>
-              </a:rPr>
-              <a:t>Bild von Gewerk 3</a:t>
-            </a:r>
-          </a:p>
-          <a:p>
-            <a:pPr marL="344170" lvl="1" indent="-342900" eaLnBrk="1" hangingPunct="1">
-              <a:lnSpc>
-                <a:spcPct val="90000"/>
-              </a:lnSpc>
-            </a:pPr>
-            <a:endParaRPr lang="de-DE" altLang="de-DE" sz="1800">
-              <a:cs typeface="Arial"/>
-            </a:endParaRPr>
-          </a:p>
-        </p:txBody>
-      </p:sp>
-      <p:sp>
-        <p:nvSpPr>
-          <p:cNvPr id="5125" name="Rectangle 10"/>
-          <p:cNvSpPr>
-            <a:spLocks noGrp="1" noChangeArrowheads="1"/>
-          </p:cNvSpPr>
-          <p:nvPr>
-            <p:ph type="ftr" sz="quarter" idx="10"/>
-          </p:nvPr>
-        </p:nvSpPr>
-        <p:spPr>
-          <a:noFill/>
-        </p:spPr>
-        <p:txBody>
-          <a:bodyPr/>
-          <a:lstStyle>
-            <a:lvl1pPr eaLnBrk="0" hangingPunct="0">
-              <a:spcBef>
-                <a:spcPct val="30000"/>
-              </a:spcBef>
-              <a:spcAft>
-                <a:spcPct val="30000"/>
-              </a:spcAft>
-              <a:defRPr sz="1400">
-                <a:solidFill>
-                  <a:schemeClr val="tx1"/>
-                </a:solidFill>
-                <a:latin typeface="Arial" panose="020B0604020202020204" pitchFamily="34" charset="0"/>
-              </a:defRPr>
-            </a:lvl1pPr>
-            <a:lvl2pPr marL="742950" indent="-285750" eaLnBrk="0" hangingPunct="0">
-              <a:spcBef>
-                <a:spcPct val="30000"/>
-              </a:spcBef>
-              <a:spcAft>
-                <a:spcPct val="30000"/>
-              </a:spcAft>
-              <a:buFont typeface="Wingdings" panose="05000000000000000000" pitchFamily="2" charset="2"/>
-              <a:buChar char="§"/>
-              <a:defRPr sz="1400">
-                <a:solidFill>
-                  <a:schemeClr val="tx1"/>
-                </a:solidFill>
-                <a:latin typeface="Arial" panose="020B0604020202020204" pitchFamily="34" charset="0"/>
-              </a:defRPr>
-            </a:lvl2pPr>
-            <a:lvl3pPr marL="1143000" indent="-228600" eaLnBrk="0" hangingPunct="0">
-              <a:spcBef>
-                <a:spcPct val="10000"/>
-              </a:spcBef>
-              <a:spcAft>
-                <a:spcPct val="30000"/>
-              </a:spcAft>
-              <a:buFont typeface="Arial" panose="020B0604020202020204" pitchFamily="34" charset="0"/>
-              <a:buChar char="–"/>
-              <a:defRPr sz="1400">
-                <a:solidFill>
-                  <a:schemeClr val="tx1"/>
-                </a:solidFill>
-                <a:latin typeface="Arial" panose="020B0604020202020204" pitchFamily="34" charset="0"/>
-              </a:defRPr>
-            </a:lvl3pPr>
-            <a:lvl4pPr marL="1600200" indent="-228600" eaLnBrk="0" hangingPunct="0">
-              <a:spcBef>
-                <a:spcPct val="10000"/>
-              </a:spcBef>
-              <a:spcAft>
-                <a:spcPct val="30000"/>
-              </a:spcAft>
-              <a:buFont typeface="Wingdings" panose="05000000000000000000" pitchFamily="2" charset="2"/>
-              <a:buChar char="§"/>
-              <a:defRPr sz="1400">
-                <a:solidFill>
-                  <a:schemeClr val="tx1"/>
-                </a:solidFill>
-                <a:latin typeface="Arial" panose="020B0604020202020204" pitchFamily="34" charset="0"/>
-              </a:defRPr>
-            </a:lvl4pPr>
-            <a:lvl5pPr marL="2057400" indent="-228600" eaLnBrk="0" hangingPunct="0">
-              <a:spcBef>
-                <a:spcPct val="10000"/>
-              </a:spcBef>
-              <a:spcAft>
-                <a:spcPct val="30000"/>
-              </a:spcAft>
-              <a:buFont typeface="Arial" panose="020B0604020202020204" pitchFamily="34" charset="0"/>
-              <a:buChar char="–"/>
-              <a:defRPr sz="1400">
-                <a:solidFill>
-                  <a:schemeClr val="tx1"/>
-                </a:solidFill>
-                <a:latin typeface="Arial" panose="020B0604020202020204" pitchFamily="34" charset="0"/>
-              </a:defRPr>
-            </a:lvl5pPr>
-            <a:lvl6pPr marL="2514600" indent="-228600" eaLnBrk="0" fontAlgn="base" hangingPunct="0">
-              <a:spcBef>
-                <a:spcPct val="10000"/>
-              </a:spcBef>
-              <a:spcAft>
-                <a:spcPct val="30000"/>
-              </a:spcAft>
-              <a:buFont typeface="Arial" panose="020B0604020202020204" pitchFamily="34" charset="0"/>
-              <a:buChar char="–"/>
-              <a:defRPr sz="1400">
-                <a:solidFill>
-                  <a:schemeClr val="tx1"/>
-                </a:solidFill>
-                <a:latin typeface="Arial" panose="020B0604020202020204" pitchFamily="34" charset="0"/>
-              </a:defRPr>
-            </a:lvl6pPr>
-            <a:lvl7pPr marL="2971800" indent="-228600" eaLnBrk="0" fontAlgn="base" hangingPunct="0">
-              <a:spcBef>
-                <a:spcPct val="10000"/>
-              </a:spcBef>
-              <a:spcAft>
-                <a:spcPct val="30000"/>
-              </a:spcAft>
-              <a:buFont typeface="Arial" panose="020B0604020202020204" pitchFamily="34" charset="0"/>
-              <a:buChar char="–"/>
-              <a:defRPr sz="1400">
-                <a:solidFill>
-                  <a:schemeClr val="tx1"/>
-                </a:solidFill>
-                <a:latin typeface="Arial" panose="020B0604020202020204" pitchFamily="34" charset="0"/>
-              </a:defRPr>
-            </a:lvl7pPr>
-            <a:lvl8pPr marL="3429000" indent="-228600" eaLnBrk="0" fontAlgn="base" hangingPunct="0">
-              <a:spcBef>
-                <a:spcPct val="10000"/>
-              </a:spcBef>
-              <a:spcAft>
-                <a:spcPct val="30000"/>
-              </a:spcAft>
-              <a:buFont typeface="Arial" panose="020B0604020202020204" pitchFamily="34" charset="0"/>
-              <a:buChar char="–"/>
-              <a:defRPr sz="1400">
-                <a:solidFill>
-                  <a:schemeClr val="tx1"/>
-                </a:solidFill>
-                <a:latin typeface="Arial" panose="020B0604020202020204" pitchFamily="34" charset="0"/>
-              </a:defRPr>
-            </a:lvl8pPr>
-            <a:lvl9pPr marL="3886200" indent="-228600" eaLnBrk="0" fontAlgn="base" hangingPunct="0">
-              <a:spcBef>
-                <a:spcPct val="10000"/>
-              </a:spcBef>
-              <a:spcAft>
-                <a:spcPct val="30000"/>
-              </a:spcAft>
-              <a:buFont typeface="Arial" panose="020B0604020202020204" pitchFamily="34" charset="0"/>
-              <a:buChar char="–"/>
-              <a:defRPr sz="1400">
-                <a:solidFill>
-                  <a:schemeClr val="tx1"/>
-                </a:solidFill>
-                <a:latin typeface="Arial" panose="020B0604020202020204" pitchFamily="34" charset="0"/>
-              </a:defRPr>
-            </a:lvl9pPr>
-          </a:lstStyle>
-          <a:p>
-            <a:pPr eaLnBrk="1" hangingPunct="1">
-              <a:spcBef>
-                <a:spcPct val="0"/>
-              </a:spcBef>
-              <a:spcAft>
-                <a:spcPct val="0"/>
-              </a:spcAft>
-            </a:pPr>
-            <a:r>
-              <a:rPr lang="de-DE" altLang="de-DE" sz="1000">
-                <a:solidFill>
-                  <a:srgbClr val="3366CC"/>
-                </a:solidFill>
-              </a:rPr>
-              <a:t>Seminar Autonome Systeme  |  THEMA  |  SoSe 2017  </a:t>
-            </a:r>
-            <a:r>
-              <a:rPr lang="de-DE" altLang="de-DE" sz="1000">
-                <a:solidFill>
-                  <a:srgbClr val="3366CC"/>
-                </a:solidFill>
-                <a:cs typeface="Arial" panose="020B0604020202020204" pitchFamily="34" charset="0"/>
-              </a:rPr>
-              <a:t>|  Vorname  Nachname</a:t>
             </a:r>
           </a:p>
         </p:txBody>
@@ -8338,7 +5954,7 @@
     </p:spTree>
     <p:extLst>
       <p:ext uri="{BB962C8B-B14F-4D97-AF65-F5344CB8AC3E}">
-        <p14:creationId xmlns:p14="http://schemas.microsoft.com/office/powerpoint/2010/main" val="332435406"/>
+        <p14:creationId xmlns:p14="http://schemas.microsoft.com/office/powerpoint/2010/main" val="1528144001"/>
       </p:ext>
     </p:extLst>
   </p:cSld>
@@ -8368,7 +5984,125 @@
       </p:grpSpPr>
       <p:sp>
         <p:nvSpPr>
-          <p:cNvPr id="5" name="Foliennummernplatzhalter 4"/>
+          <p:cNvPr id="2" name="Titel 1">
+            <a:extLst>
+              <a:ext uri="{FF2B5EF4-FFF2-40B4-BE49-F238E27FC236}">
+                <a16:creationId xmlns:a16="http://schemas.microsoft.com/office/drawing/2014/main" id="{68942DE7-0CD4-4006-B961-3A46331D13B7}"/>
+              </a:ext>
+            </a:extLst>
+          </p:cNvPr>
+          <p:cNvSpPr>
+            <a:spLocks noGrp="1"/>
+          </p:cNvSpPr>
+          <p:nvPr>
+            <p:ph type="title"/>
+          </p:nvPr>
+        </p:nvSpPr>
+        <p:spPr/>
+        <p:txBody>
+          <a:bodyPr/>
+          <a:lstStyle/>
+          <a:p>
+            <a:r>
+              <a:rPr lang="de-DE" altLang="de-DE" dirty="0"/>
+              <a:t>3. </a:t>
+            </a:r>
+            <a:r>
+              <a:rPr lang="de-DE" altLang="de-DE" dirty="0">
+                <a:cs typeface="Arial"/>
+              </a:rPr>
+              <a:t>Schnittstellen</a:t>
+            </a:r>
+            <a:endParaRPr lang="de-DE" dirty="0"/>
+          </a:p>
+        </p:txBody>
+      </p:sp>
+      <p:sp>
+        <p:nvSpPr>
+          <p:cNvPr id="3" name="Inhaltsplatzhalter 2">
+            <a:extLst>
+              <a:ext uri="{FF2B5EF4-FFF2-40B4-BE49-F238E27FC236}">
+                <a16:creationId xmlns:a16="http://schemas.microsoft.com/office/drawing/2014/main" id="{2443D015-FBE5-4C25-8718-8719D6560D39}"/>
+              </a:ext>
+            </a:extLst>
+          </p:cNvPr>
+          <p:cNvSpPr>
+            <a:spLocks noGrp="1"/>
+          </p:cNvSpPr>
+          <p:nvPr>
+            <p:ph idx="1"/>
+          </p:nvPr>
+        </p:nvSpPr>
+        <p:spPr/>
+        <p:txBody>
+          <a:bodyPr/>
+          <a:lstStyle/>
+          <a:p>
+            <a:pPr>
+              <a:buFont typeface="Arial" panose="020B0604020202020204" pitchFamily="34" charset="0"/>
+              <a:buChar char="•"/>
+            </a:pPr>
+            <a:r>
+              <a:rPr lang="de-DE" altLang="de-DE" sz="1800" dirty="0">
+                <a:cs typeface="Arial"/>
+              </a:rPr>
+              <a:t>Bild von Gewerk 3</a:t>
+            </a:r>
+          </a:p>
+          <a:p>
+            <a:endParaRPr lang="de-DE" dirty="0"/>
+          </a:p>
+        </p:txBody>
+      </p:sp>
+      <p:sp>
+        <p:nvSpPr>
+          <p:cNvPr id="4" name="Fußzeilenplatzhalter 3">
+            <a:extLst>
+              <a:ext uri="{FF2B5EF4-FFF2-40B4-BE49-F238E27FC236}">
+                <a16:creationId xmlns:a16="http://schemas.microsoft.com/office/drawing/2014/main" id="{EAA1F0E0-8D52-48F0-B1B5-68B6926C079D}"/>
+              </a:ext>
+            </a:extLst>
+          </p:cNvPr>
+          <p:cNvSpPr>
+            <a:spLocks noGrp="1"/>
+          </p:cNvSpPr>
+          <p:nvPr>
+            <p:ph type="ftr" sz="quarter" idx="10"/>
+          </p:nvPr>
+        </p:nvSpPr>
+        <p:spPr/>
+        <p:txBody>
+          <a:bodyPr/>
+          <a:lstStyle/>
+          <a:p>
+            <a:pPr>
+              <a:defRPr/>
+            </a:pPr>
+            <a:r>
+              <a:rPr lang="de-DE"/>
+              <a:t>VPJ Gewerk 2 |  Bahnplanung  |  WiSe 2017  </a:t>
+            </a:r>
+            <a:r>
+              <a:rPr lang="de-DE">
+                <a:cs typeface="Arial" charset="0"/>
+              </a:rPr>
+              <a:t>|  Robin Möller, Inke Heynen, Jan Gellermann</a:t>
+            </a:r>
+            <a:endParaRPr lang="de-DE" dirty="0">
+              <a:cs typeface="Arial" charset="0"/>
+            </a:endParaRPr>
+          </a:p>
+        </p:txBody>
+      </p:sp>
+      <p:sp>
+        <p:nvSpPr>
+          <p:cNvPr id="5" name="Foliennummernplatzhalter 4">
+            <a:extLst>
+              <a:ext uri="{FF2B5EF4-FFF2-40B4-BE49-F238E27FC236}">
+                <a16:creationId xmlns:a16="http://schemas.microsoft.com/office/drawing/2014/main" id="{3247F105-89DD-4C3A-AC5F-FB6BBF6B145D}"/>
+              </a:ext>
+            </a:extLst>
+          </p:cNvPr>
           <p:cNvSpPr>
             <a:spLocks noGrp="1"/>
           </p:cNvSpPr>
@@ -8379,114 +6113,11 @@
         <p:spPr/>
         <p:txBody>
           <a:bodyPr/>
-          <a:lstStyle>
-            <a:lvl1pPr eaLnBrk="0" hangingPunct="0">
-              <a:defRPr>
-                <a:solidFill>
-                  <a:schemeClr val="tx1"/>
-                </a:solidFill>
-                <a:latin typeface="Berlin Sans FB" panose="020E0602020502020306" pitchFamily="34" charset="0"/>
-              </a:defRPr>
-            </a:lvl1pPr>
-            <a:lvl2pPr marL="742950" indent="-285750" eaLnBrk="0" hangingPunct="0">
-              <a:defRPr>
-                <a:solidFill>
-                  <a:schemeClr val="tx1"/>
-                </a:solidFill>
-                <a:latin typeface="Berlin Sans FB" panose="020E0602020502020306" pitchFamily="34" charset="0"/>
-              </a:defRPr>
-            </a:lvl2pPr>
-            <a:lvl3pPr marL="1143000" indent="-228600" eaLnBrk="0" hangingPunct="0">
-              <a:defRPr>
-                <a:solidFill>
-                  <a:schemeClr val="tx1"/>
-                </a:solidFill>
-                <a:latin typeface="Berlin Sans FB" panose="020E0602020502020306" pitchFamily="34" charset="0"/>
-              </a:defRPr>
-            </a:lvl3pPr>
-            <a:lvl4pPr marL="1600200" indent="-228600" eaLnBrk="0" hangingPunct="0">
-              <a:defRPr>
-                <a:solidFill>
-                  <a:schemeClr val="tx1"/>
-                </a:solidFill>
-                <a:latin typeface="Berlin Sans FB" panose="020E0602020502020306" pitchFamily="34" charset="0"/>
-              </a:defRPr>
-            </a:lvl4pPr>
-            <a:lvl5pPr marL="2057400" indent="-228600" eaLnBrk="0" hangingPunct="0">
-              <a:defRPr>
-                <a:solidFill>
-                  <a:schemeClr val="tx1"/>
-                </a:solidFill>
-                <a:latin typeface="Berlin Sans FB" panose="020E0602020502020306" pitchFamily="34" charset="0"/>
-              </a:defRPr>
-            </a:lvl5pPr>
-            <a:lvl6pPr marL="2514600" indent="-228600" eaLnBrk="0" fontAlgn="base" hangingPunct="0">
-              <a:spcBef>
-                <a:spcPct val="0"/>
-              </a:spcBef>
-              <a:spcAft>
-                <a:spcPct val="0"/>
-              </a:spcAft>
-              <a:defRPr>
-                <a:solidFill>
-                  <a:schemeClr val="tx1"/>
-                </a:solidFill>
-                <a:latin typeface="Berlin Sans FB" panose="020E0602020502020306" pitchFamily="34" charset="0"/>
-              </a:defRPr>
-            </a:lvl6pPr>
-            <a:lvl7pPr marL="2971800" indent="-228600" eaLnBrk="0" fontAlgn="base" hangingPunct="0">
-              <a:spcBef>
-                <a:spcPct val="0"/>
-              </a:spcBef>
-              <a:spcAft>
-                <a:spcPct val="0"/>
-              </a:spcAft>
-              <a:defRPr>
-                <a:solidFill>
-                  <a:schemeClr val="tx1"/>
-                </a:solidFill>
-                <a:latin typeface="Berlin Sans FB" panose="020E0602020502020306" pitchFamily="34" charset="0"/>
-              </a:defRPr>
-            </a:lvl7pPr>
-            <a:lvl8pPr marL="3429000" indent="-228600" eaLnBrk="0" fontAlgn="base" hangingPunct="0">
-              <a:spcBef>
-                <a:spcPct val="0"/>
-              </a:spcBef>
-              <a:spcAft>
-                <a:spcPct val="0"/>
-              </a:spcAft>
-              <a:defRPr>
-                <a:solidFill>
-                  <a:schemeClr val="tx1"/>
-                </a:solidFill>
-                <a:latin typeface="Berlin Sans FB" panose="020E0602020502020306" pitchFamily="34" charset="0"/>
-              </a:defRPr>
-            </a:lvl8pPr>
-            <a:lvl9pPr marL="3886200" indent="-228600" eaLnBrk="0" fontAlgn="base" hangingPunct="0">
-              <a:spcBef>
-                <a:spcPct val="0"/>
-              </a:spcBef>
-              <a:spcAft>
-                <a:spcPct val="0"/>
-              </a:spcAft>
-              <a:defRPr>
-                <a:solidFill>
-                  <a:schemeClr val="tx1"/>
-                </a:solidFill>
-                <a:latin typeface="Berlin Sans FB" panose="020E0602020502020306" pitchFamily="34" charset="0"/>
-              </a:defRPr>
-            </a:lvl9pPr>
-          </a:lstStyle>
-          <a:p>
-            <a:pPr eaLnBrk="1" hangingPunct="1"/>
-            <a:fld id="{9597214E-587E-4BB5-8E63-037A1AC23691}" type="slidenum">
-              <a:rPr lang="de-DE" altLang="es-ES">
-                <a:solidFill>
-                  <a:srgbClr val="3366CC"/>
-                </a:solidFill>
-                <a:latin typeface="Arial" panose="020B0604020202020204" pitchFamily="34" charset="0"/>
-              </a:rPr>
-              <a:pPr eaLnBrk="1" hangingPunct="1"/>
+          <a:lstStyle/>
+          <a:p>
+            <a:fld id="{7FFA0C58-318F-4968-B44E-A586A02707A0}" type="slidenum">
+              <a:rPr lang="de-DE" altLang="es-ES" smtClean="0"/>
+              <a:pPr/>
               <a:t>9</a:t>
             </a:fld>
             <a:r>
@@ -8494,344 +6125,16 @@
                 <a:solidFill>
                   <a:schemeClr val="accent2"/>
                 </a:solidFill>
-                <a:latin typeface="Arial" panose="020B0604020202020204" pitchFamily="34" charset="0"/>
               </a:rPr>
               <a:t> </a:t>
             </a:r>
           </a:p>
         </p:txBody>
       </p:sp>
-      <p:sp>
-        <p:nvSpPr>
-          <p:cNvPr id="5123" name="Rectangle 2"/>
-          <p:cNvSpPr>
-            <a:spLocks noGrp="1" noChangeArrowheads="1"/>
-          </p:cNvSpPr>
-          <p:nvPr>
-            <p:ph type="title"/>
-          </p:nvPr>
-        </p:nvSpPr>
-        <p:spPr>
-          <a:xfrm>
-            <a:off x="319088" y="333375"/>
-            <a:ext cx="7620000" cy="719138"/>
-          </a:xfrm>
-          <a:noFill/>
-        </p:spPr>
-        <p:txBody>
-          <a:bodyPr tIns="36000"/>
-          <a:lstStyle/>
-          <a:p>
-            <a:pPr eaLnBrk="1" hangingPunct="1"/>
-            <a:r>
-              <a:rPr lang="de-DE" altLang="de-DE" dirty="0"/>
-              <a:t>4.</a:t>
-            </a:r>
-            <a:r>
-              <a:rPr lang="de-DE" altLang="de-DE" dirty="0">
-                <a:latin typeface="Arial"/>
-                <a:cs typeface="Arial"/>
-              </a:rPr>
-              <a:t> Terminplan</a:t>
-            </a:r>
-            <a:br>
-              <a:rPr lang="en-US" dirty="0">
-                <a:solidFill>
-                  <a:schemeClr val="tx1"/>
-                </a:solidFill>
-                <a:latin typeface="+mj-ea"/>
-                <a:cs typeface="+mj-ea"/>
-              </a:rPr>
-            </a:br>
-            <a:br>
-              <a:rPr lang="en-US" dirty="0">
-                <a:solidFill>
-                  <a:schemeClr val="tx1"/>
-                </a:solidFill>
-                <a:latin typeface="+mj-ea"/>
-                <a:cs typeface="+mj-ea"/>
-              </a:rPr>
-            </a:br>
-            <a:endParaRPr lang="de-DE" altLang="de-DE" b="0"/>
-          </a:p>
-        </p:txBody>
-      </p:sp>
-      <p:sp>
-        <p:nvSpPr>
-          <p:cNvPr id="5124" name="Rectangle 3"/>
-          <p:cNvSpPr>
-            <a:spLocks noGrp="1" noChangeArrowheads="1"/>
-          </p:cNvSpPr>
-          <p:nvPr>
-            <p:ph type="body" idx="1"/>
-          </p:nvPr>
-        </p:nvSpPr>
-        <p:spPr>
-          <a:noFill/>
-        </p:spPr>
-        <p:txBody>
-          <a:bodyPr/>
-          <a:lstStyle/>
-          <a:p>
-            <a:pPr marL="344170" lvl="1" indent="-342900" eaLnBrk="1" hangingPunct="1">
-              <a:lnSpc>
-                <a:spcPct val="90000"/>
-              </a:lnSpc>
-            </a:pPr>
-            <a:endParaRPr lang="de-DE" altLang="de-DE" sz="1800" dirty="0">
-              <a:cs typeface="Arial"/>
-            </a:endParaRPr>
-          </a:p>
-          <a:p>
-            <a:pPr marL="344170" lvl="1" indent="-342900" eaLnBrk="1" hangingPunct="1">
-              <a:lnSpc>
-                <a:spcPct val="90000"/>
-              </a:lnSpc>
-            </a:pPr>
-            <a:endParaRPr lang="de-DE" altLang="de-DE" sz="1800">
-              <a:cs typeface="Arial"/>
-            </a:endParaRPr>
-          </a:p>
-          <a:p>
-            <a:pPr marL="344170" lvl="1" indent="-342900" eaLnBrk="1" hangingPunct="1">
-              <a:lnSpc>
-                <a:spcPct val="90000"/>
-              </a:lnSpc>
-            </a:pPr>
-            <a:endParaRPr lang="de-DE" altLang="de-DE" sz="1800">
-              <a:cs typeface="Arial"/>
-            </a:endParaRPr>
-          </a:p>
-        </p:txBody>
-      </p:sp>
-      <p:sp>
-        <p:nvSpPr>
-          <p:cNvPr id="5125" name="Rectangle 10"/>
-          <p:cNvSpPr>
-            <a:spLocks noGrp="1" noChangeArrowheads="1"/>
-          </p:cNvSpPr>
-          <p:nvPr>
-            <p:ph type="ftr" sz="quarter" idx="10"/>
-          </p:nvPr>
-        </p:nvSpPr>
-        <p:spPr>
-          <a:noFill/>
-        </p:spPr>
-        <p:txBody>
-          <a:bodyPr/>
-          <a:lstStyle>
-            <a:lvl1pPr eaLnBrk="0" hangingPunct="0">
-              <a:spcBef>
-                <a:spcPct val="30000"/>
-              </a:spcBef>
-              <a:spcAft>
-                <a:spcPct val="30000"/>
-              </a:spcAft>
-              <a:defRPr sz="1400">
-                <a:solidFill>
-                  <a:schemeClr val="tx1"/>
-                </a:solidFill>
-                <a:latin typeface="Arial" panose="020B0604020202020204" pitchFamily="34" charset="0"/>
-              </a:defRPr>
-            </a:lvl1pPr>
-            <a:lvl2pPr marL="742950" indent="-285750" eaLnBrk="0" hangingPunct="0">
-              <a:spcBef>
-                <a:spcPct val="30000"/>
-              </a:spcBef>
-              <a:spcAft>
-                <a:spcPct val="30000"/>
-              </a:spcAft>
-              <a:buFont typeface="Wingdings" panose="05000000000000000000" pitchFamily="2" charset="2"/>
-              <a:buChar char="§"/>
-              <a:defRPr sz="1400">
-                <a:solidFill>
-                  <a:schemeClr val="tx1"/>
-                </a:solidFill>
-                <a:latin typeface="Arial" panose="020B0604020202020204" pitchFamily="34" charset="0"/>
-              </a:defRPr>
-            </a:lvl2pPr>
-            <a:lvl3pPr marL="1143000" indent="-228600" eaLnBrk="0" hangingPunct="0">
-              <a:spcBef>
-                <a:spcPct val="10000"/>
-              </a:spcBef>
-              <a:spcAft>
-                <a:spcPct val="30000"/>
-              </a:spcAft>
-              <a:buFont typeface="Arial" panose="020B0604020202020204" pitchFamily="34" charset="0"/>
-              <a:buChar char="–"/>
-              <a:defRPr sz="1400">
-                <a:solidFill>
-                  <a:schemeClr val="tx1"/>
-                </a:solidFill>
-                <a:latin typeface="Arial" panose="020B0604020202020204" pitchFamily="34" charset="0"/>
-              </a:defRPr>
-            </a:lvl3pPr>
-            <a:lvl4pPr marL="1600200" indent="-228600" eaLnBrk="0" hangingPunct="0">
-              <a:spcBef>
-                <a:spcPct val="10000"/>
-              </a:spcBef>
-              <a:spcAft>
-                <a:spcPct val="30000"/>
-              </a:spcAft>
-              <a:buFont typeface="Wingdings" panose="05000000000000000000" pitchFamily="2" charset="2"/>
-              <a:buChar char="§"/>
-              <a:defRPr sz="1400">
-                <a:solidFill>
-                  <a:schemeClr val="tx1"/>
-                </a:solidFill>
-                <a:latin typeface="Arial" panose="020B0604020202020204" pitchFamily="34" charset="0"/>
-              </a:defRPr>
-            </a:lvl4pPr>
-            <a:lvl5pPr marL="2057400" indent="-228600" eaLnBrk="0" hangingPunct="0">
-              <a:spcBef>
-                <a:spcPct val="10000"/>
-              </a:spcBef>
-              <a:spcAft>
-                <a:spcPct val="30000"/>
-              </a:spcAft>
-              <a:buFont typeface="Arial" panose="020B0604020202020204" pitchFamily="34" charset="0"/>
-              <a:buChar char="–"/>
-              <a:defRPr sz="1400">
-                <a:solidFill>
-                  <a:schemeClr val="tx1"/>
-                </a:solidFill>
-                <a:latin typeface="Arial" panose="020B0604020202020204" pitchFamily="34" charset="0"/>
-              </a:defRPr>
-            </a:lvl5pPr>
-            <a:lvl6pPr marL="2514600" indent="-228600" eaLnBrk="0" fontAlgn="base" hangingPunct="0">
-              <a:spcBef>
-                <a:spcPct val="10000"/>
-              </a:spcBef>
-              <a:spcAft>
-                <a:spcPct val="30000"/>
-              </a:spcAft>
-              <a:buFont typeface="Arial" panose="020B0604020202020204" pitchFamily="34" charset="0"/>
-              <a:buChar char="–"/>
-              <a:defRPr sz="1400">
-                <a:solidFill>
-                  <a:schemeClr val="tx1"/>
-                </a:solidFill>
-                <a:latin typeface="Arial" panose="020B0604020202020204" pitchFamily="34" charset="0"/>
-              </a:defRPr>
-            </a:lvl6pPr>
-            <a:lvl7pPr marL="2971800" indent="-228600" eaLnBrk="0" fontAlgn="base" hangingPunct="0">
-              <a:spcBef>
-                <a:spcPct val="10000"/>
-              </a:spcBef>
-              <a:spcAft>
-                <a:spcPct val="30000"/>
-              </a:spcAft>
-              <a:buFont typeface="Arial" panose="020B0604020202020204" pitchFamily="34" charset="0"/>
-              <a:buChar char="–"/>
-              <a:defRPr sz="1400">
-                <a:solidFill>
-                  <a:schemeClr val="tx1"/>
-                </a:solidFill>
-                <a:latin typeface="Arial" panose="020B0604020202020204" pitchFamily="34" charset="0"/>
-              </a:defRPr>
-            </a:lvl7pPr>
-            <a:lvl8pPr marL="3429000" indent="-228600" eaLnBrk="0" fontAlgn="base" hangingPunct="0">
-              <a:spcBef>
-                <a:spcPct val="10000"/>
-              </a:spcBef>
-              <a:spcAft>
-                <a:spcPct val="30000"/>
-              </a:spcAft>
-              <a:buFont typeface="Arial" panose="020B0604020202020204" pitchFamily="34" charset="0"/>
-              <a:buChar char="–"/>
-              <a:defRPr sz="1400">
-                <a:solidFill>
-                  <a:schemeClr val="tx1"/>
-                </a:solidFill>
-                <a:latin typeface="Arial" panose="020B0604020202020204" pitchFamily="34" charset="0"/>
-              </a:defRPr>
-            </a:lvl8pPr>
-            <a:lvl9pPr marL="3886200" indent="-228600" eaLnBrk="0" fontAlgn="base" hangingPunct="0">
-              <a:spcBef>
-                <a:spcPct val="10000"/>
-              </a:spcBef>
-              <a:spcAft>
-                <a:spcPct val="30000"/>
-              </a:spcAft>
-              <a:buFont typeface="Arial" panose="020B0604020202020204" pitchFamily="34" charset="0"/>
-              <a:buChar char="–"/>
-              <a:defRPr sz="1400">
-                <a:solidFill>
-                  <a:schemeClr val="tx1"/>
-                </a:solidFill>
-                <a:latin typeface="Arial" panose="020B0604020202020204" pitchFamily="34" charset="0"/>
-              </a:defRPr>
-            </a:lvl9pPr>
-          </a:lstStyle>
-          <a:p>
-            <a:pPr eaLnBrk="1" hangingPunct="1">
-              <a:spcBef>
-                <a:spcPct val="0"/>
-              </a:spcBef>
-              <a:spcAft>
-                <a:spcPct val="0"/>
-              </a:spcAft>
-            </a:pPr>
-            <a:r>
-              <a:rPr lang="de-DE" altLang="de-DE" sz="1000">
-                <a:solidFill>
-                  <a:srgbClr val="3366CC"/>
-                </a:solidFill>
-              </a:rPr>
-              <a:t>Seminar Autonome Systeme  |  THEMA  |  SoSe 2017  </a:t>
-            </a:r>
-            <a:r>
-              <a:rPr lang="de-DE" altLang="de-DE" sz="1000">
-                <a:solidFill>
-                  <a:srgbClr val="3366CC"/>
-                </a:solidFill>
-                <a:cs typeface="Arial" panose="020B0604020202020204" pitchFamily="34" charset="0"/>
-              </a:rPr>
-              <a:t>|  Vorname  Nachname</a:t>
-            </a:r>
-          </a:p>
-        </p:txBody>
-      </p:sp>
-      <p:pic>
-        <p:nvPicPr>
-          <p:cNvPr id="6" name="Grafik 5">
-            <a:extLst>
-              <a:ext uri="{FF2B5EF4-FFF2-40B4-BE49-F238E27FC236}">
-                <a16:creationId xmlns:a16="http://schemas.microsoft.com/office/drawing/2014/main" id="{1ABF3FFE-6C4D-4EB6-8EBA-2F04D11AC1DE}"/>
-              </a:ext>
-            </a:extLst>
-          </p:cNvPr>
-          <p:cNvPicPr>
-            <a:picLocks noChangeAspect="1"/>
-          </p:cNvPicPr>
-          <p:nvPr/>
-        </p:nvPicPr>
-        <p:blipFill>
-          <a:blip r:embed="rId3">
-            <a:extLst>
-              <a:ext uri="{28A0092B-C50C-407E-A947-70E740481C1C}">
-                <a14:useLocalDpi xmlns:a14="http://schemas.microsoft.com/office/drawing/2010/main" val="0"/>
-              </a:ext>
-            </a:extLst>
-          </a:blip>
-          <a:stretch>
-            <a:fillRect/>
-          </a:stretch>
-        </p:blipFill>
-        <p:spPr>
-          <a:xfrm>
-            <a:off x="0" y="1555422"/>
-            <a:ext cx="9906000" cy="2755535"/>
-          </a:xfrm>
-          <a:prstGeom prst="rect">
-            <a:avLst/>
-          </a:prstGeom>
-        </p:spPr>
-      </p:pic>
     </p:spTree>
     <p:extLst>
       <p:ext uri="{BB962C8B-B14F-4D97-AF65-F5344CB8AC3E}">
-        <p14:creationId xmlns:p14="http://schemas.microsoft.com/office/powerpoint/2010/main" val="3493361881"/>
+        <p14:creationId xmlns:p14="http://schemas.microsoft.com/office/powerpoint/2010/main" val="2642901752"/>
       </p:ext>
     </p:extLst>
   </p:cSld>

--- a/Präsi_Konzept.pptx
+++ b/Präsi_Konzept.pptx
@@ -5,10 +5,10 @@
     <p:sldMasterId id="2147483656" r:id="rId1"/>
   </p:sldMasterIdLst>
   <p:notesMasterIdLst>
-    <p:notesMasterId r:id="rId12"/>
+    <p:notesMasterId r:id="rId13"/>
   </p:notesMasterIdLst>
   <p:handoutMasterIdLst>
-    <p:handoutMasterId r:id="rId13"/>
+    <p:handoutMasterId r:id="rId14"/>
   </p:handoutMasterIdLst>
   <p:sldIdLst>
     <p:sldId id="334" r:id="rId2"/>
@@ -18,14 +18,15 @@
     <p:sldId id="430" r:id="rId6"/>
     <p:sldId id="431" r:id="rId7"/>
     <p:sldId id="426" r:id="rId8"/>
-    <p:sldId id="432" r:id="rId9"/>
-    <p:sldId id="433" r:id="rId10"/>
-    <p:sldId id="434" r:id="rId11"/>
+    <p:sldId id="435" r:id="rId9"/>
+    <p:sldId id="432" r:id="rId10"/>
+    <p:sldId id="433" r:id="rId11"/>
+    <p:sldId id="434" r:id="rId12"/>
   </p:sldIdLst>
   <p:sldSz cx="9906000" cy="6858000" type="A4"/>
   <p:notesSz cx="6854825" cy="9750425"/>
   <p:custDataLst>
-    <p:tags r:id="rId14"/>
+    <p:tags r:id="rId15"/>
   </p:custDataLst>
   <p:defaultTextStyle>
     <a:defPPr>
@@ -509,6 +510,11 @@
         </p:txBody>
       </p:sp>
     </p:spTree>
+    <p:extLst>
+      <p:ext uri="{BB962C8B-B14F-4D97-AF65-F5344CB8AC3E}">
+        <p14:creationId xmlns:p14="http://schemas.microsoft.com/office/powerpoint/2010/main" val="2241900742"/>
+      </p:ext>
+    </p:extLst>
   </p:cSld>
   <p:clrMap bg1="lt1" tx1="dk1" bg2="lt2" tx2="dk2" accent1="accent1" accent2="accent2" accent3="accent3" accent4="accent4" accent5="accent5" accent6="accent6" hlink="hlink" folHlink="folHlink"/>
 </p:handoutMaster>
@@ -835,6 +841,11 @@
         </p:txBody>
       </p:sp>
     </p:spTree>
+    <p:extLst>
+      <p:ext uri="{BB962C8B-B14F-4D97-AF65-F5344CB8AC3E}">
+        <p14:creationId xmlns:p14="http://schemas.microsoft.com/office/powerpoint/2010/main" val="668115688"/>
+      </p:ext>
+    </p:extLst>
   </p:cSld>
   <p:clrMap bg1="lt1" tx1="dk1" bg2="lt2" tx2="dk2" accent1="accent1" accent2="accent2" accent3="accent3" accent4="accent4" accent5="accent5" accent6="accent6" hlink="hlink" folHlink="folHlink"/>
   <p:notesStyle>
@@ -1189,6 +1200,11 @@
         </p:txBody>
       </p:sp>
     </p:spTree>
+    <p:extLst>
+      <p:ext uri="{BB962C8B-B14F-4D97-AF65-F5344CB8AC3E}">
+        <p14:creationId xmlns:p14="http://schemas.microsoft.com/office/powerpoint/2010/main" val="319172173"/>
+      </p:ext>
+    </p:extLst>
   </p:cSld>
   <p:clrMapOvr>
     <a:masterClrMapping/>
@@ -2821,6 +2837,16 @@
               </a:rPr>
               <a:t> Gewerk 2</a:t>
             </a:r>
+            <a:r>
+              <a:rPr lang="en-US" dirty="0">
+                <a:solidFill>
+                  <a:schemeClr val="tx1"/>
+                </a:solidFill>
+                <a:latin typeface="+mj-ea"/>
+                <a:cs typeface="+mj-ea"/>
+              </a:rPr>
+              <a:t/>
+            </a:r>
             <a:br>
               <a:rPr lang="en-US" dirty="0">
                 <a:solidFill>
@@ -2865,6 +2891,14 @@
                 <a:spcPct val="90000"/>
               </a:lnSpc>
             </a:pPr>
+            <a:r>
+              <a:rPr lang="en-US" dirty="0">
+                <a:solidFill>
+                  <a:schemeClr val="tx1"/>
+                </a:solidFill>
+              </a:rPr>
+              <a:t/>
+            </a:r>
             <a:br>
               <a:rPr lang="en-US" dirty="0">
                 <a:solidFill>
@@ -3189,7 +3223,7 @@
           <p:cNvPr id="2" name="Titel 1">
             <a:extLst>
               <a:ext uri="{FF2B5EF4-FFF2-40B4-BE49-F238E27FC236}">
-                <a16:creationId xmlns:a16="http://schemas.microsoft.com/office/drawing/2014/main" id="{5954DD7E-3280-47A4-8C9D-6081CE36C0A6}"/>
+                <a16:creationId xmlns:a16="http://schemas.microsoft.com/office/drawing/2014/main" xmlns="" id="{68942DE7-0CD4-4006-B961-3A46331D13B7}"/>
               </a:ext>
             </a:extLst>
           </p:cNvPr>
@@ -3207,14 +3241,56 @@
           <a:p>
             <a:r>
               <a:rPr lang="de-DE" altLang="de-DE" dirty="0"/>
-              <a:t>4.</a:t>
-            </a:r>
-            <a:r>
-              <a:rPr lang="de-DE" altLang="de-DE" dirty="0">
+              <a:t>3. </a:t>
+            </a:r>
+            <a:r>
+              <a:rPr lang="de-DE" altLang="de-DE" dirty="0" smtClean="0">
                 <a:cs typeface="Arial"/>
               </a:rPr>
-              <a:t> Terminplan</a:t>
-            </a:r>
+              <a:t>Schnittstellen</a:t>
+            </a:r>
+            <a:br>
+              <a:rPr lang="de-DE" altLang="de-DE" dirty="0" smtClean="0">
+                <a:cs typeface="Arial"/>
+              </a:rPr>
+            </a:br>
+            <a:r>
+              <a:rPr lang="de-DE" altLang="de-DE" dirty="0" smtClean="0">
+                <a:cs typeface="Arial"/>
+              </a:rPr>
+              <a:t>Schnittstelle mit der Regelung</a:t>
+            </a:r>
+            <a:endParaRPr lang="de-DE" dirty="0"/>
+          </a:p>
+        </p:txBody>
+      </p:sp>
+      <p:sp>
+        <p:nvSpPr>
+          <p:cNvPr id="3" name="Inhaltsplatzhalter 2">
+            <a:extLst>
+              <a:ext uri="{FF2B5EF4-FFF2-40B4-BE49-F238E27FC236}">
+                <a16:creationId xmlns:a16="http://schemas.microsoft.com/office/drawing/2014/main" xmlns="" id="{2443D015-FBE5-4C25-8718-8719D6560D39}"/>
+              </a:ext>
+            </a:extLst>
+          </p:cNvPr>
+          <p:cNvSpPr>
+            <a:spLocks noGrp="1"/>
+          </p:cNvSpPr>
+          <p:nvPr>
+            <p:ph idx="1"/>
+          </p:nvPr>
+        </p:nvSpPr>
+        <p:spPr/>
+        <p:txBody>
+          <a:bodyPr/>
+          <a:lstStyle/>
+          <a:p>
+            <a:pPr marL="0" indent="0"/>
+            <a:endParaRPr lang="de-DE" altLang="de-DE" sz="1800" dirty="0">
+              <a:cs typeface="Arial"/>
+            </a:endParaRPr>
+          </a:p>
+          <a:p>
             <a:endParaRPr lang="de-DE" dirty="0"/>
           </a:p>
         </p:txBody>
@@ -3224,7 +3300,7 @@
           <p:cNvPr id="4" name="Fußzeilenplatzhalter 3">
             <a:extLst>
               <a:ext uri="{FF2B5EF4-FFF2-40B4-BE49-F238E27FC236}">
-                <a16:creationId xmlns:a16="http://schemas.microsoft.com/office/drawing/2014/main" id="{E590B8B1-8557-49AA-B432-2531581CEE8B}"/>
+                <a16:creationId xmlns:a16="http://schemas.microsoft.com/office/drawing/2014/main" xmlns="" id="{EAA1F0E0-8D52-48F0-B1B5-68B6926C079D}"/>
               </a:ext>
             </a:extLst>
           </p:cNvPr>
@@ -3264,7 +3340,7 @@
           <p:cNvPr id="5" name="Foliennummernplatzhalter 4">
             <a:extLst>
               <a:ext uri="{FF2B5EF4-FFF2-40B4-BE49-F238E27FC236}">
-                <a16:creationId xmlns:a16="http://schemas.microsoft.com/office/drawing/2014/main" id="{E04210D6-6F3F-4AEF-9054-A77C73630F5C}"/>
+                <a16:creationId xmlns:a16="http://schemas.microsoft.com/office/drawing/2014/main" xmlns="" id="{3247F105-89DD-4C3A-AC5F-FB6BBF6B145D}"/>
               </a:ext>
             </a:extLst>
           </p:cNvPr>
@@ -3298,10 +3374,183 @@
       </p:sp>
       <p:pic>
         <p:nvPicPr>
+          <p:cNvPr id="6" name="Grafik 5"/>
+          <p:cNvPicPr>
+            <a:picLocks noChangeAspect="1"/>
+          </p:cNvPicPr>
+          <p:nvPr/>
+        </p:nvPicPr>
+        <p:blipFill>
+          <a:blip r:embed="rId2">
+            <a:extLst>
+              <a:ext uri="{28A0092B-C50C-407E-A947-70E740481C1C}">
+                <a14:useLocalDpi xmlns:a14="http://schemas.microsoft.com/office/drawing/2010/main" val="0"/>
+              </a:ext>
+            </a:extLst>
+          </a:blip>
+          <a:stretch>
+            <a:fillRect/>
+          </a:stretch>
+        </p:blipFill>
+        <p:spPr>
+          <a:xfrm>
+            <a:off x="813846" y="1251601"/>
+            <a:ext cx="8278307" cy="5007260"/>
+          </a:xfrm>
+          <a:prstGeom prst="rect">
+            <a:avLst/>
+          </a:prstGeom>
+        </p:spPr>
+      </p:pic>
+    </p:spTree>
+    <p:extLst>
+      <p:ext uri="{BB962C8B-B14F-4D97-AF65-F5344CB8AC3E}">
+        <p14:creationId xmlns:p14="http://schemas.microsoft.com/office/powerpoint/2010/main" val="2642901752"/>
+      </p:ext>
+    </p:extLst>
+  </p:cSld>
+  <p:clrMapOvr>
+    <a:masterClrMapping/>
+  </p:clrMapOvr>
+  <p:transition/>
+</p:sld>
+</file>
+
+<file path=ppt/slides/slide11.xml><?xml version="1.0" encoding="utf-8"?>
+<p:sld xmlns:a="http://schemas.openxmlformats.org/drawingml/2006/main" xmlns:r="http://schemas.openxmlformats.org/officeDocument/2006/relationships" xmlns:p="http://schemas.openxmlformats.org/presentationml/2006/main">
+  <p:cSld>
+    <p:spTree>
+      <p:nvGrpSpPr>
+        <p:cNvPr id="1" name=""/>
+        <p:cNvGrpSpPr/>
+        <p:nvPr/>
+      </p:nvGrpSpPr>
+      <p:grpSpPr>
+        <a:xfrm>
+          <a:off x="0" y="0"/>
+          <a:ext cx="0" cy="0"/>
+          <a:chOff x="0" y="0"/>
+          <a:chExt cx="0" cy="0"/>
+        </a:xfrm>
+      </p:grpSpPr>
+      <p:sp>
+        <p:nvSpPr>
+          <p:cNvPr id="2" name="Titel 1">
+            <a:extLst>
+              <a:ext uri="{FF2B5EF4-FFF2-40B4-BE49-F238E27FC236}">
+                <a16:creationId xmlns:a16="http://schemas.microsoft.com/office/drawing/2014/main" xmlns="" id="{5954DD7E-3280-47A4-8C9D-6081CE36C0A6}"/>
+              </a:ext>
+            </a:extLst>
+          </p:cNvPr>
+          <p:cNvSpPr>
+            <a:spLocks noGrp="1"/>
+          </p:cNvSpPr>
+          <p:nvPr>
+            <p:ph type="title"/>
+          </p:nvPr>
+        </p:nvSpPr>
+        <p:spPr/>
+        <p:txBody>
+          <a:bodyPr/>
+          <a:lstStyle/>
+          <a:p>
+            <a:r>
+              <a:rPr lang="de-DE" altLang="de-DE" dirty="0"/>
+              <a:t>4.</a:t>
+            </a:r>
+            <a:r>
+              <a:rPr lang="de-DE" altLang="de-DE" dirty="0">
+                <a:cs typeface="Arial"/>
+              </a:rPr>
+              <a:t> Terminplan</a:t>
+            </a:r>
+            <a:endParaRPr lang="de-DE" dirty="0"/>
+          </a:p>
+        </p:txBody>
+      </p:sp>
+      <p:sp>
+        <p:nvSpPr>
+          <p:cNvPr id="4" name="Fußzeilenplatzhalter 3">
+            <a:extLst>
+              <a:ext uri="{FF2B5EF4-FFF2-40B4-BE49-F238E27FC236}">
+                <a16:creationId xmlns:a16="http://schemas.microsoft.com/office/drawing/2014/main" xmlns="" id="{E590B8B1-8557-49AA-B432-2531581CEE8B}"/>
+              </a:ext>
+            </a:extLst>
+          </p:cNvPr>
+          <p:cNvSpPr>
+            <a:spLocks noGrp="1"/>
+          </p:cNvSpPr>
+          <p:nvPr>
+            <p:ph type="ftr" sz="quarter" idx="10"/>
+          </p:nvPr>
+        </p:nvSpPr>
+        <p:spPr/>
+        <p:txBody>
+          <a:bodyPr/>
+          <a:lstStyle/>
+          <a:p>
+            <a:pPr>
+              <a:defRPr/>
+            </a:pPr>
+            <a:r>
+              <a:rPr lang="de-DE"/>
+              <a:t>VPJ Gewerk 2 |  Bahnplanung  |  WiSe 2017  </a:t>
+            </a:r>
+            <a:r>
+              <a:rPr lang="de-DE">
+                <a:cs typeface="Arial" charset="0"/>
+              </a:rPr>
+              <a:t>|  Robin Möller, Inke Heynen, Jan Gellermann</a:t>
+            </a:r>
+            <a:endParaRPr lang="de-DE" dirty="0">
+              <a:cs typeface="Arial" charset="0"/>
+            </a:endParaRPr>
+          </a:p>
+        </p:txBody>
+      </p:sp>
+      <p:sp>
+        <p:nvSpPr>
+          <p:cNvPr id="5" name="Foliennummernplatzhalter 4">
+            <a:extLst>
+              <a:ext uri="{FF2B5EF4-FFF2-40B4-BE49-F238E27FC236}">
+                <a16:creationId xmlns:a16="http://schemas.microsoft.com/office/drawing/2014/main" xmlns="" id="{E04210D6-6F3F-4AEF-9054-A77C73630F5C}"/>
+              </a:ext>
+            </a:extLst>
+          </p:cNvPr>
+          <p:cNvSpPr>
+            <a:spLocks noGrp="1"/>
+          </p:cNvSpPr>
+          <p:nvPr>
+            <p:ph type="sldNum" sz="quarter" idx="11"/>
+          </p:nvPr>
+        </p:nvSpPr>
+        <p:spPr/>
+        <p:txBody>
+          <a:bodyPr/>
+          <a:lstStyle/>
+          <a:p>
+            <a:fld id="{7FFA0C58-318F-4968-B44E-A586A02707A0}" type="slidenum">
+              <a:rPr lang="de-DE" altLang="es-ES" smtClean="0"/>
+              <a:pPr/>
+              <a:t>11</a:t>
+            </a:fld>
+            <a:r>
+              <a:rPr lang="de-DE" altLang="es-ES">
+                <a:solidFill>
+                  <a:schemeClr val="accent2"/>
+                </a:solidFill>
+              </a:rPr>
+              <a:t> </a:t>
+            </a:r>
+          </a:p>
+        </p:txBody>
+      </p:sp>
+      <p:pic>
+        <p:nvPicPr>
           <p:cNvPr id="6" name="Inhaltsplatzhalter 5">
             <a:extLst>
               <a:ext uri="{FF2B5EF4-FFF2-40B4-BE49-F238E27FC236}">
-                <a16:creationId xmlns:a16="http://schemas.microsoft.com/office/drawing/2014/main" id="{E5812B95-984C-44D1-A861-D3A5496C39AA}"/>
+                <a16:creationId xmlns:a16="http://schemas.microsoft.com/office/drawing/2014/main" xmlns="" id="{E5812B95-984C-44D1-A861-D3A5496C39AA}"/>
               </a:ext>
             </a:extLst>
           </p:cNvPr>
@@ -3326,7 +3575,7 @@
         </p:blipFill>
         <p:spPr>
           <a:xfrm>
-            <a:off x="-17904" y="1727200"/>
+            <a:off x="0" y="2287154"/>
             <a:ext cx="9923904" cy="2859954"/>
           </a:xfrm>
           <a:prstGeom prst="rect">
@@ -3370,7 +3619,7 @@
           <p:cNvPr id="2" name="Titel 1">
             <a:extLst>
               <a:ext uri="{FF2B5EF4-FFF2-40B4-BE49-F238E27FC236}">
-                <a16:creationId xmlns:a16="http://schemas.microsoft.com/office/drawing/2014/main" id="{199E0412-C9C1-4338-AF11-254B58531795}"/>
+                <a16:creationId xmlns:a16="http://schemas.microsoft.com/office/drawing/2014/main" xmlns="" id="{199E0412-C9C1-4338-AF11-254B58531795}"/>
               </a:ext>
             </a:extLst>
           </p:cNvPr>
@@ -3399,7 +3648,7 @@
           <p:cNvPr id="3" name="Inhaltsplatzhalter 2">
             <a:extLst>
               <a:ext uri="{FF2B5EF4-FFF2-40B4-BE49-F238E27FC236}">
-                <a16:creationId xmlns:a16="http://schemas.microsoft.com/office/drawing/2014/main" id="{C398954B-85C0-425D-A3DF-8844D64D05F0}"/>
+                <a16:creationId xmlns:a16="http://schemas.microsoft.com/office/drawing/2014/main" xmlns="" id="{C398954B-85C0-425D-A3DF-8844D64D05F0}"/>
               </a:ext>
             </a:extLst>
           </p:cNvPr>
@@ -3420,12 +3669,21 @@
               <a:buAutoNum type="arabicPeriod"/>
             </a:pPr>
             <a:r>
-              <a:rPr lang="de-DE" altLang="de-DE" sz="1800" dirty="0"/>
+              <a:rPr lang="de-DE" altLang="de-DE" sz="1800" dirty="0" smtClean="0"/>
               <a:t>Einführung</a:t>
             </a:r>
-            <a:endParaRPr lang="de-DE" altLang="de-DE" sz="1800" i="1" dirty="0">
-              <a:cs typeface="Arial"/>
-            </a:endParaRPr>
+          </a:p>
+          <a:p>
+            <a:pPr lvl="2" eaLnBrk="1" hangingPunct="1">
+              <a:buFontTx/>
+              <a:buChar char="-"/>
+            </a:pPr>
+            <a:r>
+              <a:rPr lang="de-DE" altLang="de-DE" sz="1800" i="1" dirty="0" smtClean="0">
+                <a:cs typeface="Arial"/>
+              </a:rPr>
+              <a:t>Potentialfeld Methode</a:t>
+            </a:r>
           </a:p>
           <a:p>
             <a:pPr eaLnBrk="1" hangingPunct="1">
@@ -3433,10 +3691,29 @@
               <a:buAutoNum type="arabicPeriod"/>
             </a:pPr>
             <a:r>
-              <a:rPr lang="de-DE" altLang="de-DE" sz="1800" dirty="0"/>
+              <a:rPr lang="de-DE" altLang="de-DE" sz="1800" dirty="0" smtClean="0"/>
               <a:t>Konzept</a:t>
             </a:r>
-            <a:endParaRPr lang="de-DE" altLang="de-DE" sz="1800" i="1" dirty="0"/>
+          </a:p>
+          <a:p>
+            <a:pPr lvl="2" eaLnBrk="1" hangingPunct="1">
+              <a:buFontTx/>
+              <a:buChar char="-"/>
+            </a:pPr>
+            <a:r>
+              <a:rPr lang="de-DE" altLang="de-DE" sz="1800" i="1" dirty="0" smtClean="0"/>
+              <a:t>Problemstellung</a:t>
+            </a:r>
+          </a:p>
+          <a:p>
+            <a:pPr lvl="2" eaLnBrk="1" hangingPunct="1">
+              <a:buFontTx/>
+              <a:buChar char="-"/>
+            </a:pPr>
+            <a:r>
+              <a:rPr lang="de-DE" altLang="de-DE" sz="1800" i="1" dirty="0" smtClean="0"/>
+              <a:t>Transportbereich</a:t>
+            </a:r>
           </a:p>
           <a:p>
             <a:pPr eaLnBrk="1" hangingPunct="1">
@@ -3444,12 +3721,33 @@
               <a:buAutoNum type="arabicPeriod"/>
             </a:pPr>
             <a:r>
-              <a:rPr lang="de-DE" altLang="de-DE" sz="1800" dirty="0"/>
+              <a:rPr lang="de-DE" altLang="de-DE" sz="1800" dirty="0" smtClean="0"/>
               <a:t>Schnittstellen</a:t>
             </a:r>
-            <a:endParaRPr lang="de-DE" altLang="de-DE" sz="1800" i="1" dirty="0">
-              <a:cs typeface="Arial"/>
-            </a:endParaRPr>
+          </a:p>
+          <a:p>
+            <a:pPr lvl="2" eaLnBrk="1" hangingPunct="1">
+              <a:buFontTx/>
+              <a:buChar char="-"/>
+            </a:pPr>
+            <a:r>
+              <a:rPr lang="de-DE" altLang="de-DE" sz="1800" i="1" dirty="0" smtClean="0">
+                <a:cs typeface="Arial"/>
+              </a:rPr>
+              <a:t>Schnittstelle mit dem Fertigungsmanagement</a:t>
+            </a:r>
+          </a:p>
+          <a:p>
+            <a:pPr lvl="2" eaLnBrk="1" hangingPunct="1">
+              <a:buFontTx/>
+              <a:buChar char="-"/>
+            </a:pPr>
+            <a:r>
+              <a:rPr lang="de-DE" altLang="de-DE" sz="1800" i="1" dirty="0" smtClean="0">
+                <a:cs typeface="Arial"/>
+              </a:rPr>
+              <a:t>Schnittstelle mit der Regelung</a:t>
+            </a:r>
           </a:p>
           <a:p>
             <a:pPr eaLnBrk="1" hangingPunct="1">
@@ -3457,35 +3755,17 @@
               <a:buAutoNum type="arabicPeriod"/>
             </a:pPr>
             <a:r>
-              <a:rPr lang="de-DE" altLang="de-DE" sz="1800" dirty="0">
+              <a:rPr lang="de-DE" altLang="de-DE" sz="1800" dirty="0" smtClean="0">
                 <a:cs typeface="Arial"/>
               </a:rPr>
               <a:t>Terminplan</a:t>
             </a:r>
-          </a:p>
-          <a:p>
-            <a:pPr eaLnBrk="1" hangingPunct="1">
-              <a:buFontTx/>
-              <a:buAutoNum type="arabicPeriod"/>
-            </a:pPr>
-            <a:r>
-              <a:rPr lang="de-DE" altLang="de-DE" sz="1800" dirty="0" err="1">
-                <a:cs typeface="Arial"/>
-              </a:rPr>
-              <a:t>Activity</a:t>
-            </a:r>
-            <a:r>
-              <a:rPr lang="de-DE" altLang="de-DE" sz="1800" dirty="0">
-                <a:cs typeface="Arial"/>
-              </a:rPr>
-              <a:t> </a:t>
-            </a:r>
-            <a:r>
-              <a:rPr lang="de-DE" altLang="de-DE" sz="1800" dirty="0" err="1">
-                <a:cs typeface="Arial"/>
-              </a:rPr>
-              <a:t>Diagram</a:t>
-            </a:r>
+            <a:endParaRPr lang="de-DE" altLang="de-DE" sz="1800" dirty="0">
+              <a:cs typeface="Arial"/>
+            </a:endParaRPr>
+          </a:p>
+          <a:p>
+            <a:pPr marL="0" indent="0" eaLnBrk="1" hangingPunct="1"/>
             <a:endParaRPr lang="de-DE" altLang="de-DE" sz="1800" dirty="0">
               <a:cs typeface="Arial"/>
             </a:endParaRPr>
@@ -3500,7 +3780,7 @@
           <p:cNvPr id="4" name="Fußzeilenplatzhalter 3">
             <a:extLst>
               <a:ext uri="{FF2B5EF4-FFF2-40B4-BE49-F238E27FC236}">
-                <a16:creationId xmlns:a16="http://schemas.microsoft.com/office/drawing/2014/main" id="{CF38E57F-8951-4C6C-808C-D512836D4D27}"/>
+                <a16:creationId xmlns:a16="http://schemas.microsoft.com/office/drawing/2014/main" xmlns="" id="{CF38E57F-8951-4C6C-808C-D512836D4D27}"/>
               </a:ext>
             </a:extLst>
           </p:cNvPr>
@@ -3540,7 +3820,7 @@
           <p:cNvPr id="5" name="Foliennummernplatzhalter 4">
             <a:extLst>
               <a:ext uri="{FF2B5EF4-FFF2-40B4-BE49-F238E27FC236}">
-                <a16:creationId xmlns:a16="http://schemas.microsoft.com/office/drawing/2014/main" id="{DF2B7CFB-9EDB-41B2-98FF-80F53662EB29}"/>
+                <a16:creationId xmlns:a16="http://schemas.microsoft.com/office/drawing/2014/main" xmlns="" id="{DF2B7CFB-9EDB-41B2-98FF-80F53662EB29}"/>
               </a:ext>
             </a:extLst>
           </p:cNvPr>
@@ -3608,7 +3888,7 @@
           <p:cNvPr id="2" name="Titel 1">
             <a:extLst>
               <a:ext uri="{FF2B5EF4-FFF2-40B4-BE49-F238E27FC236}">
-                <a16:creationId xmlns:a16="http://schemas.microsoft.com/office/drawing/2014/main" id="{059E98A5-A252-4A2B-9244-F09A4570DB00}"/>
+                <a16:creationId xmlns:a16="http://schemas.microsoft.com/office/drawing/2014/main" xmlns="" id="{059E98A5-A252-4A2B-9244-F09A4570DB00}"/>
               </a:ext>
             </a:extLst>
           </p:cNvPr>
@@ -3634,6 +3914,16 @@
               </a:rPr>
               <a:t>Einführung</a:t>
             </a:r>
+            <a:r>
+              <a:rPr lang="en-US" dirty="0">
+                <a:solidFill>
+                  <a:schemeClr val="tx1"/>
+                </a:solidFill>
+                <a:latin typeface="+mj-ea"/>
+                <a:cs typeface="+mj-ea"/>
+              </a:rPr>
+              <a:t/>
+            </a:r>
             <a:br>
               <a:rPr lang="en-US" dirty="0">
                 <a:solidFill>
@@ -3660,7 +3950,7 @@
               <p:cNvPr id="3" name="Inhaltsplatzhalter 2">
                 <a:extLst>
                   <a:ext uri="{FF2B5EF4-FFF2-40B4-BE49-F238E27FC236}">
-                    <a16:creationId xmlns:a16="http://schemas.microsoft.com/office/drawing/2014/main" id="{48A4D262-E3D1-4A7C-8EE6-E7A520B0C393}"/>
+                    <a16:creationId xmlns:a16="http://schemas.microsoft.com/office/drawing/2014/main" xmlns="" id="{48A4D262-E3D1-4A7C-8EE6-E7A520B0C393}"/>
                   </a:ext>
                 </a:extLst>
               </p:cNvPr>
@@ -4589,7 +4879,7 @@
           <p:cNvPr id="4" name="Fußzeilenplatzhalter 3">
             <a:extLst>
               <a:ext uri="{FF2B5EF4-FFF2-40B4-BE49-F238E27FC236}">
-                <a16:creationId xmlns:a16="http://schemas.microsoft.com/office/drawing/2014/main" id="{150F77BD-78BB-49B2-BE4E-4B6DE3612D25}"/>
+                <a16:creationId xmlns:a16="http://schemas.microsoft.com/office/drawing/2014/main" xmlns="" id="{150F77BD-78BB-49B2-BE4E-4B6DE3612D25}"/>
               </a:ext>
             </a:extLst>
           </p:cNvPr>
@@ -4629,7 +4919,7 @@
           <p:cNvPr id="5" name="Foliennummernplatzhalter 4">
             <a:extLst>
               <a:ext uri="{FF2B5EF4-FFF2-40B4-BE49-F238E27FC236}">
-                <a16:creationId xmlns:a16="http://schemas.microsoft.com/office/drawing/2014/main" id="{9893842A-01CE-4CCA-B5C7-495C7783652C}"/>
+                <a16:creationId xmlns:a16="http://schemas.microsoft.com/office/drawing/2014/main" xmlns="" id="{9893842A-01CE-4CCA-B5C7-495C7783652C}"/>
               </a:ext>
             </a:extLst>
           </p:cNvPr>
@@ -4697,7 +4987,7 @@
           <p:cNvPr id="2" name="Titel 1">
             <a:extLst>
               <a:ext uri="{FF2B5EF4-FFF2-40B4-BE49-F238E27FC236}">
-                <a16:creationId xmlns:a16="http://schemas.microsoft.com/office/drawing/2014/main" id="{1002C0B3-54CE-4942-AECD-0AF05A31659B}"/>
+                <a16:creationId xmlns:a16="http://schemas.microsoft.com/office/drawing/2014/main" xmlns="" id="{1002C0B3-54CE-4942-AECD-0AF05A31659B}"/>
               </a:ext>
             </a:extLst>
           </p:cNvPr>
@@ -4722,8 +5012,13 @@
             </a:br>
             <a:r>
               <a:rPr lang="de-DE" dirty="0"/>
-              <a:t>Potenzialfelder der Hindernisse und vom Roboter</a:t>
-            </a:r>
+              <a:t>Potenzialfelder der Hindernisse und vom </a:t>
+            </a:r>
+            <a:r>
+              <a:rPr lang="de-DE" dirty="0" err="1" smtClean="0"/>
+              <a:t>Robotino</a:t>
+            </a:r>
+            <a:endParaRPr lang="de-DE" dirty="0"/>
           </a:p>
         </p:txBody>
       </p:sp>
@@ -4732,7 +5027,7 @@
           <p:cNvPr id="4" name="Fußzeilenplatzhalter 3">
             <a:extLst>
               <a:ext uri="{FF2B5EF4-FFF2-40B4-BE49-F238E27FC236}">
-                <a16:creationId xmlns:a16="http://schemas.microsoft.com/office/drawing/2014/main" id="{1172C0F9-7EFD-4242-97CE-2B73B45733F4}"/>
+                <a16:creationId xmlns:a16="http://schemas.microsoft.com/office/drawing/2014/main" xmlns="" id="{1172C0F9-7EFD-4242-97CE-2B73B45733F4}"/>
               </a:ext>
             </a:extLst>
           </p:cNvPr>
@@ -4772,7 +5067,7 @@
           <p:cNvPr id="5" name="Foliennummernplatzhalter 4">
             <a:extLst>
               <a:ext uri="{FF2B5EF4-FFF2-40B4-BE49-F238E27FC236}">
-                <a16:creationId xmlns:a16="http://schemas.microsoft.com/office/drawing/2014/main" id="{2AC17D0B-DB4B-4FF8-8B4A-D568E264BDC4}"/>
+                <a16:creationId xmlns:a16="http://schemas.microsoft.com/office/drawing/2014/main" xmlns="" id="{2AC17D0B-DB4B-4FF8-8B4A-D568E264BDC4}"/>
               </a:ext>
             </a:extLst>
           </p:cNvPr>
@@ -4809,7 +5104,7 @@
           <p:cNvPr id="6" name="Inhaltsplatzhalter 6">
             <a:extLst>
               <a:ext uri="{FF2B5EF4-FFF2-40B4-BE49-F238E27FC236}">
-                <a16:creationId xmlns:a16="http://schemas.microsoft.com/office/drawing/2014/main" id="{06C85739-5674-44EE-A608-9C5F17D15B0B}"/>
+                <a16:creationId xmlns:a16="http://schemas.microsoft.com/office/drawing/2014/main" xmlns="" id="{06C85739-5674-44EE-A608-9C5F17D15B0B}"/>
               </a:ext>
             </a:extLst>
           </p:cNvPr>
@@ -4874,7 +5169,7 @@
           <p:cNvPr id="2" name="Titel 1">
             <a:extLst>
               <a:ext uri="{FF2B5EF4-FFF2-40B4-BE49-F238E27FC236}">
-                <a16:creationId xmlns:a16="http://schemas.microsoft.com/office/drawing/2014/main" id="{A98656BE-B570-47D5-BDA5-7D30AEE1B8DA}"/>
+                <a16:creationId xmlns:a16="http://schemas.microsoft.com/office/drawing/2014/main" xmlns="" id="{A98656BE-B570-47D5-BDA5-7D30AEE1B8DA}"/>
               </a:ext>
             </a:extLst>
           </p:cNvPr>
@@ -4902,8 +5197,8 @@
               <a:t>Potentialfelder mit anziehender </a:t>
             </a:r>
             <a:r>
-              <a:rPr lang="de-DE" dirty="0" err="1"/>
-              <a:t>Ziellfunktion</a:t>
+              <a:rPr lang="de-DE" dirty="0" smtClean="0"/>
+              <a:t>Zielfunktion</a:t>
             </a:r>
             <a:endParaRPr lang="de-DE" dirty="0"/>
           </a:p>
@@ -4914,7 +5209,7 @@
           <p:cNvPr id="4" name="Fußzeilenplatzhalter 3">
             <a:extLst>
               <a:ext uri="{FF2B5EF4-FFF2-40B4-BE49-F238E27FC236}">
-                <a16:creationId xmlns:a16="http://schemas.microsoft.com/office/drawing/2014/main" id="{EB93C187-F383-4DA1-BB87-0BA5117AA5BA}"/>
+                <a16:creationId xmlns:a16="http://schemas.microsoft.com/office/drawing/2014/main" xmlns="" id="{EB93C187-F383-4DA1-BB87-0BA5117AA5BA}"/>
               </a:ext>
             </a:extLst>
           </p:cNvPr>
@@ -4954,7 +5249,7 @@
           <p:cNvPr id="5" name="Foliennummernplatzhalter 4">
             <a:extLst>
               <a:ext uri="{FF2B5EF4-FFF2-40B4-BE49-F238E27FC236}">
-                <a16:creationId xmlns:a16="http://schemas.microsoft.com/office/drawing/2014/main" id="{391E6A47-105A-448E-84B3-EB326BF13B84}"/>
+                <a16:creationId xmlns:a16="http://schemas.microsoft.com/office/drawing/2014/main" xmlns="" id="{391E6A47-105A-448E-84B3-EB326BF13B84}"/>
               </a:ext>
             </a:extLst>
           </p:cNvPr>
@@ -4991,7 +5286,7 @@
           <p:cNvPr id="6" name="Inhaltsplatzhalter 6">
             <a:extLst>
               <a:ext uri="{FF2B5EF4-FFF2-40B4-BE49-F238E27FC236}">
-                <a16:creationId xmlns:a16="http://schemas.microsoft.com/office/drawing/2014/main" id="{0EEA831B-BDEE-4233-B932-9ABEA11759E2}"/>
+                <a16:creationId xmlns:a16="http://schemas.microsoft.com/office/drawing/2014/main" xmlns="" id="{0EEA831B-BDEE-4233-B932-9ABEA11759E2}"/>
               </a:ext>
             </a:extLst>
           </p:cNvPr>
@@ -5056,7 +5351,7 @@
           <p:cNvPr id="2" name="Titel 1">
             <a:extLst>
               <a:ext uri="{FF2B5EF4-FFF2-40B4-BE49-F238E27FC236}">
-                <a16:creationId xmlns:a16="http://schemas.microsoft.com/office/drawing/2014/main" id="{E0C48783-44F0-49B1-91DF-746F77EC058D}"/>
+                <a16:creationId xmlns:a16="http://schemas.microsoft.com/office/drawing/2014/main" xmlns="" id="{E0C48783-44F0-49B1-91DF-746F77EC058D}"/>
               </a:ext>
             </a:extLst>
           </p:cNvPr>
@@ -5082,6 +5377,16 @@
               </a:rPr>
               <a:t>Konzept</a:t>
             </a:r>
+            <a:r>
+              <a:rPr lang="en-US" dirty="0">
+                <a:solidFill>
+                  <a:schemeClr val="tx1"/>
+                </a:solidFill>
+                <a:latin typeface="+mj-ea"/>
+                <a:cs typeface="+mj-ea"/>
+              </a:rPr>
+              <a:t/>
+            </a:r>
             <a:br>
               <a:rPr lang="en-US" dirty="0">
                 <a:solidFill>
@@ -5106,7 +5411,7 @@
           <p:cNvPr id="3" name="Inhaltsplatzhalter 2">
             <a:extLst>
               <a:ext uri="{FF2B5EF4-FFF2-40B4-BE49-F238E27FC236}">
-                <a16:creationId xmlns:a16="http://schemas.microsoft.com/office/drawing/2014/main" id="{30474B77-0BBF-4449-8ED8-4290E9952962}"/>
+                <a16:creationId xmlns:a16="http://schemas.microsoft.com/office/drawing/2014/main" xmlns="" id="{30474B77-0BBF-4449-8ED8-4290E9952962}"/>
               </a:ext>
             </a:extLst>
           </p:cNvPr>
@@ -5325,7 +5630,7 @@
           <p:cNvPr id="4" name="Fußzeilenplatzhalter 3">
             <a:extLst>
               <a:ext uri="{FF2B5EF4-FFF2-40B4-BE49-F238E27FC236}">
-                <a16:creationId xmlns:a16="http://schemas.microsoft.com/office/drawing/2014/main" id="{D05208BD-8364-4FBE-98F6-FADE0698EEC8}"/>
+                <a16:creationId xmlns:a16="http://schemas.microsoft.com/office/drawing/2014/main" xmlns="" id="{D05208BD-8364-4FBE-98F6-FADE0698EEC8}"/>
               </a:ext>
             </a:extLst>
           </p:cNvPr>
@@ -5365,7 +5670,7 @@
           <p:cNvPr id="5" name="Foliennummernplatzhalter 4">
             <a:extLst>
               <a:ext uri="{FF2B5EF4-FFF2-40B4-BE49-F238E27FC236}">
-                <a16:creationId xmlns:a16="http://schemas.microsoft.com/office/drawing/2014/main" id="{3508CB09-B7DF-4961-AF99-F98497007B99}"/>
+                <a16:creationId xmlns:a16="http://schemas.microsoft.com/office/drawing/2014/main" xmlns="" id="{3508CB09-B7DF-4961-AF99-F98497007B99}"/>
               </a:ext>
             </a:extLst>
           </p:cNvPr>
@@ -5433,7 +5738,7 @@
           <p:cNvPr id="2" name="Titel 1">
             <a:extLst>
               <a:ext uri="{FF2B5EF4-FFF2-40B4-BE49-F238E27FC236}">
-                <a16:creationId xmlns:a16="http://schemas.microsoft.com/office/drawing/2014/main" id="{27550AB3-6952-4775-833E-DC990A492641}"/>
+                <a16:creationId xmlns:a16="http://schemas.microsoft.com/office/drawing/2014/main" xmlns="" id="{27550AB3-6952-4775-833E-DC990A492641}"/>
               </a:ext>
             </a:extLst>
           </p:cNvPr>
@@ -5459,6 +5764,16 @@
               </a:rPr>
               <a:t>Konzept</a:t>
             </a:r>
+            <a:r>
+              <a:rPr lang="en-US" dirty="0">
+                <a:solidFill>
+                  <a:schemeClr val="tx1"/>
+                </a:solidFill>
+                <a:latin typeface="+mj-ea"/>
+                <a:cs typeface="+mj-ea"/>
+              </a:rPr>
+              <a:t/>
+            </a:r>
             <a:br>
               <a:rPr lang="en-US" dirty="0">
                 <a:solidFill>
@@ -5483,7 +5798,7 @@
           <p:cNvPr id="3" name="Inhaltsplatzhalter 2">
             <a:extLst>
               <a:ext uri="{FF2B5EF4-FFF2-40B4-BE49-F238E27FC236}">
-                <a16:creationId xmlns:a16="http://schemas.microsoft.com/office/drawing/2014/main" id="{14596503-A67F-4B1F-B152-27CBB750E3A8}"/>
+                <a16:creationId xmlns:a16="http://schemas.microsoft.com/office/drawing/2014/main" xmlns="" id="{14596503-A67F-4B1F-B152-27CBB750E3A8}"/>
               </a:ext>
             </a:extLst>
           </p:cNvPr>
@@ -5699,7 +6014,7 @@
           <p:cNvPr id="4" name="Fußzeilenplatzhalter 3">
             <a:extLst>
               <a:ext uri="{FF2B5EF4-FFF2-40B4-BE49-F238E27FC236}">
-                <a16:creationId xmlns:a16="http://schemas.microsoft.com/office/drawing/2014/main" id="{0BA4DECC-89B5-4564-B3C6-BACCCEE9E91D}"/>
+                <a16:creationId xmlns:a16="http://schemas.microsoft.com/office/drawing/2014/main" xmlns="" id="{0BA4DECC-89B5-4564-B3C6-BACCCEE9E91D}"/>
               </a:ext>
             </a:extLst>
           </p:cNvPr>
@@ -5739,7 +6054,7 @@
           <p:cNvPr id="5" name="Foliennummernplatzhalter 4">
             <a:extLst>
               <a:ext uri="{FF2B5EF4-FFF2-40B4-BE49-F238E27FC236}">
-                <a16:creationId xmlns:a16="http://schemas.microsoft.com/office/drawing/2014/main" id="{04785371-51E6-40C6-B09A-2DB691D50DCE}"/>
+                <a16:creationId xmlns:a16="http://schemas.microsoft.com/office/drawing/2014/main" xmlns="" id="{04785371-51E6-40C6-B09A-2DB691D50DCE}"/>
               </a:ext>
             </a:extLst>
           </p:cNvPr>
@@ -5807,7 +6122,7 @@
           <p:cNvPr id="2" name="Titel 1">
             <a:extLst>
               <a:ext uri="{FF2B5EF4-FFF2-40B4-BE49-F238E27FC236}">
-                <a16:creationId xmlns:a16="http://schemas.microsoft.com/office/drawing/2014/main" id="{68942DE7-0CD4-4006-B961-3A46331D13B7}"/>
+                <a16:creationId xmlns:a16="http://schemas.microsoft.com/office/drawing/2014/main" xmlns="" id="{27550AB3-6952-4775-833E-DC990A492641}"/>
               </a:ext>
             </a:extLst>
           </p:cNvPr>
@@ -5825,61 +6140,78 @@
           <a:p>
             <a:r>
               <a:rPr lang="de-DE" altLang="de-DE" dirty="0"/>
-              <a:t>3. </a:t>
+              <a:t>2. </a:t>
             </a:r>
             <a:r>
               <a:rPr lang="de-DE" altLang="de-DE" dirty="0">
                 <a:cs typeface="Arial"/>
               </a:rPr>
-              <a:t>Schnittstellen</a:t>
+              <a:t>Konzept</a:t>
+            </a:r>
+            <a:r>
+              <a:rPr lang="en-US" dirty="0">
+                <a:solidFill>
+                  <a:schemeClr val="tx1"/>
+                </a:solidFill>
+                <a:latin typeface="+mj-ea"/>
+                <a:cs typeface="+mj-ea"/>
+              </a:rPr>
+              <a:t/>
+            </a:r>
+            <a:br>
+              <a:rPr lang="en-US" dirty="0">
+                <a:solidFill>
+                  <a:schemeClr val="tx1"/>
+                </a:solidFill>
+                <a:latin typeface="+mj-ea"/>
+                <a:cs typeface="+mj-ea"/>
+              </a:rPr>
+            </a:br>
+            <a:r>
+              <a:rPr lang="de-DE" dirty="0" smtClean="0">
+                <a:cs typeface="Arial"/>
+              </a:rPr>
+              <a:t>Transportbereich</a:t>
             </a:r>
             <a:endParaRPr lang="de-DE" dirty="0"/>
           </a:p>
         </p:txBody>
       </p:sp>
-      <p:sp>
-        <p:nvSpPr>
-          <p:cNvPr id="3" name="Inhaltsplatzhalter 2">
-            <a:extLst>
-              <a:ext uri="{FF2B5EF4-FFF2-40B4-BE49-F238E27FC236}">
-                <a16:creationId xmlns:a16="http://schemas.microsoft.com/office/drawing/2014/main" id="{2443D015-FBE5-4C25-8718-8719D6560D39}"/>
-              </a:ext>
-            </a:extLst>
-          </p:cNvPr>
-          <p:cNvSpPr>
-            <a:spLocks noGrp="1"/>
-          </p:cNvSpPr>
+      <p:pic>
+        <p:nvPicPr>
+          <p:cNvPr id="6" name="Inhaltsplatzhalter 5"/>
+          <p:cNvPicPr>
+            <a:picLocks noGrp="1" noChangeAspect="1"/>
+          </p:cNvPicPr>
           <p:nvPr>
             <p:ph idx="1"/>
           </p:nvPr>
-        </p:nvSpPr>
-        <p:spPr/>
-        <p:txBody>
-          <a:bodyPr/>
-          <a:lstStyle/>
-          <a:p>
-            <a:pPr>
-              <a:buFont typeface="Arial" panose="020B0604020202020204" pitchFamily="34" charset="0"/>
-              <a:buChar char="•"/>
-            </a:pPr>
-            <a:r>
-              <a:rPr lang="de-DE" altLang="de-DE" sz="1800" dirty="0">
-                <a:cs typeface="Arial"/>
-              </a:rPr>
-              <a:t>Bild von Gewerk 1</a:t>
-            </a:r>
-          </a:p>
-          <a:p>
-            <a:endParaRPr lang="de-DE" dirty="0"/>
-          </a:p>
-        </p:txBody>
-      </p:sp>
+        </p:nvPicPr>
+        <p:blipFill>
+          <a:blip r:embed="rId2">
+            <a:extLst>
+              <a:ext uri="{28A0092B-C50C-407E-A947-70E740481C1C}">
+                <a14:useLocalDpi xmlns:a14="http://schemas.microsoft.com/office/drawing/2010/main" val="0"/>
+              </a:ext>
+            </a:extLst>
+          </a:blip>
+          <a:stretch>
+            <a:fillRect/>
+          </a:stretch>
+        </p:blipFill>
+        <p:spPr>
+          <a:xfrm>
+            <a:off x="280987" y="1279265"/>
+            <a:ext cx="9344025" cy="4875733"/>
+          </a:xfrm>
+        </p:spPr>
+      </p:pic>
       <p:sp>
         <p:nvSpPr>
           <p:cNvPr id="4" name="Fußzeilenplatzhalter 3">
             <a:extLst>
               <a:ext uri="{FF2B5EF4-FFF2-40B4-BE49-F238E27FC236}">
-                <a16:creationId xmlns:a16="http://schemas.microsoft.com/office/drawing/2014/main" id="{EAA1F0E0-8D52-48F0-B1B5-68B6926C079D}"/>
+                <a16:creationId xmlns:a16="http://schemas.microsoft.com/office/drawing/2014/main" xmlns="" id="{0BA4DECC-89B5-4564-B3C6-BACCCEE9E91D}"/>
               </a:ext>
             </a:extLst>
           </p:cNvPr>
@@ -5919,7 +6251,7 @@
           <p:cNvPr id="5" name="Foliennummernplatzhalter 4">
             <a:extLst>
               <a:ext uri="{FF2B5EF4-FFF2-40B4-BE49-F238E27FC236}">
-                <a16:creationId xmlns:a16="http://schemas.microsoft.com/office/drawing/2014/main" id="{3247F105-89DD-4C3A-AC5F-FB6BBF6B145D}"/>
+                <a16:creationId xmlns:a16="http://schemas.microsoft.com/office/drawing/2014/main" xmlns="" id="{04785371-51E6-40C6-B09A-2DB691D50DCE}"/>
               </a:ext>
             </a:extLst>
           </p:cNvPr>
@@ -5954,7 +6286,7 @@
     </p:spTree>
     <p:extLst>
       <p:ext uri="{BB962C8B-B14F-4D97-AF65-F5344CB8AC3E}">
-        <p14:creationId xmlns:p14="http://schemas.microsoft.com/office/powerpoint/2010/main" val="1528144001"/>
+        <p14:creationId xmlns:p14="http://schemas.microsoft.com/office/powerpoint/2010/main" val="364746139"/>
       </p:ext>
     </p:extLst>
   </p:cSld>
@@ -5987,7 +6319,7 @@
           <p:cNvPr id="2" name="Titel 1">
             <a:extLst>
               <a:ext uri="{FF2B5EF4-FFF2-40B4-BE49-F238E27FC236}">
-                <a16:creationId xmlns:a16="http://schemas.microsoft.com/office/drawing/2014/main" id="{68942DE7-0CD4-4006-B961-3A46331D13B7}"/>
+                <a16:creationId xmlns:a16="http://schemas.microsoft.com/office/drawing/2014/main" xmlns="" id="{68942DE7-0CD4-4006-B961-3A46331D13B7}"/>
               </a:ext>
             </a:extLst>
           </p:cNvPr>
@@ -6008,58 +6340,67 @@
               <a:t>3. </a:t>
             </a:r>
             <a:r>
-              <a:rPr lang="de-DE" altLang="de-DE" dirty="0">
+              <a:rPr lang="de-DE" altLang="de-DE" dirty="0" smtClean="0">
                 <a:cs typeface="Arial"/>
               </a:rPr>
-              <a:t>Schnittstellen</a:t>
+              <a:t>Schnittstelle</a:t>
+            </a:r>
+            <a:br>
+              <a:rPr lang="de-DE" altLang="de-DE" dirty="0" smtClean="0">
+                <a:cs typeface="Arial"/>
+              </a:rPr>
+            </a:br>
+            <a:r>
+              <a:rPr lang="de-DE" altLang="de-DE" dirty="0" err="1" smtClean="0">
+                <a:cs typeface="Arial"/>
+              </a:rPr>
+              <a:t>Schnittstelle</a:t>
+            </a:r>
+            <a:r>
+              <a:rPr lang="de-DE" altLang="de-DE" dirty="0" smtClean="0">
+                <a:cs typeface="Arial"/>
+              </a:rPr>
+              <a:t> mit dem Fertigungsmanagement</a:t>
             </a:r>
             <a:endParaRPr lang="de-DE" dirty="0"/>
           </a:p>
         </p:txBody>
       </p:sp>
-      <p:sp>
-        <p:nvSpPr>
-          <p:cNvPr id="3" name="Inhaltsplatzhalter 2">
-            <a:extLst>
-              <a:ext uri="{FF2B5EF4-FFF2-40B4-BE49-F238E27FC236}">
-                <a16:creationId xmlns:a16="http://schemas.microsoft.com/office/drawing/2014/main" id="{2443D015-FBE5-4C25-8718-8719D6560D39}"/>
-              </a:ext>
-            </a:extLst>
-          </p:cNvPr>
-          <p:cNvSpPr>
-            <a:spLocks noGrp="1"/>
-          </p:cNvSpPr>
+      <p:pic>
+        <p:nvPicPr>
+          <p:cNvPr id="7" name="Inhaltsplatzhalter 6"/>
+          <p:cNvPicPr>
+            <a:picLocks noGrp="1" noChangeAspect="1"/>
+          </p:cNvPicPr>
           <p:nvPr>
             <p:ph idx="1"/>
           </p:nvPr>
-        </p:nvSpPr>
-        <p:spPr/>
-        <p:txBody>
-          <a:bodyPr/>
-          <a:lstStyle/>
-          <a:p>
-            <a:pPr>
-              <a:buFont typeface="Arial" panose="020B0604020202020204" pitchFamily="34" charset="0"/>
-              <a:buChar char="•"/>
-            </a:pPr>
-            <a:r>
-              <a:rPr lang="de-DE" altLang="de-DE" sz="1800" dirty="0">
-                <a:cs typeface="Arial"/>
-              </a:rPr>
-              <a:t>Bild von Gewerk 3</a:t>
-            </a:r>
-          </a:p>
-          <a:p>
-            <a:endParaRPr lang="de-DE" dirty="0"/>
-          </a:p>
-        </p:txBody>
-      </p:sp>
+        </p:nvPicPr>
+        <p:blipFill>
+          <a:blip r:embed="rId2">
+            <a:extLst>
+              <a:ext uri="{28A0092B-C50C-407E-A947-70E740481C1C}">
+                <a14:useLocalDpi xmlns:a14="http://schemas.microsoft.com/office/drawing/2010/main" val="0"/>
+              </a:ext>
+            </a:extLst>
+          </a:blip>
+          <a:stretch>
+            <a:fillRect/>
+          </a:stretch>
+        </p:blipFill>
+        <p:spPr>
+          <a:xfrm>
+            <a:off x="390259" y="1273175"/>
+            <a:ext cx="9204857" cy="4964113"/>
+          </a:xfrm>
+        </p:spPr>
+      </p:pic>
       <p:sp>
         <p:nvSpPr>
           <p:cNvPr id="4" name="Fußzeilenplatzhalter 3">
             <a:extLst>
               <a:ext uri="{FF2B5EF4-FFF2-40B4-BE49-F238E27FC236}">
-                <a16:creationId xmlns:a16="http://schemas.microsoft.com/office/drawing/2014/main" id="{EAA1F0E0-8D52-48F0-B1B5-68B6926C079D}"/>
+                <a16:creationId xmlns:a16="http://schemas.microsoft.com/office/drawing/2014/main" xmlns="" id="{EAA1F0E0-8D52-48F0-B1B5-68B6926C079D}"/>
               </a:ext>
             </a:extLst>
           </p:cNvPr>
@@ -6099,7 +6440,7 @@
           <p:cNvPr id="5" name="Foliennummernplatzhalter 4">
             <a:extLst>
               <a:ext uri="{FF2B5EF4-FFF2-40B4-BE49-F238E27FC236}">
-                <a16:creationId xmlns:a16="http://schemas.microsoft.com/office/drawing/2014/main" id="{3247F105-89DD-4C3A-AC5F-FB6BBF6B145D}"/>
+                <a16:creationId xmlns:a16="http://schemas.microsoft.com/office/drawing/2014/main" xmlns="" id="{3247F105-89DD-4C3A-AC5F-FB6BBF6B145D}"/>
               </a:ext>
             </a:extLst>
           </p:cNvPr>
@@ -6134,7 +6475,7 @@
     </p:spTree>
     <p:extLst>
       <p:ext uri="{BB962C8B-B14F-4D97-AF65-F5344CB8AC3E}">
-        <p14:creationId xmlns:p14="http://schemas.microsoft.com/office/powerpoint/2010/main" val="2642901752"/>
+        <p14:creationId xmlns:p14="http://schemas.microsoft.com/office/powerpoint/2010/main" val="1528144001"/>
       </p:ext>
     </p:extLst>
   </p:cSld>

--- a/Präsi_Konzept.pptx
+++ b/Präsi_Konzept.pptx
@@ -2739,70 +2739,6 @@
           <a:chExt cx="0" cy="0"/>
         </a:xfrm>
       </p:grpSpPr>
-      <p:pic>
-        <p:nvPicPr>
-          <p:cNvPr id="3074" name="Picture 16"/>
-          <p:cNvPicPr>
-            <a:picLocks noChangeAspect="1" noChangeArrowheads="1"/>
-          </p:cNvPicPr>
-          <p:nvPr/>
-        </p:nvPicPr>
-        <p:blipFill>
-          <a:blip r:embed="rId3">
-            <a:extLst>
-              <a:ext uri="{28A0092B-C50C-407E-A947-70E740481C1C}">
-                <a14:useLocalDpi xmlns:a14="http://schemas.microsoft.com/office/drawing/2010/main" val="0"/>
-              </a:ext>
-            </a:extLst>
-          </a:blip>
-          <a:srcRect r="3024"/>
-          <a:stretch>
-            <a:fillRect/>
-          </a:stretch>
-        </p:blipFill>
-        <p:spPr bwMode="auto">
-          <a:xfrm>
-            <a:off x="0" y="1016000"/>
-            <a:ext cx="3289300" cy="3392488"/>
-          </a:xfrm>
-          <a:prstGeom prst="rect">
-            <a:avLst/>
-          </a:prstGeom>
-          <a:noFill/>
-          <a:ln>
-            <a:noFill/>
-          </a:ln>
-          <a:effectLst/>
-          <a:extLst>
-            <a:ext uri="{909E8E84-426E-40DD-AFC4-6F175D3DCCD1}">
-              <a14:hiddenFill xmlns:a14="http://schemas.microsoft.com/office/drawing/2010/main">
-                <a:solidFill>
-                  <a:schemeClr val="accent1"/>
-                </a:solidFill>
-              </a14:hiddenFill>
-            </a:ext>
-            <a:ext uri="{91240B29-F687-4F45-9708-019B960494DF}">
-              <a14:hiddenLine xmlns:a14="http://schemas.microsoft.com/office/drawing/2010/main" w="9525">
-                <a:solidFill>
-                  <a:schemeClr val="tx1"/>
-                </a:solidFill>
-                <a:miter lim="800000"/>
-                <a:headEnd/>
-                <a:tailEnd/>
-              </a14:hiddenLine>
-            </a:ext>
-            <a:ext uri="{AF507438-7753-43E0-B8FC-AC1667EBCBE1}">
-              <a14:hiddenEffects xmlns:a14="http://schemas.microsoft.com/office/drawing/2010/main">
-                <a:effectLst>
-                  <a:outerShdw dist="35921" dir="2700000" algn="ctr" rotWithShape="0">
-                    <a:schemeClr val="bg2"/>
-                  </a:outerShdw>
-                </a:effectLst>
-              </a14:hiddenEffects>
-            </a:ext>
-          </a:extLst>
-        </p:spPr>
-      </p:pic>
       <p:sp>
         <p:nvSpPr>
           <p:cNvPr id="3075" name="Rectangle 8"/>
@@ -2836,16 +2772,6 @@
                 <a:cs typeface="Arial"/>
               </a:rPr>
               <a:t> Gewerk 2</a:t>
-            </a:r>
-            <a:r>
-              <a:rPr lang="en-US" dirty="0">
-                <a:solidFill>
-                  <a:schemeClr val="tx1"/>
-                </a:solidFill>
-                <a:latin typeface="+mj-ea"/>
-                <a:cs typeface="+mj-ea"/>
-              </a:rPr>
-              <a:t/>
             </a:r>
             <a:br>
               <a:rPr lang="en-US" dirty="0">
@@ -2891,14 +2817,6 @@
                 <a:spcPct val="90000"/>
               </a:lnSpc>
             </a:pPr>
-            <a:r>
-              <a:rPr lang="en-US" dirty="0">
-                <a:solidFill>
-                  <a:schemeClr val="tx1"/>
-                </a:solidFill>
-              </a:rPr>
-              <a:t/>
-            </a:r>
             <a:br>
               <a:rPr lang="en-US" dirty="0">
                 <a:solidFill>
@@ -3038,9 +2956,51 @@
       </p:sp>
       <p:pic>
         <p:nvPicPr>
-          <p:cNvPr id="3079" name="Picture 20"/>
+          <p:cNvPr id="4" name="Grafik 3">
+            <a:extLst>
+              <a:ext uri="{FF2B5EF4-FFF2-40B4-BE49-F238E27FC236}">
+                <a16:creationId xmlns:a16="http://schemas.microsoft.com/office/drawing/2014/main" id="{E8FD4E4A-4BD4-441B-A6FB-F1DF917A54FF}"/>
+              </a:ext>
+            </a:extLst>
+          </p:cNvPr>
           <p:cNvPicPr>
-            <a:picLocks noChangeAspect="1" noChangeArrowheads="1"/>
+            <a:picLocks noChangeAspect="1"/>
+          </p:cNvPicPr>
+          <p:nvPr/>
+        </p:nvPicPr>
+        <p:blipFill>
+          <a:blip r:embed="rId3">
+            <a:extLst>
+              <a:ext uri="{28A0092B-C50C-407E-A947-70E740481C1C}">
+                <a14:useLocalDpi xmlns:a14="http://schemas.microsoft.com/office/drawing/2010/main" val="0"/>
+              </a:ext>
+            </a:extLst>
+          </a:blip>
+          <a:stretch>
+            <a:fillRect/>
+          </a:stretch>
+        </p:blipFill>
+        <p:spPr>
+          <a:xfrm>
+            <a:off x="631825" y="1189964"/>
+            <a:ext cx="3189291" cy="2733677"/>
+          </a:xfrm>
+          <a:prstGeom prst="rect">
+            <a:avLst/>
+          </a:prstGeom>
+        </p:spPr>
+      </p:pic>
+      <p:pic>
+        <p:nvPicPr>
+          <p:cNvPr id="6" name="Grafik 5">
+            <a:extLst>
+              <a:ext uri="{FF2B5EF4-FFF2-40B4-BE49-F238E27FC236}">
+                <a16:creationId xmlns:a16="http://schemas.microsoft.com/office/drawing/2014/main" id="{2FAA14AD-2BD0-4AB6-B784-D2821EEA1036}"/>
+              </a:ext>
+            </a:extLst>
+          </p:cNvPr>
+          <p:cNvPicPr>
+            <a:picLocks noChangeAspect="1"/>
           </p:cNvPicPr>
           <p:nvPr/>
         </p:nvPicPr>
@@ -3052,146 +3012,20 @@
               </a:ext>
             </a:extLst>
           </a:blip>
-          <a:srcRect t="31372"/>
           <a:stretch>
             <a:fillRect/>
           </a:stretch>
         </p:blipFill>
-        <p:spPr bwMode="auto">
+        <p:spPr>
           <a:xfrm>
-            <a:off x="3321050" y="1006475"/>
-            <a:ext cx="6584950" cy="3389313"/>
+            <a:off x="4514252" y="862059"/>
+            <a:ext cx="4583711" cy="3389488"/>
           </a:xfrm>
           <a:prstGeom prst="rect">
             <a:avLst/>
           </a:prstGeom>
-          <a:noFill/>
-          <a:ln>
-            <a:noFill/>
-          </a:ln>
-          <a:effectLst/>
-          <a:extLst>
-            <a:ext uri="{909E8E84-426E-40DD-AFC4-6F175D3DCCD1}">
-              <a14:hiddenFill xmlns:a14="http://schemas.microsoft.com/office/drawing/2010/main">
-                <a:solidFill>
-                  <a:schemeClr val="accent1"/>
-                </a:solidFill>
-              </a14:hiddenFill>
-            </a:ext>
-            <a:ext uri="{91240B29-F687-4F45-9708-019B960494DF}">
-              <a14:hiddenLine xmlns:a14="http://schemas.microsoft.com/office/drawing/2010/main" w="9525">
-                <a:solidFill>
-                  <a:schemeClr val="tx1"/>
-                </a:solidFill>
-                <a:miter lim="800000"/>
-                <a:headEnd/>
-                <a:tailEnd/>
-              </a14:hiddenLine>
-            </a:ext>
-            <a:ext uri="{AF507438-7753-43E0-B8FC-AC1667EBCBE1}">
-              <a14:hiddenEffects xmlns:a14="http://schemas.microsoft.com/office/drawing/2010/main">
-                <a:effectLst>
-                  <a:outerShdw dist="35921" dir="2700000" algn="ctr" rotWithShape="0">
-                    <a:schemeClr val="bg2"/>
-                  </a:outerShdw>
-                </a:effectLst>
-              </a14:hiddenEffects>
-            </a:ext>
-          </a:extLst>
         </p:spPr>
       </p:pic>
-      <p:sp>
-        <p:nvSpPr>
-          <p:cNvPr id="3" name="Rechteck 2"/>
-          <p:cNvSpPr/>
-          <p:nvPr/>
-        </p:nvSpPr>
-        <p:spPr>
-          <a:xfrm>
-            <a:off x="463550" y="2093913"/>
-            <a:ext cx="2451100" cy="400050"/>
-          </a:xfrm>
-          <a:prstGeom prst="rect">
-            <a:avLst/>
-          </a:prstGeom>
-          <a:solidFill>
-            <a:srgbClr val="FF0000"/>
-          </a:solidFill>
-        </p:spPr>
-        <p:txBody>
-          <a:bodyPr wrap="none">
-            <a:spAutoFit/>
-          </a:bodyPr>
-          <a:lstStyle/>
-          <a:p>
-            <a:pPr>
-              <a:defRPr/>
-            </a:pPr>
-            <a:r>
-              <a:rPr lang="de-DE" sz="2000" b="1" kern="0" dirty="0">
-                <a:solidFill>
-                  <a:schemeClr val="bg1"/>
-                </a:solidFill>
-                <a:latin typeface="Arial"/>
-                <a:ea typeface="+mj-ea"/>
-                <a:cs typeface="+mj-cs"/>
-              </a:rPr>
-              <a:t>Bild 1 zum THEMA</a:t>
-            </a:r>
-            <a:endParaRPr lang="de-DE" dirty="0">
-              <a:solidFill>
-                <a:schemeClr val="bg1"/>
-              </a:solidFill>
-            </a:endParaRPr>
-          </a:p>
-        </p:txBody>
-      </p:sp>
-      <p:sp>
-        <p:nvSpPr>
-          <p:cNvPr id="10" name="Rechteck 9"/>
-          <p:cNvSpPr/>
-          <p:nvPr/>
-        </p:nvSpPr>
-        <p:spPr>
-          <a:xfrm>
-            <a:off x="4068763" y="2093913"/>
-            <a:ext cx="2449512" cy="400050"/>
-          </a:xfrm>
-          <a:prstGeom prst="rect">
-            <a:avLst/>
-          </a:prstGeom>
-          <a:solidFill>
-            <a:srgbClr val="FF0000"/>
-          </a:solidFill>
-        </p:spPr>
-        <p:txBody>
-          <a:bodyPr wrap="none">
-            <a:spAutoFit/>
-          </a:bodyPr>
-          <a:lstStyle/>
-          <a:p>
-            <a:pPr>
-              <a:defRPr/>
-            </a:pPr>
-            <a:r>
-              <a:rPr lang="de-DE" sz="2000" b="1" kern="0" dirty="0">
-                <a:solidFill>
-                  <a:schemeClr val="bg1"/>
-                </a:solidFill>
-                <a:latin typeface="Arial"/>
-                <a:ea typeface="+mj-ea"/>
-                <a:cs typeface="+mj-cs"/>
-              </a:rPr>
-              <a:t>Bild 2 zum THEMA</a:t>
-            </a:r>
-            <a:endParaRPr lang="de-DE" dirty="0">
-              <a:solidFill>
-                <a:schemeClr val="bg1"/>
-              </a:solidFill>
-            </a:endParaRPr>
-          </a:p>
-        </p:txBody>
-      </p:sp>
     </p:spTree>
   </p:cSld>
   <p:clrMapOvr>
@@ -3223,7 +3057,7 @@
           <p:cNvPr id="2" name="Titel 1">
             <a:extLst>
               <a:ext uri="{FF2B5EF4-FFF2-40B4-BE49-F238E27FC236}">
-                <a16:creationId xmlns:a16="http://schemas.microsoft.com/office/drawing/2014/main" xmlns="" id="{68942DE7-0CD4-4006-B961-3A46331D13B7}"/>
+                <a16:creationId xmlns:a16="http://schemas.microsoft.com/office/drawing/2014/main" id="{68942DE7-0CD4-4006-B961-3A46331D13B7}"/>
               </a:ext>
             </a:extLst>
           </p:cNvPr>
@@ -3244,18 +3078,18 @@
               <a:t>3. </a:t>
             </a:r>
             <a:r>
-              <a:rPr lang="de-DE" altLang="de-DE" dirty="0" smtClean="0">
+              <a:rPr lang="de-DE" altLang="de-DE" dirty="0">
                 <a:cs typeface="Arial"/>
               </a:rPr>
               <a:t>Schnittstellen</a:t>
             </a:r>
             <a:br>
-              <a:rPr lang="de-DE" altLang="de-DE" dirty="0" smtClean="0">
+              <a:rPr lang="de-DE" altLang="de-DE" dirty="0">
                 <a:cs typeface="Arial"/>
               </a:rPr>
             </a:br>
             <a:r>
-              <a:rPr lang="de-DE" altLang="de-DE" dirty="0" smtClean="0">
+              <a:rPr lang="de-DE" altLang="de-DE" dirty="0">
                 <a:cs typeface="Arial"/>
               </a:rPr>
               <a:t>Schnittstelle mit der Regelung</a:t>
@@ -3269,7 +3103,7 @@
           <p:cNvPr id="3" name="Inhaltsplatzhalter 2">
             <a:extLst>
               <a:ext uri="{FF2B5EF4-FFF2-40B4-BE49-F238E27FC236}">
-                <a16:creationId xmlns:a16="http://schemas.microsoft.com/office/drawing/2014/main" xmlns="" id="{2443D015-FBE5-4C25-8718-8719D6560D39}"/>
+                <a16:creationId xmlns:a16="http://schemas.microsoft.com/office/drawing/2014/main" id="{2443D015-FBE5-4C25-8718-8719D6560D39}"/>
               </a:ext>
             </a:extLst>
           </p:cNvPr>
@@ -3300,7 +3134,7 @@
           <p:cNvPr id="4" name="Fußzeilenplatzhalter 3">
             <a:extLst>
               <a:ext uri="{FF2B5EF4-FFF2-40B4-BE49-F238E27FC236}">
-                <a16:creationId xmlns:a16="http://schemas.microsoft.com/office/drawing/2014/main" xmlns="" id="{EAA1F0E0-8D52-48F0-B1B5-68B6926C079D}"/>
+                <a16:creationId xmlns:a16="http://schemas.microsoft.com/office/drawing/2014/main" id="{EAA1F0E0-8D52-48F0-B1B5-68B6926C079D}"/>
               </a:ext>
             </a:extLst>
           </p:cNvPr>
@@ -3340,7 +3174,7 @@
           <p:cNvPr id="5" name="Foliennummernplatzhalter 4">
             <a:extLst>
               <a:ext uri="{FF2B5EF4-FFF2-40B4-BE49-F238E27FC236}">
-                <a16:creationId xmlns:a16="http://schemas.microsoft.com/office/drawing/2014/main" xmlns="" id="{3247F105-89DD-4C3A-AC5F-FB6BBF6B145D}"/>
+                <a16:creationId xmlns:a16="http://schemas.microsoft.com/office/drawing/2014/main" id="{3247F105-89DD-4C3A-AC5F-FB6BBF6B145D}"/>
               </a:ext>
             </a:extLst>
           </p:cNvPr>
@@ -3438,7 +3272,7 @@
           <p:cNvPr id="2" name="Titel 1">
             <a:extLst>
               <a:ext uri="{FF2B5EF4-FFF2-40B4-BE49-F238E27FC236}">
-                <a16:creationId xmlns:a16="http://schemas.microsoft.com/office/drawing/2014/main" xmlns="" id="{5954DD7E-3280-47A4-8C9D-6081CE36C0A6}"/>
+                <a16:creationId xmlns:a16="http://schemas.microsoft.com/office/drawing/2014/main" id="{5954DD7E-3280-47A4-8C9D-6081CE36C0A6}"/>
               </a:ext>
             </a:extLst>
           </p:cNvPr>
@@ -3473,7 +3307,7 @@
           <p:cNvPr id="4" name="Fußzeilenplatzhalter 3">
             <a:extLst>
               <a:ext uri="{FF2B5EF4-FFF2-40B4-BE49-F238E27FC236}">
-                <a16:creationId xmlns:a16="http://schemas.microsoft.com/office/drawing/2014/main" xmlns="" id="{E590B8B1-8557-49AA-B432-2531581CEE8B}"/>
+                <a16:creationId xmlns:a16="http://schemas.microsoft.com/office/drawing/2014/main" id="{E590B8B1-8557-49AA-B432-2531581CEE8B}"/>
               </a:ext>
             </a:extLst>
           </p:cNvPr>
@@ -3513,7 +3347,7 @@
           <p:cNvPr id="5" name="Foliennummernplatzhalter 4">
             <a:extLst>
               <a:ext uri="{FF2B5EF4-FFF2-40B4-BE49-F238E27FC236}">
-                <a16:creationId xmlns:a16="http://schemas.microsoft.com/office/drawing/2014/main" xmlns="" id="{E04210D6-6F3F-4AEF-9054-A77C73630F5C}"/>
+                <a16:creationId xmlns:a16="http://schemas.microsoft.com/office/drawing/2014/main" id="{E04210D6-6F3F-4AEF-9054-A77C73630F5C}"/>
               </a:ext>
             </a:extLst>
           </p:cNvPr>
@@ -3550,7 +3384,7 @@
           <p:cNvPr id="6" name="Inhaltsplatzhalter 5">
             <a:extLst>
               <a:ext uri="{FF2B5EF4-FFF2-40B4-BE49-F238E27FC236}">
-                <a16:creationId xmlns:a16="http://schemas.microsoft.com/office/drawing/2014/main" xmlns="" id="{E5812B95-984C-44D1-A861-D3A5496C39AA}"/>
+                <a16:creationId xmlns:a16="http://schemas.microsoft.com/office/drawing/2014/main" id="{E5812B95-984C-44D1-A861-D3A5496C39AA}"/>
               </a:ext>
             </a:extLst>
           </p:cNvPr>
@@ -3619,7 +3453,7 @@
           <p:cNvPr id="2" name="Titel 1">
             <a:extLst>
               <a:ext uri="{FF2B5EF4-FFF2-40B4-BE49-F238E27FC236}">
-                <a16:creationId xmlns:a16="http://schemas.microsoft.com/office/drawing/2014/main" xmlns="" id="{199E0412-C9C1-4338-AF11-254B58531795}"/>
+                <a16:creationId xmlns:a16="http://schemas.microsoft.com/office/drawing/2014/main" id="{199E0412-C9C1-4338-AF11-254B58531795}"/>
               </a:ext>
             </a:extLst>
           </p:cNvPr>
@@ -3648,7 +3482,7 @@
           <p:cNvPr id="3" name="Inhaltsplatzhalter 2">
             <a:extLst>
               <a:ext uri="{FF2B5EF4-FFF2-40B4-BE49-F238E27FC236}">
-                <a16:creationId xmlns:a16="http://schemas.microsoft.com/office/drawing/2014/main" xmlns="" id="{C398954B-85C0-425D-A3DF-8844D64D05F0}"/>
+                <a16:creationId xmlns:a16="http://schemas.microsoft.com/office/drawing/2014/main" id="{C398954B-85C0-425D-A3DF-8844D64D05F0}"/>
               </a:ext>
             </a:extLst>
           </p:cNvPr>
@@ -3669,7 +3503,7 @@
               <a:buAutoNum type="arabicPeriod"/>
             </a:pPr>
             <a:r>
-              <a:rPr lang="de-DE" altLang="de-DE" sz="1800" dirty="0" smtClean="0"/>
+              <a:rPr lang="de-DE" altLang="de-DE" sz="1800" dirty="0"/>
               <a:t>Einführung</a:t>
             </a:r>
           </a:p>
@@ -3679,7 +3513,7 @@
               <a:buChar char="-"/>
             </a:pPr>
             <a:r>
-              <a:rPr lang="de-DE" altLang="de-DE" sz="1800" i="1" dirty="0" smtClean="0">
+              <a:rPr lang="de-DE" altLang="de-DE" sz="1800" i="1" dirty="0">
                 <a:cs typeface="Arial"/>
               </a:rPr>
               <a:t>Potentialfeld Methode</a:t>
@@ -3691,7 +3525,7 @@
               <a:buAutoNum type="arabicPeriod"/>
             </a:pPr>
             <a:r>
-              <a:rPr lang="de-DE" altLang="de-DE" sz="1800" dirty="0" smtClean="0"/>
+              <a:rPr lang="de-DE" altLang="de-DE" sz="1800" dirty="0"/>
               <a:t>Konzept</a:t>
             </a:r>
           </a:p>
@@ -3701,7 +3535,7 @@
               <a:buChar char="-"/>
             </a:pPr>
             <a:r>
-              <a:rPr lang="de-DE" altLang="de-DE" sz="1800" i="1" dirty="0" smtClean="0"/>
+              <a:rPr lang="de-DE" altLang="de-DE" sz="1800" i="1" dirty="0"/>
               <a:t>Problemstellung</a:t>
             </a:r>
           </a:p>
@@ -3711,7 +3545,7 @@
               <a:buChar char="-"/>
             </a:pPr>
             <a:r>
-              <a:rPr lang="de-DE" altLang="de-DE" sz="1800" i="1" dirty="0" smtClean="0"/>
+              <a:rPr lang="de-DE" altLang="de-DE" sz="1800" i="1" dirty="0"/>
               <a:t>Transportbereich</a:t>
             </a:r>
           </a:p>
@@ -3721,7 +3555,7 @@
               <a:buAutoNum type="arabicPeriod"/>
             </a:pPr>
             <a:r>
-              <a:rPr lang="de-DE" altLang="de-DE" sz="1800" dirty="0" smtClean="0"/>
+              <a:rPr lang="de-DE" altLang="de-DE" sz="1800" dirty="0"/>
               <a:t>Schnittstellen</a:t>
             </a:r>
           </a:p>
@@ -3731,7 +3565,7 @@
               <a:buChar char="-"/>
             </a:pPr>
             <a:r>
-              <a:rPr lang="de-DE" altLang="de-DE" sz="1800" i="1" dirty="0" smtClean="0">
+              <a:rPr lang="de-DE" altLang="de-DE" sz="1800" i="1" dirty="0">
                 <a:cs typeface="Arial"/>
               </a:rPr>
               <a:t>Schnittstelle mit dem Fertigungsmanagement</a:t>
@@ -3743,7 +3577,7 @@
               <a:buChar char="-"/>
             </a:pPr>
             <a:r>
-              <a:rPr lang="de-DE" altLang="de-DE" sz="1800" i="1" dirty="0" smtClean="0">
+              <a:rPr lang="de-DE" altLang="de-DE" sz="1800" i="1" dirty="0">
                 <a:cs typeface="Arial"/>
               </a:rPr>
               <a:t>Schnittstelle mit der Regelung</a:t>
@@ -3755,14 +3589,11 @@
               <a:buAutoNum type="arabicPeriod"/>
             </a:pPr>
             <a:r>
-              <a:rPr lang="de-DE" altLang="de-DE" sz="1800" dirty="0" smtClean="0">
+              <a:rPr lang="de-DE" altLang="de-DE" sz="1800" dirty="0">
                 <a:cs typeface="Arial"/>
               </a:rPr>
               <a:t>Terminplan</a:t>
             </a:r>
-            <a:endParaRPr lang="de-DE" altLang="de-DE" sz="1800" dirty="0">
-              <a:cs typeface="Arial"/>
-            </a:endParaRPr>
           </a:p>
           <a:p>
             <a:pPr marL="0" indent="0" eaLnBrk="1" hangingPunct="1"/>
@@ -3780,7 +3611,7 @@
           <p:cNvPr id="4" name="Fußzeilenplatzhalter 3">
             <a:extLst>
               <a:ext uri="{FF2B5EF4-FFF2-40B4-BE49-F238E27FC236}">
-                <a16:creationId xmlns:a16="http://schemas.microsoft.com/office/drawing/2014/main" xmlns="" id="{CF38E57F-8951-4C6C-808C-D512836D4D27}"/>
+                <a16:creationId xmlns:a16="http://schemas.microsoft.com/office/drawing/2014/main" id="{CF38E57F-8951-4C6C-808C-D512836D4D27}"/>
               </a:ext>
             </a:extLst>
           </p:cNvPr>
@@ -3820,7 +3651,7 @@
           <p:cNvPr id="5" name="Foliennummernplatzhalter 4">
             <a:extLst>
               <a:ext uri="{FF2B5EF4-FFF2-40B4-BE49-F238E27FC236}">
-                <a16:creationId xmlns:a16="http://schemas.microsoft.com/office/drawing/2014/main" xmlns="" id="{DF2B7CFB-9EDB-41B2-98FF-80F53662EB29}"/>
+                <a16:creationId xmlns:a16="http://schemas.microsoft.com/office/drawing/2014/main" id="{DF2B7CFB-9EDB-41B2-98FF-80F53662EB29}"/>
               </a:ext>
             </a:extLst>
           </p:cNvPr>
@@ -3888,7 +3719,7 @@
           <p:cNvPr id="2" name="Titel 1">
             <a:extLst>
               <a:ext uri="{FF2B5EF4-FFF2-40B4-BE49-F238E27FC236}">
-                <a16:creationId xmlns:a16="http://schemas.microsoft.com/office/drawing/2014/main" xmlns="" id="{059E98A5-A252-4A2B-9244-F09A4570DB00}"/>
+                <a16:creationId xmlns:a16="http://schemas.microsoft.com/office/drawing/2014/main" id="{059E98A5-A252-4A2B-9244-F09A4570DB00}"/>
               </a:ext>
             </a:extLst>
           </p:cNvPr>
@@ -3914,16 +3745,6 @@
               </a:rPr>
               <a:t>Einführung</a:t>
             </a:r>
-            <a:r>
-              <a:rPr lang="en-US" dirty="0">
-                <a:solidFill>
-                  <a:schemeClr val="tx1"/>
-                </a:solidFill>
-                <a:latin typeface="+mj-ea"/>
-                <a:cs typeface="+mj-ea"/>
-              </a:rPr>
-              <a:t/>
-            </a:r>
             <a:br>
               <a:rPr lang="en-US" dirty="0">
                 <a:solidFill>
@@ -3950,7 +3771,7 @@
               <p:cNvPr id="3" name="Inhaltsplatzhalter 2">
                 <a:extLst>
                   <a:ext uri="{FF2B5EF4-FFF2-40B4-BE49-F238E27FC236}">
-                    <a16:creationId xmlns:a16="http://schemas.microsoft.com/office/drawing/2014/main" xmlns="" id="{48A4D262-E3D1-4A7C-8EE6-E7A520B0C393}"/>
+                    <a16:creationId xmlns:a16="http://schemas.microsoft.com/office/drawing/2014/main" id="{48A4D262-E3D1-4A7C-8EE6-E7A520B0C393}"/>
                   </a:ext>
                 </a:extLst>
               </p:cNvPr>
@@ -4879,7 +4700,7 @@
           <p:cNvPr id="4" name="Fußzeilenplatzhalter 3">
             <a:extLst>
               <a:ext uri="{FF2B5EF4-FFF2-40B4-BE49-F238E27FC236}">
-                <a16:creationId xmlns:a16="http://schemas.microsoft.com/office/drawing/2014/main" xmlns="" id="{150F77BD-78BB-49B2-BE4E-4B6DE3612D25}"/>
+                <a16:creationId xmlns:a16="http://schemas.microsoft.com/office/drawing/2014/main" id="{150F77BD-78BB-49B2-BE4E-4B6DE3612D25}"/>
               </a:ext>
             </a:extLst>
           </p:cNvPr>
@@ -4919,7 +4740,7 @@
           <p:cNvPr id="5" name="Foliennummernplatzhalter 4">
             <a:extLst>
               <a:ext uri="{FF2B5EF4-FFF2-40B4-BE49-F238E27FC236}">
-                <a16:creationId xmlns:a16="http://schemas.microsoft.com/office/drawing/2014/main" xmlns="" id="{9893842A-01CE-4CCA-B5C7-495C7783652C}"/>
+                <a16:creationId xmlns:a16="http://schemas.microsoft.com/office/drawing/2014/main" id="{9893842A-01CE-4CCA-B5C7-495C7783652C}"/>
               </a:ext>
             </a:extLst>
           </p:cNvPr>
@@ -4987,7 +4808,7 @@
           <p:cNvPr id="2" name="Titel 1">
             <a:extLst>
               <a:ext uri="{FF2B5EF4-FFF2-40B4-BE49-F238E27FC236}">
-                <a16:creationId xmlns:a16="http://schemas.microsoft.com/office/drawing/2014/main" xmlns="" id="{1002C0B3-54CE-4942-AECD-0AF05A31659B}"/>
+                <a16:creationId xmlns:a16="http://schemas.microsoft.com/office/drawing/2014/main" id="{1002C0B3-54CE-4942-AECD-0AF05A31659B}"/>
               </a:ext>
             </a:extLst>
           </p:cNvPr>
@@ -5015,7 +4836,7 @@
               <a:t>Potenzialfelder der Hindernisse und vom </a:t>
             </a:r>
             <a:r>
-              <a:rPr lang="de-DE" dirty="0" err="1" smtClean="0"/>
+              <a:rPr lang="de-DE" dirty="0" err="1"/>
               <a:t>Robotino</a:t>
             </a:r>
             <a:endParaRPr lang="de-DE" dirty="0"/>
@@ -5027,7 +4848,7 @@
           <p:cNvPr id="4" name="Fußzeilenplatzhalter 3">
             <a:extLst>
               <a:ext uri="{FF2B5EF4-FFF2-40B4-BE49-F238E27FC236}">
-                <a16:creationId xmlns:a16="http://schemas.microsoft.com/office/drawing/2014/main" xmlns="" id="{1172C0F9-7EFD-4242-97CE-2B73B45733F4}"/>
+                <a16:creationId xmlns:a16="http://schemas.microsoft.com/office/drawing/2014/main" id="{1172C0F9-7EFD-4242-97CE-2B73B45733F4}"/>
               </a:ext>
             </a:extLst>
           </p:cNvPr>
@@ -5067,7 +4888,7 @@
           <p:cNvPr id="5" name="Foliennummernplatzhalter 4">
             <a:extLst>
               <a:ext uri="{FF2B5EF4-FFF2-40B4-BE49-F238E27FC236}">
-                <a16:creationId xmlns:a16="http://schemas.microsoft.com/office/drawing/2014/main" xmlns="" id="{2AC17D0B-DB4B-4FF8-8B4A-D568E264BDC4}"/>
+                <a16:creationId xmlns:a16="http://schemas.microsoft.com/office/drawing/2014/main" id="{2AC17D0B-DB4B-4FF8-8B4A-D568E264BDC4}"/>
               </a:ext>
             </a:extLst>
           </p:cNvPr>
@@ -5104,7 +4925,7 @@
           <p:cNvPr id="6" name="Inhaltsplatzhalter 6">
             <a:extLst>
               <a:ext uri="{FF2B5EF4-FFF2-40B4-BE49-F238E27FC236}">
-                <a16:creationId xmlns:a16="http://schemas.microsoft.com/office/drawing/2014/main" xmlns="" id="{06C85739-5674-44EE-A608-9C5F17D15B0B}"/>
+                <a16:creationId xmlns:a16="http://schemas.microsoft.com/office/drawing/2014/main" id="{06C85739-5674-44EE-A608-9C5F17D15B0B}"/>
               </a:ext>
             </a:extLst>
           </p:cNvPr>
@@ -5169,7 +4990,7 @@
           <p:cNvPr id="2" name="Titel 1">
             <a:extLst>
               <a:ext uri="{FF2B5EF4-FFF2-40B4-BE49-F238E27FC236}">
-                <a16:creationId xmlns:a16="http://schemas.microsoft.com/office/drawing/2014/main" xmlns="" id="{A98656BE-B570-47D5-BDA5-7D30AEE1B8DA}"/>
+                <a16:creationId xmlns:a16="http://schemas.microsoft.com/office/drawing/2014/main" id="{A98656BE-B570-47D5-BDA5-7D30AEE1B8DA}"/>
               </a:ext>
             </a:extLst>
           </p:cNvPr>
@@ -5194,13 +5015,8 @@
             </a:br>
             <a:r>
               <a:rPr lang="de-DE" dirty="0"/>
-              <a:t>Potentialfelder mit anziehender </a:t>
-            </a:r>
-            <a:r>
-              <a:rPr lang="de-DE" dirty="0" smtClean="0"/>
-              <a:t>Zielfunktion</a:t>
-            </a:r>
-            <a:endParaRPr lang="de-DE" dirty="0"/>
+              <a:t>Potentialfelder mit anziehender Zielfunktion</a:t>
+            </a:r>
           </a:p>
         </p:txBody>
       </p:sp>
@@ -5209,7 +5025,7 @@
           <p:cNvPr id="4" name="Fußzeilenplatzhalter 3">
             <a:extLst>
               <a:ext uri="{FF2B5EF4-FFF2-40B4-BE49-F238E27FC236}">
-                <a16:creationId xmlns:a16="http://schemas.microsoft.com/office/drawing/2014/main" xmlns="" id="{EB93C187-F383-4DA1-BB87-0BA5117AA5BA}"/>
+                <a16:creationId xmlns:a16="http://schemas.microsoft.com/office/drawing/2014/main" id="{EB93C187-F383-4DA1-BB87-0BA5117AA5BA}"/>
               </a:ext>
             </a:extLst>
           </p:cNvPr>
@@ -5249,7 +5065,7 @@
           <p:cNvPr id="5" name="Foliennummernplatzhalter 4">
             <a:extLst>
               <a:ext uri="{FF2B5EF4-FFF2-40B4-BE49-F238E27FC236}">
-                <a16:creationId xmlns:a16="http://schemas.microsoft.com/office/drawing/2014/main" xmlns="" id="{391E6A47-105A-448E-84B3-EB326BF13B84}"/>
+                <a16:creationId xmlns:a16="http://schemas.microsoft.com/office/drawing/2014/main" id="{391E6A47-105A-448E-84B3-EB326BF13B84}"/>
               </a:ext>
             </a:extLst>
           </p:cNvPr>
@@ -5286,7 +5102,7 @@
           <p:cNvPr id="6" name="Inhaltsplatzhalter 6">
             <a:extLst>
               <a:ext uri="{FF2B5EF4-FFF2-40B4-BE49-F238E27FC236}">
-                <a16:creationId xmlns:a16="http://schemas.microsoft.com/office/drawing/2014/main" xmlns="" id="{0EEA831B-BDEE-4233-B932-9ABEA11759E2}"/>
+                <a16:creationId xmlns:a16="http://schemas.microsoft.com/office/drawing/2014/main" id="{0EEA831B-BDEE-4233-B932-9ABEA11759E2}"/>
               </a:ext>
             </a:extLst>
           </p:cNvPr>
@@ -5351,7 +5167,7 @@
           <p:cNvPr id="2" name="Titel 1">
             <a:extLst>
               <a:ext uri="{FF2B5EF4-FFF2-40B4-BE49-F238E27FC236}">
-                <a16:creationId xmlns:a16="http://schemas.microsoft.com/office/drawing/2014/main" xmlns="" id="{E0C48783-44F0-49B1-91DF-746F77EC058D}"/>
+                <a16:creationId xmlns:a16="http://schemas.microsoft.com/office/drawing/2014/main" id="{E0C48783-44F0-49B1-91DF-746F77EC058D}"/>
               </a:ext>
             </a:extLst>
           </p:cNvPr>
@@ -5377,16 +5193,6 @@
               </a:rPr>
               <a:t>Konzept</a:t>
             </a:r>
-            <a:r>
-              <a:rPr lang="en-US" dirty="0">
-                <a:solidFill>
-                  <a:schemeClr val="tx1"/>
-                </a:solidFill>
-                <a:latin typeface="+mj-ea"/>
-                <a:cs typeface="+mj-ea"/>
-              </a:rPr>
-              <a:t/>
-            </a:r>
             <a:br>
               <a:rPr lang="en-US" dirty="0">
                 <a:solidFill>
@@ -5411,7 +5217,7 @@
           <p:cNvPr id="3" name="Inhaltsplatzhalter 2">
             <a:extLst>
               <a:ext uri="{FF2B5EF4-FFF2-40B4-BE49-F238E27FC236}">
-                <a16:creationId xmlns:a16="http://schemas.microsoft.com/office/drawing/2014/main" xmlns="" id="{30474B77-0BBF-4449-8ED8-4290E9952962}"/>
+                <a16:creationId xmlns:a16="http://schemas.microsoft.com/office/drawing/2014/main" id="{30474B77-0BBF-4449-8ED8-4290E9952962}"/>
               </a:ext>
             </a:extLst>
           </p:cNvPr>
@@ -5435,10 +5241,16 @@
               <a:buAutoNum type="arabicPeriod"/>
             </a:pPr>
             <a:r>
+              <a:rPr lang="de-DE" altLang="de-DE" sz="1800" dirty="0" err="1">
+                <a:cs typeface="Arial"/>
+              </a:rPr>
+              <a:t>Lokaleminima</a:t>
+            </a:r>
+            <a:r>
               <a:rPr lang="de-DE" altLang="de-DE" sz="1800" dirty="0">
                 <a:cs typeface="Arial"/>
               </a:rPr>
-              <a:t>Konkaven vermeiden</a:t>
+              <a:t> verringern </a:t>
             </a:r>
           </a:p>
           <a:p>
@@ -5630,7 +5442,7 @@
           <p:cNvPr id="4" name="Fußzeilenplatzhalter 3">
             <a:extLst>
               <a:ext uri="{FF2B5EF4-FFF2-40B4-BE49-F238E27FC236}">
-                <a16:creationId xmlns:a16="http://schemas.microsoft.com/office/drawing/2014/main" xmlns="" id="{D05208BD-8364-4FBE-98F6-FADE0698EEC8}"/>
+                <a16:creationId xmlns:a16="http://schemas.microsoft.com/office/drawing/2014/main" id="{D05208BD-8364-4FBE-98F6-FADE0698EEC8}"/>
               </a:ext>
             </a:extLst>
           </p:cNvPr>
@@ -5670,7 +5482,7 @@
           <p:cNvPr id="5" name="Foliennummernplatzhalter 4">
             <a:extLst>
               <a:ext uri="{FF2B5EF4-FFF2-40B4-BE49-F238E27FC236}">
-                <a16:creationId xmlns:a16="http://schemas.microsoft.com/office/drawing/2014/main" xmlns="" id="{3508CB09-B7DF-4961-AF99-F98497007B99}"/>
+                <a16:creationId xmlns:a16="http://schemas.microsoft.com/office/drawing/2014/main" id="{3508CB09-B7DF-4961-AF99-F98497007B99}"/>
               </a:ext>
             </a:extLst>
           </p:cNvPr>
@@ -5738,7 +5550,7 @@
           <p:cNvPr id="2" name="Titel 1">
             <a:extLst>
               <a:ext uri="{FF2B5EF4-FFF2-40B4-BE49-F238E27FC236}">
-                <a16:creationId xmlns:a16="http://schemas.microsoft.com/office/drawing/2014/main" xmlns="" id="{27550AB3-6952-4775-833E-DC990A492641}"/>
+                <a16:creationId xmlns:a16="http://schemas.microsoft.com/office/drawing/2014/main" id="{27550AB3-6952-4775-833E-DC990A492641}"/>
               </a:ext>
             </a:extLst>
           </p:cNvPr>
@@ -5764,16 +5576,6 @@
               </a:rPr>
               <a:t>Konzept</a:t>
             </a:r>
-            <a:r>
-              <a:rPr lang="en-US" dirty="0">
-                <a:solidFill>
-                  <a:schemeClr val="tx1"/>
-                </a:solidFill>
-                <a:latin typeface="+mj-ea"/>
-                <a:cs typeface="+mj-ea"/>
-              </a:rPr>
-              <a:t/>
-            </a:r>
             <a:br>
               <a:rPr lang="en-US" dirty="0">
                 <a:solidFill>
@@ -5798,7 +5600,7 @@
           <p:cNvPr id="3" name="Inhaltsplatzhalter 2">
             <a:extLst>
               <a:ext uri="{FF2B5EF4-FFF2-40B4-BE49-F238E27FC236}">
-                <a16:creationId xmlns:a16="http://schemas.microsoft.com/office/drawing/2014/main" xmlns="" id="{14596503-A67F-4B1F-B152-27CBB750E3A8}"/>
+                <a16:creationId xmlns:a16="http://schemas.microsoft.com/office/drawing/2014/main" id="{14596503-A67F-4B1F-B152-27CBB750E3A8}"/>
               </a:ext>
             </a:extLst>
           </p:cNvPr>
@@ -5886,7 +5688,7 @@
               <a:rPr lang="de-DE" altLang="de-DE" sz="1800" dirty="0">
                 <a:cs typeface="Arial"/>
               </a:rPr>
-              <a:t> losfahren kann, die anderen Rücken entsprechend auf </a:t>
+              <a:t> losfahren kann, die anderen rücken entsprechend auf </a:t>
             </a:r>
           </a:p>
           <a:p>
@@ -5930,7 +5732,7 @@
               <a:rPr lang="de-DE" altLang="de-DE" sz="1800" dirty="0">
                 <a:cs typeface="Arial"/>
               </a:rPr>
-              <a:t>	Lösung: Eigener Wartebereich für jeden </a:t>
+              <a:t>	Lösung: Eigener Wartebereich pro </a:t>
             </a:r>
             <a:r>
               <a:rPr lang="de-DE" altLang="de-DE" sz="1800" dirty="0" err="1">
@@ -6001,7 +5803,7 @@
               <a:rPr lang="de-DE" altLang="de-DE" sz="1800" dirty="0">
                 <a:cs typeface="Arial"/>
               </a:rPr>
-              <a:t> erzeugen virtuelles Hindernis links von sich, dass in nach  			rechts drückt. </a:t>
+              <a:t> erzeugen virtuelles Ziel rechts von sich, das ihn nach  			rechts zieht. </a:t>
             </a:r>
           </a:p>
           <a:p>
@@ -6014,7 +5816,7 @@
           <p:cNvPr id="4" name="Fußzeilenplatzhalter 3">
             <a:extLst>
               <a:ext uri="{FF2B5EF4-FFF2-40B4-BE49-F238E27FC236}">
-                <a16:creationId xmlns:a16="http://schemas.microsoft.com/office/drawing/2014/main" xmlns="" id="{0BA4DECC-89B5-4564-B3C6-BACCCEE9E91D}"/>
+                <a16:creationId xmlns:a16="http://schemas.microsoft.com/office/drawing/2014/main" id="{0BA4DECC-89B5-4564-B3C6-BACCCEE9E91D}"/>
               </a:ext>
             </a:extLst>
           </p:cNvPr>
@@ -6054,7 +5856,7 @@
           <p:cNvPr id="5" name="Foliennummernplatzhalter 4">
             <a:extLst>
               <a:ext uri="{FF2B5EF4-FFF2-40B4-BE49-F238E27FC236}">
-                <a16:creationId xmlns:a16="http://schemas.microsoft.com/office/drawing/2014/main" xmlns="" id="{04785371-51E6-40C6-B09A-2DB691D50DCE}"/>
+                <a16:creationId xmlns:a16="http://schemas.microsoft.com/office/drawing/2014/main" id="{04785371-51E6-40C6-B09A-2DB691D50DCE}"/>
               </a:ext>
             </a:extLst>
           </p:cNvPr>
@@ -6122,7 +5924,7 @@
           <p:cNvPr id="2" name="Titel 1">
             <a:extLst>
               <a:ext uri="{FF2B5EF4-FFF2-40B4-BE49-F238E27FC236}">
-                <a16:creationId xmlns:a16="http://schemas.microsoft.com/office/drawing/2014/main" xmlns="" id="{27550AB3-6952-4775-833E-DC990A492641}"/>
+                <a16:creationId xmlns:a16="http://schemas.microsoft.com/office/drawing/2014/main" id="{27550AB3-6952-4775-833E-DC990A492641}"/>
               </a:ext>
             </a:extLst>
           </p:cNvPr>
@@ -6148,16 +5950,6 @@
               </a:rPr>
               <a:t>Konzept</a:t>
             </a:r>
-            <a:r>
-              <a:rPr lang="en-US" dirty="0">
-                <a:solidFill>
-                  <a:schemeClr val="tx1"/>
-                </a:solidFill>
-                <a:latin typeface="+mj-ea"/>
-                <a:cs typeface="+mj-ea"/>
-              </a:rPr>
-              <a:t/>
-            </a:r>
             <a:br>
               <a:rPr lang="en-US" dirty="0">
                 <a:solidFill>
@@ -6168,7 +5960,7 @@
               </a:rPr>
             </a:br>
             <a:r>
-              <a:rPr lang="de-DE" dirty="0" smtClean="0">
+              <a:rPr lang="de-DE" dirty="0">
                 <a:cs typeface="Arial"/>
               </a:rPr>
               <a:t>Transportbereich</a:t>
@@ -6211,7 +6003,7 @@
           <p:cNvPr id="4" name="Fußzeilenplatzhalter 3">
             <a:extLst>
               <a:ext uri="{FF2B5EF4-FFF2-40B4-BE49-F238E27FC236}">
-                <a16:creationId xmlns:a16="http://schemas.microsoft.com/office/drawing/2014/main" xmlns="" id="{0BA4DECC-89B5-4564-B3C6-BACCCEE9E91D}"/>
+                <a16:creationId xmlns:a16="http://schemas.microsoft.com/office/drawing/2014/main" id="{0BA4DECC-89B5-4564-B3C6-BACCCEE9E91D}"/>
               </a:ext>
             </a:extLst>
           </p:cNvPr>
@@ -6251,7 +6043,7 @@
           <p:cNvPr id="5" name="Foliennummernplatzhalter 4">
             <a:extLst>
               <a:ext uri="{FF2B5EF4-FFF2-40B4-BE49-F238E27FC236}">
-                <a16:creationId xmlns:a16="http://schemas.microsoft.com/office/drawing/2014/main" xmlns="" id="{04785371-51E6-40C6-B09A-2DB691D50DCE}"/>
+                <a16:creationId xmlns:a16="http://schemas.microsoft.com/office/drawing/2014/main" id="{04785371-51E6-40C6-B09A-2DB691D50DCE}"/>
               </a:ext>
             </a:extLst>
           </p:cNvPr>
@@ -6319,7 +6111,7 @@
           <p:cNvPr id="2" name="Titel 1">
             <a:extLst>
               <a:ext uri="{FF2B5EF4-FFF2-40B4-BE49-F238E27FC236}">
-                <a16:creationId xmlns:a16="http://schemas.microsoft.com/office/drawing/2014/main" xmlns="" id="{68942DE7-0CD4-4006-B961-3A46331D13B7}"/>
+                <a16:creationId xmlns:a16="http://schemas.microsoft.com/office/drawing/2014/main" id="{68942DE7-0CD4-4006-B961-3A46331D13B7}"/>
               </a:ext>
             </a:extLst>
           </p:cNvPr>
@@ -6340,24 +6132,24 @@
               <a:t>3. </a:t>
             </a:r>
             <a:r>
-              <a:rPr lang="de-DE" altLang="de-DE" dirty="0" smtClean="0">
+              <a:rPr lang="de-DE" altLang="de-DE" dirty="0">
                 <a:cs typeface="Arial"/>
               </a:rPr>
               <a:t>Schnittstelle</a:t>
             </a:r>
             <a:br>
-              <a:rPr lang="de-DE" altLang="de-DE" dirty="0" smtClean="0">
+              <a:rPr lang="de-DE" altLang="de-DE" dirty="0">
                 <a:cs typeface="Arial"/>
               </a:rPr>
             </a:br>
             <a:r>
-              <a:rPr lang="de-DE" altLang="de-DE" dirty="0" err="1" smtClean="0">
+              <a:rPr lang="de-DE" altLang="de-DE" dirty="0" err="1">
                 <a:cs typeface="Arial"/>
               </a:rPr>
               <a:t>Schnittstelle</a:t>
             </a:r>
             <a:r>
-              <a:rPr lang="de-DE" altLang="de-DE" dirty="0" smtClean="0">
+              <a:rPr lang="de-DE" altLang="de-DE" dirty="0">
                 <a:cs typeface="Arial"/>
               </a:rPr>
               <a:t> mit dem Fertigungsmanagement</a:t>
@@ -6400,7 +6192,7 @@
           <p:cNvPr id="4" name="Fußzeilenplatzhalter 3">
             <a:extLst>
               <a:ext uri="{FF2B5EF4-FFF2-40B4-BE49-F238E27FC236}">
-                <a16:creationId xmlns:a16="http://schemas.microsoft.com/office/drawing/2014/main" xmlns="" id="{EAA1F0E0-8D52-48F0-B1B5-68B6926C079D}"/>
+                <a16:creationId xmlns:a16="http://schemas.microsoft.com/office/drawing/2014/main" id="{EAA1F0E0-8D52-48F0-B1B5-68B6926C079D}"/>
               </a:ext>
             </a:extLst>
           </p:cNvPr>
@@ -6440,7 +6232,7 @@
           <p:cNvPr id="5" name="Foliennummernplatzhalter 4">
             <a:extLst>
               <a:ext uri="{FF2B5EF4-FFF2-40B4-BE49-F238E27FC236}">
-                <a16:creationId xmlns:a16="http://schemas.microsoft.com/office/drawing/2014/main" xmlns="" id="{3247F105-89DD-4C3A-AC5F-FB6BBF6B145D}"/>
+                <a16:creationId xmlns:a16="http://schemas.microsoft.com/office/drawing/2014/main" id="{3247F105-89DD-4C3A-AC5F-FB6BBF6B145D}"/>
               </a:ext>
             </a:extLst>
           </p:cNvPr>

--- a/Präsi_Konzept.pptx
+++ b/Präsi_Konzept.pptx
@@ -4783,6 +4783,374 @@
     <a:masterClrMapping/>
   </p:clrMapOvr>
   <p:transition/>
+  <p:timing>
+    <p:tnLst>
+      <p:par>
+        <p:cTn id="1" dur="indefinite" restart="never" nodeType="tmRoot">
+          <p:childTnLst>
+            <p:seq concurrent="1" nextAc="seek">
+              <p:cTn id="2" dur="indefinite" nodeType="mainSeq">
+                <p:childTnLst>
+                  <p:par>
+                    <p:cTn id="3" fill="hold">
+                      <p:stCondLst>
+                        <p:cond delay="indefinite"/>
+                      </p:stCondLst>
+                      <p:childTnLst>
+                        <p:par>
+                          <p:cTn id="4" fill="hold">
+                            <p:stCondLst>
+                              <p:cond delay="0"/>
+                            </p:stCondLst>
+                            <p:childTnLst>
+                              <p:par>
+                                <p:cTn id="5" presetID="1" presetClass="entr" presetSubtype="0" fill="hold" nodeType="clickEffect">
+                                  <p:stCondLst>
+                                    <p:cond delay="0"/>
+                                  </p:stCondLst>
+                                  <p:childTnLst>
+                                    <p:set>
+                                      <p:cBhvr>
+                                        <p:cTn id="6" dur="1" fill="hold">
+                                          <p:stCondLst>
+                                            <p:cond delay="0"/>
+                                          </p:stCondLst>
+                                        </p:cTn>
+                                        <p:tgtEl>
+                                          <p:spTgt spid="3">
+                                            <p:txEl>
+                                              <p:pRg st="0" end="0"/>
+                                            </p:txEl>
+                                          </p:spTgt>
+                                        </p:tgtEl>
+                                        <p:attrNameLst>
+                                          <p:attrName>style.visibility</p:attrName>
+                                        </p:attrNameLst>
+                                      </p:cBhvr>
+                                      <p:to>
+                                        <p:strVal val="visible"/>
+                                      </p:to>
+                                    </p:set>
+                                  </p:childTnLst>
+                                </p:cTn>
+                              </p:par>
+                            </p:childTnLst>
+                          </p:cTn>
+                        </p:par>
+                      </p:childTnLst>
+                    </p:cTn>
+                  </p:par>
+                  <p:par>
+                    <p:cTn id="7" fill="hold">
+                      <p:stCondLst>
+                        <p:cond delay="indefinite"/>
+                      </p:stCondLst>
+                      <p:childTnLst>
+                        <p:par>
+                          <p:cTn id="8" fill="hold">
+                            <p:stCondLst>
+                              <p:cond delay="0"/>
+                            </p:stCondLst>
+                            <p:childTnLst>
+                              <p:par>
+                                <p:cTn id="9" presetID="1" presetClass="entr" presetSubtype="0" fill="hold" nodeType="clickEffect">
+                                  <p:stCondLst>
+                                    <p:cond delay="0"/>
+                                  </p:stCondLst>
+                                  <p:childTnLst>
+                                    <p:set>
+                                      <p:cBhvr>
+                                        <p:cTn id="10" dur="1" fill="hold">
+                                          <p:stCondLst>
+                                            <p:cond delay="0"/>
+                                          </p:stCondLst>
+                                        </p:cTn>
+                                        <p:tgtEl>
+                                          <p:spTgt spid="3">
+                                            <p:txEl>
+                                              <p:pRg st="1" end="1"/>
+                                            </p:txEl>
+                                          </p:spTgt>
+                                        </p:tgtEl>
+                                        <p:attrNameLst>
+                                          <p:attrName>style.visibility</p:attrName>
+                                        </p:attrNameLst>
+                                      </p:cBhvr>
+                                      <p:to>
+                                        <p:strVal val="visible"/>
+                                      </p:to>
+                                    </p:set>
+                                  </p:childTnLst>
+                                </p:cTn>
+                              </p:par>
+                              <p:par>
+                                <p:cTn id="11" presetID="1" presetClass="entr" presetSubtype="0" fill="hold" nodeType="withEffect">
+                                  <p:stCondLst>
+                                    <p:cond delay="0"/>
+                                  </p:stCondLst>
+                                  <p:childTnLst>
+                                    <p:set>
+                                      <p:cBhvr>
+                                        <p:cTn id="12" dur="1" fill="hold">
+                                          <p:stCondLst>
+                                            <p:cond delay="0"/>
+                                          </p:stCondLst>
+                                        </p:cTn>
+                                        <p:tgtEl>
+                                          <p:spTgt spid="3">
+                                            <p:txEl>
+                                              <p:pRg st="2" end="2"/>
+                                            </p:txEl>
+                                          </p:spTgt>
+                                        </p:tgtEl>
+                                        <p:attrNameLst>
+                                          <p:attrName>style.visibility</p:attrName>
+                                        </p:attrNameLst>
+                                      </p:cBhvr>
+                                      <p:to>
+                                        <p:strVal val="visible"/>
+                                      </p:to>
+                                    </p:set>
+                                  </p:childTnLst>
+                                </p:cTn>
+                              </p:par>
+                            </p:childTnLst>
+                          </p:cTn>
+                        </p:par>
+                      </p:childTnLst>
+                    </p:cTn>
+                  </p:par>
+                  <p:par>
+                    <p:cTn id="13" fill="hold">
+                      <p:stCondLst>
+                        <p:cond delay="indefinite"/>
+                      </p:stCondLst>
+                      <p:childTnLst>
+                        <p:par>
+                          <p:cTn id="14" fill="hold">
+                            <p:stCondLst>
+                              <p:cond delay="0"/>
+                            </p:stCondLst>
+                            <p:childTnLst>
+                              <p:par>
+                                <p:cTn id="15" presetID="1" presetClass="entr" presetSubtype="0" fill="hold" nodeType="clickEffect">
+                                  <p:stCondLst>
+                                    <p:cond delay="0"/>
+                                  </p:stCondLst>
+                                  <p:childTnLst>
+                                    <p:set>
+                                      <p:cBhvr>
+                                        <p:cTn id="16" dur="1" fill="hold">
+                                          <p:stCondLst>
+                                            <p:cond delay="0"/>
+                                          </p:stCondLst>
+                                        </p:cTn>
+                                        <p:tgtEl>
+                                          <p:spTgt spid="3">
+                                            <p:txEl>
+                                              <p:pRg st="3" end="3"/>
+                                            </p:txEl>
+                                          </p:spTgt>
+                                        </p:tgtEl>
+                                        <p:attrNameLst>
+                                          <p:attrName>style.visibility</p:attrName>
+                                        </p:attrNameLst>
+                                      </p:cBhvr>
+                                      <p:to>
+                                        <p:strVal val="visible"/>
+                                      </p:to>
+                                    </p:set>
+                                  </p:childTnLst>
+                                </p:cTn>
+                              </p:par>
+                            </p:childTnLst>
+                          </p:cTn>
+                        </p:par>
+                      </p:childTnLst>
+                    </p:cTn>
+                  </p:par>
+                  <p:par>
+                    <p:cTn id="17" fill="hold">
+                      <p:stCondLst>
+                        <p:cond delay="indefinite"/>
+                      </p:stCondLst>
+                      <p:childTnLst>
+                        <p:par>
+                          <p:cTn id="18" fill="hold">
+                            <p:stCondLst>
+                              <p:cond delay="0"/>
+                            </p:stCondLst>
+                            <p:childTnLst>
+                              <p:par>
+                                <p:cTn id="19" presetID="1" presetClass="entr" presetSubtype="0" fill="hold" nodeType="clickEffect">
+                                  <p:stCondLst>
+                                    <p:cond delay="0"/>
+                                  </p:stCondLst>
+                                  <p:childTnLst>
+                                    <p:set>
+                                      <p:cBhvr>
+                                        <p:cTn id="20" dur="1" fill="hold">
+                                          <p:stCondLst>
+                                            <p:cond delay="0"/>
+                                          </p:stCondLst>
+                                        </p:cTn>
+                                        <p:tgtEl>
+                                          <p:spTgt spid="3">
+                                            <p:txEl>
+                                              <p:pRg st="4" end="4"/>
+                                            </p:txEl>
+                                          </p:spTgt>
+                                        </p:tgtEl>
+                                        <p:attrNameLst>
+                                          <p:attrName>style.visibility</p:attrName>
+                                        </p:attrNameLst>
+                                      </p:cBhvr>
+                                      <p:to>
+                                        <p:strVal val="visible"/>
+                                      </p:to>
+                                    </p:set>
+                                  </p:childTnLst>
+                                </p:cTn>
+                              </p:par>
+                              <p:par>
+                                <p:cTn id="21" presetID="1" presetClass="entr" presetSubtype="0" fill="hold" nodeType="withEffect">
+                                  <p:stCondLst>
+                                    <p:cond delay="0"/>
+                                  </p:stCondLst>
+                                  <p:childTnLst>
+                                    <p:set>
+                                      <p:cBhvr>
+                                        <p:cTn id="22" dur="1" fill="hold">
+                                          <p:stCondLst>
+                                            <p:cond delay="0"/>
+                                          </p:stCondLst>
+                                        </p:cTn>
+                                        <p:tgtEl>
+                                          <p:spTgt spid="3">
+                                            <p:txEl>
+                                              <p:pRg st="5" end="5"/>
+                                            </p:txEl>
+                                          </p:spTgt>
+                                        </p:tgtEl>
+                                        <p:attrNameLst>
+                                          <p:attrName>style.visibility</p:attrName>
+                                        </p:attrNameLst>
+                                      </p:cBhvr>
+                                      <p:to>
+                                        <p:strVal val="visible"/>
+                                      </p:to>
+                                    </p:set>
+                                  </p:childTnLst>
+                                </p:cTn>
+                              </p:par>
+                              <p:par>
+                                <p:cTn id="23" presetID="1" presetClass="entr" presetSubtype="0" fill="hold" nodeType="withEffect">
+                                  <p:stCondLst>
+                                    <p:cond delay="0"/>
+                                  </p:stCondLst>
+                                  <p:childTnLst>
+                                    <p:set>
+                                      <p:cBhvr>
+                                        <p:cTn id="24" dur="1" fill="hold">
+                                          <p:stCondLst>
+                                            <p:cond delay="0"/>
+                                          </p:stCondLst>
+                                        </p:cTn>
+                                        <p:tgtEl>
+                                          <p:spTgt spid="3">
+                                            <p:txEl>
+                                              <p:pRg st="6" end="6"/>
+                                            </p:txEl>
+                                          </p:spTgt>
+                                        </p:tgtEl>
+                                        <p:attrNameLst>
+                                          <p:attrName>style.visibility</p:attrName>
+                                        </p:attrNameLst>
+                                      </p:cBhvr>
+                                      <p:to>
+                                        <p:strVal val="visible"/>
+                                      </p:to>
+                                    </p:set>
+                                  </p:childTnLst>
+                                </p:cTn>
+                              </p:par>
+                            </p:childTnLst>
+                          </p:cTn>
+                        </p:par>
+                      </p:childTnLst>
+                    </p:cTn>
+                  </p:par>
+                  <p:par>
+                    <p:cTn id="25" fill="hold">
+                      <p:stCondLst>
+                        <p:cond delay="indefinite"/>
+                      </p:stCondLst>
+                      <p:childTnLst>
+                        <p:par>
+                          <p:cTn id="26" fill="hold">
+                            <p:stCondLst>
+                              <p:cond delay="0"/>
+                            </p:stCondLst>
+                            <p:childTnLst>
+                              <p:par>
+                                <p:cTn id="27" presetID="1" presetClass="entr" presetSubtype="0" fill="hold" nodeType="clickEffect">
+                                  <p:stCondLst>
+                                    <p:cond delay="0"/>
+                                  </p:stCondLst>
+                                  <p:childTnLst>
+                                    <p:set>
+                                      <p:cBhvr>
+                                        <p:cTn id="28" dur="1" fill="hold">
+                                          <p:stCondLst>
+                                            <p:cond delay="0"/>
+                                          </p:stCondLst>
+                                        </p:cTn>
+                                        <p:tgtEl>
+                                          <p:spTgt spid="3">
+                                            <p:txEl>
+                                              <p:pRg st="7" end="7"/>
+                                            </p:txEl>
+                                          </p:spTgt>
+                                        </p:tgtEl>
+                                        <p:attrNameLst>
+                                          <p:attrName>style.visibility</p:attrName>
+                                        </p:attrNameLst>
+                                      </p:cBhvr>
+                                      <p:to>
+                                        <p:strVal val="visible"/>
+                                      </p:to>
+                                    </p:set>
+                                  </p:childTnLst>
+                                </p:cTn>
+                              </p:par>
+                            </p:childTnLst>
+                          </p:cTn>
+                        </p:par>
+                      </p:childTnLst>
+                    </p:cTn>
+                  </p:par>
+                </p:childTnLst>
+              </p:cTn>
+              <p:prevCondLst>
+                <p:cond evt="onPrev" delay="0">
+                  <p:tgtEl>
+                    <p:sldTgt/>
+                  </p:tgtEl>
+                </p:cond>
+              </p:prevCondLst>
+              <p:nextCondLst>
+                <p:cond evt="onNext" delay="0">
+                  <p:tgtEl>
+                    <p:sldTgt/>
+                  </p:tgtEl>
+                </p:cond>
+              </p:nextCondLst>
+            </p:seq>
+          </p:childTnLst>
+        </p:cTn>
+      </p:par>
+    </p:tnLst>
+  </p:timing>
 </p:sld>
 </file>
 

--- a/Präsi_Konzept.pptx
+++ b/Präsi_Konzept.pptx
@@ -2773,6 +2773,16 @@
               </a:rPr>
               <a:t> Gewerk 2</a:t>
             </a:r>
+            <a:r>
+              <a:rPr lang="en-US" dirty="0">
+                <a:solidFill>
+                  <a:schemeClr val="tx1"/>
+                </a:solidFill>
+                <a:latin typeface="+mj-ea"/>
+                <a:cs typeface="+mj-ea"/>
+              </a:rPr>
+              <a:t/>
+            </a:r>
             <a:br>
               <a:rPr lang="en-US" dirty="0">
                 <a:solidFill>
@@ -2817,6 +2827,14 @@
                 <a:spcPct val="90000"/>
               </a:lnSpc>
             </a:pPr>
+            <a:r>
+              <a:rPr lang="en-US" dirty="0">
+                <a:solidFill>
+                  <a:schemeClr val="tx1"/>
+                </a:solidFill>
+              </a:rPr>
+              <a:t/>
+            </a:r>
             <a:br>
               <a:rPr lang="en-US" dirty="0">
                 <a:solidFill>
@@ -2959,7 +2977,7 @@
           <p:cNvPr id="4" name="Grafik 3">
             <a:extLst>
               <a:ext uri="{FF2B5EF4-FFF2-40B4-BE49-F238E27FC236}">
-                <a16:creationId xmlns:a16="http://schemas.microsoft.com/office/drawing/2014/main" id="{E8FD4E4A-4BD4-441B-A6FB-F1DF917A54FF}"/>
+                <a16:creationId xmlns:a16="http://schemas.microsoft.com/office/drawing/2014/main" xmlns="" id="{E8FD4E4A-4BD4-441B-A6FB-F1DF917A54FF}"/>
               </a:ext>
             </a:extLst>
           </p:cNvPr>
@@ -2995,7 +3013,7 @@
           <p:cNvPr id="6" name="Grafik 5">
             <a:extLst>
               <a:ext uri="{FF2B5EF4-FFF2-40B4-BE49-F238E27FC236}">
-                <a16:creationId xmlns:a16="http://schemas.microsoft.com/office/drawing/2014/main" id="{2FAA14AD-2BD0-4AB6-B784-D2821EEA1036}"/>
+                <a16:creationId xmlns:a16="http://schemas.microsoft.com/office/drawing/2014/main" xmlns="" id="{2FAA14AD-2BD0-4AB6-B784-D2821EEA1036}"/>
               </a:ext>
             </a:extLst>
           </p:cNvPr>
@@ -3032,6 +3050,13 @@
     <a:masterClrMapping/>
   </p:clrMapOvr>
   <p:transition/>
+  <p:timing>
+    <p:tnLst>
+      <p:par>
+        <p:cTn id="1" dur="indefinite" restart="never" nodeType="tmRoot"/>
+      </p:par>
+    </p:tnLst>
+  </p:timing>
 </p:sld>
 </file>
 
@@ -3057,7 +3082,7 @@
           <p:cNvPr id="2" name="Titel 1">
             <a:extLst>
               <a:ext uri="{FF2B5EF4-FFF2-40B4-BE49-F238E27FC236}">
-                <a16:creationId xmlns:a16="http://schemas.microsoft.com/office/drawing/2014/main" id="{68942DE7-0CD4-4006-B961-3A46331D13B7}"/>
+                <a16:creationId xmlns:a16="http://schemas.microsoft.com/office/drawing/2014/main" xmlns="" id="{68942DE7-0CD4-4006-B961-3A46331D13B7}"/>
               </a:ext>
             </a:extLst>
           </p:cNvPr>
@@ -3103,7 +3128,7 @@
           <p:cNvPr id="3" name="Inhaltsplatzhalter 2">
             <a:extLst>
               <a:ext uri="{FF2B5EF4-FFF2-40B4-BE49-F238E27FC236}">
-                <a16:creationId xmlns:a16="http://schemas.microsoft.com/office/drawing/2014/main" id="{2443D015-FBE5-4C25-8718-8719D6560D39}"/>
+                <a16:creationId xmlns:a16="http://schemas.microsoft.com/office/drawing/2014/main" xmlns="" id="{2443D015-FBE5-4C25-8718-8719D6560D39}"/>
               </a:ext>
             </a:extLst>
           </p:cNvPr>
@@ -3134,7 +3159,7 @@
           <p:cNvPr id="4" name="Fußzeilenplatzhalter 3">
             <a:extLst>
               <a:ext uri="{FF2B5EF4-FFF2-40B4-BE49-F238E27FC236}">
-                <a16:creationId xmlns:a16="http://schemas.microsoft.com/office/drawing/2014/main" id="{EAA1F0E0-8D52-48F0-B1B5-68B6926C079D}"/>
+                <a16:creationId xmlns:a16="http://schemas.microsoft.com/office/drawing/2014/main" xmlns="" id="{EAA1F0E0-8D52-48F0-B1B5-68B6926C079D}"/>
               </a:ext>
             </a:extLst>
           </p:cNvPr>
@@ -3174,7 +3199,7 @@
           <p:cNvPr id="5" name="Foliennummernplatzhalter 4">
             <a:extLst>
               <a:ext uri="{FF2B5EF4-FFF2-40B4-BE49-F238E27FC236}">
-                <a16:creationId xmlns:a16="http://schemas.microsoft.com/office/drawing/2014/main" id="{3247F105-89DD-4C3A-AC5F-FB6BBF6B145D}"/>
+                <a16:creationId xmlns:a16="http://schemas.microsoft.com/office/drawing/2014/main" xmlns="" id="{3247F105-89DD-4C3A-AC5F-FB6BBF6B145D}"/>
               </a:ext>
             </a:extLst>
           </p:cNvPr>
@@ -3247,6 +3272,13 @@
     <a:masterClrMapping/>
   </p:clrMapOvr>
   <p:transition/>
+  <p:timing>
+    <p:tnLst>
+      <p:par>
+        <p:cTn id="1" dur="indefinite" restart="never" nodeType="tmRoot"/>
+      </p:par>
+    </p:tnLst>
+  </p:timing>
 </p:sld>
 </file>
 
@@ -3272,7 +3304,7 @@
           <p:cNvPr id="2" name="Titel 1">
             <a:extLst>
               <a:ext uri="{FF2B5EF4-FFF2-40B4-BE49-F238E27FC236}">
-                <a16:creationId xmlns:a16="http://schemas.microsoft.com/office/drawing/2014/main" id="{5954DD7E-3280-47A4-8C9D-6081CE36C0A6}"/>
+                <a16:creationId xmlns:a16="http://schemas.microsoft.com/office/drawing/2014/main" xmlns="" id="{5954DD7E-3280-47A4-8C9D-6081CE36C0A6}"/>
               </a:ext>
             </a:extLst>
           </p:cNvPr>
@@ -3307,7 +3339,7 @@
           <p:cNvPr id="4" name="Fußzeilenplatzhalter 3">
             <a:extLst>
               <a:ext uri="{FF2B5EF4-FFF2-40B4-BE49-F238E27FC236}">
-                <a16:creationId xmlns:a16="http://schemas.microsoft.com/office/drawing/2014/main" id="{E590B8B1-8557-49AA-B432-2531581CEE8B}"/>
+                <a16:creationId xmlns:a16="http://schemas.microsoft.com/office/drawing/2014/main" xmlns="" id="{E590B8B1-8557-49AA-B432-2531581CEE8B}"/>
               </a:ext>
             </a:extLst>
           </p:cNvPr>
@@ -3347,7 +3379,7 @@
           <p:cNvPr id="5" name="Foliennummernplatzhalter 4">
             <a:extLst>
               <a:ext uri="{FF2B5EF4-FFF2-40B4-BE49-F238E27FC236}">
-                <a16:creationId xmlns:a16="http://schemas.microsoft.com/office/drawing/2014/main" id="{E04210D6-6F3F-4AEF-9054-A77C73630F5C}"/>
+                <a16:creationId xmlns:a16="http://schemas.microsoft.com/office/drawing/2014/main" xmlns="" id="{E04210D6-6F3F-4AEF-9054-A77C73630F5C}"/>
               </a:ext>
             </a:extLst>
           </p:cNvPr>
@@ -3384,7 +3416,7 @@
           <p:cNvPr id="6" name="Inhaltsplatzhalter 5">
             <a:extLst>
               <a:ext uri="{FF2B5EF4-FFF2-40B4-BE49-F238E27FC236}">
-                <a16:creationId xmlns:a16="http://schemas.microsoft.com/office/drawing/2014/main" id="{E5812B95-984C-44D1-A861-D3A5496C39AA}"/>
+                <a16:creationId xmlns:a16="http://schemas.microsoft.com/office/drawing/2014/main" xmlns="" id="{E5812B95-984C-44D1-A861-D3A5496C39AA}"/>
               </a:ext>
             </a:extLst>
           </p:cNvPr>
@@ -3428,6 +3460,13 @@
     <a:masterClrMapping/>
   </p:clrMapOvr>
   <p:transition/>
+  <p:timing>
+    <p:tnLst>
+      <p:par>
+        <p:cTn id="1" dur="indefinite" restart="never" nodeType="tmRoot"/>
+      </p:par>
+    </p:tnLst>
+  </p:timing>
 </p:sld>
 </file>
 
@@ -3453,7 +3492,7 @@
           <p:cNvPr id="2" name="Titel 1">
             <a:extLst>
               <a:ext uri="{FF2B5EF4-FFF2-40B4-BE49-F238E27FC236}">
-                <a16:creationId xmlns:a16="http://schemas.microsoft.com/office/drawing/2014/main" id="{199E0412-C9C1-4338-AF11-254B58531795}"/>
+                <a16:creationId xmlns:a16="http://schemas.microsoft.com/office/drawing/2014/main" xmlns="" id="{199E0412-C9C1-4338-AF11-254B58531795}"/>
               </a:ext>
             </a:extLst>
           </p:cNvPr>
@@ -3482,7 +3521,7 @@
           <p:cNvPr id="3" name="Inhaltsplatzhalter 2">
             <a:extLst>
               <a:ext uri="{FF2B5EF4-FFF2-40B4-BE49-F238E27FC236}">
-                <a16:creationId xmlns:a16="http://schemas.microsoft.com/office/drawing/2014/main" id="{C398954B-85C0-425D-A3DF-8844D64D05F0}"/>
+                <a16:creationId xmlns:a16="http://schemas.microsoft.com/office/drawing/2014/main" xmlns="" id="{C398954B-85C0-425D-A3DF-8844D64D05F0}"/>
               </a:ext>
             </a:extLst>
           </p:cNvPr>
@@ -3611,7 +3650,7 @@
           <p:cNvPr id="4" name="Fußzeilenplatzhalter 3">
             <a:extLst>
               <a:ext uri="{FF2B5EF4-FFF2-40B4-BE49-F238E27FC236}">
-                <a16:creationId xmlns:a16="http://schemas.microsoft.com/office/drawing/2014/main" id="{CF38E57F-8951-4C6C-808C-D512836D4D27}"/>
+                <a16:creationId xmlns:a16="http://schemas.microsoft.com/office/drawing/2014/main" xmlns="" id="{CF38E57F-8951-4C6C-808C-D512836D4D27}"/>
               </a:ext>
             </a:extLst>
           </p:cNvPr>
@@ -3651,7 +3690,7 @@
           <p:cNvPr id="5" name="Foliennummernplatzhalter 4">
             <a:extLst>
               <a:ext uri="{FF2B5EF4-FFF2-40B4-BE49-F238E27FC236}">
-                <a16:creationId xmlns:a16="http://schemas.microsoft.com/office/drawing/2014/main" id="{DF2B7CFB-9EDB-41B2-98FF-80F53662EB29}"/>
+                <a16:creationId xmlns:a16="http://schemas.microsoft.com/office/drawing/2014/main" xmlns="" id="{DF2B7CFB-9EDB-41B2-98FF-80F53662EB29}"/>
               </a:ext>
             </a:extLst>
           </p:cNvPr>
@@ -3694,6 +3733,13 @@
     <a:masterClrMapping/>
   </p:clrMapOvr>
   <p:transition/>
+  <p:timing>
+    <p:tnLst>
+      <p:par>
+        <p:cTn id="1" dur="indefinite" restart="never" nodeType="tmRoot"/>
+      </p:par>
+    </p:tnLst>
+  </p:timing>
 </p:sld>
 </file>
 
@@ -3719,7 +3765,7 @@
           <p:cNvPr id="2" name="Titel 1">
             <a:extLst>
               <a:ext uri="{FF2B5EF4-FFF2-40B4-BE49-F238E27FC236}">
-                <a16:creationId xmlns:a16="http://schemas.microsoft.com/office/drawing/2014/main" id="{059E98A5-A252-4A2B-9244-F09A4570DB00}"/>
+                <a16:creationId xmlns:a16="http://schemas.microsoft.com/office/drawing/2014/main" xmlns="" id="{059E98A5-A252-4A2B-9244-F09A4570DB00}"/>
               </a:ext>
             </a:extLst>
           </p:cNvPr>
@@ -3745,6 +3791,16 @@
               </a:rPr>
               <a:t>Einführung</a:t>
             </a:r>
+            <a:r>
+              <a:rPr lang="en-US" dirty="0">
+                <a:solidFill>
+                  <a:schemeClr val="tx1"/>
+                </a:solidFill>
+                <a:latin typeface="+mj-ea"/>
+                <a:cs typeface="+mj-ea"/>
+              </a:rPr>
+              <a:t/>
+            </a:r>
             <a:br>
               <a:rPr lang="en-US" dirty="0">
                 <a:solidFill>
@@ -3771,7 +3827,7 @@
               <p:cNvPr id="3" name="Inhaltsplatzhalter 2">
                 <a:extLst>
                   <a:ext uri="{FF2B5EF4-FFF2-40B4-BE49-F238E27FC236}">
-                    <a16:creationId xmlns:a16="http://schemas.microsoft.com/office/drawing/2014/main" id="{48A4D262-E3D1-4A7C-8EE6-E7A520B0C393}"/>
+                    <a16:creationId xmlns:a16="http://schemas.microsoft.com/office/drawing/2014/main" xmlns="" id="{48A4D262-E3D1-4A7C-8EE6-E7A520B0C393}"/>
                   </a:ext>
                 </a:extLst>
               </p:cNvPr>
@@ -4700,7 +4756,7 @@
           <p:cNvPr id="4" name="Fußzeilenplatzhalter 3">
             <a:extLst>
               <a:ext uri="{FF2B5EF4-FFF2-40B4-BE49-F238E27FC236}">
-                <a16:creationId xmlns:a16="http://schemas.microsoft.com/office/drawing/2014/main" id="{150F77BD-78BB-49B2-BE4E-4B6DE3612D25}"/>
+                <a16:creationId xmlns:a16="http://schemas.microsoft.com/office/drawing/2014/main" xmlns="" id="{150F77BD-78BB-49B2-BE4E-4B6DE3612D25}"/>
               </a:ext>
             </a:extLst>
           </p:cNvPr>
@@ -4740,7 +4796,7 @@
           <p:cNvPr id="5" name="Foliennummernplatzhalter 4">
             <a:extLst>
               <a:ext uri="{FF2B5EF4-FFF2-40B4-BE49-F238E27FC236}">
-                <a16:creationId xmlns:a16="http://schemas.microsoft.com/office/drawing/2014/main" id="{9893842A-01CE-4CCA-B5C7-495C7783652C}"/>
+                <a16:creationId xmlns:a16="http://schemas.microsoft.com/office/drawing/2014/main" xmlns="" id="{9893842A-01CE-4CCA-B5C7-495C7783652C}"/>
               </a:ext>
             </a:extLst>
           </p:cNvPr>
@@ -5176,7 +5232,7 @@
           <p:cNvPr id="2" name="Titel 1">
             <a:extLst>
               <a:ext uri="{FF2B5EF4-FFF2-40B4-BE49-F238E27FC236}">
-                <a16:creationId xmlns:a16="http://schemas.microsoft.com/office/drawing/2014/main" id="{1002C0B3-54CE-4942-AECD-0AF05A31659B}"/>
+                <a16:creationId xmlns:a16="http://schemas.microsoft.com/office/drawing/2014/main" xmlns="" id="{1002C0B3-54CE-4942-AECD-0AF05A31659B}"/>
               </a:ext>
             </a:extLst>
           </p:cNvPr>
@@ -5216,7 +5272,7 @@
           <p:cNvPr id="4" name="Fußzeilenplatzhalter 3">
             <a:extLst>
               <a:ext uri="{FF2B5EF4-FFF2-40B4-BE49-F238E27FC236}">
-                <a16:creationId xmlns:a16="http://schemas.microsoft.com/office/drawing/2014/main" id="{1172C0F9-7EFD-4242-97CE-2B73B45733F4}"/>
+                <a16:creationId xmlns:a16="http://schemas.microsoft.com/office/drawing/2014/main" xmlns="" id="{1172C0F9-7EFD-4242-97CE-2B73B45733F4}"/>
               </a:ext>
             </a:extLst>
           </p:cNvPr>
@@ -5256,7 +5312,7 @@
           <p:cNvPr id="5" name="Foliennummernplatzhalter 4">
             <a:extLst>
               <a:ext uri="{FF2B5EF4-FFF2-40B4-BE49-F238E27FC236}">
-                <a16:creationId xmlns:a16="http://schemas.microsoft.com/office/drawing/2014/main" id="{2AC17D0B-DB4B-4FF8-8B4A-D568E264BDC4}"/>
+                <a16:creationId xmlns:a16="http://schemas.microsoft.com/office/drawing/2014/main" xmlns="" id="{2AC17D0B-DB4B-4FF8-8B4A-D568E264BDC4}"/>
               </a:ext>
             </a:extLst>
           </p:cNvPr>
@@ -5293,7 +5349,7 @@
           <p:cNvPr id="6" name="Inhaltsplatzhalter 6">
             <a:extLst>
               <a:ext uri="{FF2B5EF4-FFF2-40B4-BE49-F238E27FC236}">
-                <a16:creationId xmlns:a16="http://schemas.microsoft.com/office/drawing/2014/main" id="{06C85739-5674-44EE-A608-9C5F17D15B0B}"/>
+                <a16:creationId xmlns:a16="http://schemas.microsoft.com/office/drawing/2014/main" xmlns="" id="{06C85739-5674-44EE-A608-9C5F17D15B0B}"/>
               </a:ext>
             </a:extLst>
           </p:cNvPr>
@@ -5333,6 +5389,13 @@
     <a:masterClrMapping/>
   </p:clrMapOvr>
   <p:transition/>
+  <p:timing>
+    <p:tnLst>
+      <p:par>
+        <p:cTn id="1" dur="indefinite" restart="never" nodeType="tmRoot"/>
+      </p:par>
+    </p:tnLst>
+  </p:timing>
 </p:sld>
 </file>
 
@@ -5358,7 +5421,7 @@
           <p:cNvPr id="2" name="Titel 1">
             <a:extLst>
               <a:ext uri="{FF2B5EF4-FFF2-40B4-BE49-F238E27FC236}">
-                <a16:creationId xmlns:a16="http://schemas.microsoft.com/office/drawing/2014/main" id="{A98656BE-B570-47D5-BDA5-7D30AEE1B8DA}"/>
+                <a16:creationId xmlns:a16="http://schemas.microsoft.com/office/drawing/2014/main" xmlns="" id="{A98656BE-B570-47D5-BDA5-7D30AEE1B8DA}"/>
               </a:ext>
             </a:extLst>
           </p:cNvPr>
@@ -5393,7 +5456,7 @@
           <p:cNvPr id="4" name="Fußzeilenplatzhalter 3">
             <a:extLst>
               <a:ext uri="{FF2B5EF4-FFF2-40B4-BE49-F238E27FC236}">
-                <a16:creationId xmlns:a16="http://schemas.microsoft.com/office/drawing/2014/main" id="{EB93C187-F383-4DA1-BB87-0BA5117AA5BA}"/>
+                <a16:creationId xmlns:a16="http://schemas.microsoft.com/office/drawing/2014/main" xmlns="" id="{EB93C187-F383-4DA1-BB87-0BA5117AA5BA}"/>
               </a:ext>
             </a:extLst>
           </p:cNvPr>
@@ -5433,7 +5496,7 @@
           <p:cNvPr id="5" name="Foliennummernplatzhalter 4">
             <a:extLst>
               <a:ext uri="{FF2B5EF4-FFF2-40B4-BE49-F238E27FC236}">
-                <a16:creationId xmlns:a16="http://schemas.microsoft.com/office/drawing/2014/main" id="{391E6A47-105A-448E-84B3-EB326BF13B84}"/>
+                <a16:creationId xmlns:a16="http://schemas.microsoft.com/office/drawing/2014/main" xmlns="" id="{391E6A47-105A-448E-84B3-EB326BF13B84}"/>
               </a:ext>
             </a:extLst>
           </p:cNvPr>
@@ -5470,7 +5533,7 @@
           <p:cNvPr id="6" name="Inhaltsplatzhalter 6">
             <a:extLst>
               <a:ext uri="{FF2B5EF4-FFF2-40B4-BE49-F238E27FC236}">
-                <a16:creationId xmlns:a16="http://schemas.microsoft.com/office/drawing/2014/main" id="{0EEA831B-BDEE-4233-B932-9ABEA11759E2}"/>
+                <a16:creationId xmlns:a16="http://schemas.microsoft.com/office/drawing/2014/main" xmlns="" id="{0EEA831B-BDEE-4233-B932-9ABEA11759E2}"/>
               </a:ext>
             </a:extLst>
           </p:cNvPr>
@@ -5510,6 +5573,13 @@
     <a:masterClrMapping/>
   </p:clrMapOvr>
   <p:transition/>
+  <p:timing>
+    <p:tnLst>
+      <p:par>
+        <p:cTn id="1" dur="indefinite" restart="never" nodeType="tmRoot"/>
+      </p:par>
+    </p:tnLst>
+  </p:timing>
 </p:sld>
 </file>
 
@@ -5535,7 +5605,7 @@
           <p:cNvPr id="2" name="Titel 1">
             <a:extLst>
               <a:ext uri="{FF2B5EF4-FFF2-40B4-BE49-F238E27FC236}">
-                <a16:creationId xmlns:a16="http://schemas.microsoft.com/office/drawing/2014/main" id="{E0C48783-44F0-49B1-91DF-746F77EC058D}"/>
+                <a16:creationId xmlns:a16="http://schemas.microsoft.com/office/drawing/2014/main" xmlns="" id="{E0C48783-44F0-49B1-91DF-746F77EC058D}"/>
               </a:ext>
             </a:extLst>
           </p:cNvPr>
@@ -5561,6 +5631,16 @@
               </a:rPr>
               <a:t>Konzept</a:t>
             </a:r>
+            <a:r>
+              <a:rPr lang="en-US" dirty="0">
+                <a:solidFill>
+                  <a:schemeClr val="tx1"/>
+                </a:solidFill>
+                <a:latin typeface="+mj-ea"/>
+                <a:cs typeface="+mj-ea"/>
+              </a:rPr>
+              <a:t/>
+            </a:r>
             <a:br>
               <a:rPr lang="en-US" dirty="0">
                 <a:solidFill>
@@ -5585,7 +5665,7 @@
           <p:cNvPr id="3" name="Inhaltsplatzhalter 2">
             <a:extLst>
               <a:ext uri="{FF2B5EF4-FFF2-40B4-BE49-F238E27FC236}">
-                <a16:creationId xmlns:a16="http://schemas.microsoft.com/office/drawing/2014/main" id="{30474B77-0BBF-4449-8ED8-4290E9952962}"/>
+                <a16:creationId xmlns:a16="http://schemas.microsoft.com/office/drawing/2014/main" xmlns="" id="{30474B77-0BBF-4449-8ED8-4290E9952962}"/>
               </a:ext>
             </a:extLst>
           </p:cNvPr>
@@ -5810,7 +5890,7 @@
           <p:cNvPr id="4" name="Fußzeilenplatzhalter 3">
             <a:extLst>
               <a:ext uri="{FF2B5EF4-FFF2-40B4-BE49-F238E27FC236}">
-                <a16:creationId xmlns:a16="http://schemas.microsoft.com/office/drawing/2014/main" id="{D05208BD-8364-4FBE-98F6-FADE0698EEC8}"/>
+                <a16:creationId xmlns:a16="http://schemas.microsoft.com/office/drawing/2014/main" xmlns="" id="{D05208BD-8364-4FBE-98F6-FADE0698EEC8}"/>
               </a:ext>
             </a:extLst>
           </p:cNvPr>
@@ -5850,7 +5930,7 @@
           <p:cNvPr id="5" name="Foliennummernplatzhalter 4">
             <a:extLst>
               <a:ext uri="{FF2B5EF4-FFF2-40B4-BE49-F238E27FC236}">
-                <a16:creationId xmlns:a16="http://schemas.microsoft.com/office/drawing/2014/main" id="{3508CB09-B7DF-4961-AF99-F98497007B99}"/>
+                <a16:creationId xmlns:a16="http://schemas.microsoft.com/office/drawing/2014/main" xmlns="" id="{3508CB09-B7DF-4961-AF99-F98497007B99}"/>
               </a:ext>
             </a:extLst>
           </p:cNvPr>
@@ -5893,6 +5973,13 @@
     <a:masterClrMapping/>
   </p:clrMapOvr>
   <p:transition/>
+  <p:timing>
+    <p:tnLst>
+      <p:par>
+        <p:cTn id="1" dur="indefinite" restart="never" nodeType="tmRoot"/>
+      </p:par>
+    </p:tnLst>
+  </p:timing>
 </p:sld>
 </file>
 
@@ -5918,7 +6005,7 @@
           <p:cNvPr id="2" name="Titel 1">
             <a:extLst>
               <a:ext uri="{FF2B5EF4-FFF2-40B4-BE49-F238E27FC236}">
-                <a16:creationId xmlns:a16="http://schemas.microsoft.com/office/drawing/2014/main" id="{27550AB3-6952-4775-833E-DC990A492641}"/>
+                <a16:creationId xmlns:a16="http://schemas.microsoft.com/office/drawing/2014/main" xmlns="" id="{27550AB3-6952-4775-833E-DC990A492641}"/>
               </a:ext>
             </a:extLst>
           </p:cNvPr>
@@ -5944,6 +6031,16 @@
               </a:rPr>
               <a:t>Konzept</a:t>
             </a:r>
+            <a:r>
+              <a:rPr lang="en-US" dirty="0">
+                <a:solidFill>
+                  <a:schemeClr val="tx1"/>
+                </a:solidFill>
+                <a:latin typeface="+mj-ea"/>
+                <a:cs typeface="+mj-ea"/>
+              </a:rPr>
+              <a:t/>
+            </a:r>
             <a:br>
               <a:rPr lang="en-US" dirty="0">
                 <a:solidFill>
@@ -5968,7 +6065,7 @@
           <p:cNvPr id="3" name="Inhaltsplatzhalter 2">
             <a:extLst>
               <a:ext uri="{FF2B5EF4-FFF2-40B4-BE49-F238E27FC236}">
-                <a16:creationId xmlns:a16="http://schemas.microsoft.com/office/drawing/2014/main" id="{14596503-A67F-4B1F-B152-27CBB750E3A8}"/>
+                <a16:creationId xmlns:a16="http://schemas.microsoft.com/office/drawing/2014/main" xmlns="" id="{14596503-A67F-4B1F-B152-27CBB750E3A8}"/>
               </a:ext>
             </a:extLst>
           </p:cNvPr>
@@ -6184,7 +6281,7 @@
           <p:cNvPr id="4" name="Fußzeilenplatzhalter 3">
             <a:extLst>
               <a:ext uri="{FF2B5EF4-FFF2-40B4-BE49-F238E27FC236}">
-                <a16:creationId xmlns:a16="http://schemas.microsoft.com/office/drawing/2014/main" id="{0BA4DECC-89B5-4564-B3C6-BACCCEE9E91D}"/>
+                <a16:creationId xmlns:a16="http://schemas.microsoft.com/office/drawing/2014/main" xmlns="" id="{0BA4DECC-89B5-4564-B3C6-BACCCEE9E91D}"/>
               </a:ext>
             </a:extLst>
           </p:cNvPr>
@@ -6224,7 +6321,7 @@
           <p:cNvPr id="5" name="Foliennummernplatzhalter 4">
             <a:extLst>
               <a:ext uri="{FF2B5EF4-FFF2-40B4-BE49-F238E27FC236}">
-                <a16:creationId xmlns:a16="http://schemas.microsoft.com/office/drawing/2014/main" id="{04785371-51E6-40C6-B09A-2DB691D50DCE}"/>
+                <a16:creationId xmlns:a16="http://schemas.microsoft.com/office/drawing/2014/main" xmlns="" id="{04785371-51E6-40C6-B09A-2DB691D50DCE}"/>
               </a:ext>
             </a:extLst>
           </p:cNvPr>
@@ -6267,6 +6364,13 @@
     <a:masterClrMapping/>
   </p:clrMapOvr>
   <p:transition/>
+  <p:timing>
+    <p:tnLst>
+      <p:par>
+        <p:cTn id="1" dur="indefinite" restart="never" nodeType="tmRoot"/>
+      </p:par>
+    </p:tnLst>
+  </p:timing>
 </p:sld>
 </file>
 
@@ -6292,7 +6396,7 @@
           <p:cNvPr id="2" name="Titel 1">
             <a:extLst>
               <a:ext uri="{FF2B5EF4-FFF2-40B4-BE49-F238E27FC236}">
-                <a16:creationId xmlns:a16="http://schemas.microsoft.com/office/drawing/2014/main" id="{27550AB3-6952-4775-833E-DC990A492641}"/>
+                <a16:creationId xmlns:a16="http://schemas.microsoft.com/office/drawing/2014/main" xmlns="" id="{27550AB3-6952-4775-833E-DC990A492641}"/>
               </a:ext>
             </a:extLst>
           </p:cNvPr>
@@ -6318,6 +6422,16 @@
               </a:rPr>
               <a:t>Konzept</a:t>
             </a:r>
+            <a:r>
+              <a:rPr lang="en-US" dirty="0">
+                <a:solidFill>
+                  <a:schemeClr val="tx1"/>
+                </a:solidFill>
+                <a:latin typeface="+mj-ea"/>
+                <a:cs typeface="+mj-ea"/>
+              </a:rPr>
+              <a:t/>
+            </a:r>
             <a:br>
               <a:rPr lang="en-US" dirty="0">
                 <a:solidFill>
@@ -6337,41 +6451,12 @@
           </a:p>
         </p:txBody>
       </p:sp>
-      <p:pic>
-        <p:nvPicPr>
-          <p:cNvPr id="6" name="Inhaltsplatzhalter 5"/>
-          <p:cNvPicPr>
-            <a:picLocks noGrp="1" noChangeAspect="1"/>
-          </p:cNvPicPr>
-          <p:nvPr>
-            <p:ph idx="1"/>
-          </p:nvPr>
-        </p:nvPicPr>
-        <p:blipFill>
-          <a:blip r:embed="rId2">
-            <a:extLst>
-              <a:ext uri="{28A0092B-C50C-407E-A947-70E740481C1C}">
-                <a14:useLocalDpi xmlns:a14="http://schemas.microsoft.com/office/drawing/2010/main" val="0"/>
-              </a:ext>
-            </a:extLst>
-          </a:blip>
-          <a:stretch>
-            <a:fillRect/>
-          </a:stretch>
-        </p:blipFill>
-        <p:spPr>
-          <a:xfrm>
-            <a:off x="280987" y="1279265"/>
-            <a:ext cx="9344025" cy="4875733"/>
-          </a:xfrm>
-        </p:spPr>
-      </p:pic>
       <p:sp>
         <p:nvSpPr>
           <p:cNvPr id="4" name="Fußzeilenplatzhalter 3">
             <a:extLst>
               <a:ext uri="{FF2B5EF4-FFF2-40B4-BE49-F238E27FC236}">
-                <a16:creationId xmlns:a16="http://schemas.microsoft.com/office/drawing/2014/main" id="{0BA4DECC-89B5-4564-B3C6-BACCCEE9E91D}"/>
+                <a16:creationId xmlns:a16="http://schemas.microsoft.com/office/drawing/2014/main" xmlns="" id="{0BA4DECC-89B5-4564-B3C6-BACCCEE9E91D}"/>
               </a:ext>
             </a:extLst>
           </p:cNvPr>
@@ -6411,7 +6496,7 @@
           <p:cNvPr id="5" name="Foliennummernplatzhalter 4">
             <a:extLst>
               <a:ext uri="{FF2B5EF4-FFF2-40B4-BE49-F238E27FC236}">
-                <a16:creationId xmlns:a16="http://schemas.microsoft.com/office/drawing/2014/main" id="{04785371-51E6-40C6-B09A-2DB691D50DCE}"/>
+                <a16:creationId xmlns:a16="http://schemas.microsoft.com/office/drawing/2014/main" xmlns="" id="{04785371-51E6-40C6-B09A-2DB691D50DCE}"/>
               </a:ext>
             </a:extLst>
           </p:cNvPr>
@@ -6443,6 +6528,32 @@
           </a:p>
         </p:txBody>
       </p:sp>
+      <p:pic>
+        <p:nvPicPr>
+          <p:cNvPr id="7" name="Inhaltsplatzhalter 6"/>
+          <p:cNvPicPr>
+            <a:picLocks noGrp="1" noChangeAspect="1"/>
+          </p:cNvPicPr>
+          <p:nvPr>
+            <p:ph idx="1"/>
+          </p:nvPr>
+        </p:nvPicPr>
+        <p:blipFill>
+          <a:blip r:embed="rId2"/>
+          <a:stretch>
+            <a:fillRect/>
+          </a:stretch>
+        </p:blipFill>
+        <p:spPr>
+          <a:xfrm>
+            <a:off x="320675" y="1312185"/>
+            <a:ext cx="9344025" cy="4886093"/>
+          </a:xfrm>
+          <a:prstGeom prst="rect">
+            <a:avLst/>
+          </a:prstGeom>
+        </p:spPr>
+      </p:pic>
     </p:spTree>
     <p:extLst>
       <p:ext uri="{BB962C8B-B14F-4D97-AF65-F5344CB8AC3E}">
@@ -6454,6 +6565,13 @@
     <a:masterClrMapping/>
   </p:clrMapOvr>
   <p:transition/>
+  <p:timing>
+    <p:tnLst>
+      <p:par>
+        <p:cTn id="1" dur="indefinite" restart="never" nodeType="tmRoot"/>
+      </p:par>
+    </p:tnLst>
+  </p:timing>
 </p:sld>
 </file>
 
@@ -6479,7 +6597,7 @@
           <p:cNvPr id="2" name="Titel 1">
             <a:extLst>
               <a:ext uri="{FF2B5EF4-FFF2-40B4-BE49-F238E27FC236}">
-                <a16:creationId xmlns:a16="http://schemas.microsoft.com/office/drawing/2014/main" id="{68942DE7-0CD4-4006-B961-3A46331D13B7}"/>
+                <a16:creationId xmlns:a16="http://schemas.microsoft.com/office/drawing/2014/main" xmlns="" id="{68942DE7-0CD4-4006-B961-3A46331D13B7}"/>
               </a:ext>
             </a:extLst>
           </p:cNvPr>
@@ -6526,41 +6644,12 @@
           </a:p>
         </p:txBody>
       </p:sp>
-      <p:pic>
-        <p:nvPicPr>
-          <p:cNvPr id="7" name="Inhaltsplatzhalter 6"/>
-          <p:cNvPicPr>
-            <a:picLocks noGrp="1" noChangeAspect="1"/>
-          </p:cNvPicPr>
-          <p:nvPr>
-            <p:ph idx="1"/>
-          </p:nvPr>
-        </p:nvPicPr>
-        <p:blipFill>
-          <a:blip r:embed="rId2">
-            <a:extLst>
-              <a:ext uri="{28A0092B-C50C-407E-A947-70E740481C1C}">
-                <a14:useLocalDpi xmlns:a14="http://schemas.microsoft.com/office/drawing/2010/main" val="0"/>
-              </a:ext>
-            </a:extLst>
-          </a:blip>
-          <a:stretch>
-            <a:fillRect/>
-          </a:stretch>
-        </p:blipFill>
-        <p:spPr>
-          <a:xfrm>
-            <a:off x="390259" y="1273175"/>
-            <a:ext cx="9204857" cy="4964113"/>
-          </a:xfrm>
-        </p:spPr>
-      </p:pic>
       <p:sp>
         <p:nvSpPr>
           <p:cNvPr id="4" name="Fußzeilenplatzhalter 3">
             <a:extLst>
               <a:ext uri="{FF2B5EF4-FFF2-40B4-BE49-F238E27FC236}">
-                <a16:creationId xmlns:a16="http://schemas.microsoft.com/office/drawing/2014/main" id="{EAA1F0E0-8D52-48F0-B1B5-68B6926C079D}"/>
+                <a16:creationId xmlns:a16="http://schemas.microsoft.com/office/drawing/2014/main" xmlns="" id="{EAA1F0E0-8D52-48F0-B1B5-68B6926C079D}"/>
               </a:ext>
             </a:extLst>
           </p:cNvPr>
@@ -6600,7 +6689,7 @@
           <p:cNvPr id="5" name="Foliennummernplatzhalter 4">
             <a:extLst>
               <a:ext uri="{FF2B5EF4-FFF2-40B4-BE49-F238E27FC236}">
-                <a16:creationId xmlns:a16="http://schemas.microsoft.com/office/drawing/2014/main" id="{3247F105-89DD-4C3A-AC5F-FB6BBF6B145D}"/>
+                <a16:creationId xmlns:a16="http://schemas.microsoft.com/office/drawing/2014/main" xmlns="" id="{3247F105-89DD-4C3A-AC5F-FB6BBF6B145D}"/>
               </a:ext>
             </a:extLst>
           </p:cNvPr>
@@ -6632,6 +6721,32 @@
           </a:p>
         </p:txBody>
       </p:sp>
+      <p:pic>
+        <p:nvPicPr>
+          <p:cNvPr id="6" name="Inhaltsplatzhalter 5"/>
+          <p:cNvPicPr>
+            <a:picLocks noGrp="1" noChangeAspect="1"/>
+          </p:cNvPicPr>
+          <p:nvPr>
+            <p:ph idx="1"/>
+          </p:nvPr>
+        </p:nvPicPr>
+        <p:blipFill>
+          <a:blip r:embed="rId2"/>
+          <a:stretch>
+            <a:fillRect/>
+          </a:stretch>
+        </p:blipFill>
+        <p:spPr>
+          <a:xfrm>
+            <a:off x="400656" y="1273175"/>
+            <a:ext cx="9184062" cy="4964113"/>
+          </a:xfrm>
+          <a:prstGeom prst="rect">
+            <a:avLst/>
+          </a:prstGeom>
+        </p:spPr>
+      </p:pic>
     </p:spTree>
     <p:extLst>
       <p:ext uri="{BB962C8B-B14F-4D97-AF65-F5344CB8AC3E}">
@@ -6643,6 +6758,13 @@
     <a:masterClrMapping/>
   </p:clrMapOvr>
   <p:transition/>
+  <p:timing>
+    <p:tnLst>
+      <p:par>
+        <p:cTn id="1" dur="indefinite" restart="never" nodeType="tmRoot"/>
+      </p:par>
+    </p:tnLst>
+  </p:timing>
 </p:sld>
 </file>
 

--- a/Präsi_Konzept.pptx
+++ b/Präsi_Konzept.pptx
@@ -2773,16 +2773,6 @@
               </a:rPr>
               <a:t> Gewerk 2</a:t>
             </a:r>
-            <a:r>
-              <a:rPr lang="en-US" dirty="0">
-                <a:solidFill>
-                  <a:schemeClr val="tx1"/>
-                </a:solidFill>
-                <a:latin typeface="+mj-ea"/>
-                <a:cs typeface="+mj-ea"/>
-              </a:rPr>
-              <a:t/>
-            </a:r>
             <a:br>
               <a:rPr lang="en-US" dirty="0">
                 <a:solidFill>
@@ -2827,14 +2817,6 @@
                 <a:spcPct val="90000"/>
               </a:lnSpc>
             </a:pPr>
-            <a:r>
-              <a:rPr lang="en-US" dirty="0">
-                <a:solidFill>
-                  <a:schemeClr val="tx1"/>
-                </a:solidFill>
-              </a:rPr>
-              <a:t/>
-            </a:r>
             <a:br>
               <a:rPr lang="en-US" dirty="0">
                 <a:solidFill>
@@ -2977,7 +2959,7 @@
           <p:cNvPr id="4" name="Grafik 3">
             <a:extLst>
               <a:ext uri="{FF2B5EF4-FFF2-40B4-BE49-F238E27FC236}">
-                <a16:creationId xmlns:a16="http://schemas.microsoft.com/office/drawing/2014/main" xmlns="" id="{E8FD4E4A-4BD4-441B-A6FB-F1DF917A54FF}"/>
+                <a16:creationId xmlns:a16="http://schemas.microsoft.com/office/drawing/2014/main" id="{E8FD4E4A-4BD4-441B-A6FB-F1DF917A54FF}"/>
               </a:ext>
             </a:extLst>
           </p:cNvPr>
@@ -3013,7 +2995,7 @@
           <p:cNvPr id="6" name="Grafik 5">
             <a:extLst>
               <a:ext uri="{FF2B5EF4-FFF2-40B4-BE49-F238E27FC236}">
-                <a16:creationId xmlns:a16="http://schemas.microsoft.com/office/drawing/2014/main" xmlns="" id="{2FAA14AD-2BD0-4AB6-B784-D2821EEA1036}"/>
+                <a16:creationId xmlns:a16="http://schemas.microsoft.com/office/drawing/2014/main" id="{2FAA14AD-2BD0-4AB6-B784-D2821EEA1036}"/>
               </a:ext>
             </a:extLst>
           </p:cNvPr>
@@ -3050,13 +3032,6 @@
     <a:masterClrMapping/>
   </p:clrMapOvr>
   <p:transition/>
-  <p:timing>
-    <p:tnLst>
-      <p:par>
-        <p:cTn id="1" dur="indefinite" restart="never" nodeType="tmRoot"/>
-      </p:par>
-    </p:tnLst>
-  </p:timing>
 </p:sld>
 </file>
 
@@ -3082,7 +3057,7 @@
           <p:cNvPr id="2" name="Titel 1">
             <a:extLst>
               <a:ext uri="{FF2B5EF4-FFF2-40B4-BE49-F238E27FC236}">
-                <a16:creationId xmlns:a16="http://schemas.microsoft.com/office/drawing/2014/main" xmlns="" id="{68942DE7-0CD4-4006-B961-3A46331D13B7}"/>
+                <a16:creationId xmlns:a16="http://schemas.microsoft.com/office/drawing/2014/main" id="{68942DE7-0CD4-4006-B961-3A46331D13B7}"/>
               </a:ext>
             </a:extLst>
           </p:cNvPr>
@@ -3128,7 +3103,7 @@
           <p:cNvPr id="3" name="Inhaltsplatzhalter 2">
             <a:extLst>
               <a:ext uri="{FF2B5EF4-FFF2-40B4-BE49-F238E27FC236}">
-                <a16:creationId xmlns:a16="http://schemas.microsoft.com/office/drawing/2014/main" xmlns="" id="{2443D015-FBE5-4C25-8718-8719D6560D39}"/>
+                <a16:creationId xmlns:a16="http://schemas.microsoft.com/office/drawing/2014/main" id="{2443D015-FBE5-4C25-8718-8719D6560D39}"/>
               </a:ext>
             </a:extLst>
           </p:cNvPr>
@@ -3159,7 +3134,7 @@
           <p:cNvPr id="4" name="Fußzeilenplatzhalter 3">
             <a:extLst>
               <a:ext uri="{FF2B5EF4-FFF2-40B4-BE49-F238E27FC236}">
-                <a16:creationId xmlns:a16="http://schemas.microsoft.com/office/drawing/2014/main" xmlns="" id="{EAA1F0E0-8D52-48F0-B1B5-68B6926C079D}"/>
+                <a16:creationId xmlns:a16="http://schemas.microsoft.com/office/drawing/2014/main" id="{EAA1F0E0-8D52-48F0-B1B5-68B6926C079D}"/>
               </a:ext>
             </a:extLst>
           </p:cNvPr>
@@ -3199,7 +3174,7 @@
           <p:cNvPr id="5" name="Foliennummernplatzhalter 4">
             <a:extLst>
               <a:ext uri="{FF2B5EF4-FFF2-40B4-BE49-F238E27FC236}">
-                <a16:creationId xmlns:a16="http://schemas.microsoft.com/office/drawing/2014/main" xmlns="" id="{3247F105-89DD-4C3A-AC5F-FB6BBF6B145D}"/>
+                <a16:creationId xmlns:a16="http://schemas.microsoft.com/office/drawing/2014/main" id="{3247F105-89DD-4C3A-AC5F-FB6BBF6B145D}"/>
               </a:ext>
             </a:extLst>
           </p:cNvPr>
@@ -3272,13 +3247,6 @@
     <a:masterClrMapping/>
   </p:clrMapOvr>
   <p:transition/>
-  <p:timing>
-    <p:tnLst>
-      <p:par>
-        <p:cTn id="1" dur="indefinite" restart="never" nodeType="tmRoot"/>
-      </p:par>
-    </p:tnLst>
-  </p:timing>
 </p:sld>
 </file>
 
@@ -3304,7 +3272,7 @@
           <p:cNvPr id="2" name="Titel 1">
             <a:extLst>
               <a:ext uri="{FF2B5EF4-FFF2-40B4-BE49-F238E27FC236}">
-                <a16:creationId xmlns:a16="http://schemas.microsoft.com/office/drawing/2014/main" xmlns="" id="{5954DD7E-3280-47A4-8C9D-6081CE36C0A6}"/>
+                <a16:creationId xmlns:a16="http://schemas.microsoft.com/office/drawing/2014/main" id="{5954DD7E-3280-47A4-8C9D-6081CE36C0A6}"/>
               </a:ext>
             </a:extLst>
           </p:cNvPr>
@@ -3339,7 +3307,7 @@
           <p:cNvPr id="4" name="Fußzeilenplatzhalter 3">
             <a:extLst>
               <a:ext uri="{FF2B5EF4-FFF2-40B4-BE49-F238E27FC236}">
-                <a16:creationId xmlns:a16="http://schemas.microsoft.com/office/drawing/2014/main" xmlns="" id="{E590B8B1-8557-49AA-B432-2531581CEE8B}"/>
+                <a16:creationId xmlns:a16="http://schemas.microsoft.com/office/drawing/2014/main" id="{E590B8B1-8557-49AA-B432-2531581CEE8B}"/>
               </a:ext>
             </a:extLst>
           </p:cNvPr>
@@ -3379,7 +3347,7 @@
           <p:cNvPr id="5" name="Foliennummernplatzhalter 4">
             <a:extLst>
               <a:ext uri="{FF2B5EF4-FFF2-40B4-BE49-F238E27FC236}">
-                <a16:creationId xmlns:a16="http://schemas.microsoft.com/office/drawing/2014/main" xmlns="" id="{E04210D6-6F3F-4AEF-9054-A77C73630F5C}"/>
+                <a16:creationId xmlns:a16="http://schemas.microsoft.com/office/drawing/2014/main" id="{E04210D6-6F3F-4AEF-9054-A77C73630F5C}"/>
               </a:ext>
             </a:extLst>
           </p:cNvPr>
@@ -3416,7 +3384,7 @@
           <p:cNvPr id="6" name="Inhaltsplatzhalter 5">
             <a:extLst>
               <a:ext uri="{FF2B5EF4-FFF2-40B4-BE49-F238E27FC236}">
-                <a16:creationId xmlns:a16="http://schemas.microsoft.com/office/drawing/2014/main" xmlns="" id="{E5812B95-984C-44D1-A861-D3A5496C39AA}"/>
+                <a16:creationId xmlns:a16="http://schemas.microsoft.com/office/drawing/2014/main" id="{E5812B95-984C-44D1-A861-D3A5496C39AA}"/>
               </a:ext>
             </a:extLst>
           </p:cNvPr>
@@ -3460,13 +3428,6 @@
     <a:masterClrMapping/>
   </p:clrMapOvr>
   <p:transition/>
-  <p:timing>
-    <p:tnLst>
-      <p:par>
-        <p:cTn id="1" dur="indefinite" restart="never" nodeType="tmRoot"/>
-      </p:par>
-    </p:tnLst>
-  </p:timing>
 </p:sld>
 </file>
 
@@ -3492,7 +3453,7 @@
           <p:cNvPr id="2" name="Titel 1">
             <a:extLst>
               <a:ext uri="{FF2B5EF4-FFF2-40B4-BE49-F238E27FC236}">
-                <a16:creationId xmlns:a16="http://schemas.microsoft.com/office/drawing/2014/main" xmlns="" id="{199E0412-C9C1-4338-AF11-254B58531795}"/>
+                <a16:creationId xmlns:a16="http://schemas.microsoft.com/office/drawing/2014/main" id="{199E0412-C9C1-4338-AF11-254B58531795}"/>
               </a:ext>
             </a:extLst>
           </p:cNvPr>
@@ -3521,7 +3482,7 @@
           <p:cNvPr id="3" name="Inhaltsplatzhalter 2">
             <a:extLst>
               <a:ext uri="{FF2B5EF4-FFF2-40B4-BE49-F238E27FC236}">
-                <a16:creationId xmlns:a16="http://schemas.microsoft.com/office/drawing/2014/main" xmlns="" id="{C398954B-85C0-425D-A3DF-8844D64D05F0}"/>
+                <a16:creationId xmlns:a16="http://schemas.microsoft.com/office/drawing/2014/main" id="{C398954B-85C0-425D-A3DF-8844D64D05F0}"/>
               </a:ext>
             </a:extLst>
           </p:cNvPr>
@@ -3650,7 +3611,7 @@
           <p:cNvPr id="4" name="Fußzeilenplatzhalter 3">
             <a:extLst>
               <a:ext uri="{FF2B5EF4-FFF2-40B4-BE49-F238E27FC236}">
-                <a16:creationId xmlns:a16="http://schemas.microsoft.com/office/drawing/2014/main" xmlns="" id="{CF38E57F-8951-4C6C-808C-D512836D4D27}"/>
+                <a16:creationId xmlns:a16="http://schemas.microsoft.com/office/drawing/2014/main" id="{CF38E57F-8951-4C6C-808C-D512836D4D27}"/>
               </a:ext>
             </a:extLst>
           </p:cNvPr>
@@ -3690,7 +3651,7 @@
           <p:cNvPr id="5" name="Foliennummernplatzhalter 4">
             <a:extLst>
               <a:ext uri="{FF2B5EF4-FFF2-40B4-BE49-F238E27FC236}">
-                <a16:creationId xmlns:a16="http://schemas.microsoft.com/office/drawing/2014/main" xmlns="" id="{DF2B7CFB-9EDB-41B2-98FF-80F53662EB29}"/>
+                <a16:creationId xmlns:a16="http://schemas.microsoft.com/office/drawing/2014/main" id="{DF2B7CFB-9EDB-41B2-98FF-80F53662EB29}"/>
               </a:ext>
             </a:extLst>
           </p:cNvPr>
@@ -3733,13 +3694,6 @@
     <a:masterClrMapping/>
   </p:clrMapOvr>
   <p:transition/>
-  <p:timing>
-    <p:tnLst>
-      <p:par>
-        <p:cTn id="1" dur="indefinite" restart="never" nodeType="tmRoot"/>
-      </p:par>
-    </p:tnLst>
-  </p:timing>
 </p:sld>
 </file>
 
@@ -3765,7 +3719,7 @@
           <p:cNvPr id="2" name="Titel 1">
             <a:extLst>
               <a:ext uri="{FF2B5EF4-FFF2-40B4-BE49-F238E27FC236}">
-                <a16:creationId xmlns:a16="http://schemas.microsoft.com/office/drawing/2014/main" xmlns="" id="{059E98A5-A252-4A2B-9244-F09A4570DB00}"/>
+                <a16:creationId xmlns:a16="http://schemas.microsoft.com/office/drawing/2014/main" id="{059E98A5-A252-4A2B-9244-F09A4570DB00}"/>
               </a:ext>
             </a:extLst>
           </p:cNvPr>
@@ -3791,16 +3745,6 @@
               </a:rPr>
               <a:t>Einführung</a:t>
             </a:r>
-            <a:r>
-              <a:rPr lang="en-US" dirty="0">
-                <a:solidFill>
-                  <a:schemeClr val="tx1"/>
-                </a:solidFill>
-                <a:latin typeface="+mj-ea"/>
-                <a:cs typeface="+mj-ea"/>
-              </a:rPr>
-              <a:t/>
-            </a:r>
             <a:br>
               <a:rPr lang="en-US" dirty="0">
                 <a:solidFill>
@@ -3827,7 +3771,7 @@
               <p:cNvPr id="3" name="Inhaltsplatzhalter 2">
                 <a:extLst>
                   <a:ext uri="{FF2B5EF4-FFF2-40B4-BE49-F238E27FC236}">
-                    <a16:creationId xmlns:a16="http://schemas.microsoft.com/office/drawing/2014/main" xmlns="" id="{48A4D262-E3D1-4A7C-8EE6-E7A520B0C393}"/>
+                    <a16:creationId xmlns:a16="http://schemas.microsoft.com/office/drawing/2014/main" id="{48A4D262-E3D1-4A7C-8EE6-E7A520B0C393}"/>
                   </a:ext>
                 </a:extLst>
               </p:cNvPr>
@@ -4756,7 +4700,7 @@
           <p:cNvPr id="4" name="Fußzeilenplatzhalter 3">
             <a:extLst>
               <a:ext uri="{FF2B5EF4-FFF2-40B4-BE49-F238E27FC236}">
-                <a16:creationId xmlns:a16="http://schemas.microsoft.com/office/drawing/2014/main" xmlns="" id="{150F77BD-78BB-49B2-BE4E-4B6DE3612D25}"/>
+                <a16:creationId xmlns:a16="http://schemas.microsoft.com/office/drawing/2014/main" id="{150F77BD-78BB-49B2-BE4E-4B6DE3612D25}"/>
               </a:ext>
             </a:extLst>
           </p:cNvPr>
@@ -4796,7 +4740,7 @@
           <p:cNvPr id="5" name="Foliennummernplatzhalter 4">
             <a:extLst>
               <a:ext uri="{FF2B5EF4-FFF2-40B4-BE49-F238E27FC236}">
-                <a16:creationId xmlns:a16="http://schemas.microsoft.com/office/drawing/2014/main" xmlns="" id="{9893842A-01CE-4CCA-B5C7-495C7783652C}"/>
+                <a16:creationId xmlns:a16="http://schemas.microsoft.com/office/drawing/2014/main" id="{9893842A-01CE-4CCA-B5C7-495C7783652C}"/>
               </a:ext>
             </a:extLst>
           </p:cNvPr>
@@ -5232,7 +5176,7 @@
           <p:cNvPr id="2" name="Titel 1">
             <a:extLst>
               <a:ext uri="{FF2B5EF4-FFF2-40B4-BE49-F238E27FC236}">
-                <a16:creationId xmlns:a16="http://schemas.microsoft.com/office/drawing/2014/main" xmlns="" id="{1002C0B3-54CE-4942-AECD-0AF05A31659B}"/>
+                <a16:creationId xmlns:a16="http://schemas.microsoft.com/office/drawing/2014/main" id="{1002C0B3-54CE-4942-AECD-0AF05A31659B}"/>
               </a:ext>
             </a:extLst>
           </p:cNvPr>
@@ -5272,7 +5216,7 @@
           <p:cNvPr id="4" name="Fußzeilenplatzhalter 3">
             <a:extLst>
               <a:ext uri="{FF2B5EF4-FFF2-40B4-BE49-F238E27FC236}">
-                <a16:creationId xmlns:a16="http://schemas.microsoft.com/office/drawing/2014/main" xmlns="" id="{1172C0F9-7EFD-4242-97CE-2B73B45733F4}"/>
+                <a16:creationId xmlns:a16="http://schemas.microsoft.com/office/drawing/2014/main" id="{1172C0F9-7EFD-4242-97CE-2B73B45733F4}"/>
               </a:ext>
             </a:extLst>
           </p:cNvPr>
@@ -5312,7 +5256,7 @@
           <p:cNvPr id="5" name="Foliennummernplatzhalter 4">
             <a:extLst>
               <a:ext uri="{FF2B5EF4-FFF2-40B4-BE49-F238E27FC236}">
-                <a16:creationId xmlns:a16="http://schemas.microsoft.com/office/drawing/2014/main" xmlns="" id="{2AC17D0B-DB4B-4FF8-8B4A-D568E264BDC4}"/>
+                <a16:creationId xmlns:a16="http://schemas.microsoft.com/office/drawing/2014/main" id="{2AC17D0B-DB4B-4FF8-8B4A-D568E264BDC4}"/>
               </a:ext>
             </a:extLst>
           </p:cNvPr>
@@ -5349,7 +5293,7 @@
           <p:cNvPr id="6" name="Inhaltsplatzhalter 6">
             <a:extLst>
               <a:ext uri="{FF2B5EF4-FFF2-40B4-BE49-F238E27FC236}">
-                <a16:creationId xmlns:a16="http://schemas.microsoft.com/office/drawing/2014/main" xmlns="" id="{06C85739-5674-44EE-A608-9C5F17D15B0B}"/>
+                <a16:creationId xmlns:a16="http://schemas.microsoft.com/office/drawing/2014/main" id="{06C85739-5674-44EE-A608-9C5F17D15B0B}"/>
               </a:ext>
             </a:extLst>
           </p:cNvPr>
@@ -5389,13 +5333,6 @@
     <a:masterClrMapping/>
   </p:clrMapOvr>
   <p:transition/>
-  <p:timing>
-    <p:tnLst>
-      <p:par>
-        <p:cTn id="1" dur="indefinite" restart="never" nodeType="tmRoot"/>
-      </p:par>
-    </p:tnLst>
-  </p:timing>
 </p:sld>
 </file>
 
@@ -5421,7 +5358,7 @@
           <p:cNvPr id="2" name="Titel 1">
             <a:extLst>
               <a:ext uri="{FF2B5EF4-FFF2-40B4-BE49-F238E27FC236}">
-                <a16:creationId xmlns:a16="http://schemas.microsoft.com/office/drawing/2014/main" xmlns="" id="{A98656BE-B570-47D5-BDA5-7D30AEE1B8DA}"/>
+                <a16:creationId xmlns:a16="http://schemas.microsoft.com/office/drawing/2014/main" id="{A98656BE-B570-47D5-BDA5-7D30AEE1B8DA}"/>
               </a:ext>
             </a:extLst>
           </p:cNvPr>
@@ -5456,7 +5393,7 @@
           <p:cNvPr id="4" name="Fußzeilenplatzhalter 3">
             <a:extLst>
               <a:ext uri="{FF2B5EF4-FFF2-40B4-BE49-F238E27FC236}">
-                <a16:creationId xmlns:a16="http://schemas.microsoft.com/office/drawing/2014/main" xmlns="" id="{EB93C187-F383-4DA1-BB87-0BA5117AA5BA}"/>
+                <a16:creationId xmlns:a16="http://schemas.microsoft.com/office/drawing/2014/main" id="{EB93C187-F383-4DA1-BB87-0BA5117AA5BA}"/>
               </a:ext>
             </a:extLst>
           </p:cNvPr>
@@ -5496,7 +5433,7 @@
           <p:cNvPr id="5" name="Foliennummernplatzhalter 4">
             <a:extLst>
               <a:ext uri="{FF2B5EF4-FFF2-40B4-BE49-F238E27FC236}">
-                <a16:creationId xmlns:a16="http://schemas.microsoft.com/office/drawing/2014/main" xmlns="" id="{391E6A47-105A-448E-84B3-EB326BF13B84}"/>
+                <a16:creationId xmlns:a16="http://schemas.microsoft.com/office/drawing/2014/main" id="{391E6A47-105A-448E-84B3-EB326BF13B84}"/>
               </a:ext>
             </a:extLst>
           </p:cNvPr>
@@ -5533,7 +5470,7 @@
           <p:cNvPr id="6" name="Inhaltsplatzhalter 6">
             <a:extLst>
               <a:ext uri="{FF2B5EF4-FFF2-40B4-BE49-F238E27FC236}">
-                <a16:creationId xmlns:a16="http://schemas.microsoft.com/office/drawing/2014/main" xmlns="" id="{0EEA831B-BDEE-4233-B932-9ABEA11759E2}"/>
+                <a16:creationId xmlns:a16="http://schemas.microsoft.com/office/drawing/2014/main" id="{0EEA831B-BDEE-4233-B932-9ABEA11759E2}"/>
               </a:ext>
             </a:extLst>
           </p:cNvPr>
@@ -5573,13 +5510,6 @@
     <a:masterClrMapping/>
   </p:clrMapOvr>
   <p:transition/>
-  <p:timing>
-    <p:tnLst>
-      <p:par>
-        <p:cTn id="1" dur="indefinite" restart="never" nodeType="tmRoot"/>
-      </p:par>
-    </p:tnLst>
-  </p:timing>
 </p:sld>
 </file>
 
@@ -5605,7 +5535,7 @@
           <p:cNvPr id="2" name="Titel 1">
             <a:extLst>
               <a:ext uri="{FF2B5EF4-FFF2-40B4-BE49-F238E27FC236}">
-                <a16:creationId xmlns:a16="http://schemas.microsoft.com/office/drawing/2014/main" xmlns="" id="{E0C48783-44F0-49B1-91DF-746F77EC058D}"/>
+                <a16:creationId xmlns:a16="http://schemas.microsoft.com/office/drawing/2014/main" id="{E0C48783-44F0-49B1-91DF-746F77EC058D}"/>
               </a:ext>
             </a:extLst>
           </p:cNvPr>
@@ -5631,16 +5561,6 @@
               </a:rPr>
               <a:t>Konzept</a:t>
             </a:r>
-            <a:r>
-              <a:rPr lang="en-US" dirty="0">
-                <a:solidFill>
-                  <a:schemeClr val="tx1"/>
-                </a:solidFill>
-                <a:latin typeface="+mj-ea"/>
-                <a:cs typeface="+mj-ea"/>
-              </a:rPr>
-              <a:t/>
-            </a:r>
             <a:br>
               <a:rPr lang="en-US" dirty="0">
                 <a:solidFill>
@@ -5665,7 +5585,7 @@
           <p:cNvPr id="3" name="Inhaltsplatzhalter 2">
             <a:extLst>
               <a:ext uri="{FF2B5EF4-FFF2-40B4-BE49-F238E27FC236}">
-                <a16:creationId xmlns:a16="http://schemas.microsoft.com/office/drawing/2014/main" xmlns="" id="{30474B77-0BBF-4449-8ED8-4290E9952962}"/>
+                <a16:creationId xmlns:a16="http://schemas.microsoft.com/office/drawing/2014/main" id="{30474B77-0BBF-4449-8ED8-4290E9952962}"/>
               </a:ext>
             </a:extLst>
           </p:cNvPr>
@@ -5689,16 +5609,16 @@
               <a:buAutoNum type="arabicPeriod"/>
             </a:pPr>
             <a:r>
-              <a:rPr lang="de-DE" altLang="de-DE" sz="1800" dirty="0" err="1">
+              <a:rPr lang="de-DE" altLang="de-DE" sz="1800">
                 <a:cs typeface="Arial"/>
               </a:rPr>
-              <a:t>Lokaleminima</a:t>
+              <a:t>Lokale Minima </a:t>
             </a:r>
             <a:r>
               <a:rPr lang="de-DE" altLang="de-DE" sz="1800" dirty="0">
                 <a:cs typeface="Arial"/>
               </a:rPr>
-              <a:t> verringern </a:t>
+              <a:t>verringern </a:t>
             </a:r>
           </a:p>
           <a:p>
@@ -5890,7 +5810,7 @@
           <p:cNvPr id="4" name="Fußzeilenplatzhalter 3">
             <a:extLst>
               <a:ext uri="{FF2B5EF4-FFF2-40B4-BE49-F238E27FC236}">
-                <a16:creationId xmlns:a16="http://schemas.microsoft.com/office/drawing/2014/main" xmlns="" id="{D05208BD-8364-4FBE-98F6-FADE0698EEC8}"/>
+                <a16:creationId xmlns:a16="http://schemas.microsoft.com/office/drawing/2014/main" id="{D05208BD-8364-4FBE-98F6-FADE0698EEC8}"/>
               </a:ext>
             </a:extLst>
           </p:cNvPr>
@@ -5930,7 +5850,7 @@
           <p:cNvPr id="5" name="Foliennummernplatzhalter 4">
             <a:extLst>
               <a:ext uri="{FF2B5EF4-FFF2-40B4-BE49-F238E27FC236}">
-                <a16:creationId xmlns:a16="http://schemas.microsoft.com/office/drawing/2014/main" xmlns="" id="{3508CB09-B7DF-4961-AF99-F98497007B99}"/>
+                <a16:creationId xmlns:a16="http://schemas.microsoft.com/office/drawing/2014/main" id="{3508CB09-B7DF-4961-AF99-F98497007B99}"/>
               </a:ext>
             </a:extLst>
           </p:cNvPr>
@@ -5973,13 +5893,6 @@
     <a:masterClrMapping/>
   </p:clrMapOvr>
   <p:transition/>
-  <p:timing>
-    <p:tnLst>
-      <p:par>
-        <p:cTn id="1" dur="indefinite" restart="never" nodeType="tmRoot"/>
-      </p:par>
-    </p:tnLst>
-  </p:timing>
 </p:sld>
 </file>
 
@@ -6005,7 +5918,7 @@
           <p:cNvPr id="2" name="Titel 1">
             <a:extLst>
               <a:ext uri="{FF2B5EF4-FFF2-40B4-BE49-F238E27FC236}">
-                <a16:creationId xmlns:a16="http://schemas.microsoft.com/office/drawing/2014/main" xmlns="" id="{27550AB3-6952-4775-833E-DC990A492641}"/>
+                <a16:creationId xmlns:a16="http://schemas.microsoft.com/office/drawing/2014/main" id="{27550AB3-6952-4775-833E-DC990A492641}"/>
               </a:ext>
             </a:extLst>
           </p:cNvPr>
@@ -6031,16 +5944,6 @@
               </a:rPr>
               <a:t>Konzept</a:t>
             </a:r>
-            <a:r>
-              <a:rPr lang="en-US" dirty="0">
-                <a:solidFill>
-                  <a:schemeClr val="tx1"/>
-                </a:solidFill>
-                <a:latin typeface="+mj-ea"/>
-                <a:cs typeface="+mj-ea"/>
-              </a:rPr>
-              <a:t/>
-            </a:r>
             <a:br>
               <a:rPr lang="en-US" dirty="0">
                 <a:solidFill>
@@ -6065,7 +5968,7 @@
           <p:cNvPr id="3" name="Inhaltsplatzhalter 2">
             <a:extLst>
               <a:ext uri="{FF2B5EF4-FFF2-40B4-BE49-F238E27FC236}">
-                <a16:creationId xmlns:a16="http://schemas.microsoft.com/office/drawing/2014/main" xmlns="" id="{14596503-A67F-4B1F-B152-27CBB750E3A8}"/>
+                <a16:creationId xmlns:a16="http://schemas.microsoft.com/office/drawing/2014/main" id="{14596503-A67F-4B1F-B152-27CBB750E3A8}"/>
               </a:ext>
             </a:extLst>
           </p:cNvPr>
@@ -6281,7 +6184,7 @@
           <p:cNvPr id="4" name="Fußzeilenplatzhalter 3">
             <a:extLst>
               <a:ext uri="{FF2B5EF4-FFF2-40B4-BE49-F238E27FC236}">
-                <a16:creationId xmlns:a16="http://schemas.microsoft.com/office/drawing/2014/main" xmlns="" id="{0BA4DECC-89B5-4564-B3C6-BACCCEE9E91D}"/>
+                <a16:creationId xmlns:a16="http://schemas.microsoft.com/office/drawing/2014/main" id="{0BA4DECC-89B5-4564-B3C6-BACCCEE9E91D}"/>
               </a:ext>
             </a:extLst>
           </p:cNvPr>
@@ -6321,7 +6224,7 @@
           <p:cNvPr id="5" name="Foliennummernplatzhalter 4">
             <a:extLst>
               <a:ext uri="{FF2B5EF4-FFF2-40B4-BE49-F238E27FC236}">
-                <a16:creationId xmlns:a16="http://schemas.microsoft.com/office/drawing/2014/main" xmlns="" id="{04785371-51E6-40C6-B09A-2DB691D50DCE}"/>
+                <a16:creationId xmlns:a16="http://schemas.microsoft.com/office/drawing/2014/main" id="{04785371-51E6-40C6-B09A-2DB691D50DCE}"/>
               </a:ext>
             </a:extLst>
           </p:cNvPr>
@@ -6364,13 +6267,6 @@
     <a:masterClrMapping/>
   </p:clrMapOvr>
   <p:transition/>
-  <p:timing>
-    <p:tnLst>
-      <p:par>
-        <p:cTn id="1" dur="indefinite" restart="never" nodeType="tmRoot"/>
-      </p:par>
-    </p:tnLst>
-  </p:timing>
 </p:sld>
 </file>
 
@@ -6396,7 +6292,7 @@
           <p:cNvPr id="2" name="Titel 1">
             <a:extLst>
               <a:ext uri="{FF2B5EF4-FFF2-40B4-BE49-F238E27FC236}">
-                <a16:creationId xmlns:a16="http://schemas.microsoft.com/office/drawing/2014/main" xmlns="" id="{27550AB3-6952-4775-833E-DC990A492641}"/>
+                <a16:creationId xmlns:a16="http://schemas.microsoft.com/office/drawing/2014/main" id="{27550AB3-6952-4775-833E-DC990A492641}"/>
               </a:ext>
             </a:extLst>
           </p:cNvPr>
@@ -6422,16 +6318,6 @@
               </a:rPr>
               <a:t>Konzept</a:t>
             </a:r>
-            <a:r>
-              <a:rPr lang="en-US" dirty="0">
-                <a:solidFill>
-                  <a:schemeClr val="tx1"/>
-                </a:solidFill>
-                <a:latin typeface="+mj-ea"/>
-                <a:cs typeface="+mj-ea"/>
-              </a:rPr>
-              <a:t/>
-            </a:r>
             <a:br>
               <a:rPr lang="en-US" dirty="0">
                 <a:solidFill>
@@ -6456,7 +6342,7 @@
           <p:cNvPr id="4" name="Fußzeilenplatzhalter 3">
             <a:extLst>
               <a:ext uri="{FF2B5EF4-FFF2-40B4-BE49-F238E27FC236}">
-                <a16:creationId xmlns:a16="http://schemas.microsoft.com/office/drawing/2014/main" xmlns="" id="{0BA4DECC-89B5-4564-B3C6-BACCCEE9E91D}"/>
+                <a16:creationId xmlns:a16="http://schemas.microsoft.com/office/drawing/2014/main" id="{0BA4DECC-89B5-4564-B3C6-BACCCEE9E91D}"/>
               </a:ext>
             </a:extLst>
           </p:cNvPr>
@@ -6496,7 +6382,7 @@
           <p:cNvPr id="5" name="Foliennummernplatzhalter 4">
             <a:extLst>
               <a:ext uri="{FF2B5EF4-FFF2-40B4-BE49-F238E27FC236}">
-                <a16:creationId xmlns:a16="http://schemas.microsoft.com/office/drawing/2014/main" xmlns="" id="{04785371-51E6-40C6-B09A-2DB691D50DCE}"/>
+                <a16:creationId xmlns:a16="http://schemas.microsoft.com/office/drawing/2014/main" id="{04785371-51E6-40C6-B09A-2DB691D50DCE}"/>
               </a:ext>
             </a:extLst>
           </p:cNvPr>
@@ -6565,13 +6451,6 @@
     <a:masterClrMapping/>
   </p:clrMapOvr>
   <p:transition/>
-  <p:timing>
-    <p:tnLst>
-      <p:par>
-        <p:cTn id="1" dur="indefinite" restart="never" nodeType="tmRoot"/>
-      </p:par>
-    </p:tnLst>
-  </p:timing>
 </p:sld>
 </file>
 
@@ -6597,7 +6476,7 @@
           <p:cNvPr id="2" name="Titel 1">
             <a:extLst>
               <a:ext uri="{FF2B5EF4-FFF2-40B4-BE49-F238E27FC236}">
-                <a16:creationId xmlns:a16="http://schemas.microsoft.com/office/drawing/2014/main" xmlns="" id="{68942DE7-0CD4-4006-B961-3A46331D13B7}"/>
+                <a16:creationId xmlns:a16="http://schemas.microsoft.com/office/drawing/2014/main" id="{68942DE7-0CD4-4006-B961-3A46331D13B7}"/>
               </a:ext>
             </a:extLst>
           </p:cNvPr>
@@ -6649,7 +6528,7 @@
           <p:cNvPr id="4" name="Fußzeilenplatzhalter 3">
             <a:extLst>
               <a:ext uri="{FF2B5EF4-FFF2-40B4-BE49-F238E27FC236}">
-                <a16:creationId xmlns:a16="http://schemas.microsoft.com/office/drawing/2014/main" xmlns="" id="{EAA1F0E0-8D52-48F0-B1B5-68B6926C079D}"/>
+                <a16:creationId xmlns:a16="http://schemas.microsoft.com/office/drawing/2014/main" id="{EAA1F0E0-8D52-48F0-B1B5-68B6926C079D}"/>
               </a:ext>
             </a:extLst>
           </p:cNvPr>
@@ -6689,7 +6568,7 @@
           <p:cNvPr id="5" name="Foliennummernplatzhalter 4">
             <a:extLst>
               <a:ext uri="{FF2B5EF4-FFF2-40B4-BE49-F238E27FC236}">
-                <a16:creationId xmlns:a16="http://schemas.microsoft.com/office/drawing/2014/main" xmlns="" id="{3247F105-89DD-4C3A-AC5F-FB6BBF6B145D}"/>
+                <a16:creationId xmlns:a16="http://schemas.microsoft.com/office/drawing/2014/main" id="{3247F105-89DD-4C3A-AC5F-FB6BBF6B145D}"/>
               </a:ext>
             </a:extLst>
           </p:cNvPr>
@@ -6758,13 +6637,6 @@
     <a:masterClrMapping/>
   </p:clrMapOvr>
   <p:transition/>
-  <p:timing>
-    <p:tnLst>
-      <p:par>
-        <p:cTn id="1" dur="indefinite" restart="never" nodeType="tmRoot"/>
-      </p:par>
-    </p:tnLst>
-  </p:timing>
 </p:sld>
 </file>
 
